--- a/Clues.pptx
+++ b/Clues.pptx
@@ -3030,7 +3030,7 @@
         <p:spPr>
           <a:xfrm>
             <a:off x="772160" y="934721"/>
-            <a:ext cx="10647680" cy="2677656"/>
+            <a:ext cx="10647680" cy="9694962"/>
           </a:xfrm>
           <a:prstGeom prst="rect">
             <a:avLst/>
@@ -3044,24 +3044,24 @@
           <a:lstStyle/>
           <a:p>
             <a:r>
-              <a:rPr lang="en-AU" sz="4000" b="1" dirty="0">
+              <a:rPr lang="en-AU" sz="4800" b="1" dirty="0">
                 <a:latin typeface="Courier New" panose="02070309020205020404" pitchFamily="49" charset="0"/>
                 <a:cs typeface="Courier New" panose="02070309020205020404" pitchFamily="49" charset="0"/>
               </a:rPr>
-              <a:t>Internal Memo</a:t>
-            </a:r>
-            <a:endParaRPr lang="en-AU" sz="4000" dirty="0">
+              <a:t>Internal Communication</a:t>
+            </a:r>
+            <a:endParaRPr lang="en-AU" sz="4800" dirty="0">
               <a:latin typeface="Courier New" panose="02070309020205020404" pitchFamily="49" charset="0"/>
               <a:cs typeface="Courier New" panose="02070309020205020404" pitchFamily="49" charset="0"/>
             </a:endParaRPr>
           </a:p>
           <a:p>
             <a:r>
-              <a:rPr lang="en-AU" sz="3200" dirty="0">
+              <a:rPr lang="en-AU" sz="4000" dirty="0">
                 <a:latin typeface="Courier New" panose="02070309020205020404" pitchFamily="49" charset="0"/>
                 <a:cs typeface="Courier New" panose="02070309020205020404" pitchFamily="49" charset="0"/>
               </a:rPr>
-              <a:t>Re:</a:t>
+              <a:t>Re: New On-Site Protocol</a:t>
             </a:r>
           </a:p>
           <a:p>
@@ -3071,27 +3071,752 @@
             </a:endParaRPr>
           </a:p>
           <a:p>
-            <a:pPr marL="457200" indent="-457200">
-              <a:buFont typeface="Arial" panose="020B0604020202020204" pitchFamily="34" charset="0"/>
-              <a:buChar char="•"/>
-            </a:pPr>
-            <a:endParaRPr lang="en-AU" sz="3200" dirty="0">
+            <a:r>
+              <a:rPr lang="en-AU" sz="2800" dirty="0">
+                <a:latin typeface="Courier New" panose="02070309020205020404" pitchFamily="49" charset="0"/>
+                <a:cs typeface="Courier New" panose="02070309020205020404" pitchFamily="49" charset="0"/>
+              </a:rPr>
+              <a:t>You’ve each been assigned a unique passcode. This is important – it will allow </a:t>
+            </a:r>
+            <a:r>
+              <a:rPr lang="en-AU" sz="2800" u="sng" dirty="0">
+                <a:latin typeface="Courier New" panose="02070309020205020404" pitchFamily="49" charset="0"/>
+                <a:cs typeface="Courier New" panose="02070309020205020404" pitchFamily="49" charset="0"/>
+              </a:rPr>
+              <a:t>y</a:t>
+            </a:r>
+            <a:r>
+              <a:rPr lang="en-AU" sz="2800" dirty="0">
+                <a:latin typeface="Courier New" panose="02070309020205020404" pitchFamily="49" charset="0"/>
+                <a:cs typeface="Courier New" panose="02070309020205020404" pitchFamily="49" charset="0"/>
+              </a:rPr>
+              <a:t>ou to unlock doors within secure areas of this site.</a:t>
+            </a:r>
+          </a:p>
+          <a:p>
+            <a:endParaRPr lang="en-AU" sz="2800" dirty="0">
               <a:latin typeface="Courier New" panose="02070309020205020404" pitchFamily="49" charset="0"/>
               <a:cs typeface="Courier New" panose="02070309020205020404" pitchFamily="49" charset="0"/>
             </a:endParaRPr>
           </a:p>
           <a:p>
-            <a:pPr marL="457200" indent="-457200">
-              <a:buFont typeface="Arial" panose="020B0604020202020204" pitchFamily="34" charset="0"/>
-              <a:buChar char="•"/>
-            </a:pPr>
-            <a:endParaRPr lang="en-AU" sz="3200" dirty="0">
+            <a:r>
+              <a:rPr lang="en-AU" sz="2800" dirty="0">
+                <a:latin typeface="Courier New" panose="02070309020205020404" pitchFamily="49" charset="0"/>
+                <a:cs typeface="Courier New" panose="02070309020205020404" pitchFamily="49" charset="0"/>
+              </a:rPr>
+              <a:t>Do not write your passcode down.</a:t>
+            </a:r>
+          </a:p>
+          <a:p>
+            <a:endParaRPr lang="en-AU" sz="2800" dirty="0">
               <a:latin typeface="Courier New" panose="02070309020205020404" pitchFamily="49" charset="0"/>
               <a:cs typeface="Courier New" panose="02070309020205020404" pitchFamily="49" charset="0"/>
             </a:endParaRPr>
           </a:p>
-        </p:txBody>
-      </p:sp>
+          <a:p>
+            <a:r>
+              <a:rPr lang="en-AU" sz="2800" dirty="0">
+                <a:latin typeface="Courier New" panose="02070309020205020404" pitchFamily="49" charset="0"/>
+                <a:cs typeface="Courier New" panose="02070309020205020404" pitchFamily="49" charset="0"/>
+              </a:rPr>
+              <a:t>I trust you are all capable of memorising a simple 10-digit alphanumeric code. If you must write yourself a hint to jog your memory, please store it in safe place, out of sight.</a:t>
+            </a:r>
+          </a:p>
+          <a:p>
+            <a:endParaRPr lang="en-AU" sz="2800" dirty="0">
+              <a:latin typeface="Courier New" panose="02070309020205020404" pitchFamily="49" charset="0"/>
+              <a:cs typeface="Courier New" panose="02070309020205020404" pitchFamily="49" charset="0"/>
+            </a:endParaRPr>
+          </a:p>
+          <a:p>
+            <a:r>
+              <a:rPr lang="en-AU" sz="2800" dirty="0">
+                <a:latin typeface="Courier New" panose="02070309020205020404" pitchFamily="49" charset="0"/>
+                <a:cs typeface="Courier New" panose="02070309020205020404" pitchFamily="49" charset="0"/>
+              </a:rPr>
+              <a:t>Last week, I came across a staff member’s password on a sticky note attached to their monitor. Needless to say, they are now a former staff member.</a:t>
+            </a:r>
+          </a:p>
+          <a:p>
+            <a:endParaRPr lang="en-AU" sz="2800" dirty="0">
+              <a:latin typeface="Courier New" panose="02070309020205020404" pitchFamily="49" charset="0"/>
+              <a:cs typeface="Courier New" panose="02070309020205020404" pitchFamily="49" charset="0"/>
+            </a:endParaRPr>
+          </a:p>
+          <a:p>
+            <a:r>
+              <a:rPr lang="en-AU" sz="2800" dirty="0">
+                <a:latin typeface="Courier New" panose="02070309020205020404" pitchFamily="49" charset="0"/>
+                <a:cs typeface="Courier New" panose="02070309020205020404" pitchFamily="49" charset="0"/>
+              </a:rPr>
+              <a:t>P Levesque,</a:t>
+            </a:r>
+          </a:p>
+          <a:p>
+            <a:r>
+              <a:rPr lang="en-AU" sz="2800" dirty="0">
+                <a:latin typeface="Courier New" panose="02070309020205020404" pitchFamily="49" charset="0"/>
+                <a:cs typeface="Courier New" panose="02070309020205020404" pitchFamily="49" charset="0"/>
+              </a:rPr>
+              <a:t>Site Director</a:t>
+            </a:r>
+          </a:p>
+        </p:txBody>
+      </p:sp>
+      <p:pic>
+        <p:nvPicPr>
+          <p:cNvPr id="3" name="Picture 2">
+            <a:extLst>
+              <a:ext uri="{FF2B5EF4-FFF2-40B4-BE49-F238E27FC236}">
+                <a16:creationId xmlns:a16="http://schemas.microsoft.com/office/drawing/2014/main" id="{F4C26BA1-64CC-48F9-A9CC-91534EC13A64}"/>
+              </a:ext>
+            </a:extLst>
+          </p:cNvPr>
+          <p:cNvPicPr>
+            <a:picLocks noChangeAspect="1"/>
+          </p:cNvPicPr>
+          <p:nvPr/>
+        </p:nvPicPr>
+        <p:blipFill>
+          <a:blip r:embed="rId4"/>
+          <a:stretch>
+            <a:fillRect/>
+          </a:stretch>
+        </p:blipFill>
+        <p:spPr>
+          <a:xfrm rot="16200000">
+            <a:off x="5296588" y="1148345"/>
+            <a:ext cx="970070" cy="409889"/>
+          </a:xfrm>
+          <a:prstGeom prst="rect">
+            <a:avLst/>
+          </a:prstGeom>
+        </p:spPr>
+      </p:pic>
+      <p:pic>
+        <p:nvPicPr>
+          <p:cNvPr id="5" name="Picture 4">
+            <a:extLst>
+              <a:ext uri="{FF2B5EF4-FFF2-40B4-BE49-F238E27FC236}">
+                <a16:creationId xmlns:a16="http://schemas.microsoft.com/office/drawing/2014/main" id="{E13BB818-A181-4298-A676-041D1018C379}"/>
+              </a:ext>
+            </a:extLst>
+          </p:cNvPr>
+          <p:cNvPicPr>
+            <a:picLocks noChangeAspect="1"/>
+          </p:cNvPicPr>
+          <p:nvPr/>
+        </p:nvPicPr>
+        <p:blipFill>
+          <a:blip r:embed="rId5">
+            <a:extLst>
+              <a:ext uri="{BEBA8EAE-BF5A-486C-A8C5-ECC9F3942E4B}">
+                <a14:imgProps xmlns:a14="http://schemas.microsoft.com/office/drawing/2010/main">
+                  <a14:imgLayer r:embed="rId6">
+                    <a14:imgEffect>
+                      <a14:brightnessContrast bright="-40000" contrast="40000"/>
+                    </a14:imgEffect>
+                  </a14:imgLayer>
+                </a14:imgProps>
+              </a:ext>
+            </a:extLst>
+          </a:blip>
+          <a:stretch>
+            <a:fillRect/>
+          </a:stretch>
+        </p:blipFill>
+        <p:spPr>
+          <a:xfrm rot="5118486">
+            <a:off x="3934263" y="1090788"/>
+            <a:ext cx="775211" cy="501501"/>
+          </a:xfrm>
+          <a:prstGeom prst="rect">
+            <a:avLst/>
+          </a:prstGeom>
+        </p:spPr>
+      </p:pic>
+      <p:pic>
+        <p:nvPicPr>
+          <p:cNvPr id="11" name="Picture 10">
+            <a:extLst>
+              <a:ext uri="{FF2B5EF4-FFF2-40B4-BE49-F238E27FC236}">
+                <a16:creationId xmlns:a16="http://schemas.microsoft.com/office/drawing/2014/main" id="{8CBF85FC-C9CD-456F-9756-0CCA273A28EF}"/>
+              </a:ext>
+            </a:extLst>
+          </p:cNvPr>
+          <p:cNvPicPr>
+            <a:picLocks noChangeAspect="1"/>
+          </p:cNvPicPr>
+          <p:nvPr/>
+        </p:nvPicPr>
+        <p:blipFill>
+          <a:blip r:embed="rId7"/>
+          <a:stretch>
+            <a:fillRect/>
+          </a:stretch>
+        </p:blipFill>
+        <p:spPr>
+          <a:xfrm>
+            <a:off x="5957058" y="1747520"/>
+            <a:ext cx="496751" cy="637680"/>
+          </a:xfrm>
+          <a:prstGeom prst="rect">
+            <a:avLst/>
+          </a:prstGeom>
+        </p:spPr>
+      </p:pic>
+      <p:pic>
+        <p:nvPicPr>
+          <p:cNvPr id="14" name="Picture 13">
+            <a:extLst>
+              <a:ext uri="{FF2B5EF4-FFF2-40B4-BE49-F238E27FC236}">
+                <a16:creationId xmlns:a16="http://schemas.microsoft.com/office/drawing/2014/main" id="{A48382BD-50AE-41D7-9169-B2200460BE56}"/>
+              </a:ext>
+            </a:extLst>
+          </p:cNvPr>
+          <p:cNvPicPr>
+            <a:picLocks noChangeAspect="1"/>
+          </p:cNvPicPr>
+          <p:nvPr/>
+        </p:nvPicPr>
+        <p:blipFill>
+          <a:blip r:embed="rId8"/>
+          <a:stretch>
+            <a:fillRect/>
+          </a:stretch>
+        </p:blipFill>
+        <p:spPr>
+          <a:xfrm rot="10194194">
+            <a:off x="1399001" y="3217610"/>
+            <a:ext cx="380269" cy="485710"/>
+          </a:xfrm>
+          <a:prstGeom prst="rect">
+            <a:avLst/>
+          </a:prstGeom>
+        </p:spPr>
+      </p:pic>
+      <p:pic>
+        <p:nvPicPr>
+          <p:cNvPr id="16" name="Picture 15">
+            <a:extLst>
+              <a:ext uri="{FF2B5EF4-FFF2-40B4-BE49-F238E27FC236}">
+                <a16:creationId xmlns:a16="http://schemas.microsoft.com/office/drawing/2014/main" id="{8CC0E220-C49E-4A29-908A-52310C624DA8}"/>
+              </a:ext>
+            </a:extLst>
+          </p:cNvPr>
+          <p:cNvPicPr>
+            <a:picLocks noChangeAspect="1"/>
+          </p:cNvPicPr>
+          <p:nvPr/>
+        </p:nvPicPr>
+        <p:blipFill>
+          <a:blip r:embed="rId9"/>
+          <a:stretch>
+            <a:fillRect/>
+          </a:stretch>
+        </p:blipFill>
+        <p:spPr>
+          <a:xfrm>
+            <a:off x="4663440" y="5319410"/>
+            <a:ext cx="229666" cy="605928"/>
+          </a:xfrm>
+          <a:prstGeom prst="rect">
+            <a:avLst/>
+          </a:prstGeom>
+        </p:spPr>
+      </p:pic>
+      <p:pic>
+        <p:nvPicPr>
+          <p:cNvPr id="20" name="Picture 19">
+            <a:extLst>
+              <a:ext uri="{FF2B5EF4-FFF2-40B4-BE49-F238E27FC236}">
+                <a16:creationId xmlns:a16="http://schemas.microsoft.com/office/drawing/2014/main" id="{8848EE19-01FC-451F-B7DE-9F748E7EEB40}"/>
+              </a:ext>
+            </a:extLst>
+          </p:cNvPr>
+          <p:cNvPicPr>
+            <a:picLocks noChangeAspect="1"/>
+          </p:cNvPicPr>
+          <p:nvPr/>
+        </p:nvPicPr>
+        <p:blipFill>
+          <a:blip r:embed="rId10"/>
+          <a:stretch>
+            <a:fillRect/>
+          </a:stretch>
+        </p:blipFill>
+        <p:spPr>
+          <a:xfrm>
+            <a:off x="6883815" y="3188038"/>
+            <a:ext cx="427928" cy="579218"/>
+          </a:xfrm>
+          <a:prstGeom prst="rect">
+            <a:avLst/>
+          </a:prstGeom>
+        </p:spPr>
+      </p:pic>
+      <p:pic>
+        <p:nvPicPr>
+          <p:cNvPr id="23" name="Picture 22">
+            <a:extLst>
+              <a:ext uri="{FF2B5EF4-FFF2-40B4-BE49-F238E27FC236}">
+                <a16:creationId xmlns:a16="http://schemas.microsoft.com/office/drawing/2014/main" id="{F19554A9-EBC2-4D8D-8184-B76D6DC351A3}"/>
+              </a:ext>
+            </a:extLst>
+          </p:cNvPr>
+          <p:cNvPicPr>
+            <a:picLocks noChangeAspect="1"/>
+          </p:cNvPicPr>
+          <p:nvPr/>
+        </p:nvPicPr>
+        <p:blipFill>
+          <a:blip r:embed="rId11"/>
+          <a:stretch>
+            <a:fillRect/>
+          </a:stretch>
+        </p:blipFill>
+        <p:spPr>
+          <a:xfrm>
+            <a:off x="4205741" y="3144225"/>
+            <a:ext cx="341493" cy="666843"/>
+          </a:xfrm>
+          <a:prstGeom prst="rect">
+            <a:avLst/>
+          </a:prstGeom>
+        </p:spPr>
+      </p:pic>
+      <p:pic>
+        <p:nvPicPr>
+          <p:cNvPr id="25" name="Picture 24">
+            <a:extLst>
+              <a:ext uri="{FF2B5EF4-FFF2-40B4-BE49-F238E27FC236}">
+                <a16:creationId xmlns:a16="http://schemas.microsoft.com/office/drawing/2014/main" id="{451070EB-9C6F-40E2-AC5E-7B6B93CD5082}"/>
+              </a:ext>
+            </a:extLst>
+          </p:cNvPr>
+          <p:cNvPicPr>
+            <a:picLocks noChangeAspect="1"/>
+          </p:cNvPicPr>
+          <p:nvPr/>
+        </p:nvPicPr>
+        <p:blipFill>
+          <a:blip r:embed="rId12">
+            <a:extLst>
+              <a:ext uri="{BEBA8EAE-BF5A-486C-A8C5-ECC9F3942E4B}">
+                <a14:imgProps xmlns:a14="http://schemas.microsoft.com/office/drawing/2010/main">
+                  <a14:imgLayer r:embed="rId13">
+                    <a14:imgEffect>
+                      <a14:brightnessContrast bright="-40000" contrast="40000"/>
+                    </a14:imgEffect>
+                  </a14:imgLayer>
+                </a14:imgProps>
+              </a:ext>
+            </a:extLst>
+          </a:blip>
+          <a:stretch>
+            <a:fillRect/>
+          </a:stretch>
+        </p:blipFill>
+        <p:spPr>
+          <a:xfrm>
+            <a:off x="2693719" y="4435486"/>
+            <a:ext cx="382047" cy="626099"/>
+          </a:xfrm>
+          <a:prstGeom prst="rect">
+            <a:avLst/>
+          </a:prstGeom>
+        </p:spPr>
+      </p:pic>
+      <p:pic>
+        <p:nvPicPr>
+          <p:cNvPr id="27" name="Picture 26">
+            <a:extLst>
+              <a:ext uri="{FF2B5EF4-FFF2-40B4-BE49-F238E27FC236}">
+                <a16:creationId xmlns:a16="http://schemas.microsoft.com/office/drawing/2014/main" id="{6EE06D4C-5F62-4E3B-A71C-DE4883CD2831}"/>
+              </a:ext>
+            </a:extLst>
+          </p:cNvPr>
+          <p:cNvPicPr>
+            <a:picLocks noChangeAspect="1"/>
+          </p:cNvPicPr>
+          <p:nvPr/>
+        </p:nvPicPr>
+        <p:blipFill rotWithShape="1">
+          <a:blip r:embed="rId14"/>
+          <a:srcRect b="3757"/>
+          <a:stretch/>
+        </p:blipFill>
+        <p:spPr>
+          <a:xfrm>
+            <a:off x="9297811" y="2724096"/>
+            <a:ext cx="396733" cy="640134"/>
+          </a:xfrm>
+          <a:prstGeom prst="rect">
+            <a:avLst/>
+          </a:prstGeom>
+        </p:spPr>
+      </p:pic>
+      <p:pic>
+        <p:nvPicPr>
+          <p:cNvPr id="29" name="Picture 28">
+            <a:extLst>
+              <a:ext uri="{FF2B5EF4-FFF2-40B4-BE49-F238E27FC236}">
+                <a16:creationId xmlns:a16="http://schemas.microsoft.com/office/drawing/2014/main" id="{CE17565B-82B7-40DE-BC7C-C9F0FCFF8E48}"/>
+              </a:ext>
+            </a:extLst>
+          </p:cNvPr>
+          <p:cNvPicPr>
+            <a:picLocks noChangeAspect="1"/>
+          </p:cNvPicPr>
+          <p:nvPr/>
+        </p:nvPicPr>
+        <p:blipFill>
+          <a:blip r:embed="rId15"/>
+          <a:stretch>
+            <a:fillRect/>
+          </a:stretch>
+        </p:blipFill>
+        <p:spPr>
+          <a:xfrm>
+            <a:off x="9523070" y="3135997"/>
+            <a:ext cx="342948" cy="675071"/>
+          </a:xfrm>
+          <a:prstGeom prst="rect">
+            <a:avLst/>
+          </a:prstGeom>
+        </p:spPr>
+      </p:pic>
+      <p:pic>
+        <p:nvPicPr>
+          <p:cNvPr id="31" name="Picture 30">
+            <a:extLst>
+              <a:ext uri="{FF2B5EF4-FFF2-40B4-BE49-F238E27FC236}">
+                <a16:creationId xmlns:a16="http://schemas.microsoft.com/office/drawing/2014/main" id="{54E7359F-6B1A-400A-BB77-62CCB0F16C5F}"/>
+              </a:ext>
+            </a:extLst>
+          </p:cNvPr>
+          <p:cNvPicPr>
+            <a:picLocks noChangeAspect="1"/>
+          </p:cNvPicPr>
+          <p:nvPr/>
+        </p:nvPicPr>
+        <p:blipFill>
+          <a:blip r:embed="rId16"/>
+          <a:stretch>
+            <a:fillRect/>
+          </a:stretch>
+        </p:blipFill>
+        <p:spPr>
+          <a:xfrm>
+            <a:off x="10997233" y="2653338"/>
+            <a:ext cx="389587" cy="838317"/>
+          </a:xfrm>
+          <a:prstGeom prst="rect">
+            <a:avLst/>
+          </a:prstGeom>
+        </p:spPr>
+      </p:pic>
+      <p:pic>
+        <p:nvPicPr>
+          <p:cNvPr id="33" name="Picture 32">
+            <a:extLst>
+              <a:ext uri="{FF2B5EF4-FFF2-40B4-BE49-F238E27FC236}">
+                <a16:creationId xmlns:a16="http://schemas.microsoft.com/office/drawing/2014/main" id="{C3926397-4AC9-4B83-B2C3-FC38E5C354F6}"/>
+              </a:ext>
+            </a:extLst>
+          </p:cNvPr>
+          <p:cNvPicPr>
+            <a:picLocks noChangeAspect="1"/>
+          </p:cNvPicPr>
+          <p:nvPr/>
+        </p:nvPicPr>
+        <p:blipFill>
+          <a:blip r:embed="rId17"/>
+          <a:stretch>
+            <a:fillRect/>
+          </a:stretch>
+        </p:blipFill>
+        <p:spPr>
+          <a:xfrm>
+            <a:off x="8047657" y="6520053"/>
+            <a:ext cx="380064" cy="791338"/>
+          </a:xfrm>
+          <a:prstGeom prst="rect">
+            <a:avLst/>
+          </a:prstGeom>
+        </p:spPr>
+      </p:pic>
+      <p:pic>
+        <p:nvPicPr>
+          <p:cNvPr id="35" name="Picture 34">
+            <a:extLst>
+              <a:ext uri="{FF2B5EF4-FFF2-40B4-BE49-F238E27FC236}">
+                <a16:creationId xmlns:a16="http://schemas.microsoft.com/office/drawing/2014/main" id="{5E2E8FF4-D797-4998-BB25-1A6A0C5E8A22}"/>
+              </a:ext>
+            </a:extLst>
+          </p:cNvPr>
+          <p:cNvPicPr>
+            <a:picLocks noChangeAspect="1"/>
+          </p:cNvPicPr>
+          <p:nvPr/>
+        </p:nvPicPr>
+        <p:blipFill>
+          <a:blip r:embed="rId18"/>
+          <a:stretch>
+            <a:fillRect/>
+          </a:stretch>
+        </p:blipFill>
+        <p:spPr>
+          <a:xfrm flipH="1" flipV="1">
+            <a:off x="7206927" y="7840526"/>
+            <a:ext cx="291765" cy="574948"/>
+          </a:xfrm>
+          <a:prstGeom prst="rect">
+            <a:avLst/>
+          </a:prstGeom>
+        </p:spPr>
+      </p:pic>
+      <p:pic>
+        <p:nvPicPr>
+          <p:cNvPr id="37" name="Picture 36">
+            <a:extLst>
+              <a:ext uri="{FF2B5EF4-FFF2-40B4-BE49-F238E27FC236}">
+                <a16:creationId xmlns:a16="http://schemas.microsoft.com/office/drawing/2014/main" id="{22FF5E95-D09A-4818-B320-BEECDC22F139}"/>
+              </a:ext>
+            </a:extLst>
+          </p:cNvPr>
+          <p:cNvPicPr>
+            <a:picLocks noChangeAspect="1"/>
+          </p:cNvPicPr>
+          <p:nvPr/>
+        </p:nvPicPr>
+        <p:blipFill>
+          <a:blip r:embed="rId19"/>
+          <a:stretch>
+            <a:fillRect/>
+          </a:stretch>
+        </p:blipFill>
+        <p:spPr>
+          <a:xfrm>
+            <a:off x="2286000" y="6633697"/>
+            <a:ext cx="295485" cy="483383"/>
+          </a:xfrm>
+          <a:prstGeom prst="rect">
+            <a:avLst/>
+          </a:prstGeom>
+        </p:spPr>
+      </p:pic>
+      <p:pic>
+        <p:nvPicPr>
+          <p:cNvPr id="39" name="Picture 38">
+            <a:extLst>
+              <a:ext uri="{FF2B5EF4-FFF2-40B4-BE49-F238E27FC236}">
+                <a16:creationId xmlns:a16="http://schemas.microsoft.com/office/drawing/2014/main" id="{EC19A3AA-4110-4967-BD25-635B9C70BD9A}"/>
+              </a:ext>
+            </a:extLst>
+          </p:cNvPr>
+          <p:cNvPicPr>
+            <a:picLocks noChangeAspect="1"/>
+          </p:cNvPicPr>
+          <p:nvPr/>
+        </p:nvPicPr>
+        <p:blipFill>
+          <a:blip r:embed="rId20"/>
+          <a:stretch>
+            <a:fillRect/>
+          </a:stretch>
+        </p:blipFill>
+        <p:spPr>
+          <a:xfrm rot="10405335">
+            <a:off x="2884820" y="5693055"/>
+            <a:ext cx="381891" cy="609685"/>
+          </a:xfrm>
+          <a:prstGeom prst="rect">
+            <a:avLst/>
+          </a:prstGeom>
+        </p:spPr>
+      </p:pic>
+      <p:pic>
+        <p:nvPicPr>
+          <p:cNvPr id="41" name="Picture 40">
+            <a:extLst>
+              <a:ext uri="{FF2B5EF4-FFF2-40B4-BE49-F238E27FC236}">
+                <a16:creationId xmlns:a16="http://schemas.microsoft.com/office/drawing/2014/main" id="{0828E29D-2159-4FD1-9CCA-FC9087433DB8}"/>
+              </a:ext>
+            </a:extLst>
+          </p:cNvPr>
+          <p:cNvPicPr>
+            <a:picLocks noChangeAspect="1"/>
+          </p:cNvPicPr>
+          <p:nvPr/>
+        </p:nvPicPr>
+        <p:blipFill>
+          <a:blip r:embed="rId21"/>
+          <a:stretch>
+            <a:fillRect/>
+          </a:stretch>
+        </p:blipFill>
+        <p:spPr>
+          <a:xfrm rot="15347774">
+            <a:off x="4178161" y="7605506"/>
+            <a:ext cx="459476" cy="358500"/>
+          </a:xfrm>
+          <a:prstGeom prst="rect">
+            <a:avLst/>
+          </a:prstGeom>
+        </p:spPr>
+      </p:pic>
+      <p:pic>
+        <p:nvPicPr>
+          <p:cNvPr id="43" name="Picture 42">
+            <a:extLst>
+              <a:ext uri="{FF2B5EF4-FFF2-40B4-BE49-F238E27FC236}">
+                <a16:creationId xmlns:a16="http://schemas.microsoft.com/office/drawing/2014/main" id="{E2C34DBB-3DE4-4D47-A583-BF69CC2D4DA5}"/>
+              </a:ext>
+            </a:extLst>
+          </p:cNvPr>
+          <p:cNvPicPr>
+            <a:picLocks noChangeAspect="1"/>
+          </p:cNvPicPr>
+          <p:nvPr/>
+        </p:nvPicPr>
+        <p:blipFill>
+          <a:blip r:embed="rId22"/>
+          <a:stretch>
+            <a:fillRect/>
+          </a:stretch>
+        </p:blipFill>
+        <p:spPr>
+          <a:xfrm>
+            <a:off x="6083461" y="5201920"/>
+            <a:ext cx="370348" cy="752797"/>
+          </a:xfrm>
+          <a:prstGeom prst="rect">
+            <a:avLst/>
+          </a:prstGeom>
+        </p:spPr>
+      </p:pic>
+      <p:pic>
+        <p:nvPicPr>
+          <p:cNvPr id="45" name="Picture 44">
+            <a:extLst>
+              <a:ext uri="{FF2B5EF4-FFF2-40B4-BE49-F238E27FC236}">
+                <a16:creationId xmlns:a16="http://schemas.microsoft.com/office/drawing/2014/main" id="{D80C4C07-5E24-4287-992D-4E3871BC2F56}"/>
+              </a:ext>
+            </a:extLst>
+          </p:cNvPr>
+          <p:cNvPicPr>
+            <a:picLocks noChangeAspect="1"/>
+          </p:cNvPicPr>
+          <p:nvPr/>
+        </p:nvPicPr>
+        <p:blipFill>
+          <a:blip r:embed="rId23"/>
+          <a:stretch>
+            <a:fillRect/>
+          </a:stretch>
+        </p:blipFill>
+        <p:spPr>
+          <a:xfrm>
+            <a:off x="1165560" y="8752840"/>
+            <a:ext cx="387620" cy="530261"/>
+          </a:xfrm>
+          <a:prstGeom prst="rect">
+            <a:avLst/>
+          </a:prstGeom>
+        </p:spPr>
+      </p:pic>
+      <p:pic>
+        <p:nvPicPr>
+          <p:cNvPr id="47" name="Picture 46">
+            <a:extLst>
+              <a:ext uri="{FF2B5EF4-FFF2-40B4-BE49-F238E27FC236}">
+                <a16:creationId xmlns:a16="http://schemas.microsoft.com/office/drawing/2014/main" id="{B13DD636-1C64-4A48-AE38-AF566DAFD8EF}"/>
+              </a:ext>
+            </a:extLst>
+          </p:cNvPr>
+          <p:cNvPicPr>
+            <a:picLocks noChangeAspect="1"/>
+          </p:cNvPicPr>
+          <p:nvPr/>
+        </p:nvPicPr>
+        <p:blipFill>
+          <a:blip r:embed="rId24"/>
+          <a:stretch>
+            <a:fillRect/>
+          </a:stretch>
+        </p:blipFill>
+        <p:spPr>
+          <a:xfrm>
+            <a:off x="7617136" y="5319410"/>
+            <a:ext cx="338143" cy="541986"/>
+          </a:xfrm>
+          <a:prstGeom prst="rect">
+            <a:avLst/>
+          </a:prstGeom>
+        </p:spPr>
+      </p:pic>
+      <p:pic>
+        <p:nvPicPr>
+          <p:cNvPr id="49" name="Picture 48">
+            <a:extLst>
+              <a:ext uri="{FF2B5EF4-FFF2-40B4-BE49-F238E27FC236}">
+                <a16:creationId xmlns:a16="http://schemas.microsoft.com/office/drawing/2014/main" id="{8BA5C01E-4AF9-4559-9849-4906C79DBF1B}"/>
+              </a:ext>
+            </a:extLst>
+          </p:cNvPr>
+          <p:cNvPicPr>
+            <a:picLocks noChangeAspect="1"/>
+          </p:cNvPicPr>
+          <p:nvPr/>
+        </p:nvPicPr>
+        <p:blipFill>
+          <a:blip r:embed="rId25"/>
+          <a:stretch>
+            <a:fillRect/>
+          </a:stretch>
+        </p:blipFill>
+        <p:spPr>
+          <a:xfrm>
+            <a:off x="2938374" y="10041291"/>
+            <a:ext cx="362001" cy="489549"/>
+          </a:xfrm>
+          <a:prstGeom prst="rect">
+            <a:avLst/>
+          </a:prstGeom>
+        </p:spPr>
+      </p:pic>
+      <p:pic>
+        <p:nvPicPr>
+          <p:cNvPr id="51" name="Picture 50">
+            <a:extLst>
+              <a:ext uri="{FF2B5EF4-FFF2-40B4-BE49-F238E27FC236}">
+                <a16:creationId xmlns:a16="http://schemas.microsoft.com/office/drawing/2014/main" id="{D9A56405-33F5-42DE-B33A-F9C461AD7BE3}"/>
+              </a:ext>
+            </a:extLst>
+          </p:cNvPr>
+          <p:cNvPicPr>
+            <a:picLocks noChangeAspect="1"/>
+          </p:cNvPicPr>
+          <p:nvPr/>
+        </p:nvPicPr>
+        <p:blipFill>
+          <a:blip r:embed="rId26"/>
+          <a:stretch>
+            <a:fillRect/>
+          </a:stretch>
+        </p:blipFill>
+        <p:spPr>
+          <a:xfrm>
+            <a:off x="5085664" y="2735492"/>
+            <a:ext cx="284077" cy="628738"/>
+          </a:xfrm>
+          <a:prstGeom prst="rect">
+            <a:avLst/>
+          </a:prstGeom>
+        </p:spPr>
+      </p:pic>
     </p:spTree>
     <p:extLst>
       <p:ext uri="{BB962C8B-B14F-4D97-AF65-F5344CB8AC3E}">

--- a/Clues.pptx
+++ b/Clues.pptx
@@ -6,6 +6,8 @@
   </p:sldMasterIdLst>
   <p:sldIdLst>
     <p:sldId id="256" r:id="rId2"/>
+    <p:sldId id="257" r:id="rId3"/>
+    <p:sldId id="258" r:id="rId4"/>
   </p:sldIdLst>
   <p:sldSz cx="12192000" cy="16256000"/>
   <p:notesSz cx="6858000" cy="9144000"/>
@@ -243,7 +245,7 @@
           <a:p>
             <a:fld id="{2A2C2C6E-F6BD-497D-87CF-72A02E526C5B}" type="datetimeFigureOut">
               <a:rPr lang="en-AU" smtClean="0"/>
-              <a:t>8/08/2021</a:t>
+              <a:t>23/08/2021</a:t>
             </a:fld>
             <a:endParaRPr lang="en-AU"/>
           </a:p>
@@ -413,7 +415,7 @@
           <a:p>
             <a:fld id="{2A2C2C6E-F6BD-497D-87CF-72A02E526C5B}" type="datetimeFigureOut">
               <a:rPr lang="en-AU" smtClean="0"/>
-              <a:t>8/08/2021</a:t>
+              <a:t>23/08/2021</a:t>
             </a:fld>
             <a:endParaRPr lang="en-AU"/>
           </a:p>
@@ -593,7 +595,7 @@
           <a:p>
             <a:fld id="{2A2C2C6E-F6BD-497D-87CF-72A02E526C5B}" type="datetimeFigureOut">
               <a:rPr lang="en-AU" smtClean="0"/>
-              <a:t>8/08/2021</a:t>
+              <a:t>23/08/2021</a:t>
             </a:fld>
             <a:endParaRPr lang="en-AU"/>
           </a:p>
@@ -763,7 +765,7 @@
           <a:p>
             <a:fld id="{2A2C2C6E-F6BD-497D-87CF-72A02E526C5B}" type="datetimeFigureOut">
               <a:rPr lang="en-AU" smtClean="0"/>
-              <a:t>8/08/2021</a:t>
+              <a:t>23/08/2021</a:t>
             </a:fld>
             <a:endParaRPr lang="en-AU"/>
           </a:p>
@@ -1007,7 +1009,7 @@
           <a:p>
             <a:fld id="{2A2C2C6E-F6BD-497D-87CF-72A02E526C5B}" type="datetimeFigureOut">
               <a:rPr lang="en-AU" smtClean="0"/>
-              <a:t>8/08/2021</a:t>
+              <a:t>23/08/2021</a:t>
             </a:fld>
             <a:endParaRPr lang="en-AU"/>
           </a:p>
@@ -1239,7 +1241,7 @@
           <a:p>
             <a:fld id="{2A2C2C6E-F6BD-497D-87CF-72A02E526C5B}" type="datetimeFigureOut">
               <a:rPr lang="en-AU" smtClean="0"/>
-              <a:t>8/08/2021</a:t>
+              <a:t>23/08/2021</a:t>
             </a:fld>
             <a:endParaRPr lang="en-AU"/>
           </a:p>
@@ -1606,7 +1608,7 @@
           <a:p>
             <a:fld id="{2A2C2C6E-F6BD-497D-87CF-72A02E526C5B}" type="datetimeFigureOut">
               <a:rPr lang="en-AU" smtClean="0"/>
-              <a:t>8/08/2021</a:t>
+              <a:t>23/08/2021</a:t>
             </a:fld>
             <a:endParaRPr lang="en-AU"/>
           </a:p>
@@ -1724,7 +1726,7 @@
           <a:p>
             <a:fld id="{2A2C2C6E-F6BD-497D-87CF-72A02E526C5B}" type="datetimeFigureOut">
               <a:rPr lang="en-AU" smtClean="0"/>
-              <a:t>8/08/2021</a:t>
+              <a:t>23/08/2021</a:t>
             </a:fld>
             <a:endParaRPr lang="en-AU"/>
           </a:p>
@@ -1819,7 +1821,7 @@
           <a:p>
             <a:fld id="{2A2C2C6E-F6BD-497D-87CF-72A02E526C5B}" type="datetimeFigureOut">
               <a:rPr lang="en-AU" smtClean="0"/>
-              <a:t>8/08/2021</a:t>
+              <a:t>23/08/2021</a:t>
             </a:fld>
             <a:endParaRPr lang="en-AU"/>
           </a:p>
@@ -2096,7 +2098,7 @@
           <a:p>
             <a:fld id="{2A2C2C6E-F6BD-497D-87CF-72A02E526C5B}" type="datetimeFigureOut">
               <a:rPr lang="en-AU" smtClean="0"/>
-              <a:t>8/08/2021</a:t>
+              <a:t>23/08/2021</a:t>
             </a:fld>
             <a:endParaRPr lang="en-AU"/>
           </a:p>
@@ -2353,7 +2355,7 @@
           <a:p>
             <a:fld id="{2A2C2C6E-F6BD-497D-87CF-72A02E526C5B}" type="datetimeFigureOut">
               <a:rPr lang="en-AU" smtClean="0"/>
-              <a:t>8/08/2021</a:t>
+              <a:t>23/08/2021</a:t>
             </a:fld>
             <a:endParaRPr lang="en-AU"/>
           </a:p>
@@ -2566,7 +2568,7 @@
           <a:p>
             <a:fld id="{2A2C2C6E-F6BD-497D-87CF-72A02E526C5B}" type="datetimeFigureOut">
               <a:rPr lang="en-AU" smtClean="0"/>
-              <a:t>8/08/2021</a:t>
+              <a:t>23/08/2021</a:t>
             </a:fld>
             <a:endParaRPr lang="en-AU"/>
           </a:p>
@@ -3830,6 +3832,1066 @@
 </p:sld>
 </file>
 
+<file path=ppt/slides/slide2.xml><?xml version="1.0" encoding="utf-8"?>
+<p:sld xmlns:a="http://schemas.openxmlformats.org/drawingml/2006/main" xmlns:r="http://schemas.openxmlformats.org/officeDocument/2006/relationships" xmlns:p="http://schemas.openxmlformats.org/presentationml/2006/main">
+  <p:cSld>
+    <p:bg>
+      <p:bgPr>
+        <a:blipFill dpi="0" rotWithShape="1">
+          <a:blip r:embed="rId2">
+            <a:lum/>
+          </a:blip>
+          <a:srcRect/>
+          <a:stretch>
+            <a:fillRect l="-39000" r="-39000"/>
+          </a:stretch>
+        </a:blipFill>
+        <a:effectLst/>
+      </p:bgPr>
+    </p:bg>
+    <p:spTree>
+      <p:nvGrpSpPr>
+        <p:cNvPr id="1" name=""/>
+        <p:cNvGrpSpPr/>
+        <p:nvPr/>
+      </p:nvGrpSpPr>
+      <p:grpSpPr>
+        <a:xfrm>
+          <a:off x="0" y="0"/>
+          <a:ext cx="0" cy="0"/>
+          <a:chOff x="0" y="0"/>
+          <a:chExt cx="0" cy="0"/>
+        </a:xfrm>
+      </p:grpSpPr>
+      <p:pic>
+        <p:nvPicPr>
+          <p:cNvPr id="8" name="Picture 7">
+            <a:extLst>
+              <a:ext uri="{FF2B5EF4-FFF2-40B4-BE49-F238E27FC236}">
+                <a16:creationId xmlns:a16="http://schemas.microsoft.com/office/drawing/2014/main" id="{815CB961-D41F-491C-B2DE-0D97E4F375E6}"/>
+              </a:ext>
+            </a:extLst>
+          </p:cNvPr>
+          <p:cNvPicPr>
+            <a:picLocks noChangeAspect="1"/>
+          </p:cNvPicPr>
+          <p:nvPr/>
+        </p:nvPicPr>
+        <p:blipFill>
+          <a:blip r:embed="rId3"/>
+          <a:stretch>
+            <a:fillRect/>
+          </a:stretch>
+        </p:blipFill>
+        <p:spPr>
+          <a:xfrm>
+            <a:off x="772160" y="934722"/>
+            <a:ext cx="10647679" cy="2325313"/>
+          </a:xfrm>
+          <a:prstGeom prst="rect">
+            <a:avLst/>
+          </a:prstGeom>
+        </p:spPr>
+      </p:pic>
+      <p:pic>
+        <p:nvPicPr>
+          <p:cNvPr id="62" name="Picture 61">
+            <a:extLst>
+              <a:ext uri="{FF2B5EF4-FFF2-40B4-BE49-F238E27FC236}">
+                <a16:creationId xmlns:a16="http://schemas.microsoft.com/office/drawing/2014/main" id="{FD5F4CB9-D543-4E0A-BAE6-8A7E9664903C}"/>
+              </a:ext>
+            </a:extLst>
+          </p:cNvPr>
+          <p:cNvPicPr>
+            <a:picLocks noChangeAspect="1"/>
+          </p:cNvPicPr>
+          <p:nvPr/>
+        </p:nvPicPr>
+        <p:blipFill>
+          <a:blip r:embed="rId4"/>
+          <a:stretch>
+            <a:fillRect/>
+          </a:stretch>
+        </p:blipFill>
+        <p:spPr>
+          <a:xfrm>
+            <a:off x="760522" y="4831852"/>
+            <a:ext cx="4317189" cy="1127624"/>
+          </a:xfrm>
+          <a:prstGeom prst="rect">
+            <a:avLst/>
+          </a:prstGeom>
+        </p:spPr>
+      </p:pic>
+      <p:pic>
+        <p:nvPicPr>
+          <p:cNvPr id="65" name="Picture 64">
+            <a:extLst>
+              <a:ext uri="{FF2B5EF4-FFF2-40B4-BE49-F238E27FC236}">
+                <a16:creationId xmlns:a16="http://schemas.microsoft.com/office/drawing/2014/main" id="{0E715EC2-3588-47B9-8FEE-D0BC888A9FED}"/>
+              </a:ext>
+            </a:extLst>
+          </p:cNvPr>
+          <p:cNvPicPr>
+            <a:picLocks noChangeAspect="1"/>
+          </p:cNvPicPr>
+          <p:nvPr/>
+        </p:nvPicPr>
+        <p:blipFill>
+          <a:blip r:embed="rId5"/>
+          <a:stretch>
+            <a:fillRect/>
+          </a:stretch>
+        </p:blipFill>
+        <p:spPr>
+          <a:xfrm>
+            <a:off x="571002" y="6026565"/>
+            <a:ext cx="6271163" cy="1089244"/>
+          </a:xfrm>
+          <a:prstGeom prst="rect">
+            <a:avLst/>
+          </a:prstGeom>
+        </p:spPr>
+      </p:pic>
+      <p:pic>
+        <p:nvPicPr>
+          <p:cNvPr id="68" name="Picture 67">
+            <a:extLst>
+              <a:ext uri="{FF2B5EF4-FFF2-40B4-BE49-F238E27FC236}">
+                <a16:creationId xmlns:a16="http://schemas.microsoft.com/office/drawing/2014/main" id="{570436BE-A908-42DF-8EDF-5959E40334CD}"/>
+              </a:ext>
+            </a:extLst>
+          </p:cNvPr>
+          <p:cNvPicPr>
+            <a:picLocks noChangeAspect="1"/>
+          </p:cNvPicPr>
+          <p:nvPr/>
+        </p:nvPicPr>
+        <p:blipFill>
+          <a:blip r:embed="rId6"/>
+          <a:stretch>
+            <a:fillRect/>
+          </a:stretch>
+        </p:blipFill>
+        <p:spPr>
+          <a:xfrm>
+            <a:off x="734528" y="7168716"/>
+            <a:ext cx="1689774" cy="1215028"/>
+          </a:xfrm>
+          <a:prstGeom prst="rect">
+            <a:avLst/>
+          </a:prstGeom>
+        </p:spPr>
+      </p:pic>
+      <p:pic>
+        <p:nvPicPr>
+          <p:cNvPr id="71" name="Picture 70">
+            <a:extLst>
+              <a:ext uri="{FF2B5EF4-FFF2-40B4-BE49-F238E27FC236}">
+                <a16:creationId xmlns:a16="http://schemas.microsoft.com/office/drawing/2014/main" id="{ABED6C78-A41B-427D-9BA4-BE1F0A80B239}"/>
+              </a:ext>
+            </a:extLst>
+          </p:cNvPr>
+          <p:cNvPicPr>
+            <a:picLocks noChangeAspect="1"/>
+          </p:cNvPicPr>
+          <p:nvPr/>
+        </p:nvPicPr>
+        <p:blipFill>
+          <a:blip r:embed="rId7"/>
+          <a:stretch>
+            <a:fillRect/>
+          </a:stretch>
+        </p:blipFill>
+        <p:spPr>
+          <a:xfrm>
+            <a:off x="680477" y="8564467"/>
+            <a:ext cx="2647648" cy="1175843"/>
+          </a:xfrm>
+          <a:prstGeom prst="rect">
+            <a:avLst/>
+          </a:prstGeom>
+        </p:spPr>
+      </p:pic>
+      <p:pic>
+        <p:nvPicPr>
+          <p:cNvPr id="74" name="Picture 73">
+            <a:extLst>
+              <a:ext uri="{FF2B5EF4-FFF2-40B4-BE49-F238E27FC236}">
+                <a16:creationId xmlns:a16="http://schemas.microsoft.com/office/drawing/2014/main" id="{7179CB80-6202-4F51-A0D2-5F64A14648BD}"/>
+              </a:ext>
+            </a:extLst>
+          </p:cNvPr>
+          <p:cNvPicPr>
+            <a:picLocks noChangeAspect="1"/>
+          </p:cNvPicPr>
+          <p:nvPr/>
+        </p:nvPicPr>
+        <p:blipFill>
+          <a:blip r:embed="rId8"/>
+          <a:stretch>
+            <a:fillRect/>
+          </a:stretch>
+        </p:blipFill>
+        <p:spPr>
+          <a:xfrm>
+            <a:off x="660400" y="9958699"/>
+            <a:ext cx="3474720" cy="1155584"/>
+          </a:xfrm>
+          <a:prstGeom prst="rect">
+            <a:avLst/>
+          </a:prstGeom>
+        </p:spPr>
+      </p:pic>
+    </p:spTree>
+    <p:extLst>
+      <p:ext uri="{BB962C8B-B14F-4D97-AF65-F5344CB8AC3E}">
+        <p14:creationId xmlns:p14="http://schemas.microsoft.com/office/powerpoint/2010/main" val="795202443"/>
+      </p:ext>
+    </p:extLst>
+  </p:cSld>
+  <p:clrMapOvr>
+    <a:masterClrMapping/>
+  </p:clrMapOvr>
+</p:sld>
+</file>
+
+<file path=ppt/slides/slide3.xml><?xml version="1.0" encoding="utf-8"?>
+<p:sld xmlns:a="http://schemas.openxmlformats.org/drawingml/2006/main" xmlns:r="http://schemas.openxmlformats.org/officeDocument/2006/relationships" xmlns:p="http://schemas.openxmlformats.org/presentationml/2006/main">
+  <p:cSld>
+    <p:bg>
+      <p:bgPr>
+        <a:blipFill dpi="0" rotWithShape="1">
+          <a:blip r:embed="rId2">
+            <a:lum/>
+          </a:blip>
+          <a:srcRect/>
+          <a:stretch>
+            <a:fillRect l="-39000" r="-39000"/>
+          </a:stretch>
+        </a:blipFill>
+        <a:effectLst/>
+      </p:bgPr>
+    </p:bg>
+    <p:spTree>
+      <p:nvGrpSpPr>
+        <p:cNvPr id="1" name=""/>
+        <p:cNvGrpSpPr/>
+        <p:nvPr/>
+      </p:nvGrpSpPr>
+      <p:grpSpPr>
+        <a:xfrm>
+          <a:off x="0" y="0"/>
+          <a:ext cx="0" cy="0"/>
+          <a:chOff x="0" y="0"/>
+          <a:chExt cx="0" cy="0"/>
+        </a:xfrm>
+      </p:grpSpPr>
+      <p:pic>
+        <p:nvPicPr>
+          <p:cNvPr id="8" name="Picture 7">
+            <a:extLst>
+              <a:ext uri="{FF2B5EF4-FFF2-40B4-BE49-F238E27FC236}">
+                <a16:creationId xmlns:a16="http://schemas.microsoft.com/office/drawing/2014/main" id="{815CB961-D41F-491C-B2DE-0D97E4F375E6}"/>
+              </a:ext>
+            </a:extLst>
+          </p:cNvPr>
+          <p:cNvPicPr>
+            <a:picLocks noChangeAspect="1"/>
+          </p:cNvPicPr>
+          <p:nvPr/>
+        </p:nvPicPr>
+        <p:blipFill>
+          <a:blip r:embed="rId3"/>
+          <a:stretch>
+            <a:fillRect/>
+          </a:stretch>
+        </p:blipFill>
+        <p:spPr>
+          <a:xfrm>
+            <a:off x="772160" y="934722"/>
+            <a:ext cx="10647679" cy="2325313"/>
+          </a:xfrm>
+          <a:prstGeom prst="rect">
+            <a:avLst/>
+          </a:prstGeom>
+        </p:spPr>
+      </p:pic>
+      <p:sp>
+        <p:nvSpPr>
+          <p:cNvPr id="56" name="Rectangle 55">
+            <a:extLst>
+              <a:ext uri="{FF2B5EF4-FFF2-40B4-BE49-F238E27FC236}">
+                <a16:creationId xmlns:a16="http://schemas.microsoft.com/office/drawing/2014/main" id="{981FEB84-EE80-4029-98C8-A37F7EE832AA}"/>
+              </a:ext>
+            </a:extLst>
+          </p:cNvPr>
+          <p:cNvSpPr/>
+          <p:nvPr/>
+        </p:nvSpPr>
+        <p:spPr>
+          <a:xfrm>
+            <a:off x="1551714" y="5903082"/>
+            <a:ext cx="831890" cy="1208705"/>
+          </a:xfrm>
+          <a:prstGeom prst="rect">
+            <a:avLst/>
+          </a:prstGeom>
+          <a:noFill/>
+          <a:ln w="38100">
+            <a:solidFill>
+              <a:schemeClr val="accent5">
+                <a:lumMod val="20000"/>
+                <a:lumOff val="80000"/>
+              </a:schemeClr>
+            </a:solidFill>
+          </a:ln>
+          <a:effectLst>
+            <a:glow rad="101600">
+              <a:schemeClr val="accent5">
+                <a:satMod val="175000"/>
+                <a:alpha val="40000"/>
+              </a:schemeClr>
+            </a:glow>
+          </a:effectLst>
+        </p:spPr>
+        <p:style>
+          <a:lnRef idx="2">
+            <a:schemeClr val="accent1">
+              <a:shade val="50000"/>
+            </a:schemeClr>
+          </a:lnRef>
+          <a:fillRef idx="1">
+            <a:schemeClr val="accent1"/>
+          </a:fillRef>
+          <a:effectRef idx="0">
+            <a:schemeClr val="accent1"/>
+          </a:effectRef>
+          <a:fontRef idx="minor">
+            <a:schemeClr val="lt1"/>
+          </a:fontRef>
+        </p:style>
+        <p:txBody>
+          <a:bodyPr rtlCol="0" anchor="ctr"/>
+          <a:lstStyle/>
+          <a:p>
+            <a:pPr algn="ctr"/>
+            <a:endParaRPr lang="en-AU"/>
+          </a:p>
+        </p:txBody>
+      </p:sp>
+      <p:sp>
+        <p:nvSpPr>
+          <p:cNvPr id="57" name="Rectangle 56">
+            <a:extLst>
+              <a:ext uri="{FF2B5EF4-FFF2-40B4-BE49-F238E27FC236}">
+                <a16:creationId xmlns:a16="http://schemas.microsoft.com/office/drawing/2014/main" id="{D02E1F5A-0C36-4B68-8F02-677012A5CA42}"/>
+              </a:ext>
+            </a:extLst>
+          </p:cNvPr>
+          <p:cNvSpPr/>
+          <p:nvPr/>
+        </p:nvSpPr>
+        <p:spPr>
+          <a:xfrm>
+            <a:off x="1551714" y="9878317"/>
+            <a:ext cx="831890" cy="1208705"/>
+          </a:xfrm>
+          <a:prstGeom prst="rect">
+            <a:avLst/>
+          </a:prstGeom>
+          <a:noFill/>
+          <a:ln w="38100">
+            <a:solidFill>
+              <a:schemeClr val="accent5">
+                <a:lumMod val="20000"/>
+                <a:lumOff val="80000"/>
+              </a:schemeClr>
+            </a:solidFill>
+          </a:ln>
+          <a:effectLst>
+            <a:glow rad="101600">
+              <a:schemeClr val="accent5">
+                <a:satMod val="175000"/>
+                <a:alpha val="40000"/>
+              </a:schemeClr>
+            </a:glow>
+          </a:effectLst>
+        </p:spPr>
+        <p:style>
+          <a:lnRef idx="2">
+            <a:schemeClr val="accent1">
+              <a:shade val="50000"/>
+            </a:schemeClr>
+          </a:lnRef>
+          <a:fillRef idx="1">
+            <a:schemeClr val="accent1"/>
+          </a:fillRef>
+          <a:effectRef idx="0">
+            <a:schemeClr val="accent1"/>
+          </a:effectRef>
+          <a:fontRef idx="minor">
+            <a:schemeClr val="lt1"/>
+          </a:fontRef>
+        </p:style>
+        <p:txBody>
+          <a:bodyPr rtlCol="0" anchor="ctr"/>
+          <a:lstStyle/>
+          <a:p>
+            <a:pPr algn="ctr"/>
+            <a:endParaRPr lang="en-AU"/>
+          </a:p>
+        </p:txBody>
+      </p:sp>
+      <p:pic>
+        <p:nvPicPr>
+          <p:cNvPr id="62" name="Picture 61">
+            <a:extLst>
+              <a:ext uri="{FF2B5EF4-FFF2-40B4-BE49-F238E27FC236}">
+                <a16:creationId xmlns:a16="http://schemas.microsoft.com/office/drawing/2014/main" id="{FD5F4CB9-D543-4E0A-BAE6-8A7E9664903C}"/>
+              </a:ext>
+            </a:extLst>
+          </p:cNvPr>
+          <p:cNvPicPr>
+            <a:picLocks noChangeAspect="1"/>
+          </p:cNvPicPr>
+          <p:nvPr/>
+        </p:nvPicPr>
+        <p:blipFill>
+          <a:blip r:embed="rId4"/>
+          <a:stretch>
+            <a:fillRect/>
+          </a:stretch>
+        </p:blipFill>
+        <p:spPr>
+          <a:xfrm>
+            <a:off x="760522" y="4831852"/>
+            <a:ext cx="4317189" cy="1127624"/>
+          </a:xfrm>
+          <a:prstGeom prst="rect">
+            <a:avLst/>
+          </a:prstGeom>
+        </p:spPr>
+      </p:pic>
+      <p:pic>
+        <p:nvPicPr>
+          <p:cNvPr id="65" name="Picture 64">
+            <a:extLst>
+              <a:ext uri="{FF2B5EF4-FFF2-40B4-BE49-F238E27FC236}">
+                <a16:creationId xmlns:a16="http://schemas.microsoft.com/office/drawing/2014/main" id="{0E715EC2-3588-47B9-8FEE-D0BC888A9FED}"/>
+              </a:ext>
+            </a:extLst>
+          </p:cNvPr>
+          <p:cNvPicPr>
+            <a:picLocks noChangeAspect="1"/>
+          </p:cNvPicPr>
+          <p:nvPr/>
+        </p:nvPicPr>
+        <p:blipFill>
+          <a:blip r:embed="rId5"/>
+          <a:stretch>
+            <a:fillRect/>
+          </a:stretch>
+        </p:blipFill>
+        <p:spPr>
+          <a:xfrm>
+            <a:off x="571002" y="6026565"/>
+            <a:ext cx="6271163" cy="1089244"/>
+          </a:xfrm>
+          <a:prstGeom prst="rect">
+            <a:avLst/>
+          </a:prstGeom>
+        </p:spPr>
+      </p:pic>
+      <p:pic>
+        <p:nvPicPr>
+          <p:cNvPr id="68" name="Picture 67">
+            <a:extLst>
+              <a:ext uri="{FF2B5EF4-FFF2-40B4-BE49-F238E27FC236}">
+                <a16:creationId xmlns:a16="http://schemas.microsoft.com/office/drawing/2014/main" id="{570436BE-A908-42DF-8EDF-5959E40334CD}"/>
+              </a:ext>
+            </a:extLst>
+          </p:cNvPr>
+          <p:cNvPicPr>
+            <a:picLocks noChangeAspect="1"/>
+          </p:cNvPicPr>
+          <p:nvPr/>
+        </p:nvPicPr>
+        <p:blipFill>
+          <a:blip r:embed="rId6"/>
+          <a:stretch>
+            <a:fillRect/>
+          </a:stretch>
+        </p:blipFill>
+        <p:spPr>
+          <a:xfrm>
+            <a:off x="734528" y="7168716"/>
+            <a:ext cx="1689774" cy="1215028"/>
+          </a:xfrm>
+          <a:prstGeom prst="rect">
+            <a:avLst/>
+          </a:prstGeom>
+        </p:spPr>
+      </p:pic>
+      <p:pic>
+        <p:nvPicPr>
+          <p:cNvPr id="71" name="Picture 70">
+            <a:extLst>
+              <a:ext uri="{FF2B5EF4-FFF2-40B4-BE49-F238E27FC236}">
+                <a16:creationId xmlns:a16="http://schemas.microsoft.com/office/drawing/2014/main" id="{ABED6C78-A41B-427D-9BA4-BE1F0A80B239}"/>
+              </a:ext>
+            </a:extLst>
+          </p:cNvPr>
+          <p:cNvPicPr>
+            <a:picLocks noChangeAspect="1"/>
+          </p:cNvPicPr>
+          <p:nvPr/>
+        </p:nvPicPr>
+        <p:blipFill>
+          <a:blip r:embed="rId7"/>
+          <a:stretch>
+            <a:fillRect/>
+          </a:stretch>
+        </p:blipFill>
+        <p:spPr>
+          <a:xfrm>
+            <a:off x="680477" y="8564467"/>
+            <a:ext cx="2647648" cy="1175843"/>
+          </a:xfrm>
+          <a:prstGeom prst="rect">
+            <a:avLst/>
+          </a:prstGeom>
+        </p:spPr>
+      </p:pic>
+      <p:pic>
+        <p:nvPicPr>
+          <p:cNvPr id="74" name="Picture 73">
+            <a:extLst>
+              <a:ext uri="{FF2B5EF4-FFF2-40B4-BE49-F238E27FC236}">
+                <a16:creationId xmlns:a16="http://schemas.microsoft.com/office/drawing/2014/main" id="{7179CB80-6202-4F51-A0D2-5F64A14648BD}"/>
+              </a:ext>
+            </a:extLst>
+          </p:cNvPr>
+          <p:cNvPicPr>
+            <a:picLocks noChangeAspect="1"/>
+          </p:cNvPicPr>
+          <p:nvPr/>
+        </p:nvPicPr>
+        <p:blipFill>
+          <a:blip r:embed="rId8"/>
+          <a:stretch>
+            <a:fillRect/>
+          </a:stretch>
+        </p:blipFill>
+        <p:spPr>
+          <a:xfrm>
+            <a:off x="660400" y="9958699"/>
+            <a:ext cx="3474720" cy="1155584"/>
+          </a:xfrm>
+          <a:prstGeom prst="rect">
+            <a:avLst/>
+          </a:prstGeom>
+        </p:spPr>
+      </p:pic>
+      <p:sp>
+        <p:nvSpPr>
+          <p:cNvPr id="75" name="Rectangle 74">
+            <a:extLst>
+              <a:ext uri="{FF2B5EF4-FFF2-40B4-BE49-F238E27FC236}">
+                <a16:creationId xmlns:a16="http://schemas.microsoft.com/office/drawing/2014/main" id="{E0F79867-4733-4394-BD20-C03C3CC62074}"/>
+              </a:ext>
+            </a:extLst>
+          </p:cNvPr>
+          <p:cNvSpPr/>
+          <p:nvPr/>
+        </p:nvSpPr>
+        <p:spPr>
+          <a:xfrm>
+            <a:off x="4286461" y="4740398"/>
+            <a:ext cx="831890" cy="1208705"/>
+          </a:xfrm>
+          <a:prstGeom prst="rect">
+            <a:avLst/>
+          </a:prstGeom>
+          <a:noFill/>
+          <a:ln w="38100">
+            <a:solidFill>
+              <a:schemeClr val="accent5">
+                <a:lumMod val="20000"/>
+                <a:lumOff val="80000"/>
+              </a:schemeClr>
+            </a:solidFill>
+          </a:ln>
+          <a:effectLst>
+            <a:glow rad="101600">
+              <a:schemeClr val="accent5">
+                <a:satMod val="175000"/>
+                <a:alpha val="40000"/>
+              </a:schemeClr>
+            </a:glow>
+          </a:effectLst>
+        </p:spPr>
+        <p:style>
+          <a:lnRef idx="2">
+            <a:schemeClr val="accent1">
+              <a:shade val="50000"/>
+            </a:schemeClr>
+          </a:lnRef>
+          <a:fillRef idx="1">
+            <a:schemeClr val="accent1"/>
+          </a:fillRef>
+          <a:effectRef idx="0">
+            <a:schemeClr val="accent1"/>
+          </a:effectRef>
+          <a:fontRef idx="minor">
+            <a:schemeClr val="lt1"/>
+          </a:fontRef>
+        </p:style>
+        <p:txBody>
+          <a:bodyPr rtlCol="0" anchor="ctr"/>
+          <a:lstStyle/>
+          <a:p>
+            <a:pPr algn="ctr"/>
+            <a:endParaRPr lang="en-AU"/>
+          </a:p>
+        </p:txBody>
+      </p:sp>
+      <p:sp>
+        <p:nvSpPr>
+          <p:cNvPr id="93" name="Freeform: Shape 92">
+            <a:extLst>
+              <a:ext uri="{FF2B5EF4-FFF2-40B4-BE49-F238E27FC236}">
+                <a16:creationId xmlns:a16="http://schemas.microsoft.com/office/drawing/2014/main" id="{EE153E0F-A91F-4B03-9472-99C85C36F0ED}"/>
+              </a:ext>
+            </a:extLst>
+          </p:cNvPr>
+          <p:cNvSpPr/>
+          <p:nvPr/>
+        </p:nvSpPr>
+        <p:spPr>
+          <a:xfrm>
+            <a:off x="670560" y="8564880"/>
+            <a:ext cx="781050" cy="1162050"/>
+          </a:xfrm>
+          <a:custGeom>
+            <a:avLst/>
+            <a:gdLst>
+              <a:gd name="connsiteX0" fmla="*/ 0 w 777240"/>
+              <a:gd name="connsiteY0" fmla="*/ 1112520 h 1154430"/>
+              <a:gd name="connsiteX1" fmla="*/ 0 w 777240"/>
+              <a:gd name="connsiteY1" fmla="*/ 361950 h 1154430"/>
+              <a:gd name="connsiteX2" fmla="*/ 392430 w 777240"/>
+              <a:gd name="connsiteY2" fmla="*/ 361950 h 1154430"/>
+              <a:gd name="connsiteX3" fmla="*/ 392430 w 777240"/>
+              <a:gd name="connsiteY3" fmla="*/ 0 h 1154430"/>
+              <a:gd name="connsiteX4" fmla="*/ 777240 w 777240"/>
+              <a:gd name="connsiteY4" fmla="*/ 0 h 1154430"/>
+              <a:gd name="connsiteX5" fmla="*/ 777240 w 777240"/>
+              <a:gd name="connsiteY5" fmla="*/ 822960 h 1154430"/>
+              <a:gd name="connsiteX6" fmla="*/ 422910 w 777240"/>
+              <a:gd name="connsiteY6" fmla="*/ 822960 h 1154430"/>
+              <a:gd name="connsiteX7" fmla="*/ 422910 w 777240"/>
+              <a:gd name="connsiteY7" fmla="*/ 1154430 h 1154430"/>
+              <a:gd name="connsiteX8" fmla="*/ 0 w 777240"/>
+              <a:gd name="connsiteY8" fmla="*/ 1112520 h 1154430"/>
+              <a:gd name="connsiteX0" fmla="*/ 0 w 781050"/>
+              <a:gd name="connsiteY0" fmla="*/ 1162050 h 1162050"/>
+              <a:gd name="connsiteX1" fmla="*/ 3810 w 781050"/>
+              <a:gd name="connsiteY1" fmla="*/ 361950 h 1162050"/>
+              <a:gd name="connsiteX2" fmla="*/ 396240 w 781050"/>
+              <a:gd name="connsiteY2" fmla="*/ 361950 h 1162050"/>
+              <a:gd name="connsiteX3" fmla="*/ 396240 w 781050"/>
+              <a:gd name="connsiteY3" fmla="*/ 0 h 1162050"/>
+              <a:gd name="connsiteX4" fmla="*/ 781050 w 781050"/>
+              <a:gd name="connsiteY4" fmla="*/ 0 h 1162050"/>
+              <a:gd name="connsiteX5" fmla="*/ 781050 w 781050"/>
+              <a:gd name="connsiteY5" fmla="*/ 822960 h 1162050"/>
+              <a:gd name="connsiteX6" fmla="*/ 426720 w 781050"/>
+              <a:gd name="connsiteY6" fmla="*/ 822960 h 1162050"/>
+              <a:gd name="connsiteX7" fmla="*/ 426720 w 781050"/>
+              <a:gd name="connsiteY7" fmla="*/ 1154430 h 1162050"/>
+              <a:gd name="connsiteX8" fmla="*/ 0 w 781050"/>
+              <a:gd name="connsiteY8" fmla="*/ 1162050 h 1162050"/>
+            </a:gdLst>
+            <a:ahLst/>
+            <a:cxnLst>
+              <a:cxn ang="0">
+                <a:pos x="connsiteX0" y="connsiteY0"/>
+              </a:cxn>
+              <a:cxn ang="0">
+                <a:pos x="connsiteX1" y="connsiteY1"/>
+              </a:cxn>
+              <a:cxn ang="0">
+                <a:pos x="connsiteX2" y="connsiteY2"/>
+              </a:cxn>
+              <a:cxn ang="0">
+                <a:pos x="connsiteX3" y="connsiteY3"/>
+              </a:cxn>
+              <a:cxn ang="0">
+                <a:pos x="connsiteX4" y="connsiteY4"/>
+              </a:cxn>
+              <a:cxn ang="0">
+                <a:pos x="connsiteX5" y="connsiteY5"/>
+              </a:cxn>
+              <a:cxn ang="0">
+                <a:pos x="connsiteX6" y="connsiteY6"/>
+              </a:cxn>
+              <a:cxn ang="0">
+                <a:pos x="connsiteX7" y="connsiteY7"/>
+              </a:cxn>
+              <a:cxn ang="0">
+                <a:pos x="connsiteX8" y="connsiteY8"/>
+              </a:cxn>
+            </a:cxnLst>
+            <a:rect l="l" t="t" r="r" b="b"/>
+            <a:pathLst>
+              <a:path w="781050" h="1162050">
+                <a:moveTo>
+                  <a:pt x="0" y="1162050"/>
+                </a:moveTo>
+                <a:lnTo>
+                  <a:pt x="3810" y="361950"/>
+                </a:lnTo>
+                <a:lnTo>
+                  <a:pt x="396240" y="361950"/>
+                </a:lnTo>
+                <a:lnTo>
+                  <a:pt x="396240" y="0"/>
+                </a:lnTo>
+                <a:lnTo>
+                  <a:pt x="781050" y="0"/>
+                </a:lnTo>
+                <a:lnTo>
+                  <a:pt x="781050" y="822960"/>
+                </a:lnTo>
+                <a:lnTo>
+                  <a:pt x="426720" y="822960"/>
+                </a:lnTo>
+                <a:lnTo>
+                  <a:pt x="426720" y="1154430"/>
+                </a:lnTo>
+                <a:lnTo>
+                  <a:pt x="0" y="1162050"/>
+                </a:lnTo>
+                <a:close/>
+              </a:path>
+            </a:pathLst>
+          </a:custGeom>
+          <a:noFill/>
+          <a:ln w="38100">
+            <a:solidFill>
+              <a:schemeClr val="accent5">
+                <a:lumMod val="20000"/>
+                <a:lumOff val="80000"/>
+              </a:schemeClr>
+            </a:solidFill>
+          </a:ln>
+          <a:effectLst>
+            <a:glow rad="101600">
+              <a:schemeClr val="accent5">
+                <a:satMod val="175000"/>
+                <a:alpha val="40000"/>
+              </a:schemeClr>
+            </a:glow>
+          </a:effectLst>
+        </p:spPr>
+        <p:style>
+          <a:lnRef idx="2">
+            <a:schemeClr val="accent1">
+              <a:shade val="50000"/>
+            </a:schemeClr>
+          </a:lnRef>
+          <a:fillRef idx="1">
+            <a:schemeClr val="accent1"/>
+          </a:fillRef>
+          <a:effectRef idx="0">
+            <a:schemeClr val="accent1"/>
+          </a:effectRef>
+          <a:fontRef idx="minor">
+            <a:schemeClr val="lt1"/>
+          </a:fontRef>
+        </p:style>
+        <p:txBody>
+          <a:bodyPr rtlCol="0" anchor="ctr"/>
+          <a:lstStyle/>
+          <a:p>
+            <a:pPr algn="ctr"/>
+            <a:endParaRPr lang="en-AU" dirty="0"/>
+          </a:p>
+        </p:txBody>
+      </p:sp>
+      <p:sp>
+        <p:nvSpPr>
+          <p:cNvPr id="95" name="Freeform: Shape 94">
+            <a:extLst>
+              <a:ext uri="{FF2B5EF4-FFF2-40B4-BE49-F238E27FC236}">
+                <a16:creationId xmlns:a16="http://schemas.microsoft.com/office/drawing/2014/main" id="{E5710663-1F7F-46B8-AC53-5560AF6A9391}"/>
+              </a:ext>
+            </a:extLst>
+          </p:cNvPr>
+          <p:cNvSpPr/>
+          <p:nvPr/>
+        </p:nvSpPr>
+        <p:spPr>
+          <a:xfrm>
+            <a:off x="3439160" y="9880600"/>
+            <a:ext cx="746760" cy="1305560"/>
+          </a:xfrm>
+          <a:custGeom>
+            <a:avLst/>
+            <a:gdLst>
+              <a:gd name="connsiteX0" fmla="*/ 0 w 746760"/>
+              <a:gd name="connsiteY0" fmla="*/ 457200 h 1305560"/>
+              <a:gd name="connsiteX1" fmla="*/ 360680 w 746760"/>
+              <a:gd name="connsiteY1" fmla="*/ 457200 h 1305560"/>
+              <a:gd name="connsiteX2" fmla="*/ 360680 w 746760"/>
+              <a:gd name="connsiteY2" fmla="*/ 0 h 1305560"/>
+              <a:gd name="connsiteX3" fmla="*/ 695960 w 746760"/>
+              <a:gd name="connsiteY3" fmla="*/ 0 h 1305560"/>
+              <a:gd name="connsiteX4" fmla="*/ 695960 w 746760"/>
+              <a:gd name="connsiteY4" fmla="*/ 1305560 h 1305560"/>
+              <a:gd name="connsiteX5" fmla="*/ 746760 w 746760"/>
+              <a:gd name="connsiteY5" fmla="*/ 1305560 h 1305560"/>
+              <a:gd name="connsiteX6" fmla="*/ 370840 w 746760"/>
+              <a:gd name="connsiteY6" fmla="*/ 1305560 h 1305560"/>
+              <a:gd name="connsiteX7" fmla="*/ 370840 w 746760"/>
+              <a:gd name="connsiteY7" fmla="*/ 797560 h 1305560"/>
+              <a:gd name="connsiteX8" fmla="*/ 320040 w 746760"/>
+              <a:gd name="connsiteY8" fmla="*/ 802640 h 1305560"/>
+              <a:gd name="connsiteX9" fmla="*/ 0 w 746760"/>
+              <a:gd name="connsiteY9" fmla="*/ 802640 h 1305560"/>
+              <a:gd name="connsiteX10" fmla="*/ 0 w 746760"/>
+              <a:gd name="connsiteY10" fmla="*/ 457200 h 1305560"/>
+              <a:gd name="connsiteX0" fmla="*/ 0 w 746760"/>
+              <a:gd name="connsiteY0" fmla="*/ 457200 h 1305560"/>
+              <a:gd name="connsiteX1" fmla="*/ 360680 w 746760"/>
+              <a:gd name="connsiteY1" fmla="*/ 457200 h 1305560"/>
+              <a:gd name="connsiteX2" fmla="*/ 360680 w 746760"/>
+              <a:gd name="connsiteY2" fmla="*/ 0 h 1305560"/>
+              <a:gd name="connsiteX3" fmla="*/ 695960 w 746760"/>
+              <a:gd name="connsiteY3" fmla="*/ 0 h 1305560"/>
+              <a:gd name="connsiteX4" fmla="*/ 746760 w 746760"/>
+              <a:gd name="connsiteY4" fmla="*/ 1305560 h 1305560"/>
+              <a:gd name="connsiteX5" fmla="*/ 370840 w 746760"/>
+              <a:gd name="connsiteY5" fmla="*/ 1305560 h 1305560"/>
+              <a:gd name="connsiteX6" fmla="*/ 370840 w 746760"/>
+              <a:gd name="connsiteY6" fmla="*/ 797560 h 1305560"/>
+              <a:gd name="connsiteX7" fmla="*/ 320040 w 746760"/>
+              <a:gd name="connsiteY7" fmla="*/ 802640 h 1305560"/>
+              <a:gd name="connsiteX8" fmla="*/ 0 w 746760"/>
+              <a:gd name="connsiteY8" fmla="*/ 802640 h 1305560"/>
+              <a:gd name="connsiteX9" fmla="*/ 0 w 746760"/>
+              <a:gd name="connsiteY9" fmla="*/ 457200 h 1305560"/>
+              <a:gd name="connsiteX0" fmla="*/ 0 w 746760"/>
+              <a:gd name="connsiteY0" fmla="*/ 457200 h 1305560"/>
+              <a:gd name="connsiteX1" fmla="*/ 360680 w 746760"/>
+              <a:gd name="connsiteY1" fmla="*/ 457200 h 1305560"/>
+              <a:gd name="connsiteX2" fmla="*/ 360680 w 746760"/>
+              <a:gd name="connsiteY2" fmla="*/ 0 h 1305560"/>
+              <a:gd name="connsiteX3" fmla="*/ 746760 w 746760"/>
+              <a:gd name="connsiteY3" fmla="*/ 0 h 1305560"/>
+              <a:gd name="connsiteX4" fmla="*/ 746760 w 746760"/>
+              <a:gd name="connsiteY4" fmla="*/ 1305560 h 1305560"/>
+              <a:gd name="connsiteX5" fmla="*/ 370840 w 746760"/>
+              <a:gd name="connsiteY5" fmla="*/ 1305560 h 1305560"/>
+              <a:gd name="connsiteX6" fmla="*/ 370840 w 746760"/>
+              <a:gd name="connsiteY6" fmla="*/ 797560 h 1305560"/>
+              <a:gd name="connsiteX7" fmla="*/ 320040 w 746760"/>
+              <a:gd name="connsiteY7" fmla="*/ 802640 h 1305560"/>
+              <a:gd name="connsiteX8" fmla="*/ 0 w 746760"/>
+              <a:gd name="connsiteY8" fmla="*/ 802640 h 1305560"/>
+              <a:gd name="connsiteX9" fmla="*/ 0 w 746760"/>
+              <a:gd name="connsiteY9" fmla="*/ 457200 h 1305560"/>
+            </a:gdLst>
+            <a:ahLst/>
+            <a:cxnLst>
+              <a:cxn ang="0">
+                <a:pos x="connsiteX0" y="connsiteY0"/>
+              </a:cxn>
+              <a:cxn ang="0">
+                <a:pos x="connsiteX1" y="connsiteY1"/>
+              </a:cxn>
+              <a:cxn ang="0">
+                <a:pos x="connsiteX2" y="connsiteY2"/>
+              </a:cxn>
+              <a:cxn ang="0">
+                <a:pos x="connsiteX3" y="connsiteY3"/>
+              </a:cxn>
+              <a:cxn ang="0">
+                <a:pos x="connsiteX4" y="connsiteY4"/>
+              </a:cxn>
+              <a:cxn ang="0">
+                <a:pos x="connsiteX5" y="connsiteY5"/>
+              </a:cxn>
+              <a:cxn ang="0">
+                <a:pos x="connsiteX6" y="connsiteY6"/>
+              </a:cxn>
+              <a:cxn ang="0">
+                <a:pos x="connsiteX7" y="connsiteY7"/>
+              </a:cxn>
+              <a:cxn ang="0">
+                <a:pos x="connsiteX8" y="connsiteY8"/>
+              </a:cxn>
+              <a:cxn ang="0">
+                <a:pos x="connsiteX9" y="connsiteY9"/>
+              </a:cxn>
+            </a:cxnLst>
+            <a:rect l="l" t="t" r="r" b="b"/>
+            <a:pathLst>
+              <a:path w="746760" h="1305560">
+                <a:moveTo>
+                  <a:pt x="0" y="457200"/>
+                </a:moveTo>
+                <a:lnTo>
+                  <a:pt x="360680" y="457200"/>
+                </a:lnTo>
+                <a:lnTo>
+                  <a:pt x="360680" y="0"/>
+                </a:lnTo>
+                <a:lnTo>
+                  <a:pt x="746760" y="0"/>
+                </a:lnTo>
+                <a:lnTo>
+                  <a:pt x="746760" y="1305560"/>
+                </a:lnTo>
+                <a:lnTo>
+                  <a:pt x="370840" y="1305560"/>
+                </a:lnTo>
+                <a:lnTo>
+                  <a:pt x="370840" y="797560"/>
+                </a:lnTo>
+                <a:lnTo>
+                  <a:pt x="320040" y="802640"/>
+                </a:lnTo>
+                <a:lnTo>
+                  <a:pt x="0" y="802640"/>
+                </a:lnTo>
+                <a:lnTo>
+                  <a:pt x="0" y="457200"/>
+                </a:lnTo>
+                <a:close/>
+              </a:path>
+            </a:pathLst>
+          </a:custGeom>
+          <a:noFill/>
+          <a:ln w="38100">
+            <a:solidFill>
+              <a:schemeClr val="accent5">
+                <a:lumMod val="20000"/>
+                <a:lumOff val="80000"/>
+              </a:schemeClr>
+            </a:solidFill>
+          </a:ln>
+          <a:effectLst>
+            <a:glow rad="101600">
+              <a:schemeClr val="accent5">
+                <a:satMod val="175000"/>
+                <a:alpha val="40000"/>
+              </a:schemeClr>
+            </a:glow>
+          </a:effectLst>
+        </p:spPr>
+        <p:style>
+          <a:lnRef idx="2">
+            <a:schemeClr val="accent1">
+              <a:shade val="50000"/>
+            </a:schemeClr>
+          </a:lnRef>
+          <a:fillRef idx="1">
+            <a:schemeClr val="accent1"/>
+          </a:fillRef>
+          <a:effectRef idx="0">
+            <a:schemeClr val="accent1"/>
+          </a:effectRef>
+          <a:fontRef idx="minor">
+            <a:schemeClr val="lt1"/>
+          </a:fontRef>
+        </p:style>
+        <p:txBody>
+          <a:bodyPr rtlCol="0" anchor="ctr"/>
+          <a:lstStyle/>
+          <a:p>
+            <a:pPr algn="ctr"/>
+            <a:endParaRPr lang="en-AU" dirty="0"/>
+          </a:p>
+        </p:txBody>
+      </p:sp>
+      <p:sp>
+        <p:nvSpPr>
+          <p:cNvPr id="96" name="Rectangle 95">
+            <a:extLst>
+              <a:ext uri="{FF2B5EF4-FFF2-40B4-BE49-F238E27FC236}">
+                <a16:creationId xmlns:a16="http://schemas.microsoft.com/office/drawing/2014/main" id="{D7E53D8C-7EE4-4835-9D6B-ACE89807129A}"/>
+              </a:ext>
+            </a:extLst>
+          </p:cNvPr>
+          <p:cNvSpPr/>
+          <p:nvPr/>
+        </p:nvSpPr>
+        <p:spPr>
+          <a:xfrm>
+            <a:off x="3811532" y="6352855"/>
+            <a:ext cx="364228" cy="718505"/>
+          </a:xfrm>
+          <a:prstGeom prst="rect">
+            <a:avLst/>
+          </a:prstGeom>
+          <a:noFill/>
+          <a:ln w="38100">
+            <a:solidFill>
+              <a:schemeClr val="accent5">
+                <a:lumMod val="20000"/>
+                <a:lumOff val="80000"/>
+              </a:schemeClr>
+            </a:solidFill>
+          </a:ln>
+          <a:effectLst>
+            <a:glow rad="101600">
+              <a:schemeClr val="accent5">
+                <a:satMod val="175000"/>
+                <a:alpha val="40000"/>
+              </a:schemeClr>
+            </a:glow>
+          </a:effectLst>
+        </p:spPr>
+        <p:style>
+          <a:lnRef idx="2">
+            <a:schemeClr val="accent1">
+              <a:shade val="50000"/>
+            </a:schemeClr>
+          </a:lnRef>
+          <a:fillRef idx="1">
+            <a:schemeClr val="accent1"/>
+          </a:fillRef>
+          <a:effectRef idx="0">
+            <a:schemeClr val="accent1"/>
+          </a:effectRef>
+          <a:fontRef idx="minor">
+            <a:schemeClr val="lt1"/>
+          </a:fontRef>
+        </p:style>
+        <p:txBody>
+          <a:bodyPr rtlCol="0" anchor="ctr"/>
+          <a:lstStyle/>
+          <a:p>
+            <a:pPr algn="ctr"/>
+            <a:endParaRPr lang="en-AU"/>
+          </a:p>
+        </p:txBody>
+      </p:sp>
+    </p:spTree>
+    <p:extLst>
+      <p:ext uri="{BB962C8B-B14F-4D97-AF65-F5344CB8AC3E}">
+        <p14:creationId xmlns:p14="http://schemas.microsoft.com/office/powerpoint/2010/main" val="235722109"/>
+      </p:ext>
+    </p:extLst>
+  </p:cSld>
+  <p:clrMapOvr>
+    <a:masterClrMapping/>
+  </p:clrMapOvr>
+</p:sld>
+</file>
+
 <file path=ppt/theme/theme1.xml><?xml version="1.0" encoding="utf-8"?>
 <a:theme xmlns:a="http://schemas.openxmlformats.org/drawingml/2006/main" name="Office Theme">
   <a:themeElements>

--- a/Clues.pptx
+++ b/Clues.pptx
@@ -245,7 +245,7 @@
           <a:p>
             <a:fld id="{2A2C2C6E-F6BD-497D-87CF-72A02E526C5B}" type="datetimeFigureOut">
               <a:rPr lang="en-AU" smtClean="0"/>
-              <a:t>23/08/2021</a:t>
+              <a:t>28/08/2021</a:t>
             </a:fld>
             <a:endParaRPr lang="en-AU"/>
           </a:p>
@@ -415,7 +415,7 @@
           <a:p>
             <a:fld id="{2A2C2C6E-F6BD-497D-87CF-72A02E526C5B}" type="datetimeFigureOut">
               <a:rPr lang="en-AU" smtClean="0"/>
-              <a:t>23/08/2021</a:t>
+              <a:t>28/08/2021</a:t>
             </a:fld>
             <a:endParaRPr lang="en-AU"/>
           </a:p>
@@ -595,7 +595,7 @@
           <a:p>
             <a:fld id="{2A2C2C6E-F6BD-497D-87CF-72A02E526C5B}" type="datetimeFigureOut">
               <a:rPr lang="en-AU" smtClean="0"/>
-              <a:t>23/08/2021</a:t>
+              <a:t>28/08/2021</a:t>
             </a:fld>
             <a:endParaRPr lang="en-AU"/>
           </a:p>
@@ -765,7 +765,7 @@
           <a:p>
             <a:fld id="{2A2C2C6E-F6BD-497D-87CF-72A02E526C5B}" type="datetimeFigureOut">
               <a:rPr lang="en-AU" smtClean="0"/>
-              <a:t>23/08/2021</a:t>
+              <a:t>28/08/2021</a:t>
             </a:fld>
             <a:endParaRPr lang="en-AU"/>
           </a:p>
@@ -1009,7 +1009,7 @@
           <a:p>
             <a:fld id="{2A2C2C6E-F6BD-497D-87CF-72A02E526C5B}" type="datetimeFigureOut">
               <a:rPr lang="en-AU" smtClean="0"/>
-              <a:t>23/08/2021</a:t>
+              <a:t>28/08/2021</a:t>
             </a:fld>
             <a:endParaRPr lang="en-AU"/>
           </a:p>
@@ -1241,7 +1241,7 @@
           <a:p>
             <a:fld id="{2A2C2C6E-F6BD-497D-87CF-72A02E526C5B}" type="datetimeFigureOut">
               <a:rPr lang="en-AU" smtClean="0"/>
-              <a:t>23/08/2021</a:t>
+              <a:t>28/08/2021</a:t>
             </a:fld>
             <a:endParaRPr lang="en-AU"/>
           </a:p>
@@ -1608,7 +1608,7 @@
           <a:p>
             <a:fld id="{2A2C2C6E-F6BD-497D-87CF-72A02E526C5B}" type="datetimeFigureOut">
               <a:rPr lang="en-AU" smtClean="0"/>
-              <a:t>23/08/2021</a:t>
+              <a:t>28/08/2021</a:t>
             </a:fld>
             <a:endParaRPr lang="en-AU"/>
           </a:p>
@@ -1726,7 +1726,7 @@
           <a:p>
             <a:fld id="{2A2C2C6E-F6BD-497D-87CF-72A02E526C5B}" type="datetimeFigureOut">
               <a:rPr lang="en-AU" smtClean="0"/>
-              <a:t>23/08/2021</a:t>
+              <a:t>28/08/2021</a:t>
             </a:fld>
             <a:endParaRPr lang="en-AU"/>
           </a:p>
@@ -1821,7 +1821,7 @@
           <a:p>
             <a:fld id="{2A2C2C6E-F6BD-497D-87CF-72A02E526C5B}" type="datetimeFigureOut">
               <a:rPr lang="en-AU" smtClean="0"/>
-              <a:t>23/08/2021</a:t>
+              <a:t>28/08/2021</a:t>
             </a:fld>
             <a:endParaRPr lang="en-AU"/>
           </a:p>
@@ -2098,7 +2098,7 @@
           <a:p>
             <a:fld id="{2A2C2C6E-F6BD-497D-87CF-72A02E526C5B}" type="datetimeFigureOut">
               <a:rPr lang="en-AU" smtClean="0"/>
-              <a:t>23/08/2021</a:t>
+              <a:t>28/08/2021</a:t>
             </a:fld>
             <a:endParaRPr lang="en-AU"/>
           </a:p>
@@ -2355,7 +2355,7 @@
           <a:p>
             <a:fld id="{2A2C2C6E-F6BD-497D-87CF-72A02E526C5B}" type="datetimeFigureOut">
               <a:rPr lang="en-AU" smtClean="0"/>
-              <a:t>23/08/2021</a:t>
+              <a:t>28/08/2021</a:t>
             </a:fld>
             <a:endParaRPr lang="en-AU"/>
           </a:p>
@@ -2568,7 +2568,7 @@
           <a:p>
             <a:fld id="{2A2C2C6E-F6BD-497D-87CF-72A02E526C5B}" type="datetimeFigureOut">
               <a:rPr lang="en-AU" smtClean="0"/>
-              <a:t>23/08/2021</a:t>
+              <a:t>28/08/2021</a:t>
             </a:fld>
             <a:endParaRPr lang="en-AU"/>
           </a:p>
@@ -3819,6 +3819,44 @@
           </a:prstGeom>
         </p:spPr>
       </p:pic>
+      <p:sp>
+        <p:nvSpPr>
+          <p:cNvPr id="26" name="TextBox 25">
+            <a:extLst>
+              <a:ext uri="{FF2B5EF4-FFF2-40B4-BE49-F238E27FC236}">
+                <a16:creationId xmlns:a16="http://schemas.microsoft.com/office/drawing/2014/main" id="{CAEAE9E5-9FC1-470C-A7AA-CEEB1599DC49}"/>
+              </a:ext>
+            </a:extLst>
+          </p:cNvPr>
+          <p:cNvSpPr txBox="1"/>
+          <p:nvPr/>
+        </p:nvSpPr>
+        <p:spPr>
+          <a:xfrm>
+            <a:off x="5791200" y="267105"/>
+            <a:ext cx="6400800" cy="461665"/>
+          </a:xfrm>
+          <a:prstGeom prst="rect">
+            <a:avLst/>
+          </a:prstGeom>
+          <a:noFill/>
+        </p:spPr>
+        <p:txBody>
+          <a:bodyPr wrap="square">
+            <a:spAutoFit/>
+          </a:bodyPr>
+          <a:lstStyle/>
+          <a:p>
+            <a:r>
+              <a:rPr lang="en-AU" sz="2400" dirty="0">
+                <a:latin typeface="Courier New" panose="02070309020205020404" pitchFamily="49" charset="0"/>
+                <a:cs typeface="Courier New" panose="02070309020205020404" pitchFamily="49" charset="0"/>
+              </a:rPr>
+              <a:t>For immediate release: 06/04/2015</a:t>
+            </a:r>
+          </a:p>
+        </p:txBody>
+      </p:sp>
     </p:spTree>
     <p:extLst>
       <p:ext uri="{BB962C8B-B14F-4D97-AF65-F5344CB8AC3E}">

--- a/Clues.pptx
+++ b/Clues.pptx
@@ -6,8 +6,9 @@
   </p:sldMasterIdLst>
   <p:sldIdLst>
     <p:sldId id="256" r:id="rId2"/>
-    <p:sldId id="257" r:id="rId3"/>
-    <p:sldId id="258" r:id="rId4"/>
+    <p:sldId id="259" r:id="rId3"/>
+    <p:sldId id="257" r:id="rId4"/>
+    <p:sldId id="258" r:id="rId5"/>
   </p:sldIdLst>
   <p:sldSz cx="12192000" cy="16256000"/>
   <p:notesSz cx="6858000" cy="9144000"/>
@@ -245,7 +246,7 @@
           <a:p>
             <a:fld id="{2A2C2C6E-F6BD-497D-87CF-72A02E526C5B}" type="datetimeFigureOut">
               <a:rPr lang="en-AU" smtClean="0"/>
-              <a:t>28/08/2021</a:t>
+              <a:t>2/09/2021</a:t>
             </a:fld>
             <a:endParaRPr lang="en-AU"/>
           </a:p>
@@ -415,7 +416,7 @@
           <a:p>
             <a:fld id="{2A2C2C6E-F6BD-497D-87CF-72A02E526C5B}" type="datetimeFigureOut">
               <a:rPr lang="en-AU" smtClean="0"/>
-              <a:t>28/08/2021</a:t>
+              <a:t>2/09/2021</a:t>
             </a:fld>
             <a:endParaRPr lang="en-AU"/>
           </a:p>
@@ -595,7 +596,7 @@
           <a:p>
             <a:fld id="{2A2C2C6E-F6BD-497D-87CF-72A02E526C5B}" type="datetimeFigureOut">
               <a:rPr lang="en-AU" smtClean="0"/>
-              <a:t>28/08/2021</a:t>
+              <a:t>2/09/2021</a:t>
             </a:fld>
             <a:endParaRPr lang="en-AU"/>
           </a:p>
@@ -765,7 +766,7 @@
           <a:p>
             <a:fld id="{2A2C2C6E-F6BD-497D-87CF-72A02E526C5B}" type="datetimeFigureOut">
               <a:rPr lang="en-AU" smtClean="0"/>
-              <a:t>28/08/2021</a:t>
+              <a:t>2/09/2021</a:t>
             </a:fld>
             <a:endParaRPr lang="en-AU"/>
           </a:p>
@@ -1009,7 +1010,7 @@
           <a:p>
             <a:fld id="{2A2C2C6E-F6BD-497D-87CF-72A02E526C5B}" type="datetimeFigureOut">
               <a:rPr lang="en-AU" smtClean="0"/>
-              <a:t>28/08/2021</a:t>
+              <a:t>2/09/2021</a:t>
             </a:fld>
             <a:endParaRPr lang="en-AU"/>
           </a:p>
@@ -1241,7 +1242,7 @@
           <a:p>
             <a:fld id="{2A2C2C6E-F6BD-497D-87CF-72A02E526C5B}" type="datetimeFigureOut">
               <a:rPr lang="en-AU" smtClean="0"/>
-              <a:t>28/08/2021</a:t>
+              <a:t>2/09/2021</a:t>
             </a:fld>
             <a:endParaRPr lang="en-AU"/>
           </a:p>
@@ -1608,7 +1609,7 @@
           <a:p>
             <a:fld id="{2A2C2C6E-F6BD-497D-87CF-72A02E526C5B}" type="datetimeFigureOut">
               <a:rPr lang="en-AU" smtClean="0"/>
-              <a:t>28/08/2021</a:t>
+              <a:t>2/09/2021</a:t>
             </a:fld>
             <a:endParaRPr lang="en-AU"/>
           </a:p>
@@ -1726,7 +1727,7 @@
           <a:p>
             <a:fld id="{2A2C2C6E-F6BD-497D-87CF-72A02E526C5B}" type="datetimeFigureOut">
               <a:rPr lang="en-AU" smtClean="0"/>
-              <a:t>28/08/2021</a:t>
+              <a:t>2/09/2021</a:t>
             </a:fld>
             <a:endParaRPr lang="en-AU"/>
           </a:p>
@@ -1821,7 +1822,7 @@
           <a:p>
             <a:fld id="{2A2C2C6E-F6BD-497D-87CF-72A02E526C5B}" type="datetimeFigureOut">
               <a:rPr lang="en-AU" smtClean="0"/>
-              <a:t>28/08/2021</a:t>
+              <a:t>2/09/2021</a:t>
             </a:fld>
             <a:endParaRPr lang="en-AU"/>
           </a:p>
@@ -2098,7 +2099,7 @@
           <a:p>
             <a:fld id="{2A2C2C6E-F6BD-497D-87CF-72A02E526C5B}" type="datetimeFigureOut">
               <a:rPr lang="en-AU" smtClean="0"/>
-              <a:t>28/08/2021</a:t>
+              <a:t>2/09/2021</a:t>
             </a:fld>
             <a:endParaRPr lang="en-AU"/>
           </a:p>
@@ -2355,7 +2356,7 @@
           <a:p>
             <a:fld id="{2A2C2C6E-F6BD-497D-87CF-72A02E526C5B}" type="datetimeFigureOut">
               <a:rPr lang="en-AU" smtClean="0"/>
-              <a:t>28/08/2021</a:t>
+              <a:t>2/09/2021</a:t>
             </a:fld>
             <a:endParaRPr lang="en-AU"/>
           </a:p>
@@ -2568,7 +2569,7 @@
           <a:p>
             <a:fld id="{2A2C2C6E-F6BD-497D-87CF-72A02E526C5B}" type="datetimeFigureOut">
               <a:rPr lang="en-AU" smtClean="0"/>
-              <a:t>28/08/2021</a:t>
+              <a:t>2/09/2021</a:t>
             </a:fld>
             <a:endParaRPr lang="en-AU"/>
           </a:p>
@@ -3903,6 +3904,6947 @@
       </p:grpSpPr>
       <p:pic>
         <p:nvPicPr>
+          <p:cNvPr id="12" name="Picture 11">
+            <a:extLst>
+              <a:ext uri="{FF2B5EF4-FFF2-40B4-BE49-F238E27FC236}">
+                <a16:creationId xmlns:a16="http://schemas.microsoft.com/office/drawing/2014/main" id="{B36356FD-0446-49D0-A79C-F127EA68A21B}"/>
+              </a:ext>
+            </a:extLst>
+          </p:cNvPr>
+          <p:cNvPicPr>
+            <a:picLocks noChangeAspect="1"/>
+          </p:cNvPicPr>
+          <p:nvPr/>
+        </p:nvPicPr>
+        <p:blipFill>
+          <a:blip r:embed="rId3"/>
+          <a:stretch>
+            <a:fillRect/>
+          </a:stretch>
+        </p:blipFill>
+        <p:spPr>
+          <a:xfrm>
+            <a:off x="8375695" y="8998252"/>
+            <a:ext cx="1319514" cy="456347"/>
+          </a:xfrm>
+          <a:prstGeom prst="rect">
+            <a:avLst/>
+          </a:prstGeom>
+        </p:spPr>
+      </p:pic>
+      <p:pic>
+        <p:nvPicPr>
+          <p:cNvPr id="8" name="Picture 7">
+            <a:extLst>
+              <a:ext uri="{FF2B5EF4-FFF2-40B4-BE49-F238E27FC236}">
+                <a16:creationId xmlns:a16="http://schemas.microsoft.com/office/drawing/2014/main" id="{E253CEDB-67C0-4A2D-B3B3-4F74FA6F2237}"/>
+              </a:ext>
+            </a:extLst>
+          </p:cNvPr>
+          <p:cNvPicPr>
+            <a:picLocks noChangeAspect="1"/>
+          </p:cNvPicPr>
+          <p:nvPr/>
+        </p:nvPicPr>
+        <p:blipFill>
+          <a:blip r:embed="rId4"/>
+          <a:stretch>
+            <a:fillRect/>
+          </a:stretch>
+        </p:blipFill>
+        <p:spPr>
+          <a:xfrm>
+            <a:off x="3799840" y="7341123"/>
+            <a:ext cx="2827840" cy="345851"/>
+          </a:xfrm>
+          <a:prstGeom prst="rect">
+            <a:avLst/>
+          </a:prstGeom>
+        </p:spPr>
+      </p:pic>
+      <p:pic>
+        <p:nvPicPr>
+          <p:cNvPr id="4" name="Picture 3">
+            <a:extLst>
+              <a:ext uri="{FF2B5EF4-FFF2-40B4-BE49-F238E27FC236}">
+                <a16:creationId xmlns:a16="http://schemas.microsoft.com/office/drawing/2014/main" id="{BD2C6A1A-5204-4A13-AB26-43C7BA2C5A68}"/>
+              </a:ext>
+            </a:extLst>
+          </p:cNvPr>
+          <p:cNvPicPr>
+            <a:picLocks noChangeAspect="1"/>
+          </p:cNvPicPr>
+          <p:nvPr/>
+        </p:nvPicPr>
+        <p:blipFill>
+          <a:blip r:embed="rId5"/>
+          <a:stretch>
+            <a:fillRect/>
+          </a:stretch>
+        </p:blipFill>
+        <p:spPr>
+          <a:xfrm rot="159469">
+            <a:off x="6634690" y="6417984"/>
+            <a:ext cx="2982128" cy="371527"/>
+          </a:xfrm>
+          <a:prstGeom prst="rect">
+            <a:avLst/>
+          </a:prstGeom>
+        </p:spPr>
+      </p:pic>
+      <p:pic>
+        <p:nvPicPr>
+          <p:cNvPr id="15" name="Picture 14">
+            <a:extLst>
+              <a:ext uri="{FF2B5EF4-FFF2-40B4-BE49-F238E27FC236}">
+                <a16:creationId xmlns:a16="http://schemas.microsoft.com/office/drawing/2014/main" id="{299EC527-870E-4DC6-B458-13D0B8A98457}"/>
+              </a:ext>
+            </a:extLst>
+          </p:cNvPr>
+          <p:cNvPicPr>
+            <a:picLocks noChangeAspect="1"/>
+          </p:cNvPicPr>
+          <p:nvPr/>
+        </p:nvPicPr>
+        <p:blipFill>
+          <a:blip r:embed="rId6"/>
+          <a:stretch>
+            <a:fillRect/>
+          </a:stretch>
+        </p:blipFill>
+        <p:spPr>
+          <a:xfrm>
+            <a:off x="7062519" y="6146162"/>
+            <a:ext cx="1792114" cy="258262"/>
+          </a:xfrm>
+          <a:prstGeom prst="rect">
+            <a:avLst/>
+          </a:prstGeom>
+        </p:spPr>
+      </p:pic>
+      <p:pic>
+        <p:nvPicPr>
+          <p:cNvPr id="34" name="Picture 33">
+            <a:extLst>
+              <a:ext uri="{FF2B5EF4-FFF2-40B4-BE49-F238E27FC236}">
+                <a16:creationId xmlns:a16="http://schemas.microsoft.com/office/drawing/2014/main" id="{5DCC8ED5-12EA-4DCC-B8CF-D8D1A7E267BD}"/>
+              </a:ext>
+            </a:extLst>
+          </p:cNvPr>
+          <p:cNvPicPr>
+            <a:picLocks noChangeAspect="1"/>
+          </p:cNvPicPr>
+          <p:nvPr/>
+        </p:nvPicPr>
+        <p:blipFill>
+          <a:blip r:embed="rId6"/>
+          <a:stretch>
+            <a:fillRect/>
+          </a:stretch>
+        </p:blipFill>
+        <p:spPr>
+          <a:xfrm rot="10800000">
+            <a:off x="2152890" y="8627647"/>
+            <a:ext cx="1448765" cy="456346"/>
+          </a:xfrm>
+          <a:prstGeom prst="rect">
+            <a:avLst/>
+          </a:prstGeom>
+        </p:spPr>
+      </p:pic>
+      <p:pic>
+        <p:nvPicPr>
+          <p:cNvPr id="18" name="Picture 17">
+            <a:extLst>
+              <a:ext uri="{FF2B5EF4-FFF2-40B4-BE49-F238E27FC236}">
+                <a16:creationId xmlns:a16="http://schemas.microsoft.com/office/drawing/2014/main" id="{7A53AF7F-2AF0-4090-9625-52EF6EC6D415}"/>
+              </a:ext>
+            </a:extLst>
+          </p:cNvPr>
+          <p:cNvPicPr>
+            <a:picLocks noChangeAspect="1"/>
+          </p:cNvPicPr>
+          <p:nvPr/>
+        </p:nvPicPr>
+        <p:blipFill>
+          <a:blip r:embed="rId7"/>
+          <a:stretch>
+            <a:fillRect/>
+          </a:stretch>
+        </p:blipFill>
+        <p:spPr>
+          <a:xfrm>
+            <a:off x="2438273" y="5201630"/>
+            <a:ext cx="1647592" cy="351830"/>
+          </a:xfrm>
+          <a:prstGeom prst="rect">
+            <a:avLst/>
+          </a:prstGeom>
+        </p:spPr>
+      </p:pic>
+      <p:pic>
+        <p:nvPicPr>
+          <p:cNvPr id="21" name="Picture 20">
+            <a:extLst>
+              <a:ext uri="{FF2B5EF4-FFF2-40B4-BE49-F238E27FC236}">
+                <a16:creationId xmlns:a16="http://schemas.microsoft.com/office/drawing/2014/main" id="{487658B6-055A-49A3-BC74-D58289995E64}"/>
+              </a:ext>
+            </a:extLst>
+          </p:cNvPr>
+          <p:cNvPicPr>
+            <a:picLocks noChangeAspect="1"/>
+          </p:cNvPicPr>
+          <p:nvPr/>
+        </p:nvPicPr>
+        <p:blipFill>
+          <a:blip r:embed="rId8"/>
+          <a:stretch>
+            <a:fillRect/>
+          </a:stretch>
+        </p:blipFill>
+        <p:spPr>
+          <a:xfrm>
+            <a:off x="932908" y="3741683"/>
+            <a:ext cx="4188254" cy="500090"/>
+          </a:xfrm>
+          <a:prstGeom prst="rect">
+            <a:avLst/>
+          </a:prstGeom>
+        </p:spPr>
+      </p:pic>
+      <p:pic>
+        <p:nvPicPr>
+          <p:cNvPr id="24" name="Picture 23">
+            <a:extLst>
+              <a:ext uri="{FF2B5EF4-FFF2-40B4-BE49-F238E27FC236}">
+                <a16:creationId xmlns:a16="http://schemas.microsoft.com/office/drawing/2014/main" id="{B72F735F-C164-4632-9EE5-0FCA5C5DDC64}"/>
+              </a:ext>
+            </a:extLst>
+          </p:cNvPr>
+          <p:cNvPicPr>
+            <a:picLocks noChangeAspect="1"/>
+          </p:cNvPicPr>
+          <p:nvPr/>
+        </p:nvPicPr>
+        <p:blipFill>
+          <a:blip r:embed="rId9"/>
+          <a:stretch>
+            <a:fillRect/>
+          </a:stretch>
+        </p:blipFill>
+        <p:spPr>
+          <a:xfrm rot="360887">
+            <a:off x="1145124" y="5434942"/>
+            <a:ext cx="2151458" cy="600152"/>
+          </a:xfrm>
+          <a:prstGeom prst="rect">
+            <a:avLst/>
+          </a:prstGeom>
+        </p:spPr>
+      </p:pic>
+      <p:pic>
+        <p:nvPicPr>
+          <p:cNvPr id="42" name="Picture 41">
+            <a:extLst>
+              <a:ext uri="{FF2B5EF4-FFF2-40B4-BE49-F238E27FC236}">
+                <a16:creationId xmlns:a16="http://schemas.microsoft.com/office/drawing/2014/main" id="{145C9028-ACD3-432A-802F-D1F971BCAF1F}"/>
+              </a:ext>
+            </a:extLst>
+          </p:cNvPr>
+          <p:cNvPicPr>
+            <a:picLocks noChangeAspect="1"/>
+          </p:cNvPicPr>
+          <p:nvPr/>
+        </p:nvPicPr>
+        <p:blipFill>
+          <a:blip r:embed="rId8"/>
+          <a:stretch>
+            <a:fillRect/>
+          </a:stretch>
+        </p:blipFill>
+        <p:spPr>
+          <a:xfrm rot="10800000">
+            <a:off x="3262069" y="8070640"/>
+            <a:ext cx="4188254" cy="500090"/>
+          </a:xfrm>
+          <a:prstGeom prst="rect">
+            <a:avLst/>
+          </a:prstGeom>
+        </p:spPr>
+      </p:pic>
+      <p:pic>
+        <p:nvPicPr>
+          <p:cNvPr id="30" name="Picture 29">
+            <a:extLst>
+              <a:ext uri="{FF2B5EF4-FFF2-40B4-BE49-F238E27FC236}">
+                <a16:creationId xmlns:a16="http://schemas.microsoft.com/office/drawing/2014/main" id="{980B68FF-B555-4E56-86B1-B6527DD9DED7}"/>
+              </a:ext>
+            </a:extLst>
+          </p:cNvPr>
+          <p:cNvPicPr>
+            <a:picLocks noChangeAspect="1"/>
+          </p:cNvPicPr>
+          <p:nvPr/>
+        </p:nvPicPr>
+        <p:blipFill>
+          <a:blip r:embed="rId10"/>
+          <a:stretch>
+            <a:fillRect/>
+          </a:stretch>
+        </p:blipFill>
+        <p:spPr>
+          <a:xfrm>
+            <a:off x="8854633" y="6919501"/>
+            <a:ext cx="1319514" cy="456347"/>
+          </a:xfrm>
+          <a:prstGeom prst="rect">
+            <a:avLst/>
+          </a:prstGeom>
+        </p:spPr>
+      </p:pic>
+      <p:pic>
+        <p:nvPicPr>
+          <p:cNvPr id="44" name="Picture 43">
+            <a:extLst>
+              <a:ext uri="{FF2B5EF4-FFF2-40B4-BE49-F238E27FC236}">
+                <a16:creationId xmlns:a16="http://schemas.microsoft.com/office/drawing/2014/main" id="{B817D476-0467-4EB3-921E-F8948F357DC1}"/>
+              </a:ext>
+            </a:extLst>
+          </p:cNvPr>
+          <p:cNvPicPr>
+            <a:picLocks noChangeAspect="1"/>
+          </p:cNvPicPr>
+          <p:nvPr/>
+        </p:nvPicPr>
+        <p:blipFill>
+          <a:blip r:embed="rId10"/>
+          <a:stretch>
+            <a:fillRect/>
+          </a:stretch>
+        </p:blipFill>
+        <p:spPr>
+          <a:xfrm rot="10800000">
+            <a:off x="4554003" y="4268095"/>
+            <a:ext cx="1319514" cy="456347"/>
+          </a:xfrm>
+          <a:prstGeom prst="rect">
+            <a:avLst/>
+          </a:prstGeom>
+        </p:spPr>
+      </p:pic>
+      <p:pic>
+        <p:nvPicPr>
+          <p:cNvPr id="36" name="Picture 35">
+            <a:extLst>
+              <a:ext uri="{FF2B5EF4-FFF2-40B4-BE49-F238E27FC236}">
+                <a16:creationId xmlns:a16="http://schemas.microsoft.com/office/drawing/2014/main" id="{7495C292-983F-4BC2-972A-277100EE89C5}"/>
+              </a:ext>
+            </a:extLst>
+          </p:cNvPr>
+          <p:cNvPicPr>
+            <a:picLocks noChangeAspect="1"/>
+          </p:cNvPicPr>
+          <p:nvPr/>
+        </p:nvPicPr>
+        <p:blipFill>
+          <a:blip r:embed="rId11"/>
+          <a:stretch>
+            <a:fillRect/>
+          </a:stretch>
+        </p:blipFill>
+        <p:spPr>
+          <a:xfrm>
+            <a:off x="1108213" y="4645357"/>
+            <a:ext cx="3255444" cy="333892"/>
+          </a:xfrm>
+          <a:prstGeom prst="rect">
+            <a:avLst/>
+          </a:prstGeom>
+        </p:spPr>
+      </p:pic>
+      <p:pic>
+        <p:nvPicPr>
+          <p:cNvPr id="40" name="Picture 39">
+            <a:extLst>
+              <a:ext uri="{FF2B5EF4-FFF2-40B4-BE49-F238E27FC236}">
+                <a16:creationId xmlns:a16="http://schemas.microsoft.com/office/drawing/2014/main" id="{C0750BEB-AE45-40A5-8AFF-F1F3B52001EB}"/>
+              </a:ext>
+            </a:extLst>
+          </p:cNvPr>
+          <p:cNvPicPr>
+            <a:picLocks noChangeAspect="1"/>
+          </p:cNvPicPr>
+          <p:nvPr/>
+        </p:nvPicPr>
+        <p:blipFill>
+          <a:blip r:embed="rId12"/>
+          <a:stretch>
+            <a:fillRect/>
+          </a:stretch>
+        </p:blipFill>
+        <p:spPr>
+          <a:xfrm>
+            <a:off x="2438273" y="7810106"/>
+            <a:ext cx="1076475" cy="359997"/>
+          </a:xfrm>
+          <a:prstGeom prst="rect">
+            <a:avLst/>
+          </a:prstGeom>
+        </p:spPr>
+      </p:pic>
+      <p:pic>
+        <p:nvPicPr>
+          <p:cNvPr id="58" name="Picture 57">
+            <a:extLst>
+              <a:ext uri="{FF2B5EF4-FFF2-40B4-BE49-F238E27FC236}">
+                <a16:creationId xmlns:a16="http://schemas.microsoft.com/office/drawing/2014/main" id="{81C89DBD-4F11-4515-ADE2-8D5240E425B8}"/>
+              </a:ext>
+            </a:extLst>
+          </p:cNvPr>
+          <p:cNvPicPr>
+            <a:picLocks noChangeAspect="1"/>
+          </p:cNvPicPr>
+          <p:nvPr/>
+        </p:nvPicPr>
+        <p:blipFill>
+          <a:blip r:embed="rId13"/>
+          <a:stretch>
+            <a:fillRect/>
+          </a:stretch>
+        </p:blipFill>
+        <p:spPr>
+          <a:xfrm>
+            <a:off x="3939676" y="1349452"/>
+            <a:ext cx="4963218" cy="295316"/>
+          </a:xfrm>
+          <a:prstGeom prst="rect">
+            <a:avLst/>
+          </a:prstGeom>
+        </p:spPr>
+      </p:pic>
+      <p:pic>
+        <p:nvPicPr>
+          <p:cNvPr id="60" name="Picture 59">
+            <a:extLst>
+              <a:ext uri="{FF2B5EF4-FFF2-40B4-BE49-F238E27FC236}">
+                <a16:creationId xmlns:a16="http://schemas.microsoft.com/office/drawing/2014/main" id="{EF49D7B7-F839-4B22-A2D6-F6E4CBAB5EAB}"/>
+              </a:ext>
+            </a:extLst>
+          </p:cNvPr>
+          <p:cNvPicPr>
+            <a:picLocks noChangeAspect="1"/>
+          </p:cNvPicPr>
+          <p:nvPr/>
+        </p:nvPicPr>
+        <p:blipFill>
+          <a:blip r:embed="rId14"/>
+          <a:stretch>
+            <a:fillRect/>
+          </a:stretch>
+        </p:blipFill>
+        <p:spPr>
+          <a:xfrm>
+            <a:off x="7039370" y="916697"/>
+            <a:ext cx="2561310" cy="402066"/>
+          </a:xfrm>
+          <a:prstGeom prst="rect">
+            <a:avLst/>
+          </a:prstGeom>
+        </p:spPr>
+      </p:pic>
+      <p:sp>
+        <p:nvSpPr>
+          <p:cNvPr id="9" name="TextBox 8">
+            <a:extLst>
+              <a:ext uri="{FF2B5EF4-FFF2-40B4-BE49-F238E27FC236}">
+                <a16:creationId xmlns:a16="http://schemas.microsoft.com/office/drawing/2014/main" id="{FA218FFE-6EAB-445B-AF3F-AB0BECCC074A}"/>
+              </a:ext>
+            </a:extLst>
+          </p:cNvPr>
+          <p:cNvSpPr txBox="1"/>
+          <p:nvPr/>
+        </p:nvSpPr>
+        <p:spPr>
+          <a:xfrm>
+            <a:off x="772160" y="934721"/>
+            <a:ext cx="10647680" cy="8596969"/>
+          </a:xfrm>
+          <a:prstGeom prst="rect">
+            <a:avLst/>
+          </a:prstGeom>
+          <a:noFill/>
+        </p:spPr>
+        <p:txBody>
+          <a:bodyPr wrap="square" rtlCol="0">
+            <a:spAutoFit/>
+          </a:bodyPr>
+          <a:lstStyle/>
+          <a:p>
+            <a:pPr>
+              <a:lnSpc>
+                <a:spcPct val="107000"/>
+              </a:lnSpc>
+              <a:spcAft>
+                <a:spcPts val="800"/>
+              </a:spcAft>
+            </a:pPr>
+            <a:r>
+              <a:rPr lang="en-AU" sz="2000" dirty="0">
+                <a:latin typeface="Courier New" panose="02070309020205020404" pitchFamily="49" charset="0"/>
+                <a:cs typeface="Courier New" panose="02070309020205020404" pitchFamily="49" charset="0"/>
+              </a:rPr>
+              <a:t>When the print terminal locks up, only a support employee can unlock it by entering a valid username and access code.</a:t>
+            </a:r>
+          </a:p>
+          <a:p>
+            <a:pPr>
+              <a:lnSpc>
+                <a:spcPct val="107000"/>
+              </a:lnSpc>
+              <a:spcAft>
+                <a:spcPts val="800"/>
+              </a:spcAft>
+            </a:pPr>
+            <a:r>
+              <a:rPr lang="en-AU" sz="2000" dirty="0">
+                <a:latin typeface="Courier New" panose="02070309020205020404" pitchFamily="49" charset="0"/>
+                <a:cs typeface="Courier New" panose="02070309020205020404" pitchFamily="49" charset="0"/>
+              </a:rPr>
+              <a:t>I’ve narrowed it down to four possibilities and pulled their records from the database. Now I just need to match the usernames to access codes and figure out who works where. </a:t>
+            </a:r>
+          </a:p>
+          <a:p>
+            <a:pPr>
+              <a:lnSpc>
+                <a:spcPct val="107000"/>
+              </a:lnSpc>
+              <a:spcAft>
+                <a:spcPts val="800"/>
+              </a:spcAft>
+            </a:pPr>
+            <a:r>
+              <a:rPr lang="en-AU" sz="2000" dirty="0">
+                <a:latin typeface="Courier New" panose="02070309020205020404" pitchFamily="49" charset="0"/>
+                <a:cs typeface="Courier New" panose="02070309020205020404" pitchFamily="49" charset="0"/>
+              </a:rPr>
+              <a:t>Luckily, I’ve got a few clues to go on:</a:t>
+            </a:r>
+          </a:p>
+          <a:p>
+            <a:pPr marL="342900" lvl="0" indent="-342900">
+              <a:lnSpc>
+                <a:spcPct val="107000"/>
+              </a:lnSpc>
+              <a:spcBef>
+                <a:spcPts val="1800"/>
+              </a:spcBef>
+              <a:buFont typeface="+mj-lt"/>
+              <a:buAutoNum type="arabicPeriod"/>
+            </a:pPr>
+            <a:r>
+              <a:rPr lang="en-AU" sz="2000" dirty="0">
+                <a:latin typeface="Courier New" panose="02070309020205020404" pitchFamily="49" charset="0"/>
+                <a:cs typeface="Courier New" panose="02070309020205020404" pitchFamily="49" charset="0"/>
+              </a:rPr>
+              <a:t>I recognise one of these usernames as belonging to </a:t>
+            </a:r>
+            <a:br>
+              <a:rPr lang="en-AU" sz="2000" dirty="0">
+                <a:latin typeface="Courier New" panose="02070309020205020404" pitchFamily="49" charset="0"/>
+                <a:cs typeface="Courier New" panose="02070309020205020404" pitchFamily="49" charset="0"/>
+              </a:rPr>
+            </a:br>
+            <a:r>
+              <a:rPr lang="en-AU" sz="2000" dirty="0">
+                <a:latin typeface="Courier New" panose="02070309020205020404" pitchFamily="49" charset="0"/>
+                <a:cs typeface="Courier New" panose="02070309020205020404" pitchFamily="49" charset="0"/>
+              </a:rPr>
+              <a:t>Bill M. from maintenance.</a:t>
+            </a:r>
+          </a:p>
+          <a:p>
+            <a:pPr marL="342900" lvl="0" indent="-342900">
+              <a:lnSpc>
+                <a:spcPct val="107000"/>
+              </a:lnSpc>
+              <a:spcBef>
+                <a:spcPts val="1800"/>
+              </a:spcBef>
+              <a:buFont typeface="+mj-lt"/>
+              <a:buAutoNum type="arabicPeriod"/>
+            </a:pPr>
+            <a:r>
+              <a:rPr lang="en-AU" sz="2000" dirty="0">
+                <a:latin typeface="Courier New" panose="02070309020205020404" pitchFamily="49" charset="0"/>
+                <a:cs typeface="Courier New" panose="02070309020205020404" pitchFamily="49" charset="0"/>
+              </a:rPr>
+              <a:t>Whoever has access code 5523, they don’t work in </a:t>
+            </a:r>
+            <a:br>
+              <a:rPr lang="en-AU" sz="2000" dirty="0">
+                <a:latin typeface="Courier New" panose="02070309020205020404" pitchFamily="49" charset="0"/>
+                <a:cs typeface="Courier New" panose="02070309020205020404" pitchFamily="49" charset="0"/>
+              </a:rPr>
+            </a:br>
+            <a:r>
+              <a:rPr lang="en-AU" sz="2000" dirty="0">
+                <a:latin typeface="Courier New" panose="02070309020205020404" pitchFamily="49" charset="0"/>
+                <a:cs typeface="Courier New" panose="02070309020205020404" pitchFamily="49" charset="0"/>
+              </a:rPr>
+              <a:t>support or technical.</a:t>
+            </a:r>
+          </a:p>
+          <a:p>
+            <a:pPr marL="342900" lvl="0" indent="-342900">
+              <a:lnSpc>
+                <a:spcPct val="107000"/>
+              </a:lnSpc>
+              <a:spcBef>
+                <a:spcPts val="1800"/>
+              </a:spcBef>
+              <a:buFont typeface="+mj-lt"/>
+              <a:buAutoNum type="arabicPeriod"/>
+            </a:pPr>
+            <a:r>
+              <a:rPr lang="en-AU" sz="2000" dirty="0">
+                <a:latin typeface="Courier New" panose="02070309020205020404" pitchFamily="49" charset="0"/>
+                <a:cs typeface="Courier New" panose="02070309020205020404" pitchFamily="49" charset="0"/>
+              </a:rPr>
+              <a:t>I’ve seen k.ahmad type in her access code – it definitely </a:t>
+            </a:r>
+            <a:br>
+              <a:rPr lang="en-AU" sz="2000" dirty="0">
+                <a:latin typeface="Courier New" panose="02070309020205020404" pitchFamily="49" charset="0"/>
+                <a:cs typeface="Courier New" panose="02070309020205020404" pitchFamily="49" charset="0"/>
+              </a:rPr>
+            </a:br>
+            <a:r>
+              <a:rPr lang="en-AU" sz="2000" dirty="0">
+                <a:latin typeface="Courier New" panose="02070309020205020404" pitchFamily="49" charset="0"/>
+                <a:cs typeface="Courier New" panose="02070309020205020404" pitchFamily="49" charset="0"/>
+              </a:rPr>
+              <a:t>contains a 6.</a:t>
+            </a:r>
+          </a:p>
+          <a:p>
+            <a:pPr marL="342900" lvl="0" indent="-342900">
+              <a:lnSpc>
+                <a:spcPct val="107000"/>
+              </a:lnSpc>
+              <a:spcBef>
+                <a:spcPts val="1800"/>
+              </a:spcBef>
+              <a:buFont typeface="+mj-lt"/>
+              <a:buAutoNum type="arabicPeriod"/>
+            </a:pPr>
+            <a:r>
+              <a:rPr lang="en-AU" sz="2000" dirty="0">
+                <a:latin typeface="Courier New" panose="02070309020205020404" pitchFamily="49" charset="0"/>
+                <a:cs typeface="Courier New" panose="02070309020205020404" pitchFamily="49" charset="0"/>
+              </a:rPr>
+              <a:t>I recently shoulder-surfed someone from operations. I don’t </a:t>
+            </a:r>
+            <a:br>
+              <a:rPr lang="en-AU" sz="2000" dirty="0">
+                <a:latin typeface="Courier New" panose="02070309020205020404" pitchFamily="49" charset="0"/>
+                <a:cs typeface="Courier New" panose="02070309020205020404" pitchFamily="49" charset="0"/>
+              </a:rPr>
+            </a:br>
+            <a:r>
+              <a:rPr lang="en-AU" sz="2000" dirty="0">
+                <a:latin typeface="Courier New" panose="02070309020205020404" pitchFamily="49" charset="0"/>
+                <a:cs typeface="Courier New" panose="02070309020205020404" pitchFamily="49" charset="0"/>
+              </a:rPr>
+              <a:t>know what their name is, but their access code is 2297.</a:t>
+            </a:r>
+          </a:p>
+          <a:p>
+            <a:pPr marL="342900" lvl="0" indent="-342900">
+              <a:lnSpc>
+                <a:spcPct val="107000"/>
+              </a:lnSpc>
+              <a:spcBef>
+                <a:spcPts val="1800"/>
+              </a:spcBef>
+              <a:buFont typeface="+mj-lt"/>
+              <a:buAutoNum type="arabicPeriod"/>
+            </a:pPr>
+            <a:r>
+              <a:rPr lang="en-AU" sz="2000" dirty="0">
+                <a:latin typeface="Courier New" panose="02070309020205020404" pitchFamily="49" charset="0"/>
+                <a:cs typeface="Courier New" panose="02070309020205020404" pitchFamily="49" charset="0"/>
+              </a:rPr>
+              <a:t>This is a big one – I’ve heard that employees from support always have access codes beginning with 2.</a:t>
+            </a:r>
+          </a:p>
+          <a:p>
+            <a:pPr marL="342900" lvl="0" indent="-342900">
+              <a:lnSpc>
+                <a:spcPct val="107000"/>
+              </a:lnSpc>
+              <a:spcBef>
+                <a:spcPts val="1800"/>
+              </a:spcBef>
+              <a:buFont typeface="+mj-lt"/>
+              <a:buAutoNum type="arabicPeriod"/>
+            </a:pPr>
+            <a:r>
+              <a:rPr lang="en-AU" sz="2000" dirty="0">
+                <a:latin typeface="Courier New" panose="02070309020205020404" pitchFamily="49" charset="0"/>
+                <a:cs typeface="Courier New" panose="02070309020205020404" pitchFamily="49" charset="0"/>
+              </a:rPr>
+              <a:t>Three is Bill’s lucky number – he always picks an </a:t>
+            </a:r>
+            <a:br>
+              <a:rPr lang="en-AU" sz="2000" dirty="0">
+                <a:latin typeface="Courier New" panose="02070309020205020404" pitchFamily="49" charset="0"/>
+                <a:cs typeface="Courier New" panose="02070309020205020404" pitchFamily="49" charset="0"/>
+              </a:rPr>
+            </a:br>
+            <a:r>
+              <a:rPr lang="en-AU" sz="2000" dirty="0">
+                <a:latin typeface="Courier New" panose="02070309020205020404" pitchFamily="49" charset="0"/>
+                <a:cs typeface="Courier New" panose="02070309020205020404" pitchFamily="49" charset="0"/>
+              </a:rPr>
+              <a:t>access code that starts or ends in 3.</a:t>
+            </a:r>
+          </a:p>
+          <a:p>
+            <a:pPr marL="342900" lvl="0" indent="-342900">
+              <a:lnSpc>
+                <a:spcPct val="107000"/>
+              </a:lnSpc>
+              <a:spcBef>
+                <a:spcPts val="1800"/>
+              </a:spcBef>
+              <a:spcAft>
+                <a:spcPts val="800"/>
+              </a:spcAft>
+              <a:buFont typeface="+mj-lt"/>
+              <a:buAutoNum type="arabicPeriod"/>
+            </a:pPr>
+            <a:r>
+              <a:rPr lang="en-AU" sz="2000" dirty="0">
+                <a:latin typeface="Courier New" panose="02070309020205020404" pitchFamily="49" charset="0"/>
+                <a:cs typeface="Courier New" panose="02070309020205020404" pitchFamily="49" charset="0"/>
+              </a:rPr>
+              <a:t>Whoever </a:t>
+            </a:r>
+            <a:r>
+              <a:rPr lang="en-AU" sz="2000" dirty="0" err="1">
+                <a:latin typeface="Courier New" panose="02070309020205020404" pitchFamily="49" charset="0"/>
+                <a:cs typeface="Courier New" panose="02070309020205020404" pitchFamily="49" charset="0"/>
+              </a:rPr>
+              <a:t>h.liu</a:t>
+            </a:r>
+            <a:r>
+              <a:rPr lang="en-AU" sz="2000" dirty="0">
+                <a:latin typeface="Courier New" panose="02070309020205020404" pitchFamily="49" charset="0"/>
+                <a:cs typeface="Courier New" panose="02070309020205020404" pitchFamily="49" charset="0"/>
+              </a:rPr>
+              <a:t> is, they need to stop writing down their passwords on sticky notes. Now I know their access code is 2297.</a:t>
+            </a:r>
+          </a:p>
+        </p:txBody>
+      </p:sp>
+      <p:graphicFrame>
+        <p:nvGraphicFramePr>
+          <p:cNvPr id="3" name="Table 2">
+            <a:extLst>
+              <a:ext uri="{FF2B5EF4-FFF2-40B4-BE49-F238E27FC236}">
+                <a16:creationId xmlns:a16="http://schemas.microsoft.com/office/drawing/2014/main" id="{662DD8DB-E62B-460A-B1DE-864367FCE7A4}"/>
+              </a:ext>
+            </a:extLst>
+          </p:cNvPr>
+          <p:cNvGraphicFramePr>
+            <a:graphicFrameLocks noGrp="1"/>
+          </p:cNvGraphicFramePr>
+          <p:nvPr>
+            <p:extLst>
+              <p:ext uri="{D42A27DB-BD31-4B8C-83A1-F6EECF244321}">
+                <p14:modId xmlns:p14="http://schemas.microsoft.com/office/powerpoint/2010/main" val="3422549039"/>
+              </p:ext>
+            </p:extLst>
+          </p:nvPr>
+        </p:nvGraphicFramePr>
+        <p:xfrm>
+          <a:off x="772160" y="9893028"/>
+          <a:ext cx="10757521" cy="6008316"/>
+        </p:xfrm>
+        <a:graphic>
+          <a:graphicData uri="http://schemas.openxmlformats.org/drawingml/2006/table">
+            <a:tbl>
+              <a:tblPr>
+                <a:tableStyleId>{5C22544A-7EE6-4342-B048-85BDC9FD1C3A}</a:tableStyleId>
+              </a:tblPr>
+              <a:tblGrid>
+                <a:gridCol w="497165">
+                  <a:extLst>
+                    <a:ext uri="{9D8B030D-6E8A-4147-A177-3AD203B41FA5}">
+                      <a16:colId xmlns:a16="http://schemas.microsoft.com/office/drawing/2014/main" val="152684104"/>
+                    </a:ext>
+                  </a:extLst>
+                </a:gridCol>
+                <a:gridCol w="1550524">
+                  <a:extLst>
+                    <a:ext uri="{9D8B030D-6E8A-4147-A177-3AD203B41FA5}">
+                      <a16:colId xmlns:a16="http://schemas.microsoft.com/office/drawing/2014/main" val="4062473659"/>
+                    </a:ext>
+                  </a:extLst>
+                </a:gridCol>
+                <a:gridCol w="1088729">
+                  <a:extLst>
+                    <a:ext uri="{9D8B030D-6E8A-4147-A177-3AD203B41FA5}">
+                      <a16:colId xmlns:a16="http://schemas.microsoft.com/office/drawing/2014/main" val="3997310144"/>
+                    </a:ext>
+                  </a:extLst>
+                </a:gridCol>
+                <a:gridCol w="1088729">
+                  <a:extLst>
+                    <a:ext uri="{9D8B030D-6E8A-4147-A177-3AD203B41FA5}">
+                      <a16:colId xmlns:a16="http://schemas.microsoft.com/office/drawing/2014/main" val="740525221"/>
+                    </a:ext>
+                  </a:extLst>
+                </a:gridCol>
+                <a:gridCol w="1088729">
+                  <a:extLst>
+                    <a:ext uri="{9D8B030D-6E8A-4147-A177-3AD203B41FA5}">
+                      <a16:colId xmlns:a16="http://schemas.microsoft.com/office/drawing/2014/main" val="3070931303"/>
+                    </a:ext>
+                  </a:extLst>
+                </a:gridCol>
+                <a:gridCol w="1088729">
+                  <a:extLst>
+                    <a:ext uri="{9D8B030D-6E8A-4147-A177-3AD203B41FA5}">
+                      <a16:colId xmlns:a16="http://schemas.microsoft.com/office/drawing/2014/main" val="2646854018"/>
+                    </a:ext>
+                  </a:extLst>
+                </a:gridCol>
+                <a:gridCol w="1088729">
+                  <a:extLst>
+                    <a:ext uri="{9D8B030D-6E8A-4147-A177-3AD203B41FA5}">
+                      <a16:colId xmlns:a16="http://schemas.microsoft.com/office/drawing/2014/main" val="600730499"/>
+                    </a:ext>
+                  </a:extLst>
+                </a:gridCol>
+                <a:gridCol w="1088729">
+                  <a:extLst>
+                    <a:ext uri="{9D8B030D-6E8A-4147-A177-3AD203B41FA5}">
+                      <a16:colId xmlns:a16="http://schemas.microsoft.com/office/drawing/2014/main" val="1447927839"/>
+                    </a:ext>
+                  </a:extLst>
+                </a:gridCol>
+                <a:gridCol w="1088729">
+                  <a:extLst>
+                    <a:ext uri="{9D8B030D-6E8A-4147-A177-3AD203B41FA5}">
+                      <a16:colId xmlns:a16="http://schemas.microsoft.com/office/drawing/2014/main" val="1044206572"/>
+                    </a:ext>
+                  </a:extLst>
+                </a:gridCol>
+                <a:gridCol w="1088729">
+                  <a:extLst>
+                    <a:ext uri="{9D8B030D-6E8A-4147-A177-3AD203B41FA5}">
+                      <a16:colId xmlns:a16="http://schemas.microsoft.com/office/drawing/2014/main" val="3602370709"/>
+                    </a:ext>
+                  </a:extLst>
+                </a:gridCol>
+              </a:tblGrid>
+              <a:tr h="339116">
+                <a:tc>
+                  <a:txBody>
+                    <a:bodyPr/>
+                    <a:lstStyle/>
+                    <a:p>
+                      <a:pPr algn="l" fontAlgn="b"/>
+                      <a:endParaRPr lang="en-AU" sz="1800" b="0" i="0" u="none" strike="noStrike" dirty="0">
+                        <a:solidFill>
+                          <a:srgbClr val="000000"/>
+                        </a:solidFill>
+                        <a:effectLst/>
+                        <a:latin typeface="Courier New" panose="02070309020205020404" pitchFamily="49" charset="0"/>
+                        <a:cs typeface="Courier New" panose="02070309020205020404" pitchFamily="49" charset="0"/>
+                      </a:endParaRPr>
+                    </a:p>
+                  </a:txBody>
+                  <a:tcPr marL="7047" marR="7047" marT="7047" marB="0" anchor="b">
+                    <a:lnL w="12700" cmpd="sng">
+                      <a:noFill/>
+                    </a:lnL>
+                    <a:lnR w="12700" cmpd="sng">
+                      <a:noFill/>
+                    </a:lnR>
+                    <a:lnT w="12700" cmpd="sng">
+                      <a:noFill/>
+                    </a:lnT>
+                    <a:lnB w="12700" cmpd="sng">
+                      <a:noFill/>
+                    </a:lnB>
+                    <a:lnTlToBr w="12700" cmpd="sng">
+                      <a:noFill/>
+                      <a:prstDash val="solid"/>
+                    </a:lnTlToBr>
+                    <a:lnBlToTr w="12700" cmpd="sng">
+                      <a:noFill/>
+                      <a:prstDash val="solid"/>
+                    </a:lnBlToTr>
+                    <a:noFill/>
+                  </a:tcPr>
+                </a:tc>
+                <a:tc>
+                  <a:txBody>
+                    <a:bodyPr/>
+                    <a:lstStyle/>
+                    <a:p>
+                      <a:pPr algn="l" fontAlgn="b"/>
+                      <a:endParaRPr lang="en-AU" sz="1800" b="0" i="0" u="none" strike="noStrike" dirty="0">
+                        <a:solidFill>
+                          <a:srgbClr val="000000"/>
+                        </a:solidFill>
+                        <a:effectLst/>
+                        <a:latin typeface="Courier New" panose="02070309020205020404" pitchFamily="49" charset="0"/>
+                        <a:cs typeface="Courier New" panose="02070309020205020404" pitchFamily="49" charset="0"/>
+                      </a:endParaRPr>
+                    </a:p>
+                  </a:txBody>
+                  <a:tcPr marL="7047" marR="7047" marT="7047" marB="0" anchor="b">
+                    <a:lnL w="12700" cmpd="sng">
+                      <a:noFill/>
+                    </a:lnL>
+                    <a:lnR w="28575" cap="flat" cmpd="sng" algn="ctr">
+                      <a:solidFill>
+                        <a:schemeClr val="tx1"/>
+                      </a:solidFill>
+                      <a:prstDash val="solid"/>
+                      <a:round/>
+                      <a:headEnd type="none" w="med" len="med"/>
+                      <a:tailEnd type="none" w="med" len="med"/>
+                    </a:lnR>
+                    <a:lnT w="12700" cmpd="sng">
+                      <a:noFill/>
+                    </a:lnT>
+                    <a:lnB w="12700" cmpd="sng">
+                      <a:noFill/>
+                    </a:lnB>
+                    <a:lnTlToBr w="12700" cmpd="sng">
+                      <a:noFill/>
+                      <a:prstDash val="solid"/>
+                    </a:lnTlToBr>
+                    <a:lnBlToTr w="12700" cmpd="sng">
+                      <a:noFill/>
+                      <a:prstDash val="solid"/>
+                    </a:lnBlToTr>
+                    <a:noFill/>
+                  </a:tcPr>
+                </a:tc>
+                <a:tc gridSpan="4">
+                  <a:txBody>
+                    <a:bodyPr/>
+                    <a:lstStyle/>
+                    <a:p>
+                      <a:pPr algn="ctr" fontAlgn="ctr"/>
+                      <a:r>
+                        <a:rPr lang="en-AU" sz="1800" u="none" strike="noStrike" dirty="0" err="1">
+                          <a:effectLst/>
+                          <a:latin typeface="Courier New" panose="02070309020205020404" pitchFamily="49" charset="0"/>
+                          <a:cs typeface="Courier New" panose="02070309020205020404" pitchFamily="49" charset="0"/>
+                        </a:rPr>
+                        <a:t>access_code</a:t>
+                      </a:r>
+                      <a:endParaRPr lang="en-AU" sz="1800" b="1" i="0" u="none" strike="noStrike" dirty="0">
+                        <a:solidFill>
+                          <a:srgbClr val="000000"/>
+                        </a:solidFill>
+                        <a:effectLst/>
+                        <a:latin typeface="Courier New" panose="02070309020205020404" pitchFamily="49" charset="0"/>
+                        <a:cs typeface="Courier New" panose="02070309020205020404" pitchFamily="49" charset="0"/>
+                      </a:endParaRPr>
+                    </a:p>
+                  </a:txBody>
+                  <a:tcPr marL="84569" marR="84569" marT="42285" marB="42285" anchor="ctr">
+                    <a:lnL w="28575" cap="flat" cmpd="sng" algn="ctr">
+                      <a:solidFill>
+                        <a:schemeClr val="tx1"/>
+                      </a:solidFill>
+                      <a:prstDash val="solid"/>
+                      <a:round/>
+                      <a:headEnd type="none" w="med" len="med"/>
+                      <a:tailEnd type="none" w="med" len="med"/>
+                    </a:lnL>
+                    <a:lnR w="28575" cap="flat" cmpd="sng" algn="ctr">
+                      <a:solidFill>
+                        <a:schemeClr val="tx1"/>
+                      </a:solidFill>
+                      <a:prstDash val="solid"/>
+                      <a:round/>
+                      <a:headEnd type="none" w="med" len="med"/>
+                      <a:tailEnd type="none" w="med" len="med"/>
+                    </a:lnR>
+                    <a:lnT w="12700" cmpd="sng">
+                      <a:noFill/>
+                    </a:lnT>
+                    <a:lnB w="12700" cmpd="sng">
+                      <a:noFill/>
+                    </a:lnB>
+                    <a:lnTlToBr w="12700" cmpd="sng">
+                      <a:noFill/>
+                      <a:prstDash val="solid"/>
+                    </a:lnTlToBr>
+                    <a:lnBlToTr w="12700" cmpd="sng">
+                      <a:noFill/>
+                      <a:prstDash val="solid"/>
+                    </a:lnBlToTr>
+                    <a:noFill/>
+                  </a:tcPr>
+                </a:tc>
+                <a:tc hMerge="1">
+                  <a:txBody>
+                    <a:bodyPr/>
+                    <a:lstStyle/>
+                    <a:p>
+                      <a:endParaRPr lang="en-AU"/>
+                    </a:p>
+                  </a:txBody>
+                  <a:tcPr/>
+                </a:tc>
+                <a:tc hMerge="1">
+                  <a:txBody>
+                    <a:bodyPr/>
+                    <a:lstStyle/>
+                    <a:p>
+                      <a:endParaRPr lang="en-AU"/>
+                    </a:p>
+                  </a:txBody>
+                  <a:tcPr/>
+                </a:tc>
+                <a:tc hMerge="1">
+                  <a:txBody>
+                    <a:bodyPr/>
+                    <a:lstStyle/>
+                    <a:p>
+                      <a:endParaRPr lang="en-AU"/>
+                    </a:p>
+                  </a:txBody>
+                  <a:tcPr/>
+                </a:tc>
+                <a:tc gridSpan="4">
+                  <a:txBody>
+                    <a:bodyPr/>
+                    <a:lstStyle/>
+                    <a:p>
+                      <a:pPr algn="ctr" fontAlgn="ctr"/>
+                      <a:r>
+                        <a:rPr lang="en-AU" sz="1800" u="none" strike="noStrike" dirty="0">
+                          <a:effectLst/>
+                          <a:latin typeface="Courier New" panose="02070309020205020404" pitchFamily="49" charset="0"/>
+                          <a:cs typeface="Courier New" panose="02070309020205020404" pitchFamily="49" charset="0"/>
+                        </a:rPr>
+                        <a:t>department</a:t>
+                      </a:r>
+                      <a:endParaRPr lang="en-AU" sz="1800" b="1" i="0" u="none" strike="noStrike" dirty="0">
+                        <a:solidFill>
+                          <a:srgbClr val="000000"/>
+                        </a:solidFill>
+                        <a:effectLst/>
+                        <a:latin typeface="Courier New" panose="02070309020205020404" pitchFamily="49" charset="0"/>
+                        <a:cs typeface="Courier New" panose="02070309020205020404" pitchFamily="49" charset="0"/>
+                      </a:endParaRPr>
+                    </a:p>
+                  </a:txBody>
+                  <a:tcPr marL="84569" marR="84569" marT="42285" marB="42285" anchor="ctr">
+                    <a:lnL w="28575" cap="flat" cmpd="sng" algn="ctr">
+                      <a:solidFill>
+                        <a:schemeClr val="tx1"/>
+                      </a:solidFill>
+                      <a:prstDash val="solid"/>
+                      <a:round/>
+                      <a:headEnd type="none" w="med" len="med"/>
+                      <a:tailEnd type="none" w="med" len="med"/>
+                    </a:lnL>
+                    <a:lnR w="12700" cmpd="sng">
+                      <a:noFill/>
+                    </a:lnR>
+                    <a:lnT w="12700" cmpd="sng">
+                      <a:noFill/>
+                    </a:lnT>
+                    <a:lnB w="12700" cmpd="sng">
+                      <a:noFill/>
+                    </a:lnB>
+                    <a:lnTlToBr w="12700" cmpd="sng">
+                      <a:noFill/>
+                      <a:prstDash val="solid"/>
+                    </a:lnTlToBr>
+                    <a:lnBlToTr w="12700" cmpd="sng">
+                      <a:noFill/>
+                      <a:prstDash val="solid"/>
+                    </a:lnBlToTr>
+                    <a:noFill/>
+                  </a:tcPr>
+                </a:tc>
+                <a:tc hMerge="1">
+                  <a:txBody>
+                    <a:bodyPr/>
+                    <a:lstStyle/>
+                    <a:p>
+                      <a:endParaRPr lang="en-AU"/>
+                    </a:p>
+                  </a:txBody>
+                  <a:tcPr/>
+                </a:tc>
+                <a:tc hMerge="1">
+                  <a:txBody>
+                    <a:bodyPr/>
+                    <a:lstStyle/>
+                    <a:p>
+                      <a:endParaRPr lang="en-AU"/>
+                    </a:p>
+                  </a:txBody>
+                  <a:tcPr/>
+                </a:tc>
+                <a:tc hMerge="1">
+                  <a:txBody>
+                    <a:bodyPr/>
+                    <a:lstStyle/>
+                    <a:p>
+                      <a:endParaRPr lang="en-AU"/>
+                    </a:p>
+                  </a:txBody>
+                  <a:tcPr/>
+                </a:tc>
+                <a:extLst>
+                  <a:ext uri="{0D108BD9-81ED-4DB2-BD59-A6C34878D82A}">
+                    <a16:rowId xmlns:a16="http://schemas.microsoft.com/office/drawing/2014/main" val="3011358814"/>
+                  </a:ext>
+                </a:extLst>
+              </a:tr>
+              <a:tr h="627714">
+                <a:tc>
+                  <a:txBody>
+                    <a:bodyPr/>
+                    <a:lstStyle/>
+                    <a:p>
+                      <a:pPr algn="l" fontAlgn="b"/>
+                      <a:endParaRPr lang="en-AU" sz="1800" b="0" i="0" u="none" strike="noStrike" dirty="0">
+                        <a:solidFill>
+                          <a:srgbClr val="000000"/>
+                        </a:solidFill>
+                        <a:effectLst/>
+                        <a:latin typeface="Courier New" panose="02070309020205020404" pitchFamily="49" charset="0"/>
+                        <a:cs typeface="Courier New" panose="02070309020205020404" pitchFamily="49" charset="0"/>
+                      </a:endParaRPr>
+                    </a:p>
+                  </a:txBody>
+                  <a:tcPr marL="7047" marR="7047" marT="7047" marB="0" anchor="b">
+                    <a:lnL w="12700" cmpd="sng">
+                      <a:noFill/>
+                    </a:lnL>
+                    <a:lnR w="12700" cmpd="sng">
+                      <a:noFill/>
+                    </a:lnR>
+                    <a:lnT w="12700" cmpd="sng">
+                      <a:noFill/>
+                    </a:lnT>
+                    <a:lnB w="28575" cap="flat" cmpd="sng" algn="ctr">
+                      <a:solidFill>
+                        <a:schemeClr val="tx1"/>
+                      </a:solidFill>
+                      <a:prstDash val="solid"/>
+                      <a:round/>
+                      <a:headEnd type="none" w="med" len="med"/>
+                      <a:tailEnd type="none" w="med" len="med"/>
+                    </a:lnB>
+                    <a:lnTlToBr w="12700" cmpd="sng">
+                      <a:noFill/>
+                      <a:prstDash val="solid"/>
+                    </a:lnTlToBr>
+                    <a:lnBlToTr w="12700" cmpd="sng">
+                      <a:noFill/>
+                      <a:prstDash val="solid"/>
+                    </a:lnBlToTr>
+                    <a:noFill/>
+                  </a:tcPr>
+                </a:tc>
+                <a:tc>
+                  <a:txBody>
+                    <a:bodyPr/>
+                    <a:lstStyle/>
+                    <a:p>
+                      <a:pPr algn="ctr" fontAlgn="ctr"/>
+                      <a:endParaRPr lang="en-AU" sz="1800" b="1" i="0" u="none" strike="noStrike" dirty="0">
+                        <a:solidFill>
+                          <a:srgbClr val="000000"/>
+                        </a:solidFill>
+                        <a:effectLst/>
+                        <a:latin typeface="Courier New" panose="02070309020205020404" pitchFamily="49" charset="0"/>
+                        <a:cs typeface="Courier New" panose="02070309020205020404" pitchFamily="49" charset="0"/>
+                      </a:endParaRPr>
+                    </a:p>
+                  </a:txBody>
+                  <a:tcPr marL="7047" marR="7047" marT="7047" marB="0" anchor="ctr">
+                    <a:lnL w="12700" cmpd="sng">
+                      <a:noFill/>
+                    </a:lnL>
+                    <a:lnR w="28575" cap="flat" cmpd="sng" algn="ctr">
+                      <a:solidFill>
+                        <a:schemeClr val="tx1"/>
+                      </a:solidFill>
+                      <a:prstDash val="solid"/>
+                      <a:round/>
+                      <a:headEnd type="none" w="med" len="med"/>
+                      <a:tailEnd type="none" w="med" len="med"/>
+                    </a:lnR>
+                    <a:lnT w="12700" cmpd="sng">
+                      <a:noFill/>
+                    </a:lnT>
+                    <a:lnB w="28575" cap="flat" cmpd="sng" algn="ctr">
+                      <a:solidFill>
+                        <a:schemeClr val="tx1"/>
+                      </a:solidFill>
+                      <a:prstDash val="solid"/>
+                      <a:round/>
+                      <a:headEnd type="none" w="med" len="med"/>
+                      <a:tailEnd type="none" w="med" len="med"/>
+                    </a:lnB>
+                    <a:lnTlToBr w="12700" cmpd="sng">
+                      <a:noFill/>
+                      <a:prstDash val="solid"/>
+                    </a:lnTlToBr>
+                    <a:lnBlToTr w="12700" cmpd="sng">
+                      <a:noFill/>
+                      <a:prstDash val="solid"/>
+                    </a:lnBlToTr>
+                    <a:noFill/>
+                  </a:tcPr>
+                </a:tc>
+                <a:tc>
+                  <a:txBody>
+                    <a:bodyPr/>
+                    <a:lstStyle/>
+                    <a:p>
+                      <a:pPr algn="ctr" fontAlgn="ctr"/>
+                      <a:r>
+                        <a:rPr lang="en-AU" sz="1800" u="none" strike="noStrike" dirty="0">
+                          <a:effectLst/>
+                          <a:latin typeface="Courier New" panose="02070309020205020404" pitchFamily="49" charset="0"/>
+                          <a:cs typeface="Courier New" panose="02070309020205020404" pitchFamily="49" charset="0"/>
+                        </a:rPr>
+                        <a:t>2297</a:t>
+                      </a:r>
+                      <a:endParaRPr lang="en-AU" sz="1800" b="0" i="0" u="none" strike="noStrike" dirty="0">
+                        <a:solidFill>
+                          <a:srgbClr val="000000"/>
+                        </a:solidFill>
+                        <a:effectLst/>
+                        <a:latin typeface="Courier New" panose="02070309020205020404" pitchFamily="49" charset="0"/>
+                        <a:cs typeface="Courier New" panose="02070309020205020404" pitchFamily="49" charset="0"/>
+                      </a:endParaRPr>
+                    </a:p>
+                  </a:txBody>
+                  <a:tcPr marL="7047" marR="7047" marT="7047" marB="0" anchor="ctr">
+                    <a:lnL w="28575" cap="flat" cmpd="sng" algn="ctr">
+                      <a:solidFill>
+                        <a:schemeClr val="tx1"/>
+                      </a:solidFill>
+                      <a:prstDash val="solid"/>
+                      <a:round/>
+                      <a:headEnd type="none" w="med" len="med"/>
+                      <a:tailEnd type="none" w="med" len="med"/>
+                    </a:lnL>
+                    <a:lnR w="6350" cap="flat" cmpd="sng" algn="ctr">
+                      <a:noFill/>
+                      <a:prstDash val="solid"/>
+                      <a:round/>
+                      <a:headEnd type="none" w="med" len="med"/>
+                      <a:tailEnd type="none" w="med" len="med"/>
+                    </a:lnR>
+                    <a:lnT w="12700" cmpd="sng">
+                      <a:noFill/>
+                    </a:lnT>
+                    <a:lnB w="28575" cap="flat" cmpd="sng" algn="ctr">
+                      <a:solidFill>
+                        <a:schemeClr val="tx1"/>
+                      </a:solidFill>
+                      <a:prstDash val="solid"/>
+                      <a:round/>
+                      <a:headEnd type="none" w="med" len="med"/>
+                      <a:tailEnd type="none" w="med" len="med"/>
+                    </a:lnB>
+                    <a:lnTlToBr w="12700" cmpd="sng">
+                      <a:noFill/>
+                      <a:prstDash val="solid"/>
+                    </a:lnTlToBr>
+                    <a:lnBlToTr w="12700" cmpd="sng">
+                      <a:noFill/>
+                      <a:prstDash val="solid"/>
+                    </a:lnBlToTr>
+                    <a:noFill/>
+                  </a:tcPr>
+                </a:tc>
+                <a:tc>
+                  <a:txBody>
+                    <a:bodyPr/>
+                    <a:lstStyle/>
+                    <a:p>
+                      <a:pPr algn="ctr" fontAlgn="ctr"/>
+                      <a:r>
+                        <a:rPr lang="en-AU" sz="1800" u="none" strike="noStrike" dirty="0">
+                          <a:effectLst/>
+                          <a:latin typeface="Courier New" panose="02070309020205020404" pitchFamily="49" charset="0"/>
+                          <a:cs typeface="Courier New" panose="02070309020205020404" pitchFamily="49" charset="0"/>
+                        </a:rPr>
+                        <a:t>2618</a:t>
+                      </a:r>
+                      <a:endParaRPr lang="en-AU" sz="1800" b="0" i="0" u="none" strike="noStrike" dirty="0">
+                        <a:solidFill>
+                          <a:srgbClr val="000000"/>
+                        </a:solidFill>
+                        <a:effectLst/>
+                        <a:latin typeface="Courier New" panose="02070309020205020404" pitchFamily="49" charset="0"/>
+                        <a:cs typeface="Courier New" panose="02070309020205020404" pitchFamily="49" charset="0"/>
+                      </a:endParaRPr>
+                    </a:p>
+                  </a:txBody>
+                  <a:tcPr marL="7047" marR="7047" marT="7047" marB="0" anchor="ctr">
+                    <a:lnL w="6350" cap="flat" cmpd="sng" algn="ctr">
+                      <a:noFill/>
+                      <a:prstDash val="solid"/>
+                      <a:round/>
+                      <a:headEnd type="none" w="med" len="med"/>
+                      <a:tailEnd type="none" w="med" len="med"/>
+                    </a:lnL>
+                    <a:lnR w="12700" cmpd="sng">
+                      <a:noFill/>
+                    </a:lnR>
+                    <a:lnT w="12700" cmpd="sng">
+                      <a:noFill/>
+                    </a:lnT>
+                    <a:lnB w="28575" cap="flat" cmpd="sng" algn="ctr">
+                      <a:solidFill>
+                        <a:schemeClr val="tx1"/>
+                      </a:solidFill>
+                      <a:prstDash val="solid"/>
+                      <a:round/>
+                      <a:headEnd type="none" w="med" len="med"/>
+                      <a:tailEnd type="none" w="med" len="med"/>
+                    </a:lnB>
+                    <a:lnTlToBr w="12700" cmpd="sng">
+                      <a:noFill/>
+                      <a:prstDash val="solid"/>
+                    </a:lnTlToBr>
+                    <a:lnBlToTr w="12700" cmpd="sng">
+                      <a:noFill/>
+                      <a:prstDash val="solid"/>
+                    </a:lnBlToTr>
+                    <a:noFill/>
+                  </a:tcPr>
+                </a:tc>
+                <a:tc>
+                  <a:txBody>
+                    <a:bodyPr/>
+                    <a:lstStyle/>
+                    <a:p>
+                      <a:pPr algn="ctr" fontAlgn="ctr"/>
+                      <a:r>
+                        <a:rPr lang="en-AU" sz="1800" u="none" strike="noStrike">
+                          <a:effectLst/>
+                          <a:latin typeface="Courier New" panose="02070309020205020404" pitchFamily="49" charset="0"/>
+                          <a:cs typeface="Courier New" panose="02070309020205020404" pitchFamily="49" charset="0"/>
+                        </a:rPr>
+                        <a:t>5523</a:t>
+                      </a:r>
+                      <a:endParaRPr lang="en-AU" sz="1800" b="0" i="0" u="none" strike="noStrike">
+                        <a:solidFill>
+                          <a:srgbClr val="000000"/>
+                        </a:solidFill>
+                        <a:effectLst/>
+                        <a:latin typeface="Courier New" panose="02070309020205020404" pitchFamily="49" charset="0"/>
+                        <a:cs typeface="Courier New" panose="02070309020205020404" pitchFamily="49" charset="0"/>
+                      </a:endParaRPr>
+                    </a:p>
+                  </a:txBody>
+                  <a:tcPr marL="7047" marR="7047" marT="7047" marB="0" anchor="ctr">
+                    <a:lnL w="12700" cmpd="sng">
+                      <a:noFill/>
+                    </a:lnL>
+                    <a:lnR w="12700" cmpd="sng">
+                      <a:noFill/>
+                    </a:lnR>
+                    <a:lnT w="12700" cmpd="sng">
+                      <a:noFill/>
+                    </a:lnT>
+                    <a:lnB w="28575" cap="flat" cmpd="sng" algn="ctr">
+                      <a:solidFill>
+                        <a:schemeClr val="tx1"/>
+                      </a:solidFill>
+                      <a:prstDash val="solid"/>
+                      <a:round/>
+                      <a:headEnd type="none" w="med" len="med"/>
+                      <a:tailEnd type="none" w="med" len="med"/>
+                    </a:lnB>
+                    <a:lnTlToBr w="12700" cmpd="sng">
+                      <a:noFill/>
+                      <a:prstDash val="solid"/>
+                    </a:lnTlToBr>
+                    <a:lnBlToTr w="12700" cmpd="sng">
+                      <a:noFill/>
+                      <a:prstDash val="solid"/>
+                    </a:lnBlToTr>
+                    <a:noFill/>
+                  </a:tcPr>
+                </a:tc>
+                <a:tc>
+                  <a:txBody>
+                    <a:bodyPr/>
+                    <a:lstStyle/>
+                    <a:p>
+                      <a:pPr algn="ctr" fontAlgn="ctr"/>
+                      <a:r>
+                        <a:rPr lang="en-AU" sz="1800" u="none" strike="noStrike" dirty="0">
+                          <a:effectLst/>
+                          <a:latin typeface="Courier New" panose="02070309020205020404" pitchFamily="49" charset="0"/>
+                          <a:cs typeface="Courier New" panose="02070309020205020404" pitchFamily="49" charset="0"/>
+                        </a:rPr>
+                        <a:t>6153</a:t>
+                      </a:r>
+                      <a:endParaRPr lang="en-AU" sz="1800" b="0" i="0" u="none" strike="noStrike" dirty="0">
+                        <a:solidFill>
+                          <a:srgbClr val="000000"/>
+                        </a:solidFill>
+                        <a:effectLst/>
+                        <a:latin typeface="Courier New" panose="02070309020205020404" pitchFamily="49" charset="0"/>
+                        <a:cs typeface="Courier New" panose="02070309020205020404" pitchFamily="49" charset="0"/>
+                      </a:endParaRPr>
+                    </a:p>
+                  </a:txBody>
+                  <a:tcPr marL="7047" marR="7047" marT="7047" marB="0" anchor="ctr">
+                    <a:lnL w="12700" cmpd="sng">
+                      <a:noFill/>
+                    </a:lnL>
+                    <a:lnR w="28575" cap="flat" cmpd="sng" algn="ctr">
+                      <a:solidFill>
+                        <a:schemeClr val="tx1"/>
+                      </a:solidFill>
+                      <a:prstDash val="solid"/>
+                      <a:round/>
+                      <a:headEnd type="none" w="med" len="med"/>
+                      <a:tailEnd type="none" w="med" len="med"/>
+                    </a:lnR>
+                    <a:lnT w="12700" cmpd="sng">
+                      <a:noFill/>
+                    </a:lnT>
+                    <a:lnB w="28575" cap="flat" cmpd="sng" algn="ctr">
+                      <a:solidFill>
+                        <a:schemeClr val="tx1"/>
+                      </a:solidFill>
+                      <a:prstDash val="solid"/>
+                      <a:round/>
+                      <a:headEnd type="none" w="med" len="med"/>
+                      <a:tailEnd type="none" w="med" len="med"/>
+                    </a:lnB>
+                    <a:lnTlToBr w="12700" cmpd="sng">
+                      <a:noFill/>
+                      <a:prstDash val="solid"/>
+                    </a:lnTlToBr>
+                    <a:lnBlToTr w="12700" cmpd="sng">
+                      <a:noFill/>
+                      <a:prstDash val="solid"/>
+                    </a:lnBlToTr>
+                    <a:noFill/>
+                  </a:tcPr>
+                </a:tc>
+                <a:tc>
+                  <a:txBody>
+                    <a:bodyPr/>
+                    <a:lstStyle/>
+                    <a:p>
+                      <a:pPr algn="ctr" fontAlgn="ctr"/>
+                      <a:r>
+                        <a:rPr lang="en-AU" sz="1800" u="none" strike="noStrike" dirty="0">
+                          <a:effectLst/>
+                          <a:latin typeface="Courier New" panose="02070309020205020404" pitchFamily="49" charset="0"/>
+                          <a:cs typeface="Courier New" panose="02070309020205020404" pitchFamily="49" charset="0"/>
+                        </a:rPr>
+                        <a:t>Main.</a:t>
+                      </a:r>
+                      <a:endParaRPr lang="en-AU" sz="1800" b="0" i="0" u="none" strike="noStrike" dirty="0">
+                        <a:solidFill>
+                          <a:srgbClr val="000000"/>
+                        </a:solidFill>
+                        <a:effectLst/>
+                        <a:latin typeface="Courier New" panose="02070309020205020404" pitchFamily="49" charset="0"/>
+                        <a:cs typeface="Courier New" panose="02070309020205020404" pitchFamily="49" charset="0"/>
+                      </a:endParaRPr>
+                    </a:p>
+                  </a:txBody>
+                  <a:tcPr marL="7047" marR="7047" marT="7047" marB="0" anchor="ctr">
+                    <a:lnL w="28575" cap="flat" cmpd="sng" algn="ctr">
+                      <a:solidFill>
+                        <a:schemeClr val="tx1"/>
+                      </a:solidFill>
+                      <a:prstDash val="solid"/>
+                      <a:round/>
+                      <a:headEnd type="none" w="med" len="med"/>
+                      <a:tailEnd type="none" w="med" len="med"/>
+                    </a:lnL>
+                    <a:lnR w="12700" cmpd="sng">
+                      <a:noFill/>
+                    </a:lnR>
+                    <a:lnT w="12700" cmpd="sng">
+                      <a:noFill/>
+                    </a:lnT>
+                    <a:lnB w="28575" cap="flat" cmpd="sng" algn="ctr">
+                      <a:solidFill>
+                        <a:schemeClr val="tx1"/>
+                      </a:solidFill>
+                      <a:prstDash val="solid"/>
+                      <a:round/>
+                      <a:headEnd type="none" w="med" len="med"/>
+                      <a:tailEnd type="none" w="med" len="med"/>
+                    </a:lnB>
+                    <a:lnTlToBr w="12700" cmpd="sng">
+                      <a:noFill/>
+                      <a:prstDash val="solid"/>
+                    </a:lnTlToBr>
+                    <a:lnBlToTr w="12700" cmpd="sng">
+                      <a:noFill/>
+                      <a:prstDash val="solid"/>
+                    </a:lnBlToTr>
+                    <a:noFill/>
+                  </a:tcPr>
+                </a:tc>
+                <a:tc>
+                  <a:txBody>
+                    <a:bodyPr/>
+                    <a:lstStyle/>
+                    <a:p>
+                      <a:pPr algn="ctr" fontAlgn="ctr"/>
+                      <a:r>
+                        <a:rPr lang="en-AU" sz="1800" u="none" strike="noStrike" dirty="0">
+                          <a:effectLst/>
+                          <a:latin typeface="Courier New" panose="02070309020205020404" pitchFamily="49" charset="0"/>
+                          <a:cs typeface="Courier New" panose="02070309020205020404" pitchFamily="49" charset="0"/>
+                        </a:rPr>
+                        <a:t>Ops.</a:t>
+                      </a:r>
+                      <a:endParaRPr lang="en-AU" sz="1800" b="0" i="0" u="none" strike="noStrike" dirty="0">
+                        <a:solidFill>
+                          <a:srgbClr val="000000"/>
+                        </a:solidFill>
+                        <a:effectLst/>
+                        <a:latin typeface="Courier New" panose="02070309020205020404" pitchFamily="49" charset="0"/>
+                        <a:cs typeface="Courier New" panose="02070309020205020404" pitchFamily="49" charset="0"/>
+                      </a:endParaRPr>
+                    </a:p>
+                  </a:txBody>
+                  <a:tcPr marL="7047" marR="7047" marT="7047" marB="0" anchor="ctr">
+                    <a:lnL w="12700" cmpd="sng">
+                      <a:noFill/>
+                    </a:lnL>
+                    <a:lnR w="12700" cmpd="sng">
+                      <a:noFill/>
+                    </a:lnR>
+                    <a:lnT w="12700" cmpd="sng">
+                      <a:noFill/>
+                    </a:lnT>
+                    <a:lnB w="28575" cap="flat" cmpd="sng" algn="ctr">
+                      <a:solidFill>
+                        <a:schemeClr val="tx1"/>
+                      </a:solidFill>
+                      <a:prstDash val="solid"/>
+                      <a:round/>
+                      <a:headEnd type="none" w="med" len="med"/>
+                      <a:tailEnd type="none" w="med" len="med"/>
+                    </a:lnB>
+                    <a:lnTlToBr w="12700" cmpd="sng">
+                      <a:noFill/>
+                      <a:prstDash val="solid"/>
+                    </a:lnTlToBr>
+                    <a:lnBlToTr w="12700" cmpd="sng">
+                      <a:noFill/>
+                      <a:prstDash val="solid"/>
+                    </a:lnBlToTr>
+                    <a:noFill/>
+                  </a:tcPr>
+                </a:tc>
+                <a:tc>
+                  <a:txBody>
+                    <a:bodyPr/>
+                    <a:lstStyle/>
+                    <a:p>
+                      <a:pPr algn="ctr" fontAlgn="ctr"/>
+                      <a:r>
+                        <a:rPr lang="en-AU" sz="1800" u="none" strike="noStrike" dirty="0">
+                          <a:effectLst/>
+                          <a:latin typeface="Courier New" panose="02070309020205020404" pitchFamily="49" charset="0"/>
+                          <a:cs typeface="Courier New" panose="02070309020205020404" pitchFamily="49" charset="0"/>
+                        </a:rPr>
+                        <a:t>Tech.</a:t>
+                      </a:r>
+                      <a:endParaRPr lang="en-AU" sz="1800" b="0" i="0" u="none" strike="noStrike" dirty="0">
+                        <a:solidFill>
+                          <a:srgbClr val="000000"/>
+                        </a:solidFill>
+                        <a:effectLst/>
+                        <a:latin typeface="Courier New" panose="02070309020205020404" pitchFamily="49" charset="0"/>
+                        <a:cs typeface="Courier New" panose="02070309020205020404" pitchFamily="49" charset="0"/>
+                      </a:endParaRPr>
+                    </a:p>
+                  </a:txBody>
+                  <a:tcPr marL="7047" marR="7047" marT="7047" marB="0" anchor="ctr">
+                    <a:lnL w="12700" cmpd="sng">
+                      <a:noFill/>
+                    </a:lnL>
+                    <a:lnR w="12700" cmpd="sng">
+                      <a:noFill/>
+                    </a:lnR>
+                    <a:lnT w="12700" cmpd="sng">
+                      <a:noFill/>
+                    </a:lnT>
+                    <a:lnB w="28575" cap="flat" cmpd="sng" algn="ctr">
+                      <a:solidFill>
+                        <a:schemeClr val="tx1"/>
+                      </a:solidFill>
+                      <a:prstDash val="solid"/>
+                      <a:round/>
+                      <a:headEnd type="none" w="med" len="med"/>
+                      <a:tailEnd type="none" w="med" len="med"/>
+                    </a:lnB>
+                    <a:lnTlToBr w="12700" cmpd="sng">
+                      <a:noFill/>
+                      <a:prstDash val="solid"/>
+                    </a:lnTlToBr>
+                    <a:lnBlToTr w="12700" cmpd="sng">
+                      <a:noFill/>
+                      <a:prstDash val="solid"/>
+                    </a:lnBlToTr>
+                    <a:noFill/>
+                  </a:tcPr>
+                </a:tc>
+                <a:tc>
+                  <a:txBody>
+                    <a:bodyPr/>
+                    <a:lstStyle/>
+                    <a:p>
+                      <a:pPr algn="ctr" fontAlgn="ctr"/>
+                      <a:r>
+                        <a:rPr lang="en-AU" sz="1800" u="none" strike="noStrike" dirty="0">
+                          <a:effectLst/>
+                          <a:latin typeface="Courier New" panose="02070309020205020404" pitchFamily="49" charset="0"/>
+                          <a:cs typeface="Courier New" panose="02070309020205020404" pitchFamily="49" charset="0"/>
+                        </a:rPr>
+                        <a:t>Support</a:t>
+                      </a:r>
+                      <a:endParaRPr lang="en-AU" sz="1800" b="0" i="0" u="none" strike="noStrike" dirty="0">
+                        <a:solidFill>
+                          <a:srgbClr val="000000"/>
+                        </a:solidFill>
+                        <a:effectLst/>
+                        <a:latin typeface="Courier New" panose="02070309020205020404" pitchFamily="49" charset="0"/>
+                        <a:cs typeface="Courier New" panose="02070309020205020404" pitchFamily="49" charset="0"/>
+                      </a:endParaRPr>
+                    </a:p>
+                  </a:txBody>
+                  <a:tcPr marL="7047" marR="7047" marT="7047" marB="0" anchor="ctr">
+                    <a:lnL w="12700" cmpd="sng">
+                      <a:noFill/>
+                    </a:lnL>
+                    <a:lnR w="12700" cmpd="sng">
+                      <a:noFill/>
+                    </a:lnR>
+                    <a:lnT w="12700" cmpd="sng">
+                      <a:noFill/>
+                    </a:lnT>
+                    <a:lnB w="28575" cap="flat" cmpd="sng" algn="ctr">
+                      <a:solidFill>
+                        <a:schemeClr val="tx1"/>
+                      </a:solidFill>
+                      <a:prstDash val="solid"/>
+                      <a:round/>
+                      <a:headEnd type="none" w="med" len="med"/>
+                      <a:tailEnd type="none" w="med" len="med"/>
+                    </a:lnB>
+                    <a:lnTlToBr w="12700" cmpd="sng">
+                      <a:noFill/>
+                      <a:prstDash val="solid"/>
+                    </a:lnTlToBr>
+                    <a:lnBlToTr w="12700" cmpd="sng">
+                      <a:noFill/>
+                      <a:prstDash val="solid"/>
+                    </a:lnBlToTr>
+                    <a:noFill/>
+                  </a:tcPr>
+                </a:tc>
+                <a:extLst>
+                  <a:ext uri="{0D108BD9-81ED-4DB2-BD59-A6C34878D82A}">
+                    <a16:rowId xmlns:a16="http://schemas.microsoft.com/office/drawing/2014/main" val="3054322869"/>
+                  </a:ext>
+                </a:extLst>
+              </a:tr>
+              <a:tr h="627714">
+                <a:tc rowSpan="4">
+                  <a:txBody>
+                    <a:bodyPr/>
+                    <a:lstStyle/>
+                    <a:p>
+                      <a:pPr algn="ctr" fontAlgn="ctr"/>
+                      <a:r>
+                        <a:rPr lang="en-AU" sz="1800" u="none" strike="noStrike" dirty="0" err="1">
+                          <a:effectLst/>
+                          <a:latin typeface="Courier New" panose="02070309020205020404" pitchFamily="49" charset="0"/>
+                          <a:cs typeface="Courier New" panose="02070309020205020404" pitchFamily="49" charset="0"/>
+                        </a:rPr>
+                        <a:t>user_name</a:t>
+                      </a:r>
+                      <a:endParaRPr lang="en-AU" sz="1800" b="1" i="0" u="none" strike="noStrike" dirty="0">
+                        <a:solidFill>
+                          <a:srgbClr val="000000"/>
+                        </a:solidFill>
+                        <a:effectLst/>
+                        <a:latin typeface="Courier New" panose="02070309020205020404" pitchFamily="49" charset="0"/>
+                        <a:cs typeface="Courier New" panose="02070309020205020404" pitchFamily="49" charset="0"/>
+                      </a:endParaRPr>
+                    </a:p>
+                  </a:txBody>
+                  <a:tcPr marL="84569" marR="84569" marT="42285" marB="42285" vert="vert270" anchor="ctr">
+                    <a:lnL w="12700" cmpd="sng">
+                      <a:noFill/>
+                    </a:lnL>
+                    <a:lnR w="12700" cmpd="sng">
+                      <a:noFill/>
+                    </a:lnR>
+                    <a:lnT w="28575" cap="flat" cmpd="sng" algn="ctr">
+                      <a:solidFill>
+                        <a:schemeClr val="tx1"/>
+                      </a:solidFill>
+                      <a:prstDash val="solid"/>
+                      <a:round/>
+                      <a:headEnd type="none" w="med" len="med"/>
+                      <a:tailEnd type="none" w="med" len="med"/>
+                    </a:lnT>
+                    <a:lnB w="28575" cap="flat" cmpd="sng" algn="ctr">
+                      <a:solidFill>
+                        <a:schemeClr val="tx1"/>
+                      </a:solidFill>
+                      <a:prstDash val="solid"/>
+                      <a:round/>
+                      <a:headEnd type="none" w="med" len="med"/>
+                      <a:tailEnd type="none" w="med" len="med"/>
+                    </a:lnB>
+                    <a:lnTlToBr w="12700" cmpd="sng">
+                      <a:noFill/>
+                      <a:prstDash val="solid"/>
+                    </a:lnTlToBr>
+                    <a:lnBlToTr w="12700" cmpd="sng">
+                      <a:noFill/>
+                      <a:prstDash val="solid"/>
+                    </a:lnBlToTr>
+                    <a:noFill/>
+                  </a:tcPr>
+                </a:tc>
+                <a:tc>
+                  <a:txBody>
+                    <a:bodyPr/>
+                    <a:lstStyle/>
+                    <a:p>
+                      <a:pPr algn="ctr" fontAlgn="ctr"/>
+                      <a:r>
+                        <a:rPr lang="en-AU" sz="1800" u="none" strike="noStrike">
+                          <a:effectLst/>
+                          <a:latin typeface="Courier New" panose="02070309020205020404" pitchFamily="49" charset="0"/>
+                          <a:cs typeface="Courier New" panose="02070309020205020404" pitchFamily="49" charset="0"/>
+                        </a:rPr>
+                        <a:t>h.liu</a:t>
+                      </a:r>
+                      <a:endParaRPr lang="en-AU" sz="1800" b="0" i="0" u="none" strike="noStrike">
+                        <a:solidFill>
+                          <a:srgbClr val="000000"/>
+                        </a:solidFill>
+                        <a:effectLst/>
+                        <a:latin typeface="Courier New" panose="02070309020205020404" pitchFamily="49" charset="0"/>
+                        <a:cs typeface="Courier New" panose="02070309020205020404" pitchFamily="49" charset="0"/>
+                      </a:endParaRPr>
+                    </a:p>
+                  </a:txBody>
+                  <a:tcPr marL="7047" marR="7047" marT="7047" marB="0" anchor="ctr">
+                    <a:lnL w="12700" cmpd="sng">
+                      <a:noFill/>
+                    </a:lnL>
+                    <a:lnR w="28575" cap="flat" cmpd="sng" algn="ctr">
+                      <a:solidFill>
+                        <a:schemeClr val="tx1"/>
+                      </a:solidFill>
+                      <a:prstDash val="solid"/>
+                      <a:round/>
+                      <a:headEnd type="none" w="med" len="med"/>
+                      <a:tailEnd type="none" w="med" len="med"/>
+                    </a:lnR>
+                    <a:lnT w="28575" cap="flat" cmpd="sng" algn="ctr">
+                      <a:solidFill>
+                        <a:schemeClr val="tx1"/>
+                      </a:solidFill>
+                      <a:prstDash val="solid"/>
+                      <a:round/>
+                      <a:headEnd type="none" w="med" len="med"/>
+                      <a:tailEnd type="none" w="med" len="med"/>
+                    </a:lnT>
+                    <a:lnB w="12700" cmpd="sng">
+                      <a:noFill/>
+                    </a:lnB>
+                    <a:lnTlToBr w="12700" cmpd="sng">
+                      <a:noFill/>
+                      <a:prstDash val="solid"/>
+                    </a:lnTlToBr>
+                    <a:lnBlToTr w="12700" cmpd="sng">
+                      <a:noFill/>
+                      <a:prstDash val="solid"/>
+                    </a:lnBlToTr>
+                    <a:noFill/>
+                  </a:tcPr>
+                </a:tc>
+                <a:tc>
+                  <a:txBody>
+                    <a:bodyPr/>
+                    <a:lstStyle/>
+                    <a:p>
+                      <a:pPr algn="l" fontAlgn="b"/>
+                      <a:r>
+                        <a:rPr lang="en-AU" sz="1800" u="none" strike="noStrike" dirty="0">
+                          <a:effectLst/>
+                          <a:latin typeface="Courier New" panose="02070309020205020404" pitchFamily="49" charset="0"/>
+                          <a:cs typeface="Courier New" panose="02070309020205020404" pitchFamily="49" charset="0"/>
+                        </a:rPr>
+                        <a:t> </a:t>
+                      </a:r>
+                      <a:endParaRPr lang="en-AU" sz="1800" b="0" i="0" u="none" strike="noStrike" dirty="0">
+                        <a:solidFill>
+                          <a:srgbClr val="000000"/>
+                        </a:solidFill>
+                        <a:effectLst/>
+                        <a:latin typeface="Courier New" panose="02070309020205020404" pitchFamily="49" charset="0"/>
+                        <a:cs typeface="Courier New" panose="02070309020205020404" pitchFamily="49" charset="0"/>
+                      </a:endParaRPr>
+                    </a:p>
+                  </a:txBody>
+                  <a:tcPr marL="7047" marR="7047" marT="7047" marB="0" anchor="b">
+                    <a:lnL w="28575" cap="flat" cmpd="sng" algn="ctr">
+                      <a:solidFill>
+                        <a:schemeClr val="tx1"/>
+                      </a:solidFill>
+                      <a:prstDash val="solid"/>
+                      <a:round/>
+                      <a:headEnd type="none" w="med" len="med"/>
+                      <a:tailEnd type="none" w="med" len="med"/>
+                    </a:lnL>
+                    <a:lnR w="6350" cap="flat" cmpd="sng" algn="ctr">
+                      <a:solidFill>
+                        <a:schemeClr val="tx1">
+                          <a:lumMod val="50000"/>
+                          <a:lumOff val="50000"/>
+                        </a:schemeClr>
+                      </a:solidFill>
+                      <a:prstDash val="solid"/>
+                      <a:round/>
+                      <a:headEnd type="none" w="med" len="med"/>
+                      <a:tailEnd type="none" w="med" len="med"/>
+                    </a:lnR>
+                    <a:lnT w="28575" cap="flat" cmpd="sng" algn="ctr">
+                      <a:solidFill>
+                        <a:schemeClr val="tx1"/>
+                      </a:solidFill>
+                      <a:prstDash val="solid"/>
+                      <a:round/>
+                      <a:headEnd type="none" w="med" len="med"/>
+                      <a:tailEnd type="none" w="med" len="med"/>
+                    </a:lnT>
+                    <a:lnB w="6350" cap="flat" cmpd="sng" algn="ctr">
+                      <a:solidFill>
+                        <a:schemeClr val="tx1">
+                          <a:lumMod val="50000"/>
+                          <a:lumOff val="50000"/>
+                        </a:schemeClr>
+                      </a:solidFill>
+                      <a:prstDash val="solid"/>
+                      <a:round/>
+                      <a:headEnd type="none" w="med" len="med"/>
+                      <a:tailEnd type="none" w="med" len="med"/>
+                    </a:lnB>
+                    <a:lnTlToBr w="12700" cmpd="sng">
+                      <a:noFill/>
+                      <a:prstDash val="solid"/>
+                    </a:lnTlToBr>
+                    <a:lnBlToTr w="12700" cmpd="sng">
+                      <a:noFill/>
+                      <a:prstDash val="solid"/>
+                    </a:lnBlToTr>
+                    <a:noFill/>
+                  </a:tcPr>
+                </a:tc>
+                <a:tc>
+                  <a:txBody>
+                    <a:bodyPr/>
+                    <a:lstStyle/>
+                    <a:p>
+                      <a:pPr algn="l" fontAlgn="b"/>
+                      <a:r>
+                        <a:rPr lang="en-AU" sz="1800" u="none" strike="noStrike" dirty="0">
+                          <a:effectLst/>
+                          <a:latin typeface="Courier New" panose="02070309020205020404" pitchFamily="49" charset="0"/>
+                          <a:cs typeface="Courier New" panose="02070309020205020404" pitchFamily="49" charset="0"/>
+                        </a:rPr>
+                        <a:t> </a:t>
+                      </a:r>
+                      <a:endParaRPr lang="en-AU" sz="1800" b="0" i="0" u="none" strike="noStrike" dirty="0">
+                        <a:solidFill>
+                          <a:srgbClr val="000000"/>
+                        </a:solidFill>
+                        <a:effectLst/>
+                        <a:latin typeface="Courier New" panose="02070309020205020404" pitchFamily="49" charset="0"/>
+                        <a:cs typeface="Courier New" panose="02070309020205020404" pitchFamily="49" charset="0"/>
+                      </a:endParaRPr>
+                    </a:p>
+                  </a:txBody>
+                  <a:tcPr marL="7047" marR="7047" marT="7047" marB="0" anchor="b">
+                    <a:lnL w="6350" cap="flat" cmpd="sng" algn="ctr">
+                      <a:solidFill>
+                        <a:schemeClr val="tx1">
+                          <a:lumMod val="50000"/>
+                          <a:lumOff val="50000"/>
+                        </a:schemeClr>
+                      </a:solidFill>
+                      <a:prstDash val="solid"/>
+                      <a:round/>
+                      <a:headEnd type="none" w="med" len="med"/>
+                      <a:tailEnd type="none" w="med" len="med"/>
+                    </a:lnL>
+                    <a:lnR w="6350" cap="flat" cmpd="sng" algn="ctr">
+                      <a:solidFill>
+                        <a:schemeClr val="tx1">
+                          <a:lumMod val="50000"/>
+                          <a:lumOff val="50000"/>
+                        </a:schemeClr>
+                      </a:solidFill>
+                      <a:prstDash val="solid"/>
+                      <a:round/>
+                      <a:headEnd type="none" w="med" len="med"/>
+                      <a:tailEnd type="none" w="med" len="med"/>
+                    </a:lnR>
+                    <a:lnT w="28575" cap="flat" cmpd="sng" algn="ctr">
+                      <a:solidFill>
+                        <a:schemeClr val="tx1"/>
+                      </a:solidFill>
+                      <a:prstDash val="solid"/>
+                      <a:round/>
+                      <a:headEnd type="none" w="med" len="med"/>
+                      <a:tailEnd type="none" w="med" len="med"/>
+                    </a:lnT>
+                    <a:lnB w="6350" cap="flat" cmpd="sng" algn="ctr">
+                      <a:solidFill>
+                        <a:schemeClr val="tx1">
+                          <a:lumMod val="50000"/>
+                          <a:lumOff val="50000"/>
+                        </a:schemeClr>
+                      </a:solidFill>
+                      <a:prstDash val="solid"/>
+                      <a:round/>
+                      <a:headEnd type="none" w="med" len="med"/>
+                      <a:tailEnd type="none" w="med" len="med"/>
+                    </a:lnB>
+                    <a:lnTlToBr w="12700" cmpd="sng">
+                      <a:noFill/>
+                      <a:prstDash val="solid"/>
+                    </a:lnTlToBr>
+                    <a:lnBlToTr w="12700" cmpd="sng">
+                      <a:noFill/>
+                      <a:prstDash val="solid"/>
+                    </a:lnBlToTr>
+                    <a:noFill/>
+                  </a:tcPr>
+                </a:tc>
+                <a:tc>
+                  <a:txBody>
+                    <a:bodyPr/>
+                    <a:lstStyle/>
+                    <a:p>
+                      <a:pPr algn="l" fontAlgn="b"/>
+                      <a:r>
+                        <a:rPr lang="en-AU" sz="1800" u="none" strike="noStrike" dirty="0">
+                          <a:effectLst/>
+                          <a:latin typeface="Courier New" panose="02070309020205020404" pitchFamily="49" charset="0"/>
+                          <a:cs typeface="Courier New" panose="02070309020205020404" pitchFamily="49" charset="0"/>
+                        </a:rPr>
+                        <a:t> </a:t>
+                      </a:r>
+                      <a:endParaRPr lang="en-AU" sz="1800" b="0" i="0" u="none" strike="noStrike" dirty="0">
+                        <a:solidFill>
+                          <a:srgbClr val="000000"/>
+                        </a:solidFill>
+                        <a:effectLst/>
+                        <a:latin typeface="Courier New" panose="02070309020205020404" pitchFamily="49" charset="0"/>
+                        <a:cs typeface="Courier New" panose="02070309020205020404" pitchFamily="49" charset="0"/>
+                      </a:endParaRPr>
+                    </a:p>
+                  </a:txBody>
+                  <a:tcPr marL="7047" marR="7047" marT="7047" marB="0" anchor="b">
+                    <a:lnL w="6350" cap="flat" cmpd="sng" algn="ctr">
+                      <a:solidFill>
+                        <a:schemeClr val="tx1">
+                          <a:lumMod val="50000"/>
+                          <a:lumOff val="50000"/>
+                        </a:schemeClr>
+                      </a:solidFill>
+                      <a:prstDash val="solid"/>
+                      <a:round/>
+                      <a:headEnd type="none" w="med" len="med"/>
+                      <a:tailEnd type="none" w="med" len="med"/>
+                    </a:lnL>
+                    <a:lnR w="6350" cap="flat" cmpd="sng" algn="ctr">
+                      <a:solidFill>
+                        <a:schemeClr val="tx1">
+                          <a:lumMod val="50000"/>
+                          <a:lumOff val="50000"/>
+                        </a:schemeClr>
+                      </a:solidFill>
+                      <a:prstDash val="solid"/>
+                      <a:round/>
+                      <a:headEnd type="none" w="med" len="med"/>
+                      <a:tailEnd type="none" w="med" len="med"/>
+                    </a:lnR>
+                    <a:lnT w="28575" cap="flat" cmpd="sng" algn="ctr">
+                      <a:solidFill>
+                        <a:schemeClr val="tx1"/>
+                      </a:solidFill>
+                      <a:prstDash val="solid"/>
+                      <a:round/>
+                      <a:headEnd type="none" w="med" len="med"/>
+                      <a:tailEnd type="none" w="med" len="med"/>
+                    </a:lnT>
+                    <a:lnB w="6350" cap="flat" cmpd="sng" algn="ctr">
+                      <a:solidFill>
+                        <a:schemeClr val="tx1">
+                          <a:lumMod val="50000"/>
+                          <a:lumOff val="50000"/>
+                        </a:schemeClr>
+                      </a:solidFill>
+                      <a:prstDash val="solid"/>
+                      <a:round/>
+                      <a:headEnd type="none" w="med" len="med"/>
+                      <a:tailEnd type="none" w="med" len="med"/>
+                    </a:lnB>
+                    <a:lnTlToBr w="12700" cmpd="sng">
+                      <a:noFill/>
+                      <a:prstDash val="solid"/>
+                    </a:lnTlToBr>
+                    <a:lnBlToTr w="12700" cmpd="sng">
+                      <a:noFill/>
+                      <a:prstDash val="solid"/>
+                    </a:lnBlToTr>
+                    <a:noFill/>
+                  </a:tcPr>
+                </a:tc>
+                <a:tc>
+                  <a:txBody>
+                    <a:bodyPr/>
+                    <a:lstStyle/>
+                    <a:p>
+                      <a:pPr algn="l" fontAlgn="b"/>
+                      <a:r>
+                        <a:rPr lang="en-AU" sz="1800" u="none" strike="noStrike" dirty="0">
+                          <a:effectLst/>
+                          <a:latin typeface="Courier New" panose="02070309020205020404" pitchFamily="49" charset="0"/>
+                          <a:cs typeface="Courier New" panose="02070309020205020404" pitchFamily="49" charset="0"/>
+                        </a:rPr>
+                        <a:t> </a:t>
+                      </a:r>
+                      <a:endParaRPr lang="en-AU" sz="1800" b="0" i="0" u="none" strike="noStrike" dirty="0">
+                        <a:solidFill>
+                          <a:srgbClr val="000000"/>
+                        </a:solidFill>
+                        <a:effectLst/>
+                        <a:latin typeface="Courier New" panose="02070309020205020404" pitchFamily="49" charset="0"/>
+                        <a:cs typeface="Courier New" panose="02070309020205020404" pitchFamily="49" charset="0"/>
+                      </a:endParaRPr>
+                    </a:p>
+                  </a:txBody>
+                  <a:tcPr marL="7047" marR="7047" marT="7047" marB="0" anchor="b">
+                    <a:lnL w="6350" cap="flat" cmpd="sng" algn="ctr">
+                      <a:solidFill>
+                        <a:schemeClr val="tx1">
+                          <a:lumMod val="50000"/>
+                          <a:lumOff val="50000"/>
+                        </a:schemeClr>
+                      </a:solidFill>
+                      <a:prstDash val="solid"/>
+                      <a:round/>
+                      <a:headEnd type="none" w="med" len="med"/>
+                      <a:tailEnd type="none" w="med" len="med"/>
+                    </a:lnL>
+                    <a:lnR w="28575" cap="flat" cmpd="sng" algn="ctr">
+                      <a:solidFill>
+                        <a:schemeClr val="tx1"/>
+                      </a:solidFill>
+                      <a:prstDash val="solid"/>
+                      <a:round/>
+                      <a:headEnd type="none" w="med" len="med"/>
+                      <a:tailEnd type="none" w="med" len="med"/>
+                    </a:lnR>
+                    <a:lnT w="28575" cap="flat" cmpd="sng" algn="ctr">
+                      <a:solidFill>
+                        <a:schemeClr val="tx1"/>
+                      </a:solidFill>
+                      <a:prstDash val="solid"/>
+                      <a:round/>
+                      <a:headEnd type="none" w="med" len="med"/>
+                      <a:tailEnd type="none" w="med" len="med"/>
+                    </a:lnT>
+                    <a:lnB w="6350" cap="flat" cmpd="sng" algn="ctr">
+                      <a:solidFill>
+                        <a:schemeClr val="tx1">
+                          <a:lumMod val="50000"/>
+                          <a:lumOff val="50000"/>
+                        </a:schemeClr>
+                      </a:solidFill>
+                      <a:prstDash val="solid"/>
+                      <a:round/>
+                      <a:headEnd type="none" w="med" len="med"/>
+                      <a:tailEnd type="none" w="med" len="med"/>
+                    </a:lnB>
+                    <a:lnTlToBr w="12700" cmpd="sng">
+                      <a:noFill/>
+                      <a:prstDash val="solid"/>
+                    </a:lnTlToBr>
+                    <a:lnBlToTr w="12700" cmpd="sng">
+                      <a:noFill/>
+                      <a:prstDash val="solid"/>
+                    </a:lnBlToTr>
+                    <a:noFill/>
+                  </a:tcPr>
+                </a:tc>
+                <a:tc>
+                  <a:txBody>
+                    <a:bodyPr/>
+                    <a:lstStyle/>
+                    <a:p>
+                      <a:pPr algn="l" fontAlgn="b"/>
+                      <a:r>
+                        <a:rPr lang="en-AU" sz="1800" u="none" strike="noStrike" dirty="0">
+                          <a:effectLst/>
+                          <a:latin typeface="Courier New" panose="02070309020205020404" pitchFamily="49" charset="0"/>
+                          <a:cs typeface="Courier New" panose="02070309020205020404" pitchFamily="49" charset="0"/>
+                        </a:rPr>
+                        <a:t> </a:t>
+                      </a:r>
+                      <a:endParaRPr lang="en-AU" sz="1800" b="0" i="0" u="none" strike="noStrike" dirty="0">
+                        <a:solidFill>
+                          <a:srgbClr val="000000"/>
+                        </a:solidFill>
+                        <a:effectLst/>
+                        <a:latin typeface="Courier New" panose="02070309020205020404" pitchFamily="49" charset="0"/>
+                        <a:cs typeface="Courier New" panose="02070309020205020404" pitchFamily="49" charset="0"/>
+                      </a:endParaRPr>
+                    </a:p>
+                  </a:txBody>
+                  <a:tcPr marL="7047" marR="7047" marT="7047" marB="0" anchor="b">
+                    <a:lnL w="28575" cap="flat" cmpd="sng" algn="ctr">
+                      <a:solidFill>
+                        <a:schemeClr val="tx1"/>
+                      </a:solidFill>
+                      <a:prstDash val="solid"/>
+                      <a:round/>
+                      <a:headEnd type="none" w="med" len="med"/>
+                      <a:tailEnd type="none" w="med" len="med"/>
+                    </a:lnL>
+                    <a:lnR w="6350" cap="flat" cmpd="sng" algn="ctr">
+                      <a:solidFill>
+                        <a:schemeClr val="tx1">
+                          <a:lumMod val="50000"/>
+                          <a:lumOff val="50000"/>
+                        </a:schemeClr>
+                      </a:solidFill>
+                      <a:prstDash val="solid"/>
+                      <a:round/>
+                      <a:headEnd type="none" w="med" len="med"/>
+                      <a:tailEnd type="none" w="med" len="med"/>
+                    </a:lnR>
+                    <a:lnT w="28575" cap="flat" cmpd="sng" algn="ctr">
+                      <a:solidFill>
+                        <a:schemeClr val="tx1"/>
+                      </a:solidFill>
+                      <a:prstDash val="solid"/>
+                      <a:round/>
+                      <a:headEnd type="none" w="med" len="med"/>
+                      <a:tailEnd type="none" w="med" len="med"/>
+                    </a:lnT>
+                    <a:lnB w="6350" cap="flat" cmpd="sng" algn="ctr">
+                      <a:solidFill>
+                        <a:schemeClr val="tx1">
+                          <a:lumMod val="50000"/>
+                          <a:lumOff val="50000"/>
+                        </a:schemeClr>
+                      </a:solidFill>
+                      <a:prstDash val="solid"/>
+                      <a:round/>
+                      <a:headEnd type="none" w="med" len="med"/>
+                      <a:tailEnd type="none" w="med" len="med"/>
+                    </a:lnB>
+                    <a:lnTlToBr w="12700" cmpd="sng">
+                      <a:noFill/>
+                      <a:prstDash val="solid"/>
+                    </a:lnTlToBr>
+                    <a:lnBlToTr w="12700" cmpd="sng">
+                      <a:noFill/>
+                      <a:prstDash val="solid"/>
+                    </a:lnBlToTr>
+                    <a:noFill/>
+                  </a:tcPr>
+                </a:tc>
+                <a:tc>
+                  <a:txBody>
+                    <a:bodyPr/>
+                    <a:lstStyle/>
+                    <a:p>
+                      <a:pPr algn="l" fontAlgn="b"/>
+                      <a:r>
+                        <a:rPr lang="en-AU" sz="1800" u="none" strike="noStrike" dirty="0">
+                          <a:effectLst/>
+                          <a:latin typeface="Courier New" panose="02070309020205020404" pitchFamily="49" charset="0"/>
+                          <a:cs typeface="Courier New" panose="02070309020205020404" pitchFamily="49" charset="0"/>
+                        </a:rPr>
+                        <a:t> </a:t>
+                      </a:r>
+                      <a:endParaRPr lang="en-AU" sz="1800" b="0" i="0" u="none" strike="noStrike" dirty="0">
+                        <a:solidFill>
+                          <a:srgbClr val="000000"/>
+                        </a:solidFill>
+                        <a:effectLst/>
+                        <a:latin typeface="Courier New" panose="02070309020205020404" pitchFamily="49" charset="0"/>
+                        <a:cs typeface="Courier New" panose="02070309020205020404" pitchFamily="49" charset="0"/>
+                      </a:endParaRPr>
+                    </a:p>
+                  </a:txBody>
+                  <a:tcPr marL="7047" marR="7047" marT="7047" marB="0" anchor="b">
+                    <a:lnL w="6350" cap="flat" cmpd="sng" algn="ctr">
+                      <a:solidFill>
+                        <a:schemeClr val="tx1">
+                          <a:lumMod val="50000"/>
+                          <a:lumOff val="50000"/>
+                        </a:schemeClr>
+                      </a:solidFill>
+                      <a:prstDash val="solid"/>
+                      <a:round/>
+                      <a:headEnd type="none" w="med" len="med"/>
+                      <a:tailEnd type="none" w="med" len="med"/>
+                    </a:lnL>
+                    <a:lnR w="6350" cap="flat" cmpd="sng" algn="ctr">
+                      <a:solidFill>
+                        <a:schemeClr val="tx1">
+                          <a:lumMod val="50000"/>
+                          <a:lumOff val="50000"/>
+                        </a:schemeClr>
+                      </a:solidFill>
+                      <a:prstDash val="solid"/>
+                      <a:round/>
+                      <a:headEnd type="none" w="med" len="med"/>
+                      <a:tailEnd type="none" w="med" len="med"/>
+                    </a:lnR>
+                    <a:lnT w="28575" cap="flat" cmpd="sng" algn="ctr">
+                      <a:solidFill>
+                        <a:schemeClr val="tx1"/>
+                      </a:solidFill>
+                      <a:prstDash val="solid"/>
+                      <a:round/>
+                      <a:headEnd type="none" w="med" len="med"/>
+                      <a:tailEnd type="none" w="med" len="med"/>
+                    </a:lnT>
+                    <a:lnB w="6350" cap="flat" cmpd="sng" algn="ctr">
+                      <a:solidFill>
+                        <a:schemeClr val="tx1">
+                          <a:lumMod val="50000"/>
+                          <a:lumOff val="50000"/>
+                        </a:schemeClr>
+                      </a:solidFill>
+                      <a:prstDash val="solid"/>
+                      <a:round/>
+                      <a:headEnd type="none" w="med" len="med"/>
+                      <a:tailEnd type="none" w="med" len="med"/>
+                    </a:lnB>
+                    <a:lnTlToBr w="12700" cmpd="sng">
+                      <a:noFill/>
+                      <a:prstDash val="solid"/>
+                    </a:lnTlToBr>
+                    <a:lnBlToTr w="12700" cmpd="sng">
+                      <a:noFill/>
+                      <a:prstDash val="solid"/>
+                    </a:lnBlToTr>
+                    <a:noFill/>
+                  </a:tcPr>
+                </a:tc>
+                <a:tc>
+                  <a:txBody>
+                    <a:bodyPr/>
+                    <a:lstStyle/>
+                    <a:p>
+                      <a:pPr algn="l" fontAlgn="b"/>
+                      <a:r>
+                        <a:rPr lang="en-AU" sz="1800" u="none" strike="noStrike" dirty="0">
+                          <a:effectLst/>
+                          <a:latin typeface="Courier New" panose="02070309020205020404" pitchFamily="49" charset="0"/>
+                          <a:cs typeface="Courier New" panose="02070309020205020404" pitchFamily="49" charset="0"/>
+                        </a:rPr>
+                        <a:t> </a:t>
+                      </a:r>
+                      <a:endParaRPr lang="en-AU" sz="1800" b="0" i="0" u="none" strike="noStrike" dirty="0">
+                        <a:solidFill>
+                          <a:srgbClr val="000000"/>
+                        </a:solidFill>
+                        <a:effectLst/>
+                        <a:latin typeface="Courier New" panose="02070309020205020404" pitchFamily="49" charset="0"/>
+                        <a:cs typeface="Courier New" panose="02070309020205020404" pitchFamily="49" charset="0"/>
+                      </a:endParaRPr>
+                    </a:p>
+                  </a:txBody>
+                  <a:tcPr marL="7047" marR="7047" marT="7047" marB="0" anchor="b">
+                    <a:lnL w="6350" cap="flat" cmpd="sng" algn="ctr">
+                      <a:solidFill>
+                        <a:schemeClr val="tx1">
+                          <a:lumMod val="50000"/>
+                          <a:lumOff val="50000"/>
+                        </a:schemeClr>
+                      </a:solidFill>
+                      <a:prstDash val="solid"/>
+                      <a:round/>
+                      <a:headEnd type="none" w="med" len="med"/>
+                      <a:tailEnd type="none" w="med" len="med"/>
+                    </a:lnL>
+                    <a:lnR w="6350" cap="flat" cmpd="sng" algn="ctr">
+                      <a:solidFill>
+                        <a:schemeClr val="tx1">
+                          <a:lumMod val="50000"/>
+                          <a:lumOff val="50000"/>
+                        </a:schemeClr>
+                      </a:solidFill>
+                      <a:prstDash val="solid"/>
+                      <a:round/>
+                      <a:headEnd type="none" w="med" len="med"/>
+                      <a:tailEnd type="none" w="med" len="med"/>
+                    </a:lnR>
+                    <a:lnT w="28575" cap="flat" cmpd="sng" algn="ctr">
+                      <a:solidFill>
+                        <a:schemeClr val="tx1"/>
+                      </a:solidFill>
+                      <a:prstDash val="solid"/>
+                      <a:round/>
+                      <a:headEnd type="none" w="med" len="med"/>
+                      <a:tailEnd type="none" w="med" len="med"/>
+                    </a:lnT>
+                    <a:lnB w="6350" cap="flat" cmpd="sng" algn="ctr">
+                      <a:solidFill>
+                        <a:schemeClr val="tx1">
+                          <a:lumMod val="50000"/>
+                          <a:lumOff val="50000"/>
+                        </a:schemeClr>
+                      </a:solidFill>
+                      <a:prstDash val="solid"/>
+                      <a:round/>
+                      <a:headEnd type="none" w="med" len="med"/>
+                      <a:tailEnd type="none" w="med" len="med"/>
+                    </a:lnB>
+                    <a:lnTlToBr w="12700" cmpd="sng">
+                      <a:noFill/>
+                      <a:prstDash val="solid"/>
+                    </a:lnTlToBr>
+                    <a:lnBlToTr w="12700" cmpd="sng">
+                      <a:noFill/>
+                      <a:prstDash val="solid"/>
+                    </a:lnBlToTr>
+                    <a:noFill/>
+                  </a:tcPr>
+                </a:tc>
+                <a:tc>
+                  <a:txBody>
+                    <a:bodyPr/>
+                    <a:lstStyle/>
+                    <a:p>
+                      <a:pPr algn="l" fontAlgn="b"/>
+                      <a:r>
+                        <a:rPr lang="en-AU" sz="1800" u="none" strike="noStrike">
+                          <a:effectLst/>
+                          <a:latin typeface="Courier New" panose="02070309020205020404" pitchFamily="49" charset="0"/>
+                          <a:cs typeface="Courier New" panose="02070309020205020404" pitchFamily="49" charset="0"/>
+                        </a:rPr>
+                        <a:t> </a:t>
+                      </a:r>
+                      <a:endParaRPr lang="en-AU" sz="1800" b="0" i="0" u="none" strike="noStrike">
+                        <a:solidFill>
+                          <a:srgbClr val="000000"/>
+                        </a:solidFill>
+                        <a:effectLst/>
+                        <a:latin typeface="Courier New" panose="02070309020205020404" pitchFamily="49" charset="0"/>
+                        <a:cs typeface="Courier New" panose="02070309020205020404" pitchFamily="49" charset="0"/>
+                      </a:endParaRPr>
+                    </a:p>
+                  </a:txBody>
+                  <a:tcPr marL="7047" marR="7047" marT="7047" marB="0" anchor="b">
+                    <a:lnL w="6350" cap="flat" cmpd="sng" algn="ctr">
+                      <a:solidFill>
+                        <a:schemeClr val="tx1">
+                          <a:lumMod val="50000"/>
+                          <a:lumOff val="50000"/>
+                        </a:schemeClr>
+                      </a:solidFill>
+                      <a:prstDash val="solid"/>
+                      <a:round/>
+                      <a:headEnd type="none" w="med" len="med"/>
+                      <a:tailEnd type="none" w="med" len="med"/>
+                    </a:lnL>
+                    <a:lnR w="12700" cmpd="sng">
+                      <a:noFill/>
+                    </a:lnR>
+                    <a:lnT w="28575" cap="flat" cmpd="sng" algn="ctr">
+                      <a:solidFill>
+                        <a:schemeClr val="tx1"/>
+                      </a:solidFill>
+                      <a:prstDash val="solid"/>
+                      <a:round/>
+                      <a:headEnd type="none" w="med" len="med"/>
+                      <a:tailEnd type="none" w="med" len="med"/>
+                    </a:lnT>
+                    <a:lnB w="6350" cap="flat" cmpd="sng" algn="ctr">
+                      <a:solidFill>
+                        <a:schemeClr val="tx1">
+                          <a:lumMod val="50000"/>
+                          <a:lumOff val="50000"/>
+                        </a:schemeClr>
+                      </a:solidFill>
+                      <a:prstDash val="solid"/>
+                      <a:round/>
+                      <a:headEnd type="none" w="med" len="med"/>
+                      <a:tailEnd type="none" w="med" len="med"/>
+                    </a:lnB>
+                    <a:lnTlToBr w="12700" cmpd="sng">
+                      <a:noFill/>
+                      <a:prstDash val="solid"/>
+                    </a:lnTlToBr>
+                    <a:lnBlToTr w="12700" cmpd="sng">
+                      <a:noFill/>
+                      <a:prstDash val="solid"/>
+                    </a:lnBlToTr>
+                    <a:noFill/>
+                  </a:tcPr>
+                </a:tc>
+                <a:extLst>
+                  <a:ext uri="{0D108BD9-81ED-4DB2-BD59-A6C34878D82A}">
+                    <a16:rowId xmlns:a16="http://schemas.microsoft.com/office/drawing/2014/main" val="2743998587"/>
+                  </a:ext>
+                </a:extLst>
+              </a:tr>
+              <a:tr h="627714">
+                <a:tc vMerge="1">
+                  <a:txBody>
+                    <a:bodyPr/>
+                    <a:lstStyle/>
+                    <a:p>
+                      <a:endParaRPr lang="en-AU"/>
+                    </a:p>
+                  </a:txBody>
+                  <a:tcPr/>
+                </a:tc>
+                <a:tc>
+                  <a:txBody>
+                    <a:bodyPr/>
+                    <a:lstStyle/>
+                    <a:p>
+                      <a:pPr algn="ctr" fontAlgn="ctr"/>
+                      <a:r>
+                        <a:rPr lang="en-AU" sz="1800" u="none" strike="noStrike">
+                          <a:effectLst/>
+                          <a:latin typeface="Courier New" panose="02070309020205020404" pitchFamily="49" charset="0"/>
+                          <a:cs typeface="Courier New" panose="02070309020205020404" pitchFamily="49" charset="0"/>
+                        </a:rPr>
+                        <a:t>k.ahmad</a:t>
+                      </a:r>
+                      <a:endParaRPr lang="en-AU" sz="1800" b="0" i="0" u="none" strike="noStrike">
+                        <a:solidFill>
+                          <a:srgbClr val="000000"/>
+                        </a:solidFill>
+                        <a:effectLst/>
+                        <a:latin typeface="Courier New" panose="02070309020205020404" pitchFamily="49" charset="0"/>
+                        <a:cs typeface="Courier New" panose="02070309020205020404" pitchFamily="49" charset="0"/>
+                      </a:endParaRPr>
+                    </a:p>
+                  </a:txBody>
+                  <a:tcPr marL="7047" marR="7047" marT="7047" marB="0" anchor="ctr">
+                    <a:lnL w="12700" cmpd="sng">
+                      <a:noFill/>
+                    </a:lnL>
+                    <a:lnR w="28575" cap="flat" cmpd="sng" algn="ctr">
+                      <a:solidFill>
+                        <a:schemeClr val="tx1"/>
+                      </a:solidFill>
+                      <a:prstDash val="solid"/>
+                      <a:round/>
+                      <a:headEnd type="none" w="med" len="med"/>
+                      <a:tailEnd type="none" w="med" len="med"/>
+                    </a:lnR>
+                    <a:lnT w="12700" cmpd="sng">
+                      <a:noFill/>
+                    </a:lnT>
+                    <a:lnB w="12700" cmpd="sng">
+                      <a:noFill/>
+                    </a:lnB>
+                    <a:lnTlToBr w="12700" cmpd="sng">
+                      <a:noFill/>
+                      <a:prstDash val="solid"/>
+                    </a:lnTlToBr>
+                    <a:lnBlToTr w="12700" cmpd="sng">
+                      <a:noFill/>
+                      <a:prstDash val="solid"/>
+                    </a:lnBlToTr>
+                    <a:noFill/>
+                  </a:tcPr>
+                </a:tc>
+                <a:tc>
+                  <a:txBody>
+                    <a:bodyPr/>
+                    <a:lstStyle/>
+                    <a:p>
+                      <a:pPr algn="l" fontAlgn="b"/>
+                      <a:r>
+                        <a:rPr lang="en-AU" sz="1800" u="none" strike="noStrike" dirty="0">
+                          <a:effectLst/>
+                          <a:latin typeface="Courier New" panose="02070309020205020404" pitchFamily="49" charset="0"/>
+                          <a:cs typeface="Courier New" panose="02070309020205020404" pitchFamily="49" charset="0"/>
+                        </a:rPr>
+                        <a:t> </a:t>
+                      </a:r>
+                      <a:endParaRPr lang="en-AU" sz="1800" b="0" i="0" u="none" strike="noStrike" dirty="0">
+                        <a:solidFill>
+                          <a:srgbClr val="000000"/>
+                        </a:solidFill>
+                        <a:effectLst/>
+                        <a:latin typeface="Courier New" panose="02070309020205020404" pitchFamily="49" charset="0"/>
+                        <a:cs typeface="Courier New" panose="02070309020205020404" pitchFamily="49" charset="0"/>
+                      </a:endParaRPr>
+                    </a:p>
+                  </a:txBody>
+                  <a:tcPr marL="7047" marR="7047" marT="7047" marB="0" anchor="b">
+                    <a:lnL w="28575" cap="flat" cmpd="sng" algn="ctr">
+                      <a:solidFill>
+                        <a:schemeClr val="tx1"/>
+                      </a:solidFill>
+                      <a:prstDash val="solid"/>
+                      <a:round/>
+                      <a:headEnd type="none" w="med" len="med"/>
+                      <a:tailEnd type="none" w="med" len="med"/>
+                    </a:lnL>
+                    <a:lnR w="6350" cap="flat" cmpd="sng" algn="ctr">
+                      <a:solidFill>
+                        <a:schemeClr val="tx1">
+                          <a:lumMod val="50000"/>
+                          <a:lumOff val="50000"/>
+                        </a:schemeClr>
+                      </a:solidFill>
+                      <a:prstDash val="solid"/>
+                      <a:round/>
+                      <a:headEnd type="none" w="med" len="med"/>
+                      <a:tailEnd type="none" w="med" len="med"/>
+                    </a:lnR>
+                    <a:lnT w="6350" cap="flat" cmpd="sng" algn="ctr">
+                      <a:solidFill>
+                        <a:schemeClr val="tx1">
+                          <a:lumMod val="50000"/>
+                          <a:lumOff val="50000"/>
+                        </a:schemeClr>
+                      </a:solidFill>
+                      <a:prstDash val="solid"/>
+                      <a:round/>
+                      <a:headEnd type="none" w="med" len="med"/>
+                      <a:tailEnd type="none" w="med" len="med"/>
+                    </a:lnT>
+                    <a:lnB w="6350" cap="flat" cmpd="sng" algn="ctr">
+                      <a:solidFill>
+                        <a:schemeClr val="tx1">
+                          <a:lumMod val="50000"/>
+                          <a:lumOff val="50000"/>
+                        </a:schemeClr>
+                      </a:solidFill>
+                      <a:prstDash val="solid"/>
+                      <a:round/>
+                      <a:headEnd type="none" w="med" len="med"/>
+                      <a:tailEnd type="none" w="med" len="med"/>
+                    </a:lnB>
+                    <a:lnTlToBr w="12700" cmpd="sng">
+                      <a:noFill/>
+                      <a:prstDash val="solid"/>
+                    </a:lnTlToBr>
+                    <a:lnBlToTr w="12700" cmpd="sng">
+                      <a:noFill/>
+                      <a:prstDash val="solid"/>
+                    </a:lnBlToTr>
+                    <a:noFill/>
+                  </a:tcPr>
+                </a:tc>
+                <a:tc>
+                  <a:txBody>
+                    <a:bodyPr/>
+                    <a:lstStyle/>
+                    <a:p>
+                      <a:pPr algn="l" fontAlgn="b"/>
+                      <a:r>
+                        <a:rPr lang="en-AU" sz="1800" u="none" strike="noStrike">
+                          <a:effectLst/>
+                          <a:latin typeface="Courier New" panose="02070309020205020404" pitchFamily="49" charset="0"/>
+                          <a:cs typeface="Courier New" panose="02070309020205020404" pitchFamily="49" charset="0"/>
+                        </a:rPr>
+                        <a:t> </a:t>
+                      </a:r>
+                      <a:endParaRPr lang="en-AU" sz="1800" b="0" i="0" u="none" strike="noStrike">
+                        <a:solidFill>
+                          <a:srgbClr val="000000"/>
+                        </a:solidFill>
+                        <a:effectLst/>
+                        <a:latin typeface="Courier New" panose="02070309020205020404" pitchFamily="49" charset="0"/>
+                        <a:cs typeface="Courier New" panose="02070309020205020404" pitchFamily="49" charset="0"/>
+                      </a:endParaRPr>
+                    </a:p>
+                  </a:txBody>
+                  <a:tcPr marL="7047" marR="7047" marT="7047" marB="0" anchor="b">
+                    <a:lnL w="6350" cap="flat" cmpd="sng" algn="ctr">
+                      <a:solidFill>
+                        <a:schemeClr val="tx1">
+                          <a:lumMod val="50000"/>
+                          <a:lumOff val="50000"/>
+                        </a:schemeClr>
+                      </a:solidFill>
+                      <a:prstDash val="solid"/>
+                      <a:round/>
+                      <a:headEnd type="none" w="med" len="med"/>
+                      <a:tailEnd type="none" w="med" len="med"/>
+                    </a:lnL>
+                    <a:lnR w="6350" cap="flat" cmpd="sng" algn="ctr">
+                      <a:solidFill>
+                        <a:schemeClr val="tx1">
+                          <a:lumMod val="50000"/>
+                          <a:lumOff val="50000"/>
+                        </a:schemeClr>
+                      </a:solidFill>
+                      <a:prstDash val="solid"/>
+                      <a:round/>
+                      <a:headEnd type="none" w="med" len="med"/>
+                      <a:tailEnd type="none" w="med" len="med"/>
+                    </a:lnR>
+                    <a:lnT w="6350" cap="flat" cmpd="sng" algn="ctr">
+                      <a:solidFill>
+                        <a:schemeClr val="tx1">
+                          <a:lumMod val="50000"/>
+                          <a:lumOff val="50000"/>
+                        </a:schemeClr>
+                      </a:solidFill>
+                      <a:prstDash val="solid"/>
+                      <a:round/>
+                      <a:headEnd type="none" w="med" len="med"/>
+                      <a:tailEnd type="none" w="med" len="med"/>
+                    </a:lnT>
+                    <a:lnB w="6350" cap="flat" cmpd="sng" algn="ctr">
+                      <a:solidFill>
+                        <a:schemeClr val="tx1">
+                          <a:lumMod val="50000"/>
+                          <a:lumOff val="50000"/>
+                        </a:schemeClr>
+                      </a:solidFill>
+                      <a:prstDash val="solid"/>
+                      <a:round/>
+                      <a:headEnd type="none" w="med" len="med"/>
+                      <a:tailEnd type="none" w="med" len="med"/>
+                    </a:lnB>
+                    <a:lnTlToBr w="12700" cmpd="sng">
+                      <a:noFill/>
+                      <a:prstDash val="solid"/>
+                    </a:lnTlToBr>
+                    <a:lnBlToTr w="12700" cmpd="sng">
+                      <a:noFill/>
+                      <a:prstDash val="solid"/>
+                    </a:lnBlToTr>
+                    <a:noFill/>
+                  </a:tcPr>
+                </a:tc>
+                <a:tc>
+                  <a:txBody>
+                    <a:bodyPr/>
+                    <a:lstStyle/>
+                    <a:p>
+                      <a:pPr algn="l" fontAlgn="b"/>
+                      <a:r>
+                        <a:rPr lang="en-AU" sz="1800" u="none" strike="noStrike" dirty="0">
+                          <a:effectLst/>
+                          <a:latin typeface="Courier New" panose="02070309020205020404" pitchFamily="49" charset="0"/>
+                          <a:cs typeface="Courier New" panose="02070309020205020404" pitchFamily="49" charset="0"/>
+                        </a:rPr>
+                        <a:t> </a:t>
+                      </a:r>
+                      <a:endParaRPr lang="en-AU" sz="1800" b="0" i="0" u="none" strike="noStrike" dirty="0">
+                        <a:solidFill>
+                          <a:srgbClr val="000000"/>
+                        </a:solidFill>
+                        <a:effectLst/>
+                        <a:latin typeface="Courier New" panose="02070309020205020404" pitchFamily="49" charset="0"/>
+                        <a:cs typeface="Courier New" panose="02070309020205020404" pitchFamily="49" charset="0"/>
+                      </a:endParaRPr>
+                    </a:p>
+                  </a:txBody>
+                  <a:tcPr marL="7047" marR="7047" marT="7047" marB="0" anchor="b">
+                    <a:lnL w="6350" cap="flat" cmpd="sng" algn="ctr">
+                      <a:solidFill>
+                        <a:schemeClr val="tx1">
+                          <a:lumMod val="50000"/>
+                          <a:lumOff val="50000"/>
+                        </a:schemeClr>
+                      </a:solidFill>
+                      <a:prstDash val="solid"/>
+                      <a:round/>
+                      <a:headEnd type="none" w="med" len="med"/>
+                      <a:tailEnd type="none" w="med" len="med"/>
+                    </a:lnL>
+                    <a:lnR w="6350" cap="flat" cmpd="sng" algn="ctr">
+                      <a:solidFill>
+                        <a:schemeClr val="tx1">
+                          <a:lumMod val="50000"/>
+                          <a:lumOff val="50000"/>
+                        </a:schemeClr>
+                      </a:solidFill>
+                      <a:prstDash val="solid"/>
+                      <a:round/>
+                      <a:headEnd type="none" w="med" len="med"/>
+                      <a:tailEnd type="none" w="med" len="med"/>
+                    </a:lnR>
+                    <a:lnT w="6350" cap="flat" cmpd="sng" algn="ctr">
+                      <a:solidFill>
+                        <a:schemeClr val="tx1">
+                          <a:lumMod val="50000"/>
+                          <a:lumOff val="50000"/>
+                        </a:schemeClr>
+                      </a:solidFill>
+                      <a:prstDash val="solid"/>
+                      <a:round/>
+                      <a:headEnd type="none" w="med" len="med"/>
+                      <a:tailEnd type="none" w="med" len="med"/>
+                    </a:lnT>
+                    <a:lnB w="6350" cap="flat" cmpd="sng" algn="ctr">
+                      <a:solidFill>
+                        <a:schemeClr val="tx1">
+                          <a:lumMod val="50000"/>
+                          <a:lumOff val="50000"/>
+                        </a:schemeClr>
+                      </a:solidFill>
+                      <a:prstDash val="solid"/>
+                      <a:round/>
+                      <a:headEnd type="none" w="med" len="med"/>
+                      <a:tailEnd type="none" w="med" len="med"/>
+                    </a:lnB>
+                    <a:lnTlToBr w="12700" cmpd="sng">
+                      <a:noFill/>
+                      <a:prstDash val="solid"/>
+                    </a:lnTlToBr>
+                    <a:lnBlToTr w="12700" cmpd="sng">
+                      <a:noFill/>
+                      <a:prstDash val="solid"/>
+                    </a:lnBlToTr>
+                    <a:noFill/>
+                  </a:tcPr>
+                </a:tc>
+                <a:tc>
+                  <a:txBody>
+                    <a:bodyPr/>
+                    <a:lstStyle/>
+                    <a:p>
+                      <a:pPr algn="l" fontAlgn="b"/>
+                      <a:r>
+                        <a:rPr lang="en-AU" sz="1800" u="none" strike="noStrike" dirty="0">
+                          <a:effectLst/>
+                          <a:latin typeface="Courier New" panose="02070309020205020404" pitchFamily="49" charset="0"/>
+                          <a:cs typeface="Courier New" panose="02070309020205020404" pitchFamily="49" charset="0"/>
+                        </a:rPr>
+                        <a:t> </a:t>
+                      </a:r>
+                      <a:endParaRPr lang="en-AU" sz="1800" b="0" i="0" u="none" strike="noStrike" dirty="0">
+                        <a:solidFill>
+                          <a:srgbClr val="000000"/>
+                        </a:solidFill>
+                        <a:effectLst/>
+                        <a:latin typeface="Courier New" panose="02070309020205020404" pitchFamily="49" charset="0"/>
+                        <a:cs typeface="Courier New" panose="02070309020205020404" pitchFamily="49" charset="0"/>
+                      </a:endParaRPr>
+                    </a:p>
+                  </a:txBody>
+                  <a:tcPr marL="7047" marR="7047" marT="7047" marB="0" anchor="b">
+                    <a:lnL w="6350" cap="flat" cmpd="sng" algn="ctr">
+                      <a:solidFill>
+                        <a:schemeClr val="tx1">
+                          <a:lumMod val="50000"/>
+                          <a:lumOff val="50000"/>
+                        </a:schemeClr>
+                      </a:solidFill>
+                      <a:prstDash val="solid"/>
+                      <a:round/>
+                      <a:headEnd type="none" w="med" len="med"/>
+                      <a:tailEnd type="none" w="med" len="med"/>
+                    </a:lnL>
+                    <a:lnR w="28575" cap="flat" cmpd="sng" algn="ctr">
+                      <a:solidFill>
+                        <a:schemeClr val="tx1"/>
+                      </a:solidFill>
+                      <a:prstDash val="solid"/>
+                      <a:round/>
+                      <a:headEnd type="none" w="med" len="med"/>
+                      <a:tailEnd type="none" w="med" len="med"/>
+                    </a:lnR>
+                    <a:lnT w="6350" cap="flat" cmpd="sng" algn="ctr">
+                      <a:solidFill>
+                        <a:schemeClr val="tx1">
+                          <a:lumMod val="50000"/>
+                          <a:lumOff val="50000"/>
+                        </a:schemeClr>
+                      </a:solidFill>
+                      <a:prstDash val="solid"/>
+                      <a:round/>
+                      <a:headEnd type="none" w="med" len="med"/>
+                      <a:tailEnd type="none" w="med" len="med"/>
+                    </a:lnT>
+                    <a:lnB w="6350" cap="flat" cmpd="sng" algn="ctr">
+                      <a:solidFill>
+                        <a:schemeClr val="tx1">
+                          <a:lumMod val="50000"/>
+                          <a:lumOff val="50000"/>
+                        </a:schemeClr>
+                      </a:solidFill>
+                      <a:prstDash val="solid"/>
+                      <a:round/>
+                      <a:headEnd type="none" w="med" len="med"/>
+                      <a:tailEnd type="none" w="med" len="med"/>
+                    </a:lnB>
+                    <a:lnTlToBr w="12700" cmpd="sng">
+                      <a:noFill/>
+                      <a:prstDash val="solid"/>
+                    </a:lnTlToBr>
+                    <a:lnBlToTr w="12700" cmpd="sng">
+                      <a:noFill/>
+                      <a:prstDash val="solid"/>
+                    </a:lnBlToTr>
+                    <a:noFill/>
+                  </a:tcPr>
+                </a:tc>
+                <a:tc>
+                  <a:txBody>
+                    <a:bodyPr/>
+                    <a:lstStyle/>
+                    <a:p>
+                      <a:pPr algn="l" fontAlgn="b"/>
+                      <a:r>
+                        <a:rPr lang="en-AU" sz="1800" u="none" strike="noStrike" dirty="0">
+                          <a:effectLst/>
+                          <a:latin typeface="Courier New" panose="02070309020205020404" pitchFamily="49" charset="0"/>
+                          <a:cs typeface="Courier New" panose="02070309020205020404" pitchFamily="49" charset="0"/>
+                        </a:rPr>
+                        <a:t> </a:t>
+                      </a:r>
+                      <a:endParaRPr lang="en-AU" sz="1800" b="0" i="0" u="none" strike="noStrike" dirty="0">
+                        <a:solidFill>
+                          <a:srgbClr val="000000"/>
+                        </a:solidFill>
+                        <a:effectLst/>
+                        <a:latin typeface="Courier New" panose="02070309020205020404" pitchFamily="49" charset="0"/>
+                        <a:cs typeface="Courier New" panose="02070309020205020404" pitchFamily="49" charset="0"/>
+                      </a:endParaRPr>
+                    </a:p>
+                  </a:txBody>
+                  <a:tcPr marL="7047" marR="7047" marT="7047" marB="0" anchor="b">
+                    <a:lnL w="28575" cap="flat" cmpd="sng" algn="ctr">
+                      <a:solidFill>
+                        <a:schemeClr val="tx1"/>
+                      </a:solidFill>
+                      <a:prstDash val="solid"/>
+                      <a:round/>
+                      <a:headEnd type="none" w="med" len="med"/>
+                      <a:tailEnd type="none" w="med" len="med"/>
+                    </a:lnL>
+                    <a:lnR w="6350" cap="flat" cmpd="sng" algn="ctr">
+                      <a:solidFill>
+                        <a:schemeClr val="tx1">
+                          <a:lumMod val="50000"/>
+                          <a:lumOff val="50000"/>
+                        </a:schemeClr>
+                      </a:solidFill>
+                      <a:prstDash val="solid"/>
+                      <a:round/>
+                      <a:headEnd type="none" w="med" len="med"/>
+                      <a:tailEnd type="none" w="med" len="med"/>
+                    </a:lnR>
+                    <a:lnT w="6350" cap="flat" cmpd="sng" algn="ctr">
+                      <a:solidFill>
+                        <a:schemeClr val="tx1">
+                          <a:lumMod val="50000"/>
+                          <a:lumOff val="50000"/>
+                        </a:schemeClr>
+                      </a:solidFill>
+                      <a:prstDash val="solid"/>
+                      <a:round/>
+                      <a:headEnd type="none" w="med" len="med"/>
+                      <a:tailEnd type="none" w="med" len="med"/>
+                    </a:lnT>
+                    <a:lnB w="6350" cap="flat" cmpd="sng" algn="ctr">
+                      <a:solidFill>
+                        <a:schemeClr val="tx1">
+                          <a:lumMod val="50000"/>
+                          <a:lumOff val="50000"/>
+                        </a:schemeClr>
+                      </a:solidFill>
+                      <a:prstDash val="solid"/>
+                      <a:round/>
+                      <a:headEnd type="none" w="med" len="med"/>
+                      <a:tailEnd type="none" w="med" len="med"/>
+                    </a:lnB>
+                    <a:lnTlToBr w="12700" cmpd="sng">
+                      <a:noFill/>
+                      <a:prstDash val="solid"/>
+                    </a:lnTlToBr>
+                    <a:lnBlToTr w="12700" cmpd="sng">
+                      <a:noFill/>
+                      <a:prstDash val="solid"/>
+                    </a:lnBlToTr>
+                    <a:noFill/>
+                  </a:tcPr>
+                </a:tc>
+                <a:tc>
+                  <a:txBody>
+                    <a:bodyPr/>
+                    <a:lstStyle/>
+                    <a:p>
+                      <a:pPr algn="l" fontAlgn="b"/>
+                      <a:r>
+                        <a:rPr lang="en-AU" sz="1800" u="none" strike="noStrike">
+                          <a:effectLst/>
+                          <a:latin typeface="Courier New" panose="02070309020205020404" pitchFamily="49" charset="0"/>
+                          <a:cs typeface="Courier New" panose="02070309020205020404" pitchFamily="49" charset="0"/>
+                        </a:rPr>
+                        <a:t> </a:t>
+                      </a:r>
+                      <a:endParaRPr lang="en-AU" sz="1800" b="0" i="0" u="none" strike="noStrike">
+                        <a:solidFill>
+                          <a:srgbClr val="000000"/>
+                        </a:solidFill>
+                        <a:effectLst/>
+                        <a:latin typeface="Courier New" panose="02070309020205020404" pitchFamily="49" charset="0"/>
+                        <a:cs typeface="Courier New" panose="02070309020205020404" pitchFamily="49" charset="0"/>
+                      </a:endParaRPr>
+                    </a:p>
+                  </a:txBody>
+                  <a:tcPr marL="7047" marR="7047" marT="7047" marB="0" anchor="b">
+                    <a:lnL w="6350" cap="flat" cmpd="sng" algn="ctr">
+                      <a:solidFill>
+                        <a:schemeClr val="tx1">
+                          <a:lumMod val="50000"/>
+                          <a:lumOff val="50000"/>
+                        </a:schemeClr>
+                      </a:solidFill>
+                      <a:prstDash val="solid"/>
+                      <a:round/>
+                      <a:headEnd type="none" w="med" len="med"/>
+                      <a:tailEnd type="none" w="med" len="med"/>
+                    </a:lnL>
+                    <a:lnR w="6350" cap="flat" cmpd="sng" algn="ctr">
+                      <a:solidFill>
+                        <a:schemeClr val="tx1">
+                          <a:lumMod val="50000"/>
+                          <a:lumOff val="50000"/>
+                        </a:schemeClr>
+                      </a:solidFill>
+                      <a:prstDash val="solid"/>
+                      <a:round/>
+                      <a:headEnd type="none" w="med" len="med"/>
+                      <a:tailEnd type="none" w="med" len="med"/>
+                    </a:lnR>
+                    <a:lnT w="6350" cap="flat" cmpd="sng" algn="ctr">
+                      <a:solidFill>
+                        <a:schemeClr val="tx1">
+                          <a:lumMod val="50000"/>
+                          <a:lumOff val="50000"/>
+                        </a:schemeClr>
+                      </a:solidFill>
+                      <a:prstDash val="solid"/>
+                      <a:round/>
+                      <a:headEnd type="none" w="med" len="med"/>
+                      <a:tailEnd type="none" w="med" len="med"/>
+                    </a:lnT>
+                    <a:lnB w="6350" cap="flat" cmpd="sng" algn="ctr">
+                      <a:solidFill>
+                        <a:schemeClr val="tx1">
+                          <a:lumMod val="50000"/>
+                          <a:lumOff val="50000"/>
+                        </a:schemeClr>
+                      </a:solidFill>
+                      <a:prstDash val="solid"/>
+                      <a:round/>
+                      <a:headEnd type="none" w="med" len="med"/>
+                      <a:tailEnd type="none" w="med" len="med"/>
+                    </a:lnB>
+                    <a:lnTlToBr w="12700" cmpd="sng">
+                      <a:noFill/>
+                      <a:prstDash val="solid"/>
+                    </a:lnTlToBr>
+                    <a:lnBlToTr w="12700" cmpd="sng">
+                      <a:noFill/>
+                      <a:prstDash val="solid"/>
+                    </a:lnBlToTr>
+                    <a:noFill/>
+                  </a:tcPr>
+                </a:tc>
+                <a:tc>
+                  <a:txBody>
+                    <a:bodyPr/>
+                    <a:lstStyle/>
+                    <a:p>
+                      <a:pPr algn="l" fontAlgn="b"/>
+                      <a:r>
+                        <a:rPr lang="en-AU" sz="1800" u="none" strike="noStrike">
+                          <a:effectLst/>
+                          <a:latin typeface="Courier New" panose="02070309020205020404" pitchFamily="49" charset="0"/>
+                          <a:cs typeface="Courier New" panose="02070309020205020404" pitchFamily="49" charset="0"/>
+                        </a:rPr>
+                        <a:t> </a:t>
+                      </a:r>
+                      <a:endParaRPr lang="en-AU" sz="1800" b="0" i="0" u="none" strike="noStrike">
+                        <a:solidFill>
+                          <a:srgbClr val="000000"/>
+                        </a:solidFill>
+                        <a:effectLst/>
+                        <a:latin typeface="Courier New" panose="02070309020205020404" pitchFamily="49" charset="0"/>
+                        <a:cs typeface="Courier New" panose="02070309020205020404" pitchFamily="49" charset="0"/>
+                      </a:endParaRPr>
+                    </a:p>
+                  </a:txBody>
+                  <a:tcPr marL="7047" marR="7047" marT="7047" marB="0" anchor="b">
+                    <a:lnL w="6350" cap="flat" cmpd="sng" algn="ctr">
+                      <a:solidFill>
+                        <a:schemeClr val="tx1">
+                          <a:lumMod val="50000"/>
+                          <a:lumOff val="50000"/>
+                        </a:schemeClr>
+                      </a:solidFill>
+                      <a:prstDash val="solid"/>
+                      <a:round/>
+                      <a:headEnd type="none" w="med" len="med"/>
+                      <a:tailEnd type="none" w="med" len="med"/>
+                    </a:lnL>
+                    <a:lnR w="6350" cap="flat" cmpd="sng" algn="ctr">
+                      <a:solidFill>
+                        <a:schemeClr val="tx1">
+                          <a:lumMod val="50000"/>
+                          <a:lumOff val="50000"/>
+                        </a:schemeClr>
+                      </a:solidFill>
+                      <a:prstDash val="solid"/>
+                      <a:round/>
+                      <a:headEnd type="none" w="med" len="med"/>
+                      <a:tailEnd type="none" w="med" len="med"/>
+                    </a:lnR>
+                    <a:lnT w="6350" cap="flat" cmpd="sng" algn="ctr">
+                      <a:solidFill>
+                        <a:schemeClr val="tx1">
+                          <a:lumMod val="50000"/>
+                          <a:lumOff val="50000"/>
+                        </a:schemeClr>
+                      </a:solidFill>
+                      <a:prstDash val="solid"/>
+                      <a:round/>
+                      <a:headEnd type="none" w="med" len="med"/>
+                      <a:tailEnd type="none" w="med" len="med"/>
+                    </a:lnT>
+                    <a:lnB w="6350" cap="flat" cmpd="sng" algn="ctr">
+                      <a:solidFill>
+                        <a:schemeClr val="tx1">
+                          <a:lumMod val="50000"/>
+                          <a:lumOff val="50000"/>
+                        </a:schemeClr>
+                      </a:solidFill>
+                      <a:prstDash val="solid"/>
+                      <a:round/>
+                      <a:headEnd type="none" w="med" len="med"/>
+                      <a:tailEnd type="none" w="med" len="med"/>
+                    </a:lnB>
+                    <a:lnTlToBr w="12700" cmpd="sng">
+                      <a:noFill/>
+                      <a:prstDash val="solid"/>
+                    </a:lnTlToBr>
+                    <a:lnBlToTr w="12700" cmpd="sng">
+                      <a:noFill/>
+                      <a:prstDash val="solid"/>
+                    </a:lnBlToTr>
+                    <a:noFill/>
+                  </a:tcPr>
+                </a:tc>
+                <a:tc>
+                  <a:txBody>
+                    <a:bodyPr/>
+                    <a:lstStyle/>
+                    <a:p>
+                      <a:pPr algn="l" fontAlgn="b"/>
+                      <a:r>
+                        <a:rPr lang="en-AU" sz="1800" u="none" strike="noStrike">
+                          <a:effectLst/>
+                          <a:latin typeface="Courier New" panose="02070309020205020404" pitchFamily="49" charset="0"/>
+                          <a:cs typeface="Courier New" panose="02070309020205020404" pitchFamily="49" charset="0"/>
+                        </a:rPr>
+                        <a:t> </a:t>
+                      </a:r>
+                      <a:endParaRPr lang="en-AU" sz="1800" b="0" i="0" u="none" strike="noStrike">
+                        <a:solidFill>
+                          <a:srgbClr val="000000"/>
+                        </a:solidFill>
+                        <a:effectLst/>
+                        <a:latin typeface="Courier New" panose="02070309020205020404" pitchFamily="49" charset="0"/>
+                        <a:cs typeface="Courier New" panose="02070309020205020404" pitchFamily="49" charset="0"/>
+                      </a:endParaRPr>
+                    </a:p>
+                  </a:txBody>
+                  <a:tcPr marL="7047" marR="7047" marT="7047" marB="0" anchor="b">
+                    <a:lnL w="6350" cap="flat" cmpd="sng" algn="ctr">
+                      <a:solidFill>
+                        <a:schemeClr val="tx1">
+                          <a:lumMod val="50000"/>
+                          <a:lumOff val="50000"/>
+                        </a:schemeClr>
+                      </a:solidFill>
+                      <a:prstDash val="solid"/>
+                      <a:round/>
+                      <a:headEnd type="none" w="med" len="med"/>
+                      <a:tailEnd type="none" w="med" len="med"/>
+                    </a:lnL>
+                    <a:lnR w="12700" cmpd="sng">
+                      <a:noFill/>
+                    </a:lnR>
+                    <a:lnT w="6350" cap="flat" cmpd="sng" algn="ctr">
+                      <a:solidFill>
+                        <a:schemeClr val="tx1">
+                          <a:lumMod val="50000"/>
+                          <a:lumOff val="50000"/>
+                        </a:schemeClr>
+                      </a:solidFill>
+                      <a:prstDash val="solid"/>
+                      <a:round/>
+                      <a:headEnd type="none" w="med" len="med"/>
+                      <a:tailEnd type="none" w="med" len="med"/>
+                    </a:lnT>
+                    <a:lnB w="6350" cap="flat" cmpd="sng" algn="ctr">
+                      <a:solidFill>
+                        <a:schemeClr val="tx1">
+                          <a:lumMod val="50000"/>
+                          <a:lumOff val="50000"/>
+                        </a:schemeClr>
+                      </a:solidFill>
+                      <a:prstDash val="solid"/>
+                      <a:round/>
+                      <a:headEnd type="none" w="med" len="med"/>
+                      <a:tailEnd type="none" w="med" len="med"/>
+                    </a:lnB>
+                    <a:lnTlToBr w="12700" cmpd="sng">
+                      <a:noFill/>
+                      <a:prstDash val="solid"/>
+                    </a:lnTlToBr>
+                    <a:lnBlToTr w="12700" cmpd="sng">
+                      <a:noFill/>
+                      <a:prstDash val="solid"/>
+                    </a:lnBlToTr>
+                    <a:noFill/>
+                  </a:tcPr>
+                </a:tc>
+                <a:extLst>
+                  <a:ext uri="{0D108BD9-81ED-4DB2-BD59-A6C34878D82A}">
+                    <a16:rowId xmlns:a16="http://schemas.microsoft.com/office/drawing/2014/main" val="3649847252"/>
+                  </a:ext>
+                </a:extLst>
+              </a:tr>
+              <a:tr h="627714">
+                <a:tc vMerge="1">
+                  <a:txBody>
+                    <a:bodyPr/>
+                    <a:lstStyle/>
+                    <a:p>
+                      <a:endParaRPr lang="en-AU"/>
+                    </a:p>
+                  </a:txBody>
+                  <a:tcPr/>
+                </a:tc>
+                <a:tc>
+                  <a:txBody>
+                    <a:bodyPr/>
+                    <a:lstStyle/>
+                    <a:p>
+                      <a:pPr algn="ctr" fontAlgn="ctr"/>
+                      <a:r>
+                        <a:rPr lang="en-AU" sz="1800" u="none" strike="noStrike" dirty="0" err="1">
+                          <a:effectLst/>
+                          <a:latin typeface="Courier New" panose="02070309020205020404" pitchFamily="49" charset="0"/>
+                          <a:cs typeface="Courier New" panose="02070309020205020404" pitchFamily="49" charset="0"/>
+                        </a:rPr>
+                        <a:t>b.marquez</a:t>
+                      </a:r>
+                      <a:endParaRPr lang="en-AU" sz="1800" b="0" i="0" u="none" strike="noStrike" dirty="0">
+                        <a:solidFill>
+                          <a:srgbClr val="000000"/>
+                        </a:solidFill>
+                        <a:effectLst/>
+                        <a:latin typeface="Courier New" panose="02070309020205020404" pitchFamily="49" charset="0"/>
+                        <a:cs typeface="Courier New" panose="02070309020205020404" pitchFamily="49" charset="0"/>
+                      </a:endParaRPr>
+                    </a:p>
+                  </a:txBody>
+                  <a:tcPr marL="7047" marR="7047" marT="7047" marB="0" anchor="ctr">
+                    <a:lnL w="12700" cmpd="sng">
+                      <a:noFill/>
+                    </a:lnL>
+                    <a:lnR w="28575" cap="flat" cmpd="sng" algn="ctr">
+                      <a:solidFill>
+                        <a:schemeClr val="tx1"/>
+                      </a:solidFill>
+                      <a:prstDash val="solid"/>
+                      <a:round/>
+                      <a:headEnd type="none" w="med" len="med"/>
+                      <a:tailEnd type="none" w="med" len="med"/>
+                    </a:lnR>
+                    <a:lnT w="12700" cmpd="sng">
+                      <a:noFill/>
+                    </a:lnT>
+                    <a:lnB w="12700" cmpd="sng">
+                      <a:noFill/>
+                    </a:lnB>
+                    <a:lnTlToBr w="12700" cmpd="sng">
+                      <a:noFill/>
+                      <a:prstDash val="solid"/>
+                    </a:lnTlToBr>
+                    <a:lnBlToTr w="12700" cmpd="sng">
+                      <a:noFill/>
+                      <a:prstDash val="solid"/>
+                    </a:lnBlToTr>
+                    <a:noFill/>
+                  </a:tcPr>
+                </a:tc>
+                <a:tc>
+                  <a:txBody>
+                    <a:bodyPr/>
+                    <a:lstStyle/>
+                    <a:p>
+                      <a:pPr algn="l" fontAlgn="b"/>
+                      <a:r>
+                        <a:rPr lang="en-AU" sz="1800" u="none" strike="noStrike" dirty="0">
+                          <a:effectLst/>
+                          <a:latin typeface="Courier New" panose="02070309020205020404" pitchFamily="49" charset="0"/>
+                          <a:cs typeface="Courier New" panose="02070309020205020404" pitchFamily="49" charset="0"/>
+                        </a:rPr>
+                        <a:t> </a:t>
+                      </a:r>
+                      <a:endParaRPr lang="en-AU" sz="1800" b="0" i="0" u="none" strike="noStrike" dirty="0">
+                        <a:solidFill>
+                          <a:srgbClr val="000000"/>
+                        </a:solidFill>
+                        <a:effectLst/>
+                        <a:latin typeface="Courier New" panose="02070309020205020404" pitchFamily="49" charset="0"/>
+                        <a:cs typeface="Courier New" panose="02070309020205020404" pitchFamily="49" charset="0"/>
+                      </a:endParaRPr>
+                    </a:p>
+                  </a:txBody>
+                  <a:tcPr marL="7047" marR="7047" marT="7047" marB="0" anchor="b">
+                    <a:lnL w="28575" cap="flat" cmpd="sng" algn="ctr">
+                      <a:solidFill>
+                        <a:schemeClr val="tx1"/>
+                      </a:solidFill>
+                      <a:prstDash val="solid"/>
+                      <a:round/>
+                      <a:headEnd type="none" w="med" len="med"/>
+                      <a:tailEnd type="none" w="med" len="med"/>
+                    </a:lnL>
+                    <a:lnR w="6350" cap="flat" cmpd="sng" algn="ctr">
+                      <a:solidFill>
+                        <a:schemeClr val="tx1">
+                          <a:lumMod val="50000"/>
+                          <a:lumOff val="50000"/>
+                        </a:schemeClr>
+                      </a:solidFill>
+                      <a:prstDash val="solid"/>
+                      <a:round/>
+                      <a:headEnd type="none" w="med" len="med"/>
+                      <a:tailEnd type="none" w="med" len="med"/>
+                    </a:lnR>
+                    <a:lnT w="6350" cap="flat" cmpd="sng" algn="ctr">
+                      <a:solidFill>
+                        <a:schemeClr val="tx1">
+                          <a:lumMod val="50000"/>
+                          <a:lumOff val="50000"/>
+                        </a:schemeClr>
+                      </a:solidFill>
+                      <a:prstDash val="solid"/>
+                      <a:round/>
+                      <a:headEnd type="none" w="med" len="med"/>
+                      <a:tailEnd type="none" w="med" len="med"/>
+                    </a:lnT>
+                    <a:lnB w="6350" cap="flat" cmpd="sng" algn="ctr">
+                      <a:solidFill>
+                        <a:schemeClr val="tx1">
+                          <a:lumMod val="50000"/>
+                          <a:lumOff val="50000"/>
+                        </a:schemeClr>
+                      </a:solidFill>
+                      <a:prstDash val="solid"/>
+                      <a:round/>
+                      <a:headEnd type="none" w="med" len="med"/>
+                      <a:tailEnd type="none" w="med" len="med"/>
+                    </a:lnB>
+                    <a:lnTlToBr w="12700" cmpd="sng">
+                      <a:noFill/>
+                      <a:prstDash val="solid"/>
+                    </a:lnTlToBr>
+                    <a:lnBlToTr w="12700" cmpd="sng">
+                      <a:noFill/>
+                      <a:prstDash val="solid"/>
+                    </a:lnBlToTr>
+                    <a:noFill/>
+                  </a:tcPr>
+                </a:tc>
+                <a:tc>
+                  <a:txBody>
+                    <a:bodyPr/>
+                    <a:lstStyle/>
+                    <a:p>
+                      <a:pPr algn="l" fontAlgn="b"/>
+                      <a:r>
+                        <a:rPr lang="en-AU" sz="1800" u="none" strike="noStrike">
+                          <a:effectLst/>
+                          <a:latin typeface="Courier New" panose="02070309020205020404" pitchFamily="49" charset="0"/>
+                          <a:cs typeface="Courier New" panose="02070309020205020404" pitchFamily="49" charset="0"/>
+                        </a:rPr>
+                        <a:t> </a:t>
+                      </a:r>
+                      <a:endParaRPr lang="en-AU" sz="1800" b="0" i="0" u="none" strike="noStrike">
+                        <a:solidFill>
+                          <a:srgbClr val="000000"/>
+                        </a:solidFill>
+                        <a:effectLst/>
+                        <a:latin typeface="Courier New" panose="02070309020205020404" pitchFamily="49" charset="0"/>
+                        <a:cs typeface="Courier New" panose="02070309020205020404" pitchFamily="49" charset="0"/>
+                      </a:endParaRPr>
+                    </a:p>
+                  </a:txBody>
+                  <a:tcPr marL="7047" marR="7047" marT="7047" marB="0" anchor="b">
+                    <a:lnL w="6350" cap="flat" cmpd="sng" algn="ctr">
+                      <a:solidFill>
+                        <a:schemeClr val="tx1">
+                          <a:lumMod val="50000"/>
+                          <a:lumOff val="50000"/>
+                        </a:schemeClr>
+                      </a:solidFill>
+                      <a:prstDash val="solid"/>
+                      <a:round/>
+                      <a:headEnd type="none" w="med" len="med"/>
+                      <a:tailEnd type="none" w="med" len="med"/>
+                    </a:lnL>
+                    <a:lnR w="6350" cap="flat" cmpd="sng" algn="ctr">
+                      <a:solidFill>
+                        <a:schemeClr val="tx1">
+                          <a:lumMod val="50000"/>
+                          <a:lumOff val="50000"/>
+                        </a:schemeClr>
+                      </a:solidFill>
+                      <a:prstDash val="solid"/>
+                      <a:round/>
+                      <a:headEnd type="none" w="med" len="med"/>
+                      <a:tailEnd type="none" w="med" len="med"/>
+                    </a:lnR>
+                    <a:lnT w="6350" cap="flat" cmpd="sng" algn="ctr">
+                      <a:solidFill>
+                        <a:schemeClr val="tx1">
+                          <a:lumMod val="50000"/>
+                          <a:lumOff val="50000"/>
+                        </a:schemeClr>
+                      </a:solidFill>
+                      <a:prstDash val="solid"/>
+                      <a:round/>
+                      <a:headEnd type="none" w="med" len="med"/>
+                      <a:tailEnd type="none" w="med" len="med"/>
+                    </a:lnT>
+                    <a:lnB w="6350" cap="flat" cmpd="sng" algn="ctr">
+                      <a:solidFill>
+                        <a:schemeClr val="tx1">
+                          <a:lumMod val="50000"/>
+                          <a:lumOff val="50000"/>
+                        </a:schemeClr>
+                      </a:solidFill>
+                      <a:prstDash val="solid"/>
+                      <a:round/>
+                      <a:headEnd type="none" w="med" len="med"/>
+                      <a:tailEnd type="none" w="med" len="med"/>
+                    </a:lnB>
+                    <a:lnTlToBr w="12700" cmpd="sng">
+                      <a:noFill/>
+                      <a:prstDash val="solid"/>
+                    </a:lnTlToBr>
+                    <a:lnBlToTr w="12700" cmpd="sng">
+                      <a:noFill/>
+                      <a:prstDash val="solid"/>
+                    </a:lnBlToTr>
+                    <a:noFill/>
+                  </a:tcPr>
+                </a:tc>
+                <a:tc>
+                  <a:txBody>
+                    <a:bodyPr/>
+                    <a:lstStyle/>
+                    <a:p>
+                      <a:pPr algn="l" fontAlgn="b"/>
+                      <a:r>
+                        <a:rPr lang="en-AU" sz="1800" u="none" strike="noStrike">
+                          <a:effectLst/>
+                          <a:latin typeface="Courier New" panose="02070309020205020404" pitchFamily="49" charset="0"/>
+                          <a:cs typeface="Courier New" panose="02070309020205020404" pitchFamily="49" charset="0"/>
+                        </a:rPr>
+                        <a:t> </a:t>
+                      </a:r>
+                      <a:endParaRPr lang="en-AU" sz="1800" b="0" i="0" u="none" strike="noStrike">
+                        <a:solidFill>
+                          <a:srgbClr val="000000"/>
+                        </a:solidFill>
+                        <a:effectLst/>
+                        <a:latin typeface="Courier New" panose="02070309020205020404" pitchFamily="49" charset="0"/>
+                        <a:cs typeface="Courier New" panose="02070309020205020404" pitchFamily="49" charset="0"/>
+                      </a:endParaRPr>
+                    </a:p>
+                  </a:txBody>
+                  <a:tcPr marL="7047" marR="7047" marT="7047" marB="0" anchor="b">
+                    <a:lnL w="6350" cap="flat" cmpd="sng" algn="ctr">
+                      <a:solidFill>
+                        <a:schemeClr val="tx1">
+                          <a:lumMod val="50000"/>
+                          <a:lumOff val="50000"/>
+                        </a:schemeClr>
+                      </a:solidFill>
+                      <a:prstDash val="solid"/>
+                      <a:round/>
+                      <a:headEnd type="none" w="med" len="med"/>
+                      <a:tailEnd type="none" w="med" len="med"/>
+                    </a:lnL>
+                    <a:lnR w="6350" cap="flat" cmpd="sng" algn="ctr">
+                      <a:solidFill>
+                        <a:schemeClr val="tx1">
+                          <a:lumMod val="50000"/>
+                          <a:lumOff val="50000"/>
+                        </a:schemeClr>
+                      </a:solidFill>
+                      <a:prstDash val="solid"/>
+                      <a:round/>
+                      <a:headEnd type="none" w="med" len="med"/>
+                      <a:tailEnd type="none" w="med" len="med"/>
+                    </a:lnR>
+                    <a:lnT w="6350" cap="flat" cmpd="sng" algn="ctr">
+                      <a:solidFill>
+                        <a:schemeClr val="tx1">
+                          <a:lumMod val="50000"/>
+                          <a:lumOff val="50000"/>
+                        </a:schemeClr>
+                      </a:solidFill>
+                      <a:prstDash val="solid"/>
+                      <a:round/>
+                      <a:headEnd type="none" w="med" len="med"/>
+                      <a:tailEnd type="none" w="med" len="med"/>
+                    </a:lnT>
+                    <a:lnB w="6350" cap="flat" cmpd="sng" algn="ctr">
+                      <a:solidFill>
+                        <a:schemeClr val="tx1">
+                          <a:lumMod val="50000"/>
+                          <a:lumOff val="50000"/>
+                        </a:schemeClr>
+                      </a:solidFill>
+                      <a:prstDash val="solid"/>
+                      <a:round/>
+                      <a:headEnd type="none" w="med" len="med"/>
+                      <a:tailEnd type="none" w="med" len="med"/>
+                    </a:lnB>
+                    <a:lnTlToBr w="12700" cmpd="sng">
+                      <a:noFill/>
+                      <a:prstDash val="solid"/>
+                    </a:lnTlToBr>
+                    <a:lnBlToTr w="12700" cmpd="sng">
+                      <a:noFill/>
+                      <a:prstDash val="solid"/>
+                    </a:lnBlToTr>
+                    <a:noFill/>
+                  </a:tcPr>
+                </a:tc>
+                <a:tc>
+                  <a:txBody>
+                    <a:bodyPr/>
+                    <a:lstStyle/>
+                    <a:p>
+                      <a:pPr algn="l" fontAlgn="b"/>
+                      <a:r>
+                        <a:rPr lang="en-AU" sz="1800" u="none" strike="noStrike" dirty="0">
+                          <a:effectLst/>
+                          <a:latin typeface="Courier New" panose="02070309020205020404" pitchFamily="49" charset="0"/>
+                          <a:cs typeface="Courier New" panose="02070309020205020404" pitchFamily="49" charset="0"/>
+                        </a:rPr>
+                        <a:t> </a:t>
+                      </a:r>
+                      <a:endParaRPr lang="en-AU" sz="1800" b="0" i="0" u="none" strike="noStrike" dirty="0">
+                        <a:solidFill>
+                          <a:srgbClr val="000000"/>
+                        </a:solidFill>
+                        <a:effectLst/>
+                        <a:latin typeface="Courier New" panose="02070309020205020404" pitchFamily="49" charset="0"/>
+                        <a:cs typeface="Courier New" panose="02070309020205020404" pitchFamily="49" charset="0"/>
+                      </a:endParaRPr>
+                    </a:p>
+                  </a:txBody>
+                  <a:tcPr marL="7047" marR="7047" marT="7047" marB="0" anchor="b">
+                    <a:lnL w="6350" cap="flat" cmpd="sng" algn="ctr">
+                      <a:solidFill>
+                        <a:schemeClr val="tx1">
+                          <a:lumMod val="50000"/>
+                          <a:lumOff val="50000"/>
+                        </a:schemeClr>
+                      </a:solidFill>
+                      <a:prstDash val="solid"/>
+                      <a:round/>
+                      <a:headEnd type="none" w="med" len="med"/>
+                      <a:tailEnd type="none" w="med" len="med"/>
+                    </a:lnL>
+                    <a:lnR w="28575" cap="flat" cmpd="sng" algn="ctr">
+                      <a:solidFill>
+                        <a:schemeClr val="tx1"/>
+                      </a:solidFill>
+                      <a:prstDash val="solid"/>
+                      <a:round/>
+                      <a:headEnd type="none" w="med" len="med"/>
+                      <a:tailEnd type="none" w="med" len="med"/>
+                    </a:lnR>
+                    <a:lnT w="6350" cap="flat" cmpd="sng" algn="ctr">
+                      <a:solidFill>
+                        <a:schemeClr val="tx1">
+                          <a:lumMod val="50000"/>
+                          <a:lumOff val="50000"/>
+                        </a:schemeClr>
+                      </a:solidFill>
+                      <a:prstDash val="solid"/>
+                      <a:round/>
+                      <a:headEnd type="none" w="med" len="med"/>
+                      <a:tailEnd type="none" w="med" len="med"/>
+                    </a:lnT>
+                    <a:lnB w="6350" cap="flat" cmpd="sng" algn="ctr">
+                      <a:solidFill>
+                        <a:schemeClr val="tx1">
+                          <a:lumMod val="50000"/>
+                          <a:lumOff val="50000"/>
+                        </a:schemeClr>
+                      </a:solidFill>
+                      <a:prstDash val="solid"/>
+                      <a:round/>
+                      <a:headEnd type="none" w="med" len="med"/>
+                      <a:tailEnd type="none" w="med" len="med"/>
+                    </a:lnB>
+                    <a:lnTlToBr w="12700" cmpd="sng">
+                      <a:noFill/>
+                      <a:prstDash val="solid"/>
+                    </a:lnTlToBr>
+                    <a:lnBlToTr w="12700" cmpd="sng">
+                      <a:noFill/>
+                      <a:prstDash val="solid"/>
+                    </a:lnBlToTr>
+                    <a:noFill/>
+                  </a:tcPr>
+                </a:tc>
+                <a:tc>
+                  <a:txBody>
+                    <a:bodyPr/>
+                    <a:lstStyle/>
+                    <a:p>
+                      <a:pPr algn="l" fontAlgn="b"/>
+                      <a:r>
+                        <a:rPr lang="en-AU" sz="1800" u="none" strike="noStrike">
+                          <a:effectLst/>
+                          <a:latin typeface="Courier New" panose="02070309020205020404" pitchFamily="49" charset="0"/>
+                          <a:cs typeface="Courier New" panose="02070309020205020404" pitchFamily="49" charset="0"/>
+                        </a:rPr>
+                        <a:t> </a:t>
+                      </a:r>
+                      <a:endParaRPr lang="en-AU" sz="1800" b="0" i="0" u="none" strike="noStrike">
+                        <a:solidFill>
+                          <a:srgbClr val="000000"/>
+                        </a:solidFill>
+                        <a:effectLst/>
+                        <a:latin typeface="Courier New" panose="02070309020205020404" pitchFamily="49" charset="0"/>
+                        <a:cs typeface="Courier New" panose="02070309020205020404" pitchFamily="49" charset="0"/>
+                      </a:endParaRPr>
+                    </a:p>
+                  </a:txBody>
+                  <a:tcPr marL="7047" marR="7047" marT="7047" marB="0" anchor="b">
+                    <a:lnL w="28575" cap="flat" cmpd="sng" algn="ctr">
+                      <a:solidFill>
+                        <a:schemeClr val="tx1"/>
+                      </a:solidFill>
+                      <a:prstDash val="solid"/>
+                      <a:round/>
+                      <a:headEnd type="none" w="med" len="med"/>
+                      <a:tailEnd type="none" w="med" len="med"/>
+                    </a:lnL>
+                    <a:lnR w="6350" cap="flat" cmpd="sng" algn="ctr">
+                      <a:solidFill>
+                        <a:schemeClr val="tx1">
+                          <a:lumMod val="50000"/>
+                          <a:lumOff val="50000"/>
+                        </a:schemeClr>
+                      </a:solidFill>
+                      <a:prstDash val="solid"/>
+                      <a:round/>
+                      <a:headEnd type="none" w="med" len="med"/>
+                      <a:tailEnd type="none" w="med" len="med"/>
+                    </a:lnR>
+                    <a:lnT w="6350" cap="flat" cmpd="sng" algn="ctr">
+                      <a:solidFill>
+                        <a:schemeClr val="tx1">
+                          <a:lumMod val="50000"/>
+                          <a:lumOff val="50000"/>
+                        </a:schemeClr>
+                      </a:solidFill>
+                      <a:prstDash val="solid"/>
+                      <a:round/>
+                      <a:headEnd type="none" w="med" len="med"/>
+                      <a:tailEnd type="none" w="med" len="med"/>
+                    </a:lnT>
+                    <a:lnB w="6350" cap="flat" cmpd="sng" algn="ctr">
+                      <a:solidFill>
+                        <a:schemeClr val="tx1">
+                          <a:lumMod val="50000"/>
+                          <a:lumOff val="50000"/>
+                        </a:schemeClr>
+                      </a:solidFill>
+                      <a:prstDash val="solid"/>
+                      <a:round/>
+                      <a:headEnd type="none" w="med" len="med"/>
+                      <a:tailEnd type="none" w="med" len="med"/>
+                    </a:lnB>
+                    <a:lnTlToBr w="12700" cmpd="sng">
+                      <a:noFill/>
+                      <a:prstDash val="solid"/>
+                    </a:lnTlToBr>
+                    <a:lnBlToTr w="12700" cmpd="sng">
+                      <a:noFill/>
+                      <a:prstDash val="solid"/>
+                    </a:lnBlToTr>
+                    <a:noFill/>
+                  </a:tcPr>
+                </a:tc>
+                <a:tc>
+                  <a:txBody>
+                    <a:bodyPr/>
+                    <a:lstStyle/>
+                    <a:p>
+                      <a:pPr algn="l" fontAlgn="b"/>
+                      <a:r>
+                        <a:rPr lang="en-AU" sz="1800" u="none" strike="noStrike">
+                          <a:effectLst/>
+                          <a:latin typeface="Courier New" panose="02070309020205020404" pitchFamily="49" charset="0"/>
+                          <a:cs typeface="Courier New" panose="02070309020205020404" pitchFamily="49" charset="0"/>
+                        </a:rPr>
+                        <a:t> </a:t>
+                      </a:r>
+                      <a:endParaRPr lang="en-AU" sz="1800" b="0" i="0" u="none" strike="noStrike">
+                        <a:solidFill>
+                          <a:srgbClr val="000000"/>
+                        </a:solidFill>
+                        <a:effectLst/>
+                        <a:latin typeface="Courier New" panose="02070309020205020404" pitchFamily="49" charset="0"/>
+                        <a:cs typeface="Courier New" panose="02070309020205020404" pitchFamily="49" charset="0"/>
+                      </a:endParaRPr>
+                    </a:p>
+                  </a:txBody>
+                  <a:tcPr marL="7047" marR="7047" marT="7047" marB="0" anchor="b">
+                    <a:lnL w="6350" cap="flat" cmpd="sng" algn="ctr">
+                      <a:solidFill>
+                        <a:schemeClr val="tx1">
+                          <a:lumMod val="50000"/>
+                          <a:lumOff val="50000"/>
+                        </a:schemeClr>
+                      </a:solidFill>
+                      <a:prstDash val="solid"/>
+                      <a:round/>
+                      <a:headEnd type="none" w="med" len="med"/>
+                      <a:tailEnd type="none" w="med" len="med"/>
+                    </a:lnL>
+                    <a:lnR w="6350" cap="flat" cmpd="sng" algn="ctr">
+                      <a:solidFill>
+                        <a:schemeClr val="tx1">
+                          <a:lumMod val="50000"/>
+                          <a:lumOff val="50000"/>
+                        </a:schemeClr>
+                      </a:solidFill>
+                      <a:prstDash val="solid"/>
+                      <a:round/>
+                      <a:headEnd type="none" w="med" len="med"/>
+                      <a:tailEnd type="none" w="med" len="med"/>
+                    </a:lnR>
+                    <a:lnT w="6350" cap="flat" cmpd="sng" algn="ctr">
+                      <a:solidFill>
+                        <a:schemeClr val="tx1">
+                          <a:lumMod val="50000"/>
+                          <a:lumOff val="50000"/>
+                        </a:schemeClr>
+                      </a:solidFill>
+                      <a:prstDash val="solid"/>
+                      <a:round/>
+                      <a:headEnd type="none" w="med" len="med"/>
+                      <a:tailEnd type="none" w="med" len="med"/>
+                    </a:lnT>
+                    <a:lnB w="6350" cap="flat" cmpd="sng" algn="ctr">
+                      <a:solidFill>
+                        <a:schemeClr val="tx1">
+                          <a:lumMod val="50000"/>
+                          <a:lumOff val="50000"/>
+                        </a:schemeClr>
+                      </a:solidFill>
+                      <a:prstDash val="solid"/>
+                      <a:round/>
+                      <a:headEnd type="none" w="med" len="med"/>
+                      <a:tailEnd type="none" w="med" len="med"/>
+                    </a:lnB>
+                    <a:lnTlToBr w="12700" cmpd="sng">
+                      <a:noFill/>
+                      <a:prstDash val="solid"/>
+                    </a:lnTlToBr>
+                    <a:lnBlToTr w="12700" cmpd="sng">
+                      <a:noFill/>
+                      <a:prstDash val="solid"/>
+                    </a:lnBlToTr>
+                    <a:noFill/>
+                  </a:tcPr>
+                </a:tc>
+                <a:tc>
+                  <a:txBody>
+                    <a:bodyPr/>
+                    <a:lstStyle/>
+                    <a:p>
+                      <a:pPr algn="l" fontAlgn="b"/>
+                      <a:r>
+                        <a:rPr lang="en-AU" sz="1800" u="none" strike="noStrike">
+                          <a:effectLst/>
+                          <a:latin typeface="Courier New" panose="02070309020205020404" pitchFamily="49" charset="0"/>
+                          <a:cs typeface="Courier New" panose="02070309020205020404" pitchFamily="49" charset="0"/>
+                        </a:rPr>
+                        <a:t> </a:t>
+                      </a:r>
+                      <a:endParaRPr lang="en-AU" sz="1800" b="0" i="0" u="none" strike="noStrike">
+                        <a:solidFill>
+                          <a:srgbClr val="000000"/>
+                        </a:solidFill>
+                        <a:effectLst/>
+                        <a:latin typeface="Courier New" panose="02070309020205020404" pitchFamily="49" charset="0"/>
+                        <a:cs typeface="Courier New" panose="02070309020205020404" pitchFamily="49" charset="0"/>
+                      </a:endParaRPr>
+                    </a:p>
+                  </a:txBody>
+                  <a:tcPr marL="7047" marR="7047" marT="7047" marB="0" anchor="b">
+                    <a:lnL w="6350" cap="flat" cmpd="sng" algn="ctr">
+                      <a:solidFill>
+                        <a:schemeClr val="tx1">
+                          <a:lumMod val="50000"/>
+                          <a:lumOff val="50000"/>
+                        </a:schemeClr>
+                      </a:solidFill>
+                      <a:prstDash val="solid"/>
+                      <a:round/>
+                      <a:headEnd type="none" w="med" len="med"/>
+                      <a:tailEnd type="none" w="med" len="med"/>
+                    </a:lnL>
+                    <a:lnR w="6350" cap="flat" cmpd="sng" algn="ctr">
+                      <a:solidFill>
+                        <a:schemeClr val="tx1">
+                          <a:lumMod val="50000"/>
+                          <a:lumOff val="50000"/>
+                        </a:schemeClr>
+                      </a:solidFill>
+                      <a:prstDash val="solid"/>
+                      <a:round/>
+                      <a:headEnd type="none" w="med" len="med"/>
+                      <a:tailEnd type="none" w="med" len="med"/>
+                    </a:lnR>
+                    <a:lnT w="6350" cap="flat" cmpd="sng" algn="ctr">
+                      <a:solidFill>
+                        <a:schemeClr val="tx1">
+                          <a:lumMod val="50000"/>
+                          <a:lumOff val="50000"/>
+                        </a:schemeClr>
+                      </a:solidFill>
+                      <a:prstDash val="solid"/>
+                      <a:round/>
+                      <a:headEnd type="none" w="med" len="med"/>
+                      <a:tailEnd type="none" w="med" len="med"/>
+                    </a:lnT>
+                    <a:lnB w="6350" cap="flat" cmpd="sng" algn="ctr">
+                      <a:solidFill>
+                        <a:schemeClr val="tx1">
+                          <a:lumMod val="50000"/>
+                          <a:lumOff val="50000"/>
+                        </a:schemeClr>
+                      </a:solidFill>
+                      <a:prstDash val="solid"/>
+                      <a:round/>
+                      <a:headEnd type="none" w="med" len="med"/>
+                      <a:tailEnd type="none" w="med" len="med"/>
+                    </a:lnB>
+                    <a:lnTlToBr w="12700" cmpd="sng">
+                      <a:noFill/>
+                      <a:prstDash val="solid"/>
+                    </a:lnTlToBr>
+                    <a:lnBlToTr w="12700" cmpd="sng">
+                      <a:noFill/>
+                      <a:prstDash val="solid"/>
+                    </a:lnBlToTr>
+                    <a:noFill/>
+                  </a:tcPr>
+                </a:tc>
+                <a:tc>
+                  <a:txBody>
+                    <a:bodyPr/>
+                    <a:lstStyle/>
+                    <a:p>
+                      <a:pPr algn="l" fontAlgn="b"/>
+                      <a:r>
+                        <a:rPr lang="en-AU" sz="1800" u="none" strike="noStrike">
+                          <a:effectLst/>
+                          <a:latin typeface="Courier New" panose="02070309020205020404" pitchFamily="49" charset="0"/>
+                          <a:cs typeface="Courier New" panose="02070309020205020404" pitchFamily="49" charset="0"/>
+                        </a:rPr>
+                        <a:t> </a:t>
+                      </a:r>
+                      <a:endParaRPr lang="en-AU" sz="1800" b="0" i="0" u="none" strike="noStrike">
+                        <a:solidFill>
+                          <a:srgbClr val="000000"/>
+                        </a:solidFill>
+                        <a:effectLst/>
+                        <a:latin typeface="Courier New" panose="02070309020205020404" pitchFamily="49" charset="0"/>
+                        <a:cs typeface="Courier New" panose="02070309020205020404" pitchFamily="49" charset="0"/>
+                      </a:endParaRPr>
+                    </a:p>
+                  </a:txBody>
+                  <a:tcPr marL="7047" marR="7047" marT="7047" marB="0" anchor="b">
+                    <a:lnL w="6350" cap="flat" cmpd="sng" algn="ctr">
+                      <a:solidFill>
+                        <a:schemeClr val="tx1">
+                          <a:lumMod val="50000"/>
+                          <a:lumOff val="50000"/>
+                        </a:schemeClr>
+                      </a:solidFill>
+                      <a:prstDash val="solid"/>
+                      <a:round/>
+                      <a:headEnd type="none" w="med" len="med"/>
+                      <a:tailEnd type="none" w="med" len="med"/>
+                    </a:lnL>
+                    <a:lnR w="12700" cmpd="sng">
+                      <a:noFill/>
+                    </a:lnR>
+                    <a:lnT w="6350" cap="flat" cmpd="sng" algn="ctr">
+                      <a:solidFill>
+                        <a:schemeClr val="tx1">
+                          <a:lumMod val="50000"/>
+                          <a:lumOff val="50000"/>
+                        </a:schemeClr>
+                      </a:solidFill>
+                      <a:prstDash val="solid"/>
+                      <a:round/>
+                      <a:headEnd type="none" w="med" len="med"/>
+                      <a:tailEnd type="none" w="med" len="med"/>
+                    </a:lnT>
+                    <a:lnB w="6350" cap="flat" cmpd="sng" algn="ctr">
+                      <a:solidFill>
+                        <a:schemeClr val="tx1">
+                          <a:lumMod val="50000"/>
+                          <a:lumOff val="50000"/>
+                        </a:schemeClr>
+                      </a:solidFill>
+                      <a:prstDash val="solid"/>
+                      <a:round/>
+                      <a:headEnd type="none" w="med" len="med"/>
+                      <a:tailEnd type="none" w="med" len="med"/>
+                    </a:lnB>
+                    <a:lnTlToBr w="12700" cmpd="sng">
+                      <a:noFill/>
+                      <a:prstDash val="solid"/>
+                    </a:lnTlToBr>
+                    <a:lnBlToTr w="12700" cmpd="sng">
+                      <a:noFill/>
+                      <a:prstDash val="solid"/>
+                    </a:lnBlToTr>
+                    <a:noFill/>
+                  </a:tcPr>
+                </a:tc>
+                <a:extLst>
+                  <a:ext uri="{0D108BD9-81ED-4DB2-BD59-A6C34878D82A}">
+                    <a16:rowId xmlns:a16="http://schemas.microsoft.com/office/drawing/2014/main" val="2293301032"/>
+                  </a:ext>
+                </a:extLst>
+              </a:tr>
+              <a:tr h="627714">
+                <a:tc vMerge="1">
+                  <a:txBody>
+                    <a:bodyPr/>
+                    <a:lstStyle/>
+                    <a:p>
+                      <a:endParaRPr lang="en-AU"/>
+                    </a:p>
+                  </a:txBody>
+                  <a:tcPr/>
+                </a:tc>
+                <a:tc>
+                  <a:txBody>
+                    <a:bodyPr/>
+                    <a:lstStyle/>
+                    <a:p>
+                      <a:pPr algn="ctr" fontAlgn="ctr"/>
+                      <a:r>
+                        <a:rPr lang="en-AU" sz="1800" u="none" strike="noStrike">
+                          <a:effectLst/>
+                          <a:latin typeface="Courier New" panose="02070309020205020404" pitchFamily="49" charset="0"/>
+                          <a:cs typeface="Courier New" panose="02070309020205020404" pitchFamily="49" charset="0"/>
+                        </a:rPr>
+                        <a:t>s.alford</a:t>
+                      </a:r>
+                      <a:endParaRPr lang="en-AU" sz="1800" b="0" i="0" u="none" strike="noStrike">
+                        <a:solidFill>
+                          <a:srgbClr val="000000"/>
+                        </a:solidFill>
+                        <a:effectLst/>
+                        <a:latin typeface="Courier New" panose="02070309020205020404" pitchFamily="49" charset="0"/>
+                        <a:cs typeface="Courier New" panose="02070309020205020404" pitchFamily="49" charset="0"/>
+                      </a:endParaRPr>
+                    </a:p>
+                  </a:txBody>
+                  <a:tcPr marL="7047" marR="7047" marT="7047" marB="0" anchor="ctr">
+                    <a:lnL w="12700" cmpd="sng">
+                      <a:noFill/>
+                    </a:lnL>
+                    <a:lnR w="28575" cap="flat" cmpd="sng" algn="ctr">
+                      <a:solidFill>
+                        <a:schemeClr val="tx1"/>
+                      </a:solidFill>
+                      <a:prstDash val="solid"/>
+                      <a:round/>
+                      <a:headEnd type="none" w="med" len="med"/>
+                      <a:tailEnd type="none" w="med" len="med"/>
+                    </a:lnR>
+                    <a:lnT w="12700" cmpd="sng">
+                      <a:noFill/>
+                    </a:lnT>
+                    <a:lnB w="28575" cap="flat" cmpd="sng" algn="ctr">
+                      <a:solidFill>
+                        <a:schemeClr val="tx1"/>
+                      </a:solidFill>
+                      <a:prstDash val="solid"/>
+                      <a:round/>
+                      <a:headEnd type="none" w="med" len="med"/>
+                      <a:tailEnd type="none" w="med" len="med"/>
+                    </a:lnB>
+                    <a:lnTlToBr w="12700" cmpd="sng">
+                      <a:noFill/>
+                      <a:prstDash val="solid"/>
+                    </a:lnTlToBr>
+                    <a:lnBlToTr w="12700" cmpd="sng">
+                      <a:noFill/>
+                      <a:prstDash val="solid"/>
+                    </a:lnBlToTr>
+                    <a:noFill/>
+                  </a:tcPr>
+                </a:tc>
+                <a:tc>
+                  <a:txBody>
+                    <a:bodyPr/>
+                    <a:lstStyle/>
+                    <a:p>
+                      <a:pPr algn="l" fontAlgn="b"/>
+                      <a:r>
+                        <a:rPr lang="en-AU" sz="1800" u="none" strike="noStrike" dirty="0">
+                          <a:effectLst/>
+                          <a:latin typeface="Courier New" panose="02070309020205020404" pitchFamily="49" charset="0"/>
+                          <a:cs typeface="Courier New" panose="02070309020205020404" pitchFamily="49" charset="0"/>
+                        </a:rPr>
+                        <a:t> </a:t>
+                      </a:r>
+                      <a:endParaRPr lang="en-AU" sz="1800" b="0" i="0" u="none" strike="noStrike" dirty="0">
+                        <a:solidFill>
+                          <a:srgbClr val="000000"/>
+                        </a:solidFill>
+                        <a:effectLst/>
+                        <a:latin typeface="Courier New" panose="02070309020205020404" pitchFamily="49" charset="0"/>
+                        <a:cs typeface="Courier New" panose="02070309020205020404" pitchFamily="49" charset="0"/>
+                      </a:endParaRPr>
+                    </a:p>
+                  </a:txBody>
+                  <a:tcPr marL="7047" marR="7047" marT="7047" marB="0" anchor="b">
+                    <a:lnL w="28575" cap="flat" cmpd="sng" algn="ctr">
+                      <a:solidFill>
+                        <a:schemeClr val="tx1"/>
+                      </a:solidFill>
+                      <a:prstDash val="solid"/>
+                      <a:round/>
+                      <a:headEnd type="none" w="med" len="med"/>
+                      <a:tailEnd type="none" w="med" len="med"/>
+                    </a:lnL>
+                    <a:lnR w="6350" cap="flat" cmpd="sng" algn="ctr">
+                      <a:solidFill>
+                        <a:schemeClr val="tx1">
+                          <a:lumMod val="50000"/>
+                          <a:lumOff val="50000"/>
+                        </a:schemeClr>
+                      </a:solidFill>
+                      <a:prstDash val="solid"/>
+                      <a:round/>
+                      <a:headEnd type="none" w="med" len="med"/>
+                      <a:tailEnd type="none" w="med" len="med"/>
+                    </a:lnR>
+                    <a:lnT w="6350" cap="flat" cmpd="sng" algn="ctr">
+                      <a:solidFill>
+                        <a:schemeClr val="tx1">
+                          <a:lumMod val="50000"/>
+                          <a:lumOff val="50000"/>
+                        </a:schemeClr>
+                      </a:solidFill>
+                      <a:prstDash val="solid"/>
+                      <a:round/>
+                      <a:headEnd type="none" w="med" len="med"/>
+                      <a:tailEnd type="none" w="med" len="med"/>
+                    </a:lnT>
+                    <a:lnB w="28575" cap="flat" cmpd="sng" algn="ctr">
+                      <a:solidFill>
+                        <a:schemeClr val="tx1"/>
+                      </a:solidFill>
+                      <a:prstDash val="solid"/>
+                      <a:round/>
+                      <a:headEnd type="none" w="med" len="med"/>
+                      <a:tailEnd type="none" w="med" len="med"/>
+                    </a:lnB>
+                    <a:lnTlToBr w="12700" cmpd="sng">
+                      <a:noFill/>
+                      <a:prstDash val="solid"/>
+                    </a:lnTlToBr>
+                    <a:lnBlToTr w="12700" cmpd="sng">
+                      <a:noFill/>
+                      <a:prstDash val="solid"/>
+                    </a:lnBlToTr>
+                    <a:noFill/>
+                  </a:tcPr>
+                </a:tc>
+                <a:tc>
+                  <a:txBody>
+                    <a:bodyPr/>
+                    <a:lstStyle/>
+                    <a:p>
+                      <a:pPr algn="l" fontAlgn="b"/>
+                      <a:r>
+                        <a:rPr lang="en-AU" sz="1800" u="none" strike="noStrike">
+                          <a:effectLst/>
+                          <a:latin typeface="Courier New" panose="02070309020205020404" pitchFamily="49" charset="0"/>
+                          <a:cs typeface="Courier New" panose="02070309020205020404" pitchFamily="49" charset="0"/>
+                        </a:rPr>
+                        <a:t> </a:t>
+                      </a:r>
+                      <a:endParaRPr lang="en-AU" sz="1800" b="0" i="0" u="none" strike="noStrike">
+                        <a:solidFill>
+                          <a:srgbClr val="000000"/>
+                        </a:solidFill>
+                        <a:effectLst/>
+                        <a:latin typeface="Courier New" panose="02070309020205020404" pitchFamily="49" charset="0"/>
+                        <a:cs typeface="Courier New" panose="02070309020205020404" pitchFamily="49" charset="0"/>
+                      </a:endParaRPr>
+                    </a:p>
+                  </a:txBody>
+                  <a:tcPr marL="7047" marR="7047" marT="7047" marB="0" anchor="b">
+                    <a:lnL w="6350" cap="flat" cmpd="sng" algn="ctr">
+                      <a:solidFill>
+                        <a:schemeClr val="tx1">
+                          <a:lumMod val="50000"/>
+                          <a:lumOff val="50000"/>
+                        </a:schemeClr>
+                      </a:solidFill>
+                      <a:prstDash val="solid"/>
+                      <a:round/>
+                      <a:headEnd type="none" w="med" len="med"/>
+                      <a:tailEnd type="none" w="med" len="med"/>
+                    </a:lnL>
+                    <a:lnR w="6350" cap="flat" cmpd="sng" algn="ctr">
+                      <a:solidFill>
+                        <a:schemeClr val="tx1">
+                          <a:lumMod val="50000"/>
+                          <a:lumOff val="50000"/>
+                        </a:schemeClr>
+                      </a:solidFill>
+                      <a:prstDash val="solid"/>
+                      <a:round/>
+                      <a:headEnd type="none" w="med" len="med"/>
+                      <a:tailEnd type="none" w="med" len="med"/>
+                    </a:lnR>
+                    <a:lnT w="6350" cap="flat" cmpd="sng" algn="ctr">
+                      <a:solidFill>
+                        <a:schemeClr val="tx1">
+                          <a:lumMod val="50000"/>
+                          <a:lumOff val="50000"/>
+                        </a:schemeClr>
+                      </a:solidFill>
+                      <a:prstDash val="solid"/>
+                      <a:round/>
+                      <a:headEnd type="none" w="med" len="med"/>
+                      <a:tailEnd type="none" w="med" len="med"/>
+                    </a:lnT>
+                    <a:lnB w="28575" cap="flat" cmpd="sng" algn="ctr">
+                      <a:solidFill>
+                        <a:schemeClr val="tx1"/>
+                      </a:solidFill>
+                      <a:prstDash val="solid"/>
+                      <a:round/>
+                      <a:headEnd type="none" w="med" len="med"/>
+                      <a:tailEnd type="none" w="med" len="med"/>
+                    </a:lnB>
+                    <a:lnTlToBr w="12700" cmpd="sng">
+                      <a:noFill/>
+                      <a:prstDash val="solid"/>
+                    </a:lnTlToBr>
+                    <a:lnBlToTr w="12700" cmpd="sng">
+                      <a:noFill/>
+                      <a:prstDash val="solid"/>
+                    </a:lnBlToTr>
+                    <a:noFill/>
+                  </a:tcPr>
+                </a:tc>
+                <a:tc>
+                  <a:txBody>
+                    <a:bodyPr/>
+                    <a:lstStyle/>
+                    <a:p>
+                      <a:pPr algn="l" fontAlgn="b"/>
+                      <a:r>
+                        <a:rPr lang="en-AU" sz="1800" u="none" strike="noStrike" dirty="0">
+                          <a:effectLst/>
+                          <a:latin typeface="Courier New" panose="02070309020205020404" pitchFamily="49" charset="0"/>
+                          <a:cs typeface="Courier New" panose="02070309020205020404" pitchFamily="49" charset="0"/>
+                        </a:rPr>
+                        <a:t> </a:t>
+                      </a:r>
+                      <a:endParaRPr lang="en-AU" sz="1800" b="0" i="0" u="none" strike="noStrike" dirty="0">
+                        <a:solidFill>
+                          <a:srgbClr val="000000"/>
+                        </a:solidFill>
+                        <a:effectLst/>
+                        <a:latin typeface="Courier New" panose="02070309020205020404" pitchFamily="49" charset="0"/>
+                        <a:cs typeface="Courier New" panose="02070309020205020404" pitchFamily="49" charset="0"/>
+                      </a:endParaRPr>
+                    </a:p>
+                  </a:txBody>
+                  <a:tcPr marL="7047" marR="7047" marT="7047" marB="0" anchor="b">
+                    <a:lnL w="6350" cap="flat" cmpd="sng" algn="ctr">
+                      <a:solidFill>
+                        <a:schemeClr val="tx1">
+                          <a:lumMod val="50000"/>
+                          <a:lumOff val="50000"/>
+                        </a:schemeClr>
+                      </a:solidFill>
+                      <a:prstDash val="solid"/>
+                      <a:round/>
+                      <a:headEnd type="none" w="med" len="med"/>
+                      <a:tailEnd type="none" w="med" len="med"/>
+                    </a:lnL>
+                    <a:lnR w="6350" cap="flat" cmpd="sng" algn="ctr">
+                      <a:solidFill>
+                        <a:schemeClr val="tx1">
+                          <a:lumMod val="50000"/>
+                          <a:lumOff val="50000"/>
+                        </a:schemeClr>
+                      </a:solidFill>
+                      <a:prstDash val="solid"/>
+                      <a:round/>
+                      <a:headEnd type="none" w="med" len="med"/>
+                      <a:tailEnd type="none" w="med" len="med"/>
+                    </a:lnR>
+                    <a:lnT w="6350" cap="flat" cmpd="sng" algn="ctr">
+                      <a:solidFill>
+                        <a:schemeClr val="tx1">
+                          <a:lumMod val="50000"/>
+                          <a:lumOff val="50000"/>
+                        </a:schemeClr>
+                      </a:solidFill>
+                      <a:prstDash val="solid"/>
+                      <a:round/>
+                      <a:headEnd type="none" w="med" len="med"/>
+                      <a:tailEnd type="none" w="med" len="med"/>
+                    </a:lnT>
+                    <a:lnB w="28575" cap="flat" cmpd="sng" algn="ctr">
+                      <a:solidFill>
+                        <a:schemeClr val="tx1"/>
+                      </a:solidFill>
+                      <a:prstDash val="solid"/>
+                      <a:round/>
+                      <a:headEnd type="none" w="med" len="med"/>
+                      <a:tailEnd type="none" w="med" len="med"/>
+                    </a:lnB>
+                    <a:lnTlToBr w="12700" cmpd="sng">
+                      <a:noFill/>
+                      <a:prstDash val="solid"/>
+                    </a:lnTlToBr>
+                    <a:lnBlToTr w="12700" cmpd="sng">
+                      <a:noFill/>
+                      <a:prstDash val="solid"/>
+                    </a:lnBlToTr>
+                    <a:noFill/>
+                  </a:tcPr>
+                </a:tc>
+                <a:tc>
+                  <a:txBody>
+                    <a:bodyPr/>
+                    <a:lstStyle/>
+                    <a:p>
+                      <a:pPr algn="l" fontAlgn="b"/>
+                      <a:r>
+                        <a:rPr lang="en-AU" sz="1800" u="none" strike="noStrike">
+                          <a:effectLst/>
+                          <a:latin typeface="Courier New" panose="02070309020205020404" pitchFamily="49" charset="0"/>
+                          <a:cs typeface="Courier New" panose="02070309020205020404" pitchFamily="49" charset="0"/>
+                        </a:rPr>
+                        <a:t> </a:t>
+                      </a:r>
+                      <a:endParaRPr lang="en-AU" sz="1800" b="0" i="0" u="none" strike="noStrike">
+                        <a:solidFill>
+                          <a:srgbClr val="000000"/>
+                        </a:solidFill>
+                        <a:effectLst/>
+                        <a:latin typeface="Courier New" panose="02070309020205020404" pitchFamily="49" charset="0"/>
+                        <a:cs typeface="Courier New" panose="02070309020205020404" pitchFamily="49" charset="0"/>
+                      </a:endParaRPr>
+                    </a:p>
+                  </a:txBody>
+                  <a:tcPr marL="7047" marR="7047" marT="7047" marB="0" anchor="b">
+                    <a:lnL w="6350" cap="flat" cmpd="sng" algn="ctr">
+                      <a:solidFill>
+                        <a:schemeClr val="tx1">
+                          <a:lumMod val="50000"/>
+                          <a:lumOff val="50000"/>
+                        </a:schemeClr>
+                      </a:solidFill>
+                      <a:prstDash val="solid"/>
+                      <a:round/>
+                      <a:headEnd type="none" w="med" len="med"/>
+                      <a:tailEnd type="none" w="med" len="med"/>
+                    </a:lnL>
+                    <a:lnR w="28575" cap="flat" cmpd="sng" algn="ctr">
+                      <a:solidFill>
+                        <a:schemeClr val="tx1"/>
+                      </a:solidFill>
+                      <a:prstDash val="solid"/>
+                      <a:round/>
+                      <a:headEnd type="none" w="med" len="med"/>
+                      <a:tailEnd type="none" w="med" len="med"/>
+                    </a:lnR>
+                    <a:lnT w="6350" cap="flat" cmpd="sng" algn="ctr">
+                      <a:solidFill>
+                        <a:schemeClr val="tx1">
+                          <a:lumMod val="50000"/>
+                          <a:lumOff val="50000"/>
+                        </a:schemeClr>
+                      </a:solidFill>
+                      <a:prstDash val="solid"/>
+                      <a:round/>
+                      <a:headEnd type="none" w="med" len="med"/>
+                      <a:tailEnd type="none" w="med" len="med"/>
+                    </a:lnT>
+                    <a:lnB w="28575" cap="flat" cmpd="sng" algn="ctr">
+                      <a:solidFill>
+                        <a:schemeClr val="tx1"/>
+                      </a:solidFill>
+                      <a:prstDash val="solid"/>
+                      <a:round/>
+                      <a:headEnd type="none" w="med" len="med"/>
+                      <a:tailEnd type="none" w="med" len="med"/>
+                    </a:lnB>
+                    <a:lnTlToBr w="12700" cmpd="sng">
+                      <a:noFill/>
+                      <a:prstDash val="solid"/>
+                    </a:lnTlToBr>
+                    <a:lnBlToTr w="12700" cmpd="sng">
+                      <a:noFill/>
+                      <a:prstDash val="solid"/>
+                    </a:lnBlToTr>
+                    <a:noFill/>
+                  </a:tcPr>
+                </a:tc>
+                <a:tc>
+                  <a:txBody>
+                    <a:bodyPr/>
+                    <a:lstStyle/>
+                    <a:p>
+                      <a:pPr algn="l" fontAlgn="b"/>
+                      <a:r>
+                        <a:rPr lang="en-AU" sz="1800" u="none" strike="noStrike" dirty="0">
+                          <a:effectLst/>
+                          <a:latin typeface="Courier New" panose="02070309020205020404" pitchFamily="49" charset="0"/>
+                          <a:cs typeface="Courier New" panose="02070309020205020404" pitchFamily="49" charset="0"/>
+                        </a:rPr>
+                        <a:t> </a:t>
+                      </a:r>
+                      <a:endParaRPr lang="en-AU" sz="1800" b="0" i="0" u="none" strike="noStrike" dirty="0">
+                        <a:solidFill>
+                          <a:srgbClr val="000000"/>
+                        </a:solidFill>
+                        <a:effectLst/>
+                        <a:latin typeface="Courier New" panose="02070309020205020404" pitchFamily="49" charset="0"/>
+                        <a:cs typeface="Courier New" panose="02070309020205020404" pitchFamily="49" charset="0"/>
+                      </a:endParaRPr>
+                    </a:p>
+                  </a:txBody>
+                  <a:tcPr marL="7047" marR="7047" marT="7047" marB="0" anchor="b">
+                    <a:lnL w="28575" cap="flat" cmpd="sng" algn="ctr">
+                      <a:solidFill>
+                        <a:schemeClr val="tx1"/>
+                      </a:solidFill>
+                      <a:prstDash val="solid"/>
+                      <a:round/>
+                      <a:headEnd type="none" w="med" len="med"/>
+                      <a:tailEnd type="none" w="med" len="med"/>
+                    </a:lnL>
+                    <a:lnR w="6350" cap="flat" cmpd="sng" algn="ctr">
+                      <a:solidFill>
+                        <a:schemeClr val="tx1">
+                          <a:lumMod val="50000"/>
+                          <a:lumOff val="50000"/>
+                        </a:schemeClr>
+                      </a:solidFill>
+                      <a:prstDash val="solid"/>
+                      <a:round/>
+                      <a:headEnd type="none" w="med" len="med"/>
+                      <a:tailEnd type="none" w="med" len="med"/>
+                    </a:lnR>
+                    <a:lnT w="6350" cap="flat" cmpd="sng" algn="ctr">
+                      <a:solidFill>
+                        <a:schemeClr val="tx1">
+                          <a:lumMod val="50000"/>
+                          <a:lumOff val="50000"/>
+                        </a:schemeClr>
+                      </a:solidFill>
+                      <a:prstDash val="solid"/>
+                      <a:round/>
+                      <a:headEnd type="none" w="med" len="med"/>
+                      <a:tailEnd type="none" w="med" len="med"/>
+                    </a:lnT>
+                    <a:lnB w="28575" cap="flat" cmpd="sng" algn="ctr">
+                      <a:solidFill>
+                        <a:schemeClr val="tx1"/>
+                      </a:solidFill>
+                      <a:prstDash val="solid"/>
+                      <a:round/>
+                      <a:headEnd type="none" w="med" len="med"/>
+                      <a:tailEnd type="none" w="med" len="med"/>
+                    </a:lnB>
+                    <a:lnTlToBr w="12700" cmpd="sng">
+                      <a:noFill/>
+                      <a:prstDash val="solid"/>
+                    </a:lnTlToBr>
+                    <a:lnBlToTr w="12700" cmpd="sng">
+                      <a:noFill/>
+                      <a:prstDash val="solid"/>
+                    </a:lnBlToTr>
+                    <a:noFill/>
+                  </a:tcPr>
+                </a:tc>
+                <a:tc>
+                  <a:txBody>
+                    <a:bodyPr/>
+                    <a:lstStyle/>
+                    <a:p>
+                      <a:pPr algn="l" fontAlgn="b"/>
+                      <a:r>
+                        <a:rPr lang="en-AU" sz="1800" u="none" strike="noStrike">
+                          <a:effectLst/>
+                          <a:latin typeface="Courier New" panose="02070309020205020404" pitchFamily="49" charset="0"/>
+                          <a:cs typeface="Courier New" panose="02070309020205020404" pitchFamily="49" charset="0"/>
+                        </a:rPr>
+                        <a:t> </a:t>
+                      </a:r>
+                      <a:endParaRPr lang="en-AU" sz="1800" b="0" i="0" u="none" strike="noStrike">
+                        <a:solidFill>
+                          <a:srgbClr val="000000"/>
+                        </a:solidFill>
+                        <a:effectLst/>
+                        <a:latin typeface="Courier New" panose="02070309020205020404" pitchFamily="49" charset="0"/>
+                        <a:cs typeface="Courier New" panose="02070309020205020404" pitchFamily="49" charset="0"/>
+                      </a:endParaRPr>
+                    </a:p>
+                  </a:txBody>
+                  <a:tcPr marL="7047" marR="7047" marT="7047" marB="0" anchor="b">
+                    <a:lnL w="6350" cap="flat" cmpd="sng" algn="ctr">
+                      <a:solidFill>
+                        <a:schemeClr val="tx1">
+                          <a:lumMod val="50000"/>
+                          <a:lumOff val="50000"/>
+                        </a:schemeClr>
+                      </a:solidFill>
+                      <a:prstDash val="solid"/>
+                      <a:round/>
+                      <a:headEnd type="none" w="med" len="med"/>
+                      <a:tailEnd type="none" w="med" len="med"/>
+                    </a:lnL>
+                    <a:lnR w="6350" cap="flat" cmpd="sng" algn="ctr">
+                      <a:solidFill>
+                        <a:schemeClr val="tx1">
+                          <a:lumMod val="50000"/>
+                          <a:lumOff val="50000"/>
+                        </a:schemeClr>
+                      </a:solidFill>
+                      <a:prstDash val="solid"/>
+                      <a:round/>
+                      <a:headEnd type="none" w="med" len="med"/>
+                      <a:tailEnd type="none" w="med" len="med"/>
+                    </a:lnR>
+                    <a:lnT w="6350" cap="flat" cmpd="sng" algn="ctr">
+                      <a:solidFill>
+                        <a:schemeClr val="tx1">
+                          <a:lumMod val="50000"/>
+                          <a:lumOff val="50000"/>
+                        </a:schemeClr>
+                      </a:solidFill>
+                      <a:prstDash val="solid"/>
+                      <a:round/>
+                      <a:headEnd type="none" w="med" len="med"/>
+                      <a:tailEnd type="none" w="med" len="med"/>
+                    </a:lnT>
+                    <a:lnB w="28575" cap="flat" cmpd="sng" algn="ctr">
+                      <a:solidFill>
+                        <a:schemeClr val="tx1"/>
+                      </a:solidFill>
+                      <a:prstDash val="solid"/>
+                      <a:round/>
+                      <a:headEnd type="none" w="med" len="med"/>
+                      <a:tailEnd type="none" w="med" len="med"/>
+                    </a:lnB>
+                    <a:lnTlToBr w="12700" cmpd="sng">
+                      <a:noFill/>
+                      <a:prstDash val="solid"/>
+                    </a:lnTlToBr>
+                    <a:lnBlToTr w="12700" cmpd="sng">
+                      <a:noFill/>
+                      <a:prstDash val="solid"/>
+                    </a:lnBlToTr>
+                    <a:noFill/>
+                  </a:tcPr>
+                </a:tc>
+                <a:tc>
+                  <a:txBody>
+                    <a:bodyPr/>
+                    <a:lstStyle/>
+                    <a:p>
+                      <a:pPr algn="l" fontAlgn="b"/>
+                      <a:r>
+                        <a:rPr lang="en-AU" sz="1800" u="none" strike="noStrike">
+                          <a:effectLst/>
+                          <a:latin typeface="Courier New" panose="02070309020205020404" pitchFamily="49" charset="0"/>
+                          <a:cs typeface="Courier New" panose="02070309020205020404" pitchFamily="49" charset="0"/>
+                        </a:rPr>
+                        <a:t> </a:t>
+                      </a:r>
+                      <a:endParaRPr lang="en-AU" sz="1800" b="0" i="0" u="none" strike="noStrike">
+                        <a:solidFill>
+                          <a:srgbClr val="000000"/>
+                        </a:solidFill>
+                        <a:effectLst/>
+                        <a:latin typeface="Courier New" panose="02070309020205020404" pitchFamily="49" charset="0"/>
+                        <a:cs typeface="Courier New" panose="02070309020205020404" pitchFamily="49" charset="0"/>
+                      </a:endParaRPr>
+                    </a:p>
+                  </a:txBody>
+                  <a:tcPr marL="7047" marR="7047" marT="7047" marB="0" anchor="b">
+                    <a:lnL w="6350" cap="flat" cmpd="sng" algn="ctr">
+                      <a:solidFill>
+                        <a:schemeClr val="tx1">
+                          <a:lumMod val="50000"/>
+                          <a:lumOff val="50000"/>
+                        </a:schemeClr>
+                      </a:solidFill>
+                      <a:prstDash val="solid"/>
+                      <a:round/>
+                      <a:headEnd type="none" w="med" len="med"/>
+                      <a:tailEnd type="none" w="med" len="med"/>
+                    </a:lnL>
+                    <a:lnR w="6350" cap="flat" cmpd="sng" algn="ctr">
+                      <a:solidFill>
+                        <a:schemeClr val="tx1">
+                          <a:lumMod val="50000"/>
+                          <a:lumOff val="50000"/>
+                        </a:schemeClr>
+                      </a:solidFill>
+                      <a:prstDash val="solid"/>
+                      <a:round/>
+                      <a:headEnd type="none" w="med" len="med"/>
+                      <a:tailEnd type="none" w="med" len="med"/>
+                    </a:lnR>
+                    <a:lnT w="6350" cap="flat" cmpd="sng" algn="ctr">
+                      <a:solidFill>
+                        <a:schemeClr val="tx1">
+                          <a:lumMod val="50000"/>
+                          <a:lumOff val="50000"/>
+                        </a:schemeClr>
+                      </a:solidFill>
+                      <a:prstDash val="solid"/>
+                      <a:round/>
+                      <a:headEnd type="none" w="med" len="med"/>
+                      <a:tailEnd type="none" w="med" len="med"/>
+                    </a:lnT>
+                    <a:lnB w="28575" cap="flat" cmpd="sng" algn="ctr">
+                      <a:solidFill>
+                        <a:schemeClr val="tx1"/>
+                      </a:solidFill>
+                      <a:prstDash val="solid"/>
+                      <a:round/>
+                      <a:headEnd type="none" w="med" len="med"/>
+                      <a:tailEnd type="none" w="med" len="med"/>
+                    </a:lnB>
+                    <a:lnTlToBr w="12700" cmpd="sng">
+                      <a:noFill/>
+                      <a:prstDash val="solid"/>
+                    </a:lnTlToBr>
+                    <a:lnBlToTr w="12700" cmpd="sng">
+                      <a:noFill/>
+                      <a:prstDash val="solid"/>
+                    </a:lnBlToTr>
+                    <a:noFill/>
+                  </a:tcPr>
+                </a:tc>
+                <a:tc>
+                  <a:txBody>
+                    <a:bodyPr/>
+                    <a:lstStyle/>
+                    <a:p>
+                      <a:pPr algn="l" fontAlgn="b"/>
+                      <a:r>
+                        <a:rPr lang="en-AU" sz="1800" u="none" strike="noStrike">
+                          <a:effectLst/>
+                          <a:latin typeface="Courier New" panose="02070309020205020404" pitchFamily="49" charset="0"/>
+                          <a:cs typeface="Courier New" panose="02070309020205020404" pitchFamily="49" charset="0"/>
+                        </a:rPr>
+                        <a:t> </a:t>
+                      </a:r>
+                      <a:endParaRPr lang="en-AU" sz="1800" b="0" i="0" u="none" strike="noStrike">
+                        <a:solidFill>
+                          <a:srgbClr val="000000"/>
+                        </a:solidFill>
+                        <a:effectLst/>
+                        <a:latin typeface="Courier New" panose="02070309020205020404" pitchFamily="49" charset="0"/>
+                        <a:cs typeface="Courier New" panose="02070309020205020404" pitchFamily="49" charset="0"/>
+                      </a:endParaRPr>
+                    </a:p>
+                  </a:txBody>
+                  <a:tcPr marL="7047" marR="7047" marT="7047" marB="0" anchor="b">
+                    <a:lnL w="6350" cap="flat" cmpd="sng" algn="ctr">
+                      <a:solidFill>
+                        <a:schemeClr val="tx1">
+                          <a:lumMod val="50000"/>
+                          <a:lumOff val="50000"/>
+                        </a:schemeClr>
+                      </a:solidFill>
+                      <a:prstDash val="solid"/>
+                      <a:round/>
+                      <a:headEnd type="none" w="med" len="med"/>
+                      <a:tailEnd type="none" w="med" len="med"/>
+                    </a:lnL>
+                    <a:lnR w="12700" cmpd="sng">
+                      <a:noFill/>
+                    </a:lnR>
+                    <a:lnT w="6350" cap="flat" cmpd="sng" algn="ctr">
+                      <a:solidFill>
+                        <a:schemeClr val="tx1">
+                          <a:lumMod val="50000"/>
+                          <a:lumOff val="50000"/>
+                        </a:schemeClr>
+                      </a:solidFill>
+                      <a:prstDash val="solid"/>
+                      <a:round/>
+                      <a:headEnd type="none" w="med" len="med"/>
+                      <a:tailEnd type="none" w="med" len="med"/>
+                    </a:lnT>
+                    <a:lnB w="28575" cap="flat" cmpd="sng" algn="ctr">
+                      <a:solidFill>
+                        <a:schemeClr val="tx1"/>
+                      </a:solidFill>
+                      <a:prstDash val="solid"/>
+                      <a:round/>
+                      <a:headEnd type="none" w="med" len="med"/>
+                      <a:tailEnd type="none" w="med" len="med"/>
+                    </a:lnB>
+                    <a:lnTlToBr w="12700" cmpd="sng">
+                      <a:noFill/>
+                      <a:prstDash val="solid"/>
+                    </a:lnTlToBr>
+                    <a:lnBlToTr w="12700" cmpd="sng">
+                      <a:noFill/>
+                      <a:prstDash val="solid"/>
+                    </a:lnBlToTr>
+                    <a:noFill/>
+                  </a:tcPr>
+                </a:tc>
+                <a:extLst>
+                  <a:ext uri="{0D108BD9-81ED-4DB2-BD59-A6C34878D82A}">
+                    <a16:rowId xmlns:a16="http://schemas.microsoft.com/office/drawing/2014/main" val="3174178117"/>
+                  </a:ext>
+                </a:extLst>
+              </a:tr>
+              <a:tr h="627714">
+                <a:tc rowSpan="4">
+                  <a:txBody>
+                    <a:bodyPr/>
+                    <a:lstStyle/>
+                    <a:p>
+                      <a:pPr algn="ctr" fontAlgn="ctr"/>
+                      <a:r>
+                        <a:rPr lang="en-AU" sz="1800" u="none" strike="noStrike">
+                          <a:effectLst/>
+                          <a:latin typeface="Courier New" panose="02070309020205020404" pitchFamily="49" charset="0"/>
+                          <a:cs typeface="Courier New" panose="02070309020205020404" pitchFamily="49" charset="0"/>
+                        </a:rPr>
+                        <a:t>department</a:t>
+                      </a:r>
+                      <a:endParaRPr lang="en-AU" sz="1800" b="1" i="0" u="none" strike="noStrike">
+                        <a:solidFill>
+                          <a:srgbClr val="000000"/>
+                        </a:solidFill>
+                        <a:effectLst/>
+                        <a:latin typeface="Courier New" panose="02070309020205020404" pitchFamily="49" charset="0"/>
+                        <a:cs typeface="Courier New" panose="02070309020205020404" pitchFamily="49" charset="0"/>
+                      </a:endParaRPr>
+                    </a:p>
+                  </a:txBody>
+                  <a:tcPr marL="84569" marR="84569" marT="42285" marB="42285" vert="vert270" anchor="ctr">
+                    <a:lnL w="12700" cmpd="sng">
+                      <a:noFill/>
+                    </a:lnL>
+                    <a:lnR w="12700" cmpd="sng">
+                      <a:noFill/>
+                    </a:lnR>
+                    <a:lnT w="28575" cap="flat" cmpd="sng" algn="ctr">
+                      <a:solidFill>
+                        <a:schemeClr val="tx1"/>
+                      </a:solidFill>
+                      <a:prstDash val="solid"/>
+                      <a:round/>
+                      <a:headEnd type="none" w="med" len="med"/>
+                      <a:tailEnd type="none" w="med" len="med"/>
+                    </a:lnT>
+                    <a:lnB w="12700" cmpd="sng">
+                      <a:noFill/>
+                    </a:lnB>
+                    <a:lnTlToBr w="12700" cmpd="sng">
+                      <a:noFill/>
+                      <a:prstDash val="solid"/>
+                    </a:lnTlToBr>
+                    <a:lnBlToTr w="12700" cmpd="sng">
+                      <a:noFill/>
+                      <a:prstDash val="solid"/>
+                    </a:lnBlToTr>
+                    <a:noFill/>
+                  </a:tcPr>
+                </a:tc>
+                <a:tc>
+                  <a:txBody>
+                    <a:bodyPr/>
+                    <a:lstStyle/>
+                    <a:p>
+                      <a:pPr algn="ctr" fontAlgn="ctr"/>
+                      <a:r>
+                        <a:rPr lang="en-AU" sz="1800" u="none" strike="noStrike" dirty="0">
+                          <a:effectLst/>
+                          <a:latin typeface="Courier New" panose="02070309020205020404" pitchFamily="49" charset="0"/>
+                          <a:cs typeface="Courier New" panose="02070309020205020404" pitchFamily="49" charset="0"/>
+                        </a:rPr>
+                        <a:t>Maintenance</a:t>
+                      </a:r>
+                      <a:endParaRPr lang="en-AU" sz="1800" b="0" i="0" u="none" strike="noStrike" dirty="0">
+                        <a:solidFill>
+                          <a:srgbClr val="000000"/>
+                        </a:solidFill>
+                        <a:effectLst/>
+                        <a:latin typeface="Courier New" panose="02070309020205020404" pitchFamily="49" charset="0"/>
+                        <a:cs typeface="Courier New" panose="02070309020205020404" pitchFamily="49" charset="0"/>
+                      </a:endParaRPr>
+                    </a:p>
+                  </a:txBody>
+                  <a:tcPr marL="7047" marR="7047" marT="7047" marB="0" anchor="ctr">
+                    <a:lnL w="12700" cmpd="sng">
+                      <a:noFill/>
+                    </a:lnL>
+                    <a:lnR w="28575" cap="flat" cmpd="sng" algn="ctr">
+                      <a:solidFill>
+                        <a:schemeClr val="tx1"/>
+                      </a:solidFill>
+                      <a:prstDash val="solid"/>
+                      <a:round/>
+                      <a:headEnd type="none" w="med" len="med"/>
+                      <a:tailEnd type="none" w="med" len="med"/>
+                    </a:lnR>
+                    <a:lnT w="28575" cap="flat" cmpd="sng" algn="ctr">
+                      <a:solidFill>
+                        <a:schemeClr val="tx1"/>
+                      </a:solidFill>
+                      <a:prstDash val="solid"/>
+                      <a:round/>
+                      <a:headEnd type="none" w="med" len="med"/>
+                      <a:tailEnd type="none" w="med" len="med"/>
+                    </a:lnT>
+                    <a:lnB w="6350" cap="flat" cmpd="sng" algn="ctr">
+                      <a:noFill/>
+                      <a:prstDash val="solid"/>
+                      <a:round/>
+                      <a:headEnd type="none" w="med" len="med"/>
+                      <a:tailEnd type="none" w="med" len="med"/>
+                    </a:lnB>
+                    <a:lnTlToBr w="12700" cmpd="sng">
+                      <a:noFill/>
+                      <a:prstDash val="solid"/>
+                    </a:lnTlToBr>
+                    <a:lnBlToTr w="12700" cmpd="sng">
+                      <a:noFill/>
+                      <a:prstDash val="solid"/>
+                    </a:lnBlToTr>
+                    <a:noFill/>
+                  </a:tcPr>
+                </a:tc>
+                <a:tc>
+                  <a:txBody>
+                    <a:bodyPr/>
+                    <a:lstStyle/>
+                    <a:p>
+                      <a:pPr algn="l" fontAlgn="b"/>
+                      <a:r>
+                        <a:rPr lang="en-AU" sz="1800" u="none" strike="noStrike">
+                          <a:effectLst/>
+                          <a:latin typeface="Courier New" panose="02070309020205020404" pitchFamily="49" charset="0"/>
+                          <a:cs typeface="Courier New" panose="02070309020205020404" pitchFamily="49" charset="0"/>
+                        </a:rPr>
+                        <a:t> </a:t>
+                      </a:r>
+                      <a:endParaRPr lang="en-AU" sz="1800" b="0" i="0" u="none" strike="noStrike">
+                        <a:solidFill>
+                          <a:srgbClr val="000000"/>
+                        </a:solidFill>
+                        <a:effectLst/>
+                        <a:latin typeface="Courier New" panose="02070309020205020404" pitchFamily="49" charset="0"/>
+                        <a:cs typeface="Courier New" panose="02070309020205020404" pitchFamily="49" charset="0"/>
+                      </a:endParaRPr>
+                    </a:p>
+                  </a:txBody>
+                  <a:tcPr marL="7047" marR="7047" marT="7047" marB="0" anchor="b">
+                    <a:lnL w="28575" cap="flat" cmpd="sng" algn="ctr">
+                      <a:solidFill>
+                        <a:schemeClr val="tx1"/>
+                      </a:solidFill>
+                      <a:prstDash val="solid"/>
+                      <a:round/>
+                      <a:headEnd type="none" w="med" len="med"/>
+                      <a:tailEnd type="none" w="med" len="med"/>
+                    </a:lnL>
+                    <a:lnR w="6350" cap="flat" cmpd="sng" algn="ctr">
+                      <a:solidFill>
+                        <a:schemeClr val="tx1">
+                          <a:lumMod val="50000"/>
+                          <a:lumOff val="50000"/>
+                        </a:schemeClr>
+                      </a:solidFill>
+                      <a:prstDash val="solid"/>
+                      <a:round/>
+                      <a:headEnd type="none" w="med" len="med"/>
+                      <a:tailEnd type="none" w="med" len="med"/>
+                    </a:lnR>
+                    <a:lnT w="28575" cap="flat" cmpd="sng" algn="ctr">
+                      <a:solidFill>
+                        <a:schemeClr val="tx1"/>
+                      </a:solidFill>
+                      <a:prstDash val="solid"/>
+                      <a:round/>
+                      <a:headEnd type="none" w="med" len="med"/>
+                      <a:tailEnd type="none" w="med" len="med"/>
+                    </a:lnT>
+                    <a:lnB w="6350" cap="flat" cmpd="sng" algn="ctr">
+                      <a:solidFill>
+                        <a:schemeClr val="tx1">
+                          <a:lumMod val="50000"/>
+                          <a:lumOff val="50000"/>
+                        </a:schemeClr>
+                      </a:solidFill>
+                      <a:prstDash val="solid"/>
+                      <a:round/>
+                      <a:headEnd type="none" w="med" len="med"/>
+                      <a:tailEnd type="none" w="med" len="med"/>
+                    </a:lnB>
+                    <a:lnTlToBr w="12700" cmpd="sng">
+                      <a:noFill/>
+                      <a:prstDash val="solid"/>
+                    </a:lnTlToBr>
+                    <a:lnBlToTr w="12700" cmpd="sng">
+                      <a:noFill/>
+                      <a:prstDash val="solid"/>
+                    </a:lnBlToTr>
+                    <a:noFill/>
+                  </a:tcPr>
+                </a:tc>
+                <a:tc>
+                  <a:txBody>
+                    <a:bodyPr/>
+                    <a:lstStyle/>
+                    <a:p>
+                      <a:pPr algn="l" fontAlgn="b"/>
+                      <a:r>
+                        <a:rPr lang="en-AU" sz="1800" u="none" strike="noStrike">
+                          <a:effectLst/>
+                          <a:latin typeface="Courier New" panose="02070309020205020404" pitchFamily="49" charset="0"/>
+                          <a:cs typeface="Courier New" panose="02070309020205020404" pitchFamily="49" charset="0"/>
+                        </a:rPr>
+                        <a:t> </a:t>
+                      </a:r>
+                      <a:endParaRPr lang="en-AU" sz="1800" b="0" i="0" u="none" strike="noStrike">
+                        <a:solidFill>
+                          <a:srgbClr val="000000"/>
+                        </a:solidFill>
+                        <a:effectLst/>
+                        <a:latin typeface="Courier New" panose="02070309020205020404" pitchFamily="49" charset="0"/>
+                        <a:cs typeface="Courier New" panose="02070309020205020404" pitchFamily="49" charset="0"/>
+                      </a:endParaRPr>
+                    </a:p>
+                  </a:txBody>
+                  <a:tcPr marL="7047" marR="7047" marT="7047" marB="0" anchor="b">
+                    <a:lnL w="6350" cap="flat" cmpd="sng" algn="ctr">
+                      <a:solidFill>
+                        <a:schemeClr val="tx1">
+                          <a:lumMod val="50000"/>
+                          <a:lumOff val="50000"/>
+                        </a:schemeClr>
+                      </a:solidFill>
+                      <a:prstDash val="solid"/>
+                      <a:round/>
+                      <a:headEnd type="none" w="med" len="med"/>
+                      <a:tailEnd type="none" w="med" len="med"/>
+                    </a:lnL>
+                    <a:lnR w="6350" cap="flat" cmpd="sng" algn="ctr">
+                      <a:solidFill>
+                        <a:schemeClr val="tx1">
+                          <a:lumMod val="50000"/>
+                          <a:lumOff val="50000"/>
+                        </a:schemeClr>
+                      </a:solidFill>
+                      <a:prstDash val="solid"/>
+                      <a:round/>
+                      <a:headEnd type="none" w="med" len="med"/>
+                      <a:tailEnd type="none" w="med" len="med"/>
+                    </a:lnR>
+                    <a:lnT w="28575" cap="flat" cmpd="sng" algn="ctr">
+                      <a:solidFill>
+                        <a:schemeClr val="tx1"/>
+                      </a:solidFill>
+                      <a:prstDash val="solid"/>
+                      <a:round/>
+                      <a:headEnd type="none" w="med" len="med"/>
+                      <a:tailEnd type="none" w="med" len="med"/>
+                    </a:lnT>
+                    <a:lnB w="6350" cap="flat" cmpd="sng" algn="ctr">
+                      <a:solidFill>
+                        <a:schemeClr val="tx1">
+                          <a:lumMod val="50000"/>
+                          <a:lumOff val="50000"/>
+                        </a:schemeClr>
+                      </a:solidFill>
+                      <a:prstDash val="solid"/>
+                      <a:round/>
+                      <a:headEnd type="none" w="med" len="med"/>
+                      <a:tailEnd type="none" w="med" len="med"/>
+                    </a:lnB>
+                    <a:lnTlToBr w="12700" cmpd="sng">
+                      <a:noFill/>
+                      <a:prstDash val="solid"/>
+                    </a:lnTlToBr>
+                    <a:lnBlToTr w="12700" cmpd="sng">
+                      <a:noFill/>
+                      <a:prstDash val="solid"/>
+                    </a:lnBlToTr>
+                    <a:noFill/>
+                  </a:tcPr>
+                </a:tc>
+                <a:tc>
+                  <a:txBody>
+                    <a:bodyPr/>
+                    <a:lstStyle/>
+                    <a:p>
+                      <a:pPr algn="l" fontAlgn="b"/>
+                      <a:r>
+                        <a:rPr lang="en-AU" sz="1800" u="none" strike="noStrike">
+                          <a:effectLst/>
+                          <a:latin typeface="Courier New" panose="02070309020205020404" pitchFamily="49" charset="0"/>
+                          <a:cs typeface="Courier New" panose="02070309020205020404" pitchFamily="49" charset="0"/>
+                        </a:rPr>
+                        <a:t> </a:t>
+                      </a:r>
+                      <a:endParaRPr lang="en-AU" sz="1800" b="0" i="0" u="none" strike="noStrike">
+                        <a:solidFill>
+                          <a:srgbClr val="000000"/>
+                        </a:solidFill>
+                        <a:effectLst/>
+                        <a:latin typeface="Courier New" panose="02070309020205020404" pitchFamily="49" charset="0"/>
+                        <a:cs typeface="Courier New" panose="02070309020205020404" pitchFamily="49" charset="0"/>
+                      </a:endParaRPr>
+                    </a:p>
+                  </a:txBody>
+                  <a:tcPr marL="7047" marR="7047" marT="7047" marB="0" anchor="b">
+                    <a:lnL w="6350" cap="flat" cmpd="sng" algn="ctr">
+                      <a:solidFill>
+                        <a:schemeClr val="tx1">
+                          <a:lumMod val="50000"/>
+                          <a:lumOff val="50000"/>
+                        </a:schemeClr>
+                      </a:solidFill>
+                      <a:prstDash val="solid"/>
+                      <a:round/>
+                      <a:headEnd type="none" w="med" len="med"/>
+                      <a:tailEnd type="none" w="med" len="med"/>
+                    </a:lnL>
+                    <a:lnR w="6350" cap="flat" cmpd="sng" algn="ctr">
+                      <a:solidFill>
+                        <a:schemeClr val="tx1">
+                          <a:lumMod val="50000"/>
+                          <a:lumOff val="50000"/>
+                        </a:schemeClr>
+                      </a:solidFill>
+                      <a:prstDash val="solid"/>
+                      <a:round/>
+                      <a:headEnd type="none" w="med" len="med"/>
+                      <a:tailEnd type="none" w="med" len="med"/>
+                    </a:lnR>
+                    <a:lnT w="28575" cap="flat" cmpd="sng" algn="ctr">
+                      <a:solidFill>
+                        <a:schemeClr val="tx1"/>
+                      </a:solidFill>
+                      <a:prstDash val="solid"/>
+                      <a:round/>
+                      <a:headEnd type="none" w="med" len="med"/>
+                      <a:tailEnd type="none" w="med" len="med"/>
+                    </a:lnT>
+                    <a:lnB w="6350" cap="flat" cmpd="sng" algn="ctr">
+                      <a:solidFill>
+                        <a:schemeClr val="tx1">
+                          <a:lumMod val="50000"/>
+                          <a:lumOff val="50000"/>
+                        </a:schemeClr>
+                      </a:solidFill>
+                      <a:prstDash val="solid"/>
+                      <a:round/>
+                      <a:headEnd type="none" w="med" len="med"/>
+                      <a:tailEnd type="none" w="med" len="med"/>
+                    </a:lnB>
+                    <a:lnTlToBr w="12700" cmpd="sng">
+                      <a:noFill/>
+                      <a:prstDash val="solid"/>
+                    </a:lnTlToBr>
+                    <a:lnBlToTr w="12700" cmpd="sng">
+                      <a:noFill/>
+                      <a:prstDash val="solid"/>
+                    </a:lnBlToTr>
+                    <a:noFill/>
+                  </a:tcPr>
+                </a:tc>
+                <a:tc>
+                  <a:txBody>
+                    <a:bodyPr/>
+                    <a:lstStyle/>
+                    <a:p>
+                      <a:pPr algn="l" fontAlgn="b"/>
+                      <a:r>
+                        <a:rPr lang="en-AU" sz="1800" u="none" strike="noStrike">
+                          <a:effectLst/>
+                          <a:latin typeface="Courier New" panose="02070309020205020404" pitchFamily="49" charset="0"/>
+                          <a:cs typeface="Courier New" panose="02070309020205020404" pitchFamily="49" charset="0"/>
+                        </a:rPr>
+                        <a:t> </a:t>
+                      </a:r>
+                      <a:endParaRPr lang="en-AU" sz="1800" b="0" i="0" u="none" strike="noStrike">
+                        <a:solidFill>
+                          <a:srgbClr val="000000"/>
+                        </a:solidFill>
+                        <a:effectLst/>
+                        <a:latin typeface="Courier New" panose="02070309020205020404" pitchFamily="49" charset="0"/>
+                        <a:cs typeface="Courier New" panose="02070309020205020404" pitchFamily="49" charset="0"/>
+                      </a:endParaRPr>
+                    </a:p>
+                  </a:txBody>
+                  <a:tcPr marL="7047" marR="7047" marT="7047" marB="0" anchor="b">
+                    <a:lnL w="6350" cap="flat" cmpd="sng" algn="ctr">
+                      <a:solidFill>
+                        <a:schemeClr val="tx1">
+                          <a:lumMod val="50000"/>
+                          <a:lumOff val="50000"/>
+                        </a:schemeClr>
+                      </a:solidFill>
+                      <a:prstDash val="solid"/>
+                      <a:round/>
+                      <a:headEnd type="none" w="med" len="med"/>
+                      <a:tailEnd type="none" w="med" len="med"/>
+                    </a:lnL>
+                    <a:lnR w="28575" cap="flat" cmpd="sng" algn="ctr">
+                      <a:solidFill>
+                        <a:schemeClr val="tx1"/>
+                      </a:solidFill>
+                      <a:prstDash val="solid"/>
+                      <a:round/>
+                      <a:headEnd type="none" w="med" len="med"/>
+                      <a:tailEnd type="none" w="med" len="med"/>
+                    </a:lnR>
+                    <a:lnT w="28575" cap="flat" cmpd="sng" algn="ctr">
+                      <a:solidFill>
+                        <a:schemeClr val="tx1"/>
+                      </a:solidFill>
+                      <a:prstDash val="solid"/>
+                      <a:round/>
+                      <a:headEnd type="none" w="med" len="med"/>
+                      <a:tailEnd type="none" w="med" len="med"/>
+                    </a:lnT>
+                    <a:lnB w="6350" cap="flat" cmpd="sng" algn="ctr">
+                      <a:solidFill>
+                        <a:schemeClr val="tx1">
+                          <a:lumMod val="50000"/>
+                          <a:lumOff val="50000"/>
+                        </a:schemeClr>
+                      </a:solidFill>
+                      <a:prstDash val="solid"/>
+                      <a:round/>
+                      <a:headEnd type="none" w="med" len="med"/>
+                      <a:tailEnd type="none" w="med" len="med"/>
+                    </a:lnB>
+                    <a:lnTlToBr w="12700" cmpd="sng">
+                      <a:noFill/>
+                      <a:prstDash val="solid"/>
+                    </a:lnTlToBr>
+                    <a:lnBlToTr w="12700" cmpd="sng">
+                      <a:noFill/>
+                      <a:prstDash val="solid"/>
+                    </a:lnBlToTr>
+                    <a:noFill/>
+                  </a:tcPr>
+                </a:tc>
+                <a:tc>
+                  <a:txBody>
+                    <a:bodyPr/>
+                    <a:lstStyle/>
+                    <a:p>
+                      <a:pPr algn="l" fontAlgn="b"/>
+                      <a:endParaRPr lang="en-AU" sz="1800" b="0" i="0" u="none" strike="noStrike">
+                        <a:solidFill>
+                          <a:srgbClr val="000000"/>
+                        </a:solidFill>
+                        <a:effectLst/>
+                        <a:latin typeface="Courier New" panose="02070309020205020404" pitchFamily="49" charset="0"/>
+                        <a:cs typeface="Courier New" panose="02070309020205020404" pitchFamily="49" charset="0"/>
+                      </a:endParaRPr>
+                    </a:p>
+                  </a:txBody>
+                  <a:tcPr marL="7047" marR="7047" marT="7047" marB="0" anchor="b">
+                    <a:lnL w="28575" cap="flat" cmpd="sng" algn="ctr">
+                      <a:solidFill>
+                        <a:schemeClr val="tx1"/>
+                      </a:solidFill>
+                      <a:prstDash val="solid"/>
+                      <a:round/>
+                      <a:headEnd type="none" w="med" len="med"/>
+                      <a:tailEnd type="none" w="med" len="med"/>
+                    </a:lnL>
+                    <a:lnR w="12700" cmpd="sng">
+                      <a:noFill/>
+                    </a:lnR>
+                    <a:lnT w="28575" cap="flat" cmpd="sng" algn="ctr">
+                      <a:solidFill>
+                        <a:schemeClr val="tx1"/>
+                      </a:solidFill>
+                      <a:prstDash val="solid"/>
+                      <a:round/>
+                      <a:headEnd type="none" w="med" len="med"/>
+                      <a:tailEnd type="none" w="med" len="med"/>
+                    </a:lnT>
+                    <a:lnB w="12700" cmpd="sng">
+                      <a:noFill/>
+                    </a:lnB>
+                    <a:lnTlToBr w="12700" cmpd="sng">
+                      <a:noFill/>
+                      <a:prstDash val="solid"/>
+                    </a:lnTlToBr>
+                    <a:lnBlToTr w="12700" cmpd="sng">
+                      <a:noFill/>
+                      <a:prstDash val="solid"/>
+                    </a:lnBlToTr>
+                    <a:noFill/>
+                  </a:tcPr>
+                </a:tc>
+                <a:tc>
+                  <a:txBody>
+                    <a:bodyPr/>
+                    <a:lstStyle/>
+                    <a:p>
+                      <a:pPr algn="l" fontAlgn="b"/>
+                      <a:endParaRPr lang="en-AU" sz="1800" b="0" i="0" u="none" strike="noStrike">
+                        <a:solidFill>
+                          <a:srgbClr val="000000"/>
+                        </a:solidFill>
+                        <a:effectLst/>
+                        <a:latin typeface="Courier New" panose="02070309020205020404" pitchFamily="49" charset="0"/>
+                        <a:cs typeface="Courier New" panose="02070309020205020404" pitchFamily="49" charset="0"/>
+                      </a:endParaRPr>
+                    </a:p>
+                  </a:txBody>
+                  <a:tcPr marL="7047" marR="7047" marT="7047" marB="0" anchor="b">
+                    <a:lnL w="12700" cmpd="sng">
+                      <a:noFill/>
+                    </a:lnL>
+                    <a:lnR w="12700" cmpd="sng">
+                      <a:noFill/>
+                    </a:lnR>
+                    <a:lnT w="28575" cap="flat" cmpd="sng" algn="ctr">
+                      <a:solidFill>
+                        <a:schemeClr val="tx1"/>
+                      </a:solidFill>
+                      <a:prstDash val="solid"/>
+                      <a:round/>
+                      <a:headEnd type="none" w="med" len="med"/>
+                      <a:tailEnd type="none" w="med" len="med"/>
+                    </a:lnT>
+                    <a:lnB w="12700" cmpd="sng">
+                      <a:noFill/>
+                    </a:lnB>
+                    <a:lnTlToBr w="12700" cmpd="sng">
+                      <a:noFill/>
+                      <a:prstDash val="solid"/>
+                    </a:lnTlToBr>
+                    <a:lnBlToTr w="12700" cmpd="sng">
+                      <a:noFill/>
+                      <a:prstDash val="solid"/>
+                    </a:lnBlToTr>
+                    <a:noFill/>
+                  </a:tcPr>
+                </a:tc>
+                <a:tc>
+                  <a:txBody>
+                    <a:bodyPr/>
+                    <a:lstStyle/>
+                    <a:p>
+                      <a:pPr algn="l" fontAlgn="b"/>
+                      <a:endParaRPr lang="en-AU" sz="1800" b="0" i="0" u="none" strike="noStrike">
+                        <a:solidFill>
+                          <a:srgbClr val="000000"/>
+                        </a:solidFill>
+                        <a:effectLst/>
+                        <a:latin typeface="Courier New" panose="02070309020205020404" pitchFamily="49" charset="0"/>
+                        <a:cs typeface="Courier New" panose="02070309020205020404" pitchFamily="49" charset="0"/>
+                      </a:endParaRPr>
+                    </a:p>
+                  </a:txBody>
+                  <a:tcPr marL="7047" marR="7047" marT="7047" marB="0" anchor="b">
+                    <a:lnL w="12700" cmpd="sng">
+                      <a:noFill/>
+                    </a:lnL>
+                    <a:lnR w="12700" cmpd="sng">
+                      <a:noFill/>
+                    </a:lnR>
+                    <a:lnT w="28575" cap="flat" cmpd="sng" algn="ctr">
+                      <a:solidFill>
+                        <a:schemeClr val="tx1"/>
+                      </a:solidFill>
+                      <a:prstDash val="solid"/>
+                      <a:round/>
+                      <a:headEnd type="none" w="med" len="med"/>
+                      <a:tailEnd type="none" w="med" len="med"/>
+                    </a:lnT>
+                    <a:lnB w="12700" cmpd="sng">
+                      <a:noFill/>
+                    </a:lnB>
+                    <a:lnTlToBr w="12700" cmpd="sng">
+                      <a:noFill/>
+                      <a:prstDash val="solid"/>
+                    </a:lnTlToBr>
+                    <a:lnBlToTr w="12700" cmpd="sng">
+                      <a:noFill/>
+                      <a:prstDash val="solid"/>
+                    </a:lnBlToTr>
+                    <a:noFill/>
+                  </a:tcPr>
+                </a:tc>
+                <a:tc>
+                  <a:txBody>
+                    <a:bodyPr/>
+                    <a:lstStyle/>
+                    <a:p>
+                      <a:pPr algn="l" fontAlgn="b"/>
+                      <a:endParaRPr lang="en-AU" sz="1800" b="0" i="0" u="none" strike="noStrike">
+                        <a:solidFill>
+                          <a:srgbClr val="000000"/>
+                        </a:solidFill>
+                        <a:effectLst/>
+                        <a:latin typeface="Courier New" panose="02070309020205020404" pitchFamily="49" charset="0"/>
+                        <a:cs typeface="Courier New" panose="02070309020205020404" pitchFamily="49" charset="0"/>
+                      </a:endParaRPr>
+                    </a:p>
+                  </a:txBody>
+                  <a:tcPr marL="7047" marR="7047" marT="7047" marB="0" anchor="b">
+                    <a:lnL w="12700" cmpd="sng">
+                      <a:noFill/>
+                    </a:lnL>
+                    <a:lnR w="12700" cmpd="sng">
+                      <a:noFill/>
+                    </a:lnR>
+                    <a:lnT w="28575" cap="flat" cmpd="sng" algn="ctr">
+                      <a:solidFill>
+                        <a:schemeClr val="tx1"/>
+                      </a:solidFill>
+                      <a:prstDash val="solid"/>
+                      <a:round/>
+                      <a:headEnd type="none" w="med" len="med"/>
+                      <a:tailEnd type="none" w="med" len="med"/>
+                    </a:lnT>
+                    <a:lnB w="12700" cmpd="sng">
+                      <a:noFill/>
+                    </a:lnB>
+                    <a:lnTlToBr w="12700" cmpd="sng">
+                      <a:noFill/>
+                      <a:prstDash val="solid"/>
+                    </a:lnTlToBr>
+                    <a:lnBlToTr w="12700" cmpd="sng">
+                      <a:noFill/>
+                      <a:prstDash val="solid"/>
+                    </a:lnBlToTr>
+                    <a:noFill/>
+                  </a:tcPr>
+                </a:tc>
+                <a:extLst>
+                  <a:ext uri="{0D108BD9-81ED-4DB2-BD59-A6C34878D82A}">
+                    <a16:rowId xmlns:a16="http://schemas.microsoft.com/office/drawing/2014/main" val="264388276"/>
+                  </a:ext>
+                </a:extLst>
+              </a:tr>
+              <a:tr h="627714">
+                <a:tc vMerge="1">
+                  <a:txBody>
+                    <a:bodyPr/>
+                    <a:lstStyle/>
+                    <a:p>
+                      <a:endParaRPr lang="en-AU"/>
+                    </a:p>
+                  </a:txBody>
+                  <a:tcPr/>
+                </a:tc>
+                <a:tc>
+                  <a:txBody>
+                    <a:bodyPr/>
+                    <a:lstStyle/>
+                    <a:p>
+                      <a:pPr algn="ctr" fontAlgn="ctr"/>
+                      <a:r>
+                        <a:rPr lang="en-AU" sz="1800" u="none" strike="noStrike" dirty="0">
+                          <a:effectLst/>
+                          <a:latin typeface="Courier New" panose="02070309020205020404" pitchFamily="49" charset="0"/>
+                          <a:cs typeface="Courier New" panose="02070309020205020404" pitchFamily="49" charset="0"/>
+                        </a:rPr>
+                        <a:t>Operations</a:t>
+                      </a:r>
+                      <a:endParaRPr lang="en-AU" sz="1800" b="0" i="0" u="none" strike="noStrike" dirty="0">
+                        <a:solidFill>
+                          <a:srgbClr val="000000"/>
+                        </a:solidFill>
+                        <a:effectLst/>
+                        <a:latin typeface="Courier New" panose="02070309020205020404" pitchFamily="49" charset="0"/>
+                        <a:cs typeface="Courier New" panose="02070309020205020404" pitchFamily="49" charset="0"/>
+                      </a:endParaRPr>
+                    </a:p>
+                  </a:txBody>
+                  <a:tcPr marL="7047" marR="7047" marT="7047" marB="0" anchor="ctr">
+                    <a:lnL w="12700" cmpd="sng">
+                      <a:noFill/>
+                    </a:lnL>
+                    <a:lnR w="28575" cap="flat" cmpd="sng" algn="ctr">
+                      <a:solidFill>
+                        <a:schemeClr val="tx1"/>
+                      </a:solidFill>
+                      <a:prstDash val="solid"/>
+                      <a:round/>
+                      <a:headEnd type="none" w="med" len="med"/>
+                      <a:tailEnd type="none" w="med" len="med"/>
+                    </a:lnR>
+                    <a:lnT w="6350" cap="flat" cmpd="sng" algn="ctr">
+                      <a:noFill/>
+                      <a:prstDash val="solid"/>
+                      <a:round/>
+                      <a:headEnd type="none" w="med" len="med"/>
+                      <a:tailEnd type="none" w="med" len="med"/>
+                    </a:lnT>
+                    <a:lnB w="12700" cmpd="sng">
+                      <a:noFill/>
+                    </a:lnB>
+                    <a:lnTlToBr w="12700" cmpd="sng">
+                      <a:noFill/>
+                      <a:prstDash val="solid"/>
+                    </a:lnTlToBr>
+                    <a:lnBlToTr w="12700" cmpd="sng">
+                      <a:noFill/>
+                      <a:prstDash val="solid"/>
+                    </a:lnBlToTr>
+                    <a:noFill/>
+                  </a:tcPr>
+                </a:tc>
+                <a:tc>
+                  <a:txBody>
+                    <a:bodyPr/>
+                    <a:lstStyle/>
+                    <a:p>
+                      <a:pPr algn="l" fontAlgn="b"/>
+                      <a:r>
+                        <a:rPr lang="en-AU" sz="1800" u="none" strike="noStrike" dirty="0">
+                          <a:effectLst/>
+                          <a:latin typeface="Courier New" panose="02070309020205020404" pitchFamily="49" charset="0"/>
+                          <a:cs typeface="Courier New" panose="02070309020205020404" pitchFamily="49" charset="0"/>
+                        </a:rPr>
+                        <a:t> </a:t>
+                      </a:r>
+                      <a:endParaRPr lang="en-AU" sz="1800" b="0" i="0" u="none" strike="noStrike" dirty="0">
+                        <a:solidFill>
+                          <a:srgbClr val="000000"/>
+                        </a:solidFill>
+                        <a:effectLst/>
+                        <a:latin typeface="Courier New" panose="02070309020205020404" pitchFamily="49" charset="0"/>
+                        <a:cs typeface="Courier New" panose="02070309020205020404" pitchFamily="49" charset="0"/>
+                      </a:endParaRPr>
+                    </a:p>
+                  </a:txBody>
+                  <a:tcPr marL="7047" marR="7047" marT="7047" marB="0" anchor="b">
+                    <a:lnL w="28575" cap="flat" cmpd="sng" algn="ctr">
+                      <a:solidFill>
+                        <a:schemeClr val="tx1"/>
+                      </a:solidFill>
+                      <a:prstDash val="solid"/>
+                      <a:round/>
+                      <a:headEnd type="none" w="med" len="med"/>
+                      <a:tailEnd type="none" w="med" len="med"/>
+                    </a:lnL>
+                    <a:lnR w="6350" cap="flat" cmpd="sng" algn="ctr">
+                      <a:solidFill>
+                        <a:schemeClr val="tx1">
+                          <a:lumMod val="50000"/>
+                          <a:lumOff val="50000"/>
+                        </a:schemeClr>
+                      </a:solidFill>
+                      <a:prstDash val="solid"/>
+                      <a:round/>
+                      <a:headEnd type="none" w="med" len="med"/>
+                      <a:tailEnd type="none" w="med" len="med"/>
+                    </a:lnR>
+                    <a:lnT w="6350" cap="flat" cmpd="sng" algn="ctr">
+                      <a:solidFill>
+                        <a:schemeClr val="tx1">
+                          <a:lumMod val="50000"/>
+                          <a:lumOff val="50000"/>
+                        </a:schemeClr>
+                      </a:solidFill>
+                      <a:prstDash val="solid"/>
+                      <a:round/>
+                      <a:headEnd type="none" w="med" len="med"/>
+                      <a:tailEnd type="none" w="med" len="med"/>
+                    </a:lnT>
+                    <a:lnB w="6350" cap="flat" cmpd="sng" algn="ctr">
+                      <a:solidFill>
+                        <a:schemeClr val="tx1">
+                          <a:lumMod val="50000"/>
+                          <a:lumOff val="50000"/>
+                        </a:schemeClr>
+                      </a:solidFill>
+                      <a:prstDash val="solid"/>
+                      <a:round/>
+                      <a:headEnd type="none" w="med" len="med"/>
+                      <a:tailEnd type="none" w="med" len="med"/>
+                    </a:lnB>
+                    <a:lnTlToBr w="12700" cmpd="sng">
+                      <a:noFill/>
+                      <a:prstDash val="solid"/>
+                    </a:lnTlToBr>
+                    <a:lnBlToTr w="12700" cmpd="sng">
+                      <a:noFill/>
+                      <a:prstDash val="solid"/>
+                    </a:lnBlToTr>
+                    <a:noFill/>
+                  </a:tcPr>
+                </a:tc>
+                <a:tc>
+                  <a:txBody>
+                    <a:bodyPr/>
+                    <a:lstStyle/>
+                    <a:p>
+                      <a:pPr algn="l" fontAlgn="b"/>
+                      <a:r>
+                        <a:rPr lang="en-AU" sz="1800" u="none" strike="noStrike">
+                          <a:effectLst/>
+                          <a:latin typeface="Courier New" panose="02070309020205020404" pitchFamily="49" charset="0"/>
+                          <a:cs typeface="Courier New" panose="02070309020205020404" pitchFamily="49" charset="0"/>
+                        </a:rPr>
+                        <a:t> </a:t>
+                      </a:r>
+                      <a:endParaRPr lang="en-AU" sz="1800" b="0" i="0" u="none" strike="noStrike">
+                        <a:solidFill>
+                          <a:srgbClr val="000000"/>
+                        </a:solidFill>
+                        <a:effectLst/>
+                        <a:latin typeface="Courier New" panose="02070309020205020404" pitchFamily="49" charset="0"/>
+                        <a:cs typeface="Courier New" panose="02070309020205020404" pitchFamily="49" charset="0"/>
+                      </a:endParaRPr>
+                    </a:p>
+                  </a:txBody>
+                  <a:tcPr marL="7047" marR="7047" marT="7047" marB="0" anchor="b">
+                    <a:lnL w="6350" cap="flat" cmpd="sng" algn="ctr">
+                      <a:solidFill>
+                        <a:schemeClr val="tx1">
+                          <a:lumMod val="50000"/>
+                          <a:lumOff val="50000"/>
+                        </a:schemeClr>
+                      </a:solidFill>
+                      <a:prstDash val="solid"/>
+                      <a:round/>
+                      <a:headEnd type="none" w="med" len="med"/>
+                      <a:tailEnd type="none" w="med" len="med"/>
+                    </a:lnL>
+                    <a:lnR w="6350" cap="flat" cmpd="sng" algn="ctr">
+                      <a:solidFill>
+                        <a:schemeClr val="tx1">
+                          <a:lumMod val="50000"/>
+                          <a:lumOff val="50000"/>
+                        </a:schemeClr>
+                      </a:solidFill>
+                      <a:prstDash val="solid"/>
+                      <a:round/>
+                      <a:headEnd type="none" w="med" len="med"/>
+                      <a:tailEnd type="none" w="med" len="med"/>
+                    </a:lnR>
+                    <a:lnT w="6350" cap="flat" cmpd="sng" algn="ctr">
+                      <a:solidFill>
+                        <a:schemeClr val="tx1">
+                          <a:lumMod val="50000"/>
+                          <a:lumOff val="50000"/>
+                        </a:schemeClr>
+                      </a:solidFill>
+                      <a:prstDash val="solid"/>
+                      <a:round/>
+                      <a:headEnd type="none" w="med" len="med"/>
+                      <a:tailEnd type="none" w="med" len="med"/>
+                    </a:lnT>
+                    <a:lnB w="6350" cap="flat" cmpd="sng" algn="ctr">
+                      <a:solidFill>
+                        <a:schemeClr val="tx1">
+                          <a:lumMod val="50000"/>
+                          <a:lumOff val="50000"/>
+                        </a:schemeClr>
+                      </a:solidFill>
+                      <a:prstDash val="solid"/>
+                      <a:round/>
+                      <a:headEnd type="none" w="med" len="med"/>
+                      <a:tailEnd type="none" w="med" len="med"/>
+                    </a:lnB>
+                    <a:lnTlToBr w="12700" cmpd="sng">
+                      <a:noFill/>
+                      <a:prstDash val="solid"/>
+                    </a:lnTlToBr>
+                    <a:lnBlToTr w="12700" cmpd="sng">
+                      <a:noFill/>
+                      <a:prstDash val="solid"/>
+                    </a:lnBlToTr>
+                    <a:noFill/>
+                  </a:tcPr>
+                </a:tc>
+                <a:tc>
+                  <a:txBody>
+                    <a:bodyPr/>
+                    <a:lstStyle/>
+                    <a:p>
+                      <a:pPr algn="l" fontAlgn="b"/>
+                      <a:r>
+                        <a:rPr lang="en-AU" sz="1800" u="none" strike="noStrike">
+                          <a:effectLst/>
+                          <a:latin typeface="Courier New" panose="02070309020205020404" pitchFamily="49" charset="0"/>
+                          <a:cs typeface="Courier New" panose="02070309020205020404" pitchFamily="49" charset="0"/>
+                        </a:rPr>
+                        <a:t> </a:t>
+                      </a:r>
+                      <a:endParaRPr lang="en-AU" sz="1800" b="0" i="0" u="none" strike="noStrike">
+                        <a:solidFill>
+                          <a:srgbClr val="000000"/>
+                        </a:solidFill>
+                        <a:effectLst/>
+                        <a:latin typeface="Courier New" panose="02070309020205020404" pitchFamily="49" charset="0"/>
+                        <a:cs typeface="Courier New" panose="02070309020205020404" pitchFamily="49" charset="0"/>
+                      </a:endParaRPr>
+                    </a:p>
+                  </a:txBody>
+                  <a:tcPr marL="7047" marR="7047" marT="7047" marB="0" anchor="b">
+                    <a:lnL w="6350" cap="flat" cmpd="sng" algn="ctr">
+                      <a:solidFill>
+                        <a:schemeClr val="tx1">
+                          <a:lumMod val="50000"/>
+                          <a:lumOff val="50000"/>
+                        </a:schemeClr>
+                      </a:solidFill>
+                      <a:prstDash val="solid"/>
+                      <a:round/>
+                      <a:headEnd type="none" w="med" len="med"/>
+                      <a:tailEnd type="none" w="med" len="med"/>
+                    </a:lnL>
+                    <a:lnR w="6350" cap="flat" cmpd="sng" algn="ctr">
+                      <a:solidFill>
+                        <a:schemeClr val="tx1">
+                          <a:lumMod val="50000"/>
+                          <a:lumOff val="50000"/>
+                        </a:schemeClr>
+                      </a:solidFill>
+                      <a:prstDash val="solid"/>
+                      <a:round/>
+                      <a:headEnd type="none" w="med" len="med"/>
+                      <a:tailEnd type="none" w="med" len="med"/>
+                    </a:lnR>
+                    <a:lnT w="6350" cap="flat" cmpd="sng" algn="ctr">
+                      <a:solidFill>
+                        <a:schemeClr val="tx1">
+                          <a:lumMod val="50000"/>
+                          <a:lumOff val="50000"/>
+                        </a:schemeClr>
+                      </a:solidFill>
+                      <a:prstDash val="solid"/>
+                      <a:round/>
+                      <a:headEnd type="none" w="med" len="med"/>
+                      <a:tailEnd type="none" w="med" len="med"/>
+                    </a:lnT>
+                    <a:lnB w="6350" cap="flat" cmpd="sng" algn="ctr">
+                      <a:solidFill>
+                        <a:schemeClr val="tx1">
+                          <a:lumMod val="50000"/>
+                          <a:lumOff val="50000"/>
+                        </a:schemeClr>
+                      </a:solidFill>
+                      <a:prstDash val="solid"/>
+                      <a:round/>
+                      <a:headEnd type="none" w="med" len="med"/>
+                      <a:tailEnd type="none" w="med" len="med"/>
+                    </a:lnB>
+                    <a:lnTlToBr w="12700" cmpd="sng">
+                      <a:noFill/>
+                      <a:prstDash val="solid"/>
+                    </a:lnTlToBr>
+                    <a:lnBlToTr w="12700" cmpd="sng">
+                      <a:noFill/>
+                      <a:prstDash val="solid"/>
+                    </a:lnBlToTr>
+                    <a:noFill/>
+                  </a:tcPr>
+                </a:tc>
+                <a:tc>
+                  <a:txBody>
+                    <a:bodyPr/>
+                    <a:lstStyle/>
+                    <a:p>
+                      <a:pPr algn="l" fontAlgn="b"/>
+                      <a:r>
+                        <a:rPr lang="en-AU" sz="1800" u="none" strike="noStrike">
+                          <a:effectLst/>
+                          <a:latin typeface="Courier New" panose="02070309020205020404" pitchFamily="49" charset="0"/>
+                          <a:cs typeface="Courier New" panose="02070309020205020404" pitchFamily="49" charset="0"/>
+                        </a:rPr>
+                        <a:t> </a:t>
+                      </a:r>
+                      <a:endParaRPr lang="en-AU" sz="1800" b="0" i="0" u="none" strike="noStrike">
+                        <a:solidFill>
+                          <a:srgbClr val="000000"/>
+                        </a:solidFill>
+                        <a:effectLst/>
+                        <a:latin typeface="Courier New" panose="02070309020205020404" pitchFamily="49" charset="0"/>
+                        <a:cs typeface="Courier New" panose="02070309020205020404" pitchFamily="49" charset="0"/>
+                      </a:endParaRPr>
+                    </a:p>
+                  </a:txBody>
+                  <a:tcPr marL="7047" marR="7047" marT="7047" marB="0" anchor="b">
+                    <a:lnL w="6350" cap="flat" cmpd="sng" algn="ctr">
+                      <a:solidFill>
+                        <a:schemeClr val="tx1">
+                          <a:lumMod val="50000"/>
+                          <a:lumOff val="50000"/>
+                        </a:schemeClr>
+                      </a:solidFill>
+                      <a:prstDash val="solid"/>
+                      <a:round/>
+                      <a:headEnd type="none" w="med" len="med"/>
+                      <a:tailEnd type="none" w="med" len="med"/>
+                    </a:lnL>
+                    <a:lnR w="28575" cap="flat" cmpd="sng" algn="ctr">
+                      <a:solidFill>
+                        <a:schemeClr val="tx1"/>
+                      </a:solidFill>
+                      <a:prstDash val="solid"/>
+                      <a:round/>
+                      <a:headEnd type="none" w="med" len="med"/>
+                      <a:tailEnd type="none" w="med" len="med"/>
+                    </a:lnR>
+                    <a:lnT w="6350" cap="flat" cmpd="sng" algn="ctr">
+                      <a:solidFill>
+                        <a:schemeClr val="tx1">
+                          <a:lumMod val="50000"/>
+                          <a:lumOff val="50000"/>
+                        </a:schemeClr>
+                      </a:solidFill>
+                      <a:prstDash val="solid"/>
+                      <a:round/>
+                      <a:headEnd type="none" w="med" len="med"/>
+                      <a:tailEnd type="none" w="med" len="med"/>
+                    </a:lnT>
+                    <a:lnB w="6350" cap="flat" cmpd="sng" algn="ctr">
+                      <a:solidFill>
+                        <a:schemeClr val="tx1">
+                          <a:lumMod val="50000"/>
+                          <a:lumOff val="50000"/>
+                        </a:schemeClr>
+                      </a:solidFill>
+                      <a:prstDash val="solid"/>
+                      <a:round/>
+                      <a:headEnd type="none" w="med" len="med"/>
+                      <a:tailEnd type="none" w="med" len="med"/>
+                    </a:lnB>
+                    <a:lnTlToBr w="12700" cmpd="sng">
+                      <a:noFill/>
+                      <a:prstDash val="solid"/>
+                    </a:lnTlToBr>
+                    <a:lnBlToTr w="12700" cmpd="sng">
+                      <a:noFill/>
+                      <a:prstDash val="solid"/>
+                    </a:lnBlToTr>
+                    <a:noFill/>
+                  </a:tcPr>
+                </a:tc>
+                <a:tc>
+                  <a:txBody>
+                    <a:bodyPr/>
+                    <a:lstStyle/>
+                    <a:p>
+                      <a:pPr algn="l" fontAlgn="b"/>
+                      <a:endParaRPr lang="en-AU" sz="1800" b="0" i="0" u="none" strike="noStrike">
+                        <a:solidFill>
+                          <a:srgbClr val="000000"/>
+                        </a:solidFill>
+                        <a:effectLst/>
+                        <a:latin typeface="Courier New" panose="02070309020205020404" pitchFamily="49" charset="0"/>
+                        <a:cs typeface="Courier New" panose="02070309020205020404" pitchFamily="49" charset="0"/>
+                      </a:endParaRPr>
+                    </a:p>
+                  </a:txBody>
+                  <a:tcPr marL="7047" marR="7047" marT="7047" marB="0" anchor="b">
+                    <a:lnL w="28575" cap="flat" cmpd="sng" algn="ctr">
+                      <a:solidFill>
+                        <a:schemeClr val="tx1"/>
+                      </a:solidFill>
+                      <a:prstDash val="solid"/>
+                      <a:round/>
+                      <a:headEnd type="none" w="med" len="med"/>
+                      <a:tailEnd type="none" w="med" len="med"/>
+                    </a:lnL>
+                    <a:lnR w="12700" cmpd="sng">
+                      <a:noFill/>
+                    </a:lnR>
+                    <a:lnT w="12700" cmpd="sng">
+                      <a:noFill/>
+                    </a:lnT>
+                    <a:lnB w="12700" cmpd="sng">
+                      <a:noFill/>
+                    </a:lnB>
+                    <a:lnTlToBr w="12700" cmpd="sng">
+                      <a:noFill/>
+                      <a:prstDash val="solid"/>
+                    </a:lnTlToBr>
+                    <a:lnBlToTr w="12700" cmpd="sng">
+                      <a:noFill/>
+                      <a:prstDash val="solid"/>
+                    </a:lnBlToTr>
+                    <a:noFill/>
+                  </a:tcPr>
+                </a:tc>
+                <a:tc>
+                  <a:txBody>
+                    <a:bodyPr/>
+                    <a:lstStyle/>
+                    <a:p>
+                      <a:pPr algn="l" fontAlgn="b"/>
+                      <a:endParaRPr lang="en-AU" sz="1800" b="0" i="0" u="none" strike="noStrike" dirty="0">
+                        <a:solidFill>
+                          <a:srgbClr val="000000"/>
+                        </a:solidFill>
+                        <a:effectLst/>
+                        <a:latin typeface="Courier New" panose="02070309020205020404" pitchFamily="49" charset="0"/>
+                        <a:cs typeface="Courier New" panose="02070309020205020404" pitchFamily="49" charset="0"/>
+                      </a:endParaRPr>
+                    </a:p>
+                  </a:txBody>
+                  <a:tcPr marL="7047" marR="7047" marT="7047" marB="0" anchor="b">
+                    <a:lnL w="12700" cmpd="sng">
+                      <a:noFill/>
+                    </a:lnL>
+                    <a:lnR w="12700" cmpd="sng">
+                      <a:noFill/>
+                    </a:lnR>
+                    <a:lnT w="12700" cmpd="sng">
+                      <a:noFill/>
+                    </a:lnT>
+                    <a:lnB w="12700" cmpd="sng">
+                      <a:noFill/>
+                    </a:lnB>
+                    <a:lnTlToBr w="12700" cmpd="sng">
+                      <a:noFill/>
+                      <a:prstDash val="solid"/>
+                    </a:lnTlToBr>
+                    <a:lnBlToTr w="12700" cmpd="sng">
+                      <a:noFill/>
+                      <a:prstDash val="solid"/>
+                    </a:lnBlToTr>
+                    <a:noFill/>
+                  </a:tcPr>
+                </a:tc>
+                <a:tc>
+                  <a:txBody>
+                    <a:bodyPr/>
+                    <a:lstStyle/>
+                    <a:p>
+                      <a:pPr algn="l" fontAlgn="b"/>
+                      <a:endParaRPr lang="en-AU" sz="1800" b="0" i="0" u="none" strike="noStrike">
+                        <a:solidFill>
+                          <a:srgbClr val="000000"/>
+                        </a:solidFill>
+                        <a:effectLst/>
+                        <a:latin typeface="Courier New" panose="02070309020205020404" pitchFamily="49" charset="0"/>
+                        <a:cs typeface="Courier New" panose="02070309020205020404" pitchFamily="49" charset="0"/>
+                      </a:endParaRPr>
+                    </a:p>
+                  </a:txBody>
+                  <a:tcPr marL="7047" marR="7047" marT="7047" marB="0" anchor="b">
+                    <a:lnL w="12700" cmpd="sng">
+                      <a:noFill/>
+                    </a:lnL>
+                    <a:lnR w="12700" cmpd="sng">
+                      <a:noFill/>
+                    </a:lnR>
+                    <a:lnT w="12700" cmpd="sng">
+                      <a:noFill/>
+                    </a:lnT>
+                    <a:lnB w="12700" cmpd="sng">
+                      <a:noFill/>
+                    </a:lnB>
+                    <a:lnTlToBr w="12700" cmpd="sng">
+                      <a:noFill/>
+                      <a:prstDash val="solid"/>
+                    </a:lnTlToBr>
+                    <a:lnBlToTr w="12700" cmpd="sng">
+                      <a:noFill/>
+                      <a:prstDash val="solid"/>
+                    </a:lnBlToTr>
+                    <a:noFill/>
+                  </a:tcPr>
+                </a:tc>
+                <a:tc>
+                  <a:txBody>
+                    <a:bodyPr/>
+                    <a:lstStyle/>
+                    <a:p>
+                      <a:pPr algn="l" fontAlgn="b"/>
+                      <a:endParaRPr lang="en-AU" sz="1800" b="0" i="0" u="none" strike="noStrike">
+                        <a:solidFill>
+                          <a:srgbClr val="000000"/>
+                        </a:solidFill>
+                        <a:effectLst/>
+                        <a:latin typeface="Courier New" panose="02070309020205020404" pitchFamily="49" charset="0"/>
+                        <a:cs typeface="Courier New" panose="02070309020205020404" pitchFamily="49" charset="0"/>
+                      </a:endParaRPr>
+                    </a:p>
+                  </a:txBody>
+                  <a:tcPr marL="7047" marR="7047" marT="7047" marB="0" anchor="b">
+                    <a:lnL w="12700" cmpd="sng">
+                      <a:noFill/>
+                    </a:lnL>
+                    <a:lnR w="12700" cmpd="sng">
+                      <a:noFill/>
+                    </a:lnR>
+                    <a:lnT w="12700" cmpd="sng">
+                      <a:noFill/>
+                    </a:lnT>
+                    <a:lnB w="12700" cmpd="sng">
+                      <a:noFill/>
+                    </a:lnB>
+                    <a:lnTlToBr w="12700" cmpd="sng">
+                      <a:noFill/>
+                      <a:prstDash val="solid"/>
+                    </a:lnTlToBr>
+                    <a:lnBlToTr w="12700" cmpd="sng">
+                      <a:noFill/>
+                      <a:prstDash val="solid"/>
+                    </a:lnBlToTr>
+                    <a:noFill/>
+                  </a:tcPr>
+                </a:tc>
+                <a:extLst>
+                  <a:ext uri="{0D108BD9-81ED-4DB2-BD59-A6C34878D82A}">
+                    <a16:rowId xmlns:a16="http://schemas.microsoft.com/office/drawing/2014/main" val="3913875825"/>
+                  </a:ext>
+                </a:extLst>
+              </a:tr>
+              <a:tr h="627714">
+                <a:tc vMerge="1">
+                  <a:txBody>
+                    <a:bodyPr/>
+                    <a:lstStyle/>
+                    <a:p>
+                      <a:endParaRPr lang="en-AU"/>
+                    </a:p>
+                  </a:txBody>
+                  <a:tcPr/>
+                </a:tc>
+                <a:tc>
+                  <a:txBody>
+                    <a:bodyPr/>
+                    <a:lstStyle/>
+                    <a:p>
+                      <a:pPr algn="ctr" fontAlgn="ctr"/>
+                      <a:r>
+                        <a:rPr lang="en-AU" sz="1800" u="none" strike="noStrike">
+                          <a:effectLst/>
+                          <a:latin typeface="Courier New" panose="02070309020205020404" pitchFamily="49" charset="0"/>
+                          <a:cs typeface="Courier New" panose="02070309020205020404" pitchFamily="49" charset="0"/>
+                        </a:rPr>
+                        <a:t>Technical</a:t>
+                      </a:r>
+                      <a:endParaRPr lang="en-AU" sz="1800" b="0" i="0" u="none" strike="noStrike">
+                        <a:solidFill>
+                          <a:srgbClr val="000000"/>
+                        </a:solidFill>
+                        <a:effectLst/>
+                        <a:latin typeface="Courier New" panose="02070309020205020404" pitchFamily="49" charset="0"/>
+                        <a:cs typeface="Courier New" panose="02070309020205020404" pitchFamily="49" charset="0"/>
+                      </a:endParaRPr>
+                    </a:p>
+                  </a:txBody>
+                  <a:tcPr marL="7047" marR="7047" marT="7047" marB="0" anchor="ctr">
+                    <a:lnL w="12700" cmpd="sng">
+                      <a:noFill/>
+                    </a:lnL>
+                    <a:lnR w="28575" cap="flat" cmpd="sng" algn="ctr">
+                      <a:solidFill>
+                        <a:schemeClr val="tx1"/>
+                      </a:solidFill>
+                      <a:prstDash val="solid"/>
+                      <a:round/>
+                      <a:headEnd type="none" w="med" len="med"/>
+                      <a:tailEnd type="none" w="med" len="med"/>
+                    </a:lnR>
+                    <a:lnT w="12700" cmpd="sng">
+                      <a:noFill/>
+                    </a:lnT>
+                    <a:lnB w="12700" cmpd="sng">
+                      <a:noFill/>
+                    </a:lnB>
+                    <a:lnTlToBr w="12700" cmpd="sng">
+                      <a:noFill/>
+                      <a:prstDash val="solid"/>
+                    </a:lnTlToBr>
+                    <a:lnBlToTr w="12700" cmpd="sng">
+                      <a:noFill/>
+                      <a:prstDash val="solid"/>
+                    </a:lnBlToTr>
+                    <a:noFill/>
+                  </a:tcPr>
+                </a:tc>
+                <a:tc>
+                  <a:txBody>
+                    <a:bodyPr/>
+                    <a:lstStyle/>
+                    <a:p>
+                      <a:pPr algn="l" fontAlgn="b"/>
+                      <a:r>
+                        <a:rPr lang="en-AU" sz="1800" u="none" strike="noStrike" dirty="0">
+                          <a:effectLst/>
+                          <a:latin typeface="Courier New" panose="02070309020205020404" pitchFamily="49" charset="0"/>
+                          <a:cs typeface="Courier New" panose="02070309020205020404" pitchFamily="49" charset="0"/>
+                        </a:rPr>
+                        <a:t> </a:t>
+                      </a:r>
+                      <a:endParaRPr lang="en-AU" sz="1800" b="0" i="0" u="none" strike="noStrike" dirty="0">
+                        <a:solidFill>
+                          <a:srgbClr val="000000"/>
+                        </a:solidFill>
+                        <a:effectLst/>
+                        <a:latin typeface="Courier New" panose="02070309020205020404" pitchFamily="49" charset="0"/>
+                        <a:cs typeface="Courier New" panose="02070309020205020404" pitchFamily="49" charset="0"/>
+                      </a:endParaRPr>
+                    </a:p>
+                  </a:txBody>
+                  <a:tcPr marL="7047" marR="7047" marT="7047" marB="0" anchor="b">
+                    <a:lnL w="28575" cap="flat" cmpd="sng" algn="ctr">
+                      <a:solidFill>
+                        <a:schemeClr val="tx1"/>
+                      </a:solidFill>
+                      <a:prstDash val="solid"/>
+                      <a:round/>
+                      <a:headEnd type="none" w="med" len="med"/>
+                      <a:tailEnd type="none" w="med" len="med"/>
+                    </a:lnL>
+                    <a:lnR w="6350" cap="flat" cmpd="sng" algn="ctr">
+                      <a:solidFill>
+                        <a:schemeClr val="tx1">
+                          <a:lumMod val="50000"/>
+                          <a:lumOff val="50000"/>
+                        </a:schemeClr>
+                      </a:solidFill>
+                      <a:prstDash val="solid"/>
+                      <a:round/>
+                      <a:headEnd type="none" w="med" len="med"/>
+                      <a:tailEnd type="none" w="med" len="med"/>
+                    </a:lnR>
+                    <a:lnT w="6350" cap="flat" cmpd="sng" algn="ctr">
+                      <a:solidFill>
+                        <a:schemeClr val="tx1">
+                          <a:lumMod val="50000"/>
+                          <a:lumOff val="50000"/>
+                        </a:schemeClr>
+                      </a:solidFill>
+                      <a:prstDash val="solid"/>
+                      <a:round/>
+                      <a:headEnd type="none" w="med" len="med"/>
+                      <a:tailEnd type="none" w="med" len="med"/>
+                    </a:lnT>
+                    <a:lnB w="6350" cap="flat" cmpd="sng" algn="ctr">
+                      <a:solidFill>
+                        <a:schemeClr val="tx1">
+                          <a:lumMod val="50000"/>
+                          <a:lumOff val="50000"/>
+                        </a:schemeClr>
+                      </a:solidFill>
+                      <a:prstDash val="solid"/>
+                      <a:round/>
+                      <a:headEnd type="none" w="med" len="med"/>
+                      <a:tailEnd type="none" w="med" len="med"/>
+                    </a:lnB>
+                    <a:lnTlToBr w="12700" cmpd="sng">
+                      <a:noFill/>
+                      <a:prstDash val="solid"/>
+                    </a:lnTlToBr>
+                    <a:lnBlToTr w="12700" cmpd="sng">
+                      <a:noFill/>
+                      <a:prstDash val="solid"/>
+                    </a:lnBlToTr>
+                    <a:noFill/>
+                  </a:tcPr>
+                </a:tc>
+                <a:tc>
+                  <a:txBody>
+                    <a:bodyPr/>
+                    <a:lstStyle/>
+                    <a:p>
+                      <a:pPr algn="l" fontAlgn="b"/>
+                      <a:r>
+                        <a:rPr lang="en-AU" sz="1800" u="none" strike="noStrike">
+                          <a:effectLst/>
+                          <a:latin typeface="Courier New" panose="02070309020205020404" pitchFamily="49" charset="0"/>
+                          <a:cs typeface="Courier New" panose="02070309020205020404" pitchFamily="49" charset="0"/>
+                        </a:rPr>
+                        <a:t> </a:t>
+                      </a:r>
+                      <a:endParaRPr lang="en-AU" sz="1800" b="0" i="0" u="none" strike="noStrike">
+                        <a:solidFill>
+                          <a:srgbClr val="000000"/>
+                        </a:solidFill>
+                        <a:effectLst/>
+                        <a:latin typeface="Courier New" panose="02070309020205020404" pitchFamily="49" charset="0"/>
+                        <a:cs typeface="Courier New" panose="02070309020205020404" pitchFamily="49" charset="0"/>
+                      </a:endParaRPr>
+                    </a:p>
+                  </a:txBody>
+                  <a:tcPr marL="7047" marR="7047" marT="7047" marB="0" anchor="b">
+                    <a:lnL w="6350" cap="flat" cmpd="sng" algn="ctr">
+                      <a:solidFill>
+                        <a:schemeClr val="tx1">
+                          <a:lumMod val="50000"/>
+                          <a:lumOff val="50000"/>
+                        </a:schemeClr>
+                      </a:solidFill>
+                      <a:prstDash val="solid"/>
+                      <a:round/>
+                      <a:headEnd type="none" w="med" len="med"/>
+                      <a:tailEnd type="none" w="med" len="med"/>
+                    </a:lnL>
+                    <a:lnR w="6350" cap="flat" cmpd="sng" algn="ctr">
+                      <a:solidFill>
+                        <a:schemeClr val="tx1">
+                          <a:lumMod val="50000"/>
+                          <a:lumOff val="50000"/>
+                        </a:schemeClr>
+                      </a:solidFill>
+                      <a:prstDash val="solid"/>
+                      <a:round/>
+                      <a:headEnd type="none" w="med" len="med"/>
+                      <a:tailEnd type="none" w="med" len="med"/>
+                    </a:lnR>
+                    <a:lnT w="6350" cap="flat" cmpd="sng" algn="ctr">
+                      <a:solidFill>
+                        <a:schemeClr val="tx1">
+                          <a:lumMod val="50000"/>
+                          <a:lumOff val="50000"/>
+                        </a:schemeClr>
+                      </a:solidFill>
+                      <a:prstDash val="solid"/>
+                      <a:round/>
+                      <a:headEnd type="none" w="med" len="med"/>
+                      <a:tailEnd type="none" w="med" len="med"/>
+                    </a:lnT>
+                    <a:lnB w="6350" cap="flat" cmpd="sng" algn="ctr">
+                      <a:solidFill>
+                        <a:schemeClr val="tx1">
+                          <a:lumMod val="50000"/>
+                          <a:lumOff val="50000"/>
+                        </a:schemeClr>
+                      </a:solidFill>
+                      <a:prstDash val="solid"/>
+                      <a:round/>
+                      <a:headEnd type="none" w="med" len="med"/>
+                      <a:tailEnd type="none" w="med" len="med"/>
+                    </a:lnB>
+                    <a:lnTlToBr w="12700" cmpd="sng">
+                      <a:noFill/>
+                      <a:prstDash val="solid"/>
+                    </a:lnTlToBr>
+                    <a:lnBlToTr w="12700" cmpd="sng">
+                      <a:noFill/>
+                      <a:prstDash val="solid"/>
+                    </a:lnBlToTr>
+                    <a:noFill/>
+                  </a:tcPr>
+                </a:tc>
+                <a:tc>
+                  <a:txBody>
+                    <a:bodyPr/>
+                    <a:lstStyle/>
+                    <a:p>
+                      <a:pPr algn="l" fontAlgn="b"/>
+                      <a:r>
+                        <a:rPr lang="en-AU" sz="1800" u="none" strike="noStrike">
+                          <a:effectLst/>
+                          <a:latin typeface="Courier New" panose="02070309020205020404" pitchFamily="49" charset="0"/>
+                          <a:cs typeface="Courier New" panose="02070309020205020404" pitchFamily="49" charset="0"/>
+                        </a:rPr>
+                        <a:t> </a:t>
+                      </a:r>
+                      <a:endParaRPr lang="en-AU" sz="1800" b="0" i="0" u="none" strike="noStrike">
+                        <a:solidFill>
+                          <a:srgbClr val="000000"/>
+                        </a:solidFill>
+                        <a:effectLst/>
+                        <a:latin typeface="Courier New" panose="02070309020205020404" pitchFamily="49" charset="0"/>
+                        <a:cs typeface="Courier New" panose="02070309020205020404" pitchFamily="49" charset="0"/>
+                      </a:endParaRPr>
+                    </a:p>
+                  </a:txBody>
+                  <a:tcPr marL="7047" marR="7047" marT="7047" marB="0" anchor="b">
+                    <a:lnL w="6350" cap="flat" cmpd="sng" algn="ctr">
+                      <a:solidFill>
+                        <a:schemeClr val="tx1">
+                          <a:lumMod val="50000"/>
+                          <a:lumOff val="50000"/>
+                        </a:schemeClr>
+                      </a:solidFill>
+                      <a:prstDash val="solid"/>
+                      <a:round/>
+                      <a:headEnd type="none" w="med" len="med"/>
+                      <a:tailEnd type="none" w="med" len="med"/>
+                    </a:lnL>
+                    <a:lnR w="6350" cap="flat" cmpd="sng" algn="ctr">
+                      <a:solidFill>
+                        <a:schemeClr val="tx1">
+                          <a:lumMod val="50000"/>
+                          <a:lumOff val="50000"/>
+                        </a:schemeClr>
+                      </a:solidFill>
+                      <a:prstDash val="solid"/>
+                      <a:round/>
+                      <a:headEnd type="none" w="med" len="med"/>
+                      <a:tailEnd type="none" w="med" len="med"/>
+                    </a:lnR>
+                    <a:lnT w="6350" cap="flat" cmpd="sng" algn="ctr">
+                      <a:solidFill>
+                        <a:schemeClr val="tx1">
+                          <a:lumMod val="50000"/>
+                          <a:lumOff val="50000"/>
+                        </a:schemeClr>
+                      </a:solidFill>
+                      <a:prstDash val="solid"/>
+                      <a:round/>
+                      <a:headEnd type="none" w="med" len="med"/>
+                      <a:tailEnd type="none" w="med" len="med"/>
+                    </a:lnT>
+                    <a:lnB w="6350" cap="flat" cmpd="sng" algn="ctr">
+                      <a:solidFill>
+                        <a:schemeClr val="tx1">
+                          <a:lumMod val="50000"/>
+                          <a:lumOff val="50000"/>
+                        </a:schemeClr>
+                      </a:solidFill>
+                      <a:prstDash val="solid"/>
+                      <a:round/>
+                      <a:headEnd type="none" w="med" len="med"/>
+                      <a:tailEnd type="none" w="med" len="med"/>
+                    </a:lnB>
+                    <a:lnTlToBr w="12700" cmpd="sng">
+                      <a:noFill/>
+                      <a:prstDash val="solid"/>
+                    </a:lnTlToBr>
+                    <a:lnBlToTr w="12700" cmpd="sng">
+                      <a:noFill/>
+                      <a:prstDash val="solid"/>
+                    </a:lnBlToTr>
+                    <a:noFill/>
+                  </a:tcPr>
+                </a:tc>
+                <a:tc>
+                  <a:txBody>
+                    <a:bodyPr/>
+                    <a:lstStyle/>
+                    <a:p>
+                      <a:pPr algn="l" fontAlgn="b"/>
+                      <a:r>
+                        <a:rPr lang="en-AU" sz="1800" u="none" strike="noStrike">
+                          <a:effectLst/>
+                          <a:latin typeface="Courier New" panose="02070309020205020404" pitchFamily="49" charset="0"/>
+                          <a:cs typeface="Courier New" panose="02070309020205020404" pitchFamily="49" charset="0"/>
+                        </a:rPr>
+                        <a:t> </a:t>
+                      </a:r>
+                      <a:endParaRPr lang="en-AU" sz="1800" b="0" i="0" u="none" strike="noStrike">
+                        <a:solidFill>
+                          <a:srgbClr val="000000"/>
+                        </a:solidFill>
+                        <a:effectLst/>
+                        <a:latin typeface="Courier New" panose="02070309020205020404" pitchFamily="49" charset="0"/>
+                        <a:cs typeface="Courier New" panose="02070309020205020404" pitchFamily="49" charset="0"/>
+                      </a:endParaRPr>
+                    </a:p>
+                  </a:txBody>
+                  <a:tcPr marL="7047" marR="7047" marT="7047" marB="0" anchor="b">
+                    <a:lnL w="6350" cap="flat" cmpd="sng" algn="ctr">
+                      <a:solidFill>
+                        <a:schemeClr val="tx1">
+                          <a:lumMod val="50000"/>
+                          <a:lumOff val="50000"/>
+                        </a:schemeClr>
+                      </a:solidFill>
+                      <a:prstDash val="solid"/>
+                      <a:round/>
+                      <a:headEnd type="none" w="med" len="med"/>
+                      <a:tailEnd type="none" w="med" len="med"/>
+                    </a:lnL>
+                    <a:lnR w="28575" cap="flat" cmpd="sng" algn="ctr">
+                      <a:solidFill>
+                        <a:schemeClr val="tx1"/>
+                      </a:solidFill>
+                      <a:prstDash val="solid"/>
+                      <a:round/>
+                      <a:headEnd type="none" w="med" len="med"/>
+                      <a:tailEnd type="none" w="med" len="med"/>
+                    </a:lnR>
+                    <a:lnT w="6350" cap="flat" cmpd="sng" algn="ctr">
+                      <a:solidFill>
+                        <a:schemeClr val="tx1">
+                          <a:lumMod val="50000"/>
+                          <a:lumOff val="50000"/>
+                        </a:schemeClr>
+                      </a:solidFill>
+                      <a:prstDash val="solid"/>
+                      <a:round/>
+                      <a:headEnd type="none" w="med" len="med"/>
+                      <a:tailEnd type="none" w="med" len="med"/>
+                    </a:lnT>
+                    <a:lnB w="6350" cap="flat" cmpd="sng" algn="ctr">
+                      <a:solidFill>
+                        <a:schemeClr val="tx1">
+                          <a:lumMod val="50000"/>
+                          <a:lumOff val="50000"/>
+                        </a:schemeClr>
+                      </a:solidFill>
+                      <a:prstDash val="solid"/>
+                      <a:round/>
+                      <a:headEnd type="none" w="med" len="med"/>
+                      <a:tailEnd type="none" w="med" len="med"/>
+                    </a:lnB>
+                    <a:lnTlToBr w="12700" cmpd="sng">
+                      <a:noFill/>
+                      <a:prstDash val="solid"/>
+                    </a:lnTlToBr>
+                    <a:lnBlToTr w="12700" cmpd="sng">
+                      <a:noFill/>
+                      <a:prstDash val="solid"/>
+                    </a:lnBlToTr>
+                    <a:noFill/>
+                  </a:tcPr>
+                </a:tc>
+                <a:tc>
+                  <a:txBody>
+                    <a:bodyPr/>
+                    <a:lstStyle/>
+                    <a:p>
+                      <a:pPr algn="l" fontAlgn="b"/>
+                      <a:endParaRPr lang="en-AU" sz="1800" b="0" i="0" u="none" strike="noStrike">
+                        <a:solidFill>
+                          <a:srgbClr val="000000"/>
+                        </a:solidFill>
+                        <a:effectLst/>
+                        <a:latin typeface="Courier New" panose="02070309020205020404" pitchFamily="49" charset="0"/>
+                        <a:cs typeface="Courier New" panose="02070309020205020404" pitchFamily="49" charset="0"/>
+                      </a:endParaRPr>
+                    </a:p>
+                  </a:txBody>
+                  <a:tcPr marL="7047" marR="7047" marT="7047" marB="0" anchor="b">
+                    <a:lnL w="28575" cap="flat" cmpd="sng" algn="ctr">
+                      <a:solidFill>
+                        <a:schemeClr val="tx1"/>
+                      </a:solidFill>
+                      <a:prstDash val="solid"/>
+                      <a:round/>
+                      <a:headEnd type="none" w="med" len="med"/>
+                      <a:tailEnd type="none" w="med" len="med"/>
+                    </a:lnL>
+                    <a:lnR w="12700" cmpd="sng">
+                      <a:noFill/>
+                    </a:lnR>
+                    <a:lnT w="12700" cmpd="sng">
+                      <a:noFill/>
+                    </a:lnT>
+                    <a:lnB w="12700" cmpd="sng">
+                      <a:noFill/>
+                    </a:lnB>
+                    <a:lnTlToBr w="12700" cmpd="sng">
+                      <a:noFill/>
+                      <a:prstDash val="solid"/>
+                    </a:lnTlToBr>
+                    <a:lnBlToTr w="12700" cmpd="sng">
+                      <a:noFill/>
+                      <a:prstDash val="solid"/>
+                    </a:lnBlToTr>
+                    <a:noFill/>
+                  </a:tcPr>
+                </a:tc>
+                <a:tc>
+                  <a:txBody>
+                    <a:bodyPr/>
+                    <a:lstStyle/>
+                    <a:p>
+                      <a:pPr algn="l" fontAlgn="b"/>
+                      <a:endParaRPr lang="en-AU" sz="1800" b="0" i="0" u="none" strike="noStrike">
+                        <a:solidFill>
+                          <a:srgbClr val="000000"/>
+                        </a:solidFill>
+                        <a:effectLst/>
+                        <a:latin typeface="Courier New" panose="02070309020205020404" pitchFamily="49" charset="0"/>
+                        <a:cs typeface="Courier New" panose="02070309020205020404" pitchFamily="49" charset="0"/>
+                      </a:endParaRPr>
+                    </a:p>
+                  </a:txBody>
+                  <a:tcPr marL="7047" marR="7047" marT="7047" marB="0" anchor="b">
+                    <a:lnL w="12700" cmpd="sng">
+                      <a:noFill/>
+                    </a:lnL>
+                    <a:lnR w="12700" cmpd="sng">
+                      <a:noFill/>
+                    </a:lnR>
+                    <a:lnT w="12700" cmpd="sng">
+                      <a:noFill/>
+                    </a:lnT>
+                    <a:lnB w="12700" cmpd="sng">
+                      <a:noFill/>
+                    </a:lnB>
+                    <a:lnTlToBr w="12700" cmpd="sng">
+                      <a:noFill/>
+                      <a:prstDash val="solid"/>
+                    </a:lnTlToBr>
+                    <a:lnBlToTr w="12700" cmpd="sng">
+                      <a:noFill/>
+                      <a:prstDash val="solid"/>
+                    </a:lnBlToTr>
+                    <a:noFill/>
+                  </a:tcPr>
+                </a:tc>
+                <a:tc>
+                  <a:txBody>
+                    <a:bodyPr/>
+                    <a:lstStyle/>
+                    <a:p>
+                      <a:pPr algn="l" fontAlgn="b"/>
+                      <a:endParaRPr lang="en-AU" sz="1800" b="0" i="0" u="none" strike="noStrike">
+                        <a:solidFill>
+                          <a:srgbClr val="000000"/>
+                        </a:solidFill>
+                        <a:effectLst/>
+                        <a:latin typeface="Courier New" panose="02070309020205020404" pitchFamily="49" charset="0"/>
+                        <a:cs typeface="Courier New" panose="02070309020205020404" pitchFamily="49" charset="0"/>
+                      </a:endParaRPr>
+                    </a:p>
+                  </a:txBody>
+                  <a:tcPr marL="7047" marR="7047" marT="7047" marB="0" anchor="b">
+                    <a:lnL w="12700" cmpd="sng">
+                      <a:noFill/>
+                    </a:lnL>
+                    <a:lnR w="12700" cmpd="sng">
+                      <a:noFill/>
+                    </a:lnR>
+                    <a:lnT w="12700" cmpd="sng">
+                      <a:noFill/>
+                    </a:lnT>
+                    <a:lnB w="12700" cmpd="sng">
+                      <a:noFill/>
+                    </a:lnB>
+                    <a:lnTlToBr w="12700" cmpd="sng">
+                      <a:noFill/>
+                      <a:prstDash val="solid"/>
+                    </a:lnTlToBr>
+                    <a:lnBlToTr w="12700" cmpd="sng">
+                      <a:noFill/>
+                      <a:prstDash val="solid"/>
+                    </a:lnBlToTr>
+                    <a:noFill/>
+                  </a:tcPr>
+                </a:tc>
+                <a:tc>
+                  <a:txBody>
+                    <a:bodyPr/>
+                    <a:lstStyle/>
+                    <a:p>
+                      <a:pPr algn="l" fontAlgn="b"/>
+                      <a:endParaRPr lang="en-AU" sz="1800" b="0" i="0" u="none" strike="noStrike">
+                        <a:solidFill>
+                          <a:srgbClr val="000000"/>
+                        </a:solidFill>
+                        <a:effectLst/>
+                        <a:latin typeface="Courier New" panose="02070309020205020404" pitchFamily="49" charset="0"/>
+                        <a:cs typeface="Courier New" panose="02070309020205020404" pitchFamily="49" charset="0"/>
+                      </a:endParaRPr>
+                    </a:p>
+                  </a:txBody>
+                  <a:tcPr marL="7047" marR="7047" marT="7047" marB="0" anchor="b">
+                    <a:lnL w="12700" cmpd="sng">
+                      <a:noFill/>
+                    </a:lnL>
+                    <a:lnR w="12700" cmpd="sng">
+                      <a:noFill/>
+                    </a:lnR>
+                    <a:lnT w="12700" cmpd="sng">
+                      <a:noFill/>
+                    </a:lnT>
+                    <a:lnB w="12700" cmpd="sng">
+                      <a:noFill/>
+                    </a:lnB>
+                    <a:lnTlToBr w="12700" cmpd="sng">
+                      <a:noFill/>
+                      <a:prstDash val="solid"/>
+                    </a:lnTlToBr>
+                    <a:lnBlToTr w="12700" cmpd="sng">
+                      <a:noFill/>
+                      <a:prstDash val="solid"/>
+                    </a:lnBlToTr>
+                    <a:noFill/>
+                  </a:tcPr>
+                </a:tc>
+                <a:extLst>
+                  <a:ext uri="{0D108BD9-81ED-4DB2-BD59-A6C34878D82A}">
+                    <a16:rowId xmlns:a16="http://schemas.microsoft.com/office/drawing/2014/main" val="2016308071"/>
+                  </a:ext>
+                </a:extLst>
+              </a:tr>
+              <a:tr h="627714">
+                <a:tc vMerge="1">
+                  <a:txBody>
+                    <a:bodyPr/>
+                    <a:lstStyle/>
+                    <a:p>
+                      <a:endParaRPr lang="en-AU"/>
+                    </a:p>
+                  </a:txBody>
+                  <a:tcPr/>
+                </a:tc>
+                <a:tc>
+                  <a:txBody>
+                    <a:bodyPr/>
+                    <a:lstStyle/>
+                    <a:p>
+                      <a:pPr algn="ctr" fontAlgn="ctr"/>
+                      <a:r>
+                        <a:rPr lang="en-AU" sz="1800" u="none" strike="noStrike">
+                          <a:effectLst/>
+                          <a:latin typeface="Courier New" panose="02070309020205020404" pitchFamily="49" charset="0"/>
+                          <a:cs typeface="Courier New" panose="02070309020205020404" pitchFamily="49" charset="0"/>
+                        </a:rPr>
+                        <a:t>Support</a:t>
+                      </a:r>
+                      <a:endParaRPr lang="en-AU" sz="1800" b="0" i="0" u="none" strike="noStrike">
+                        <a:solidFill>
+                          <a:srgbClr val="000000"/>
+                        </a:solidFill>
+                        <a:effectLst/>
+                        <a:latin typeface="Courier New" panose="02070309020205020404" pitchFamily="49" charset="0"/>
+                        <a:cs typeface="Courier New" panose="02070309020205020404" pitchFamily="49" charset="0"/>
+                      </a:endParaRPr>
+                    </a:p>
+                  </a:txBody>
+                  <a:tcPr marL="7047" marR="7047" marT="7047" marB="0" anchor="ctr">
+                    <a:lnL w="12700" cmpd="sng">
+                      <a:noFill/>
+                    </a:lnL>
+                    <a:lnR w="28575" cap="flat" cmpd="sng" algn="ctr">
+                      <a:solidFill>
+                        <a:schemeClr val="tx1"/>
+                      </a:solidFill>
+                      <a:prstDash val="solid"/>
+                      <a:round/>
+                      <a:headEnd type="none" w="med" len="med"/>
+                      <a:tailEnd type="none" w="med" len="med"/>
+                    </a:lnR>
+                    <a:lnT w="12700" cmpd="sng">
+                      <a:noFill/>
+                    </a:lnT>
+                    <a:lnB w="12700" cmpd="sng">
+                      <a:noFill/>
+                    </a:lnB>
+                    <a:lnTlToBr w="12700" cmpd="sng">
+                      <a:noFill/>
+                      <a:prstDash val="solid"/>
+                    </a:lnTlToBr>
+                    <a:lnBlToTr w="12700" cmpd="sng">
+                      <a:noFill/>
+                      <a:prstDash val="solid"/>
+                    </a:lnBlToTr>
+                    <a:noFill/>
+                  </a:tcPr>
+                </a:tc>
+                <a:tc>
+                  <a:txBody>
+                    <a:bodyPr/>
+                    <a:lstStyle/>
+                    <a:p>
+                      <a:pPr algn="l" fontAlgn="b"/>
+                      <a:r>
+                        <a:rPr lang="en-AU" sz="1800" u="none" strike="noStrike">
+                          <a:effectLst/>
+                          <a:latin typeface="Courier New" panose="02070309020205020404" pitchFamily="49" charset="0"/>
+                          <a:cs typeface="Courier New" panose="02070309020205020404" pitchFamily="49" charset="0"/>
+                        </a:rPr>
+                        <a:t> </a:t>
+                      </a:r>
+                      <a:endParaRPr lang="en-AU" sz="1800" b="0" i="0" u="none" strike="noStrike">
+                        <a:solidFill>
+                          <a:srgbClr val="000000"/>
+                        </a:solidFill>
+                        <a:effectLst/>
+                        <a:latin typeface="Courier New" panose="02070309020205020404" pitchFamily="49" charset="0"/>
+                        <a:cs typeface="Courier New" panose="02070309020205020404" pitchFamily="49" charset="0"/>
+                      </a:endParaRPr>
+                    </a:p>
+                  </a:txBody>
+                  <a:tcPr marL="7047" marR="7047" marT="7047" marB="0" anchor="b">
+                    <a:lnL w="28575" cap="flat" cmpd="sng" algn="ctr">
+                      <a:solidFill>
+                        <a:schemeClr val="tx1"/>
+                      </a:solidFill>
+                      <a:prstDash val="solid"/>
+                      <a:round/>
+                      <a:headEnd type="none" w="med" len="med"/>
+                      <a:tailEnd type="none" w="med" len="med"/>
+                    </a:lnL>
+                    <a:lnR w="6350" cap="flat" cmpd="sng" algn="ctr">
+                      <a:solidFill>
+                        <a:schemeClr val="tx1">
+                          <a:lumMod val="50000"/>
+                          <a:lumOff val="50000"/>
+                        </a:schemeClr>
+                      </a:solidFill>
+                      <a:prstDash val="solid"/>
+                      <a:round/>
+                      <a:headEnd type="none" w="med" len="med"/>
+                      <a:tailEnd type="none" w="med" len="med"/>
+                    </a:lnR>
+                    <a:lnT w="6350" cap="flat" cmpd="sng" algn="ctr">
+                      <a:solidFill>
+                        <a:schemeClr val="tx1">
+                          <a:lumMod val="50000"/>
+                          <a:lumOff val="50000"/>
+                        </a:schemeClr>
+                      </a:solidFill>
+                      <a:prstDash val="solid"/>
+                      <a:round/>
+                      <a:headEnd type="none" w="med" len="med"/>
+                      <a:tailEnd type="none" w="med" len="med"/>
+                    </a:lnT>
+                    <a:lnB w="12700" cmpd="sng">
+                      <a:noFill/>
+                    </a:lnB>
+                    <a:lnTlToBr w="12700" cmpd="sng">
+                      <a:noFill/>
+                      <a:prstDash val="solid"/>
+                    </a:lnTlToBr>
+                    <a:lnBlToTr w="12700" cmpd="sng">
+                      <a:noFill/>
+                      <a:prstDash val="solid"/>
+                    </a:lnBlToTr>
+                    <a:noFill/>
+                  </a:tcPr>
+                </a:tc>
+                <a:tc>
+                  <a:txBody>
+                    <a:bodyPr/>
+                    <a:lstStyle/>
+                    <a:p>
+                      <a:pPr algn="l" fontAlgn="b"/>
+                      <a:r>
+                        <a:rPr lang="en-AU" sz="1800" u="none" strike="noStrike">
+                          <a:effectLst/>
+                          <a:latin typeface="Courier New" panose="02070309020205020404" pitchFamily="49" charset="0"/>
+                          <a:cs typeface="Courier New" panose="02070309020205020404" pitchFamily="49" charset="0"/>
+                        </a:rPr>
+                        <a:t> </a:t>
+                      </a:r>
+                      <a:endParaRPr lang="en-AU" sz="1800" b="0" i="0" u="none" strike="noStrike">
+                        <a:solidFill>
+                          <a:srgbClr val="000000"/>
+                        </a:solidFill>
+                        <a:effectLst/>
+                        <a:latin typeface="Courier New" panose="02070309020205020404" pitchFamily="49" charset="0"/>
+                        <a:cs typeface="Courier New" panose="02070309020205020404" pitchFamily="49" charset="0"/>
+                      </a:endParaRPr>
+                    </a:p>
+                  </a:txBody>
+                  <a:tcPr marL="7047" marR="7047" marT="7047" marB="0" anchor="b">
+                    <a:lnL w="6350" cap="flat" cmpd="sng" algn="ctr">
+                      <a:solidFill>
+                        <a:schemeClr val="tx1">
+                          <a:lumMod val="50000"/>
+                          <a:lumOff val="50000"/>
+                        </a:schemeClr>
+                      </a:solidFill>
+                      <a:prstDash val="solid"/>
+                      <a:round/>
+                      <a:headEnd type="none" w="med" len="med"/>
+                      <a:tailEnd type="none" w="med" len="med"/>
+                    </a:lnL>
+                    <a:lnR w="6350" cap="flat" cmpd="sng" algn="ctr">
+                      <a:solidFill>
+                        <a:schemeClr val="tx1">
+                          <a:lumMod val="50000"/>
+                          <a:lumOff val="50000"/>
+                        </a:schemeClr>
+                      </a:solidFill>
+                      <a:prstDash val="solid"/>
+                      <a:round/>
+                      <a:headEnd type="none" w="med" len="med"/>
+                      <a:tailEnd type="none" w="med" len="med"/>
+                    </a:lnR>
+                    <a:lnT w="6350" cap="flat" cmpd="sng" algn="ctr">
+                      <a:solidFill>
+                        <a:schemeClr val="tx1">
+                          <a:lumMod val="50000"/>
+                          <a:lumOff val="50000"/>
+                        </a:schemeClr>
+                      </a:solidFill>
+                      <a:prstDash val="solid"/>
+                      <a:round/>
+                      <a:headEnd type="none" w="med" len="med"/>
+                      <a:tailEnd type="none" w="med" len="med"/>
+                    </a:lnT>
+                    <a:lnB w="12700" cmpd="sng">
+                      <a:noFill/>
+                    </a:lnB>
+                    <a:lnTlToBr w="12700" cmpd="sng">
+                      <a:noFill/>
+                      <a:prstDash val="solid"/>
+                    </a:lnTlToBr>
+                    <a:lnBlToTr w="12700" cmpd="sng">
+                      <a:noFill/>
+                      <a:prstDash val="solid"/>
+                    </a:lnBlToTr>
+                    <a:noFill/>
+                  </a:tcPr>
+                </a:tc>
+                <a:tc>
+                  <a:txBody>
+                    <a:bodyPr/>
+                    <a:lstStyle/>
+                    <a:p>
+                      <a:pPr algn="l" fontAlgn="b"/>
+                      <a:r>
+                        <a:rPr lang="en-AU" sz="1800" u="none" strike="noStrike">
+                          <a:effectLst/>
+                          <a:latin typeface="Courier New" panose="02070309020205020404" pitchFamily="49" charset="0"/>
+                          <a:cs typeface="Courier New" panose="02070309020205020404" pitchFamily="49" charset="0"/>
+                        </a:rPr>
+                        <a:t> </a:t>
+                      </a:r>
+                      <a:endParaRPr lang="en-AU" sz="1800" b="0" i="0" u="none" strike="noStrike">
+                        <a:solidFill>
+                          <a:srgbClr val="000000"/>
+                        </a:solidFill>
+                        <a:effectLst/>
+                        <a:latin typeface="Courier New" panose="02070309020205020404" pitchFamily="49" charset="0"/>
+                        <a:cs typeface="Courier New" panose="02070309020205020404" pitchFamily="49" charset="0"/>
+                      </a:endParaRPr>
+                    </a:p>
+                  </a:txBody>
+                  <a:tcPr marL="7047" marR="7047" marT="7047" marB="0" anchor="b">
+                    <a:lnL w="6350" cap="flat" cmpd="sng" algn="ctr">
+                      <a:solidFill>
+                        <a:schemeClr val="tx1">
+                          <a:lumMod val="50000"/>
+                          <a:lumOff val="50000"/>
+                        </a:schemeClr>
+                      </a:solidFill>
+                      <a:prstDash val="solid"/>
+                      <a:round/>
+                      <a:headEnd type="none" w="med" len="med"/>
+                      <a:tailEnd type="none" w="med" len="med"/>
+                    </a:lnL>
+                    <a:lnR w="6350" cap="flat" cmpd="sng" algn="ctr">
+                      <a:solidFill>
+                        <a:schemeClr val="tx1">
+                          <a:lumMod val="50000"/>
+                          <a:lumOff val="50000"/>
+                        </a:schemeClr>
+                      </a:solidFill>
+                      <a:prstDash val="solid"/>
+                      <a:round/>
+                      <a:headEnd type="none" w="med" len="med"/>
+                      <a:tailEnd type="none" w="med" len="med"/>
+                    </a:lnR>
+                    <a:lnT w="6350" cap="flat" cmpd="sng" algn="ctr">
+                      <a:solidFill>
+                        <a:schemeClr val="tx1">
+                          <a:lumMod val="50000"/>
+                          <a:lumOff val="50000"/>
+                        </a:schemeClr>
+                      </a:solidFill>
+                      <a:prstDash val="solid"/>
+                      <a:round/>
+                      <a:headEnd type="none" w="med" len="med"/>
+                      <a:tailEnd type="none" w="med" len="med"/>
+                    </a:lnT>
+                    <a:lnB w="12700" cmpd="sng">
+                      <a:noFill/>
+                    </a:lnB>
+                    <a:lnTlToBr w="12700" cmpd="sng">
+                      <a:noFill/>
+                      <a:prstDash val="solid"/>
+                    </a:lnTlToBr>
+                    <a:lnBlToTr w="12700" cmpd="sng">
+                      <a:noFill/>
+                      <a:prstDash val="solid"/>
+                    </a:lnBlToTr>
+                    <a:noFill/>
+                  </a:tcPr>
+                </a:tc>
+                <a:tc>
+                  <a:txBody>
+                    <a:bodyPr/>
+                    <a:lstStyle/>
+                    <a:p>
+                      <a:pPr algn="l" fontAlgn="b"/>
+                      <a:r>
+                        <a:rPr lang="en-AU" sz="1800" u="none" strike="noStrike" dirty="0">
+                          <a:effectLst/>
+                          <a:latin typeface="Courier New" panose="02070309020205020404" pitchFamily="49" charset="0"/>
+                          <a:cs typeface="Courier New" panose="02070309020205020404" pitchFamily="49" charset="0"/>
+                        </a:rPr>
+                        <a:t> </a:t>
+                      </a:r>
+                      <a:endParaRPr lang="en-AU" sz="1800" b="0" i="0" u="none" strike="noStrike" dirty="0">
+                        <a:solidFill>
+                          <a:srgbClr val="000000"/>
+                        </a:solidFill>
+                        <a:effectLst/>
+                        <a:latin typeface="Courier New" panose="02070309020205020404" pitchFamily="49" charset="0"/>
+                        <a:cs typeface="Courier New" panose="02070309020205020404" pitchFamily="49" charset="0"/>
+                      </a:endParaRPr>
+                    </a:p>
+                  </a:txBody>
+                  <a:tcPr marL="7047" marR="7047" marT="7047" marB="0" anchor="b">
+                    <a:lnL w="6350" cap="flat" cmpd="sng" algn="ctr">
+                      <a:solidFill>
+                        <a:schemeClr val="tx1">
+                          <a:lumMod val="50000"/>
+                          <a:lumOff val="50000"/>
+                        </a:schemeClr>
+                      </a:solidFill>
+                      <a:prstDash val="solid"/>
+                      <a:round/>
+                      <a:headEnd type="none" w="med" len="med"/>
+                      <a:tailEnd type="none" w="med" len="med"/>
+                    </a:lnL>
+                    <a:lnR w="28575" cap="flat" cmpd="sng" algn="ctr">
+                      <a:solidFill>
+                        <a:schemeClr val="tx1"/>
+                      </a:solidFill>
+                      <a:prstDash val="solid"/>
+                      <a:round/>
+                      <a:headEnd type="none" w="med" len="med"/>
+                      <a:tailEnd type="none" w="med" len="med"/>
+                    </a:lnR>
+                    <a:lnT w="6350" cap="flat" cmpd="sng" algn="ctr">
+                      <a:solidFill>
+                        <a:schemeClr val="tx1">
+                          <a:lumMod val="50000"/>
+                          <a:lumOff val="50000"/>
+                        </a:schemeClr>
+                      </a:solidFill>
+                      <a:prstDash val="solid"/>
+                      <a:round/>
+                      <a:headEnd type="none" w="med" len="med"/>
+                      <a:tailEnd type="none" w="med" len="med"/>
+                    </a:lnT>
+                    <a:lnB w="12700" cmpd="sng">
+                      <a:noFill/>
+                    </a:lnB>
+                    <a:lnTlToBr w="12700" cmpd="sng">
+                      <a:noFill/>
+                      <a:prstDash val="solid"/>
+                    </a:lnTlToBr>
+                    <a:lnBlToTr w="12700" cmpd="sng">
+                      <a:noFill/>
+                      <a:prstDash val="solid"/>
+                    </a:lnBlToTr>
+                    <a:noFill/>
+                  </a:tcPr>
+                </a:tc>
+                <a:tc>
+                  <a:txBody>
+                    <a:bodyPr/>
+                    <a:lstStyle/>
+                    <a:p>
+                      <a:pPr algn="l" fontAlgn="b"/>
+                      <a:endParaRPr lang="en-AU" sz="1800" b="0" i="0" u="none" strike="noStrike">
+                        <a:solidFill>
+                          <a:srgbClr val="000000"/>
+                        </a:solidFill>
+                        <a:effectLst/>
+                        <a:latin typeface="Courier New" panose="02070309020205020404" pitchFamily="49" charset="0"/>
+                        <a:cs typeface="Courier New" panose="02070309020205020404" pitchFamily="49" charset="0"/>
+                      </a:endParaRPr>
+                    </a:p>
+                  </a:txBody>
+                  <a:tcPr marL="7047" marR="7047" marT="7047" marB="0" anchor="b">
+                    <a:lnL w="28575" cap="flat" cmpd="sng" algn="ctr">
+                      <a:solidFill>
+                        <a:schemeClr val="tx1"/>
+                      </a:solidFill>
+                      <a:prstDash val="solid"/>
+                      <a:round/>
+                      <a:headEnd type="none" w="med" len="med"/>
+                      <a:tailEnd type="none" w="med" len="med"/>
+                    </a:lnL>
+                    <a:lnR w="12700" cmpd="sng">
+                      <a:noFill/>
+                    </a:lnR>
+                    <a:lnT w="12700" cmpd="sng">
+                      <a:noFill/>
+                    </a:lnT>
+                    <a:lnB w="12700" cmpd="sng">
+                      <a:noFill/>
+                    </a:lnB>
+                    <a:lnTlToBr w="12700" cmpd="sng">
+                      <a:noFill/>
+                      <a:prstDash val="solid"/>
+                    </a:lnTlToBr>
+                    <a:lnBlToTr w="12700" cmpd="sng">
+                      <a:noFill/>
+                      <a:prstDash val="solid"/>
+                    </a:lnBlToTr>
+                    <a:noFill/>
+                  </a:tcPr>
+                </a:tc>
+                <a:tc>
+                  <a:txBody>
+                    <a:bodyPr/>
+                    <a:lstStyle/>
+                    <a:p>
+                      <a:pPr algn="l" fontAlgn="b"/>
+                      <a:endParaRPr lang="en-AU" sz="1800" b="0" i="0" u="none" strike="noStrike">
+                        <a:solidFill>
+                          <a:srgbClr val="000000"/>
+                        </a:solidFill>
+                        <a:effectLst/>
+                        <a:latin typeface="Courier New" panose="02070309020205020404" pitchFamily="49" charset="0"/>
+                        <a:cs typeface="Courier New" panose="02070309020205020404" pitchFamily="49" charset="0"/>
+                      </a:endParaRPr>
+                    </a:p>
+                  </a:txBody>
+                  <a:tcPr marL="7047" marR="7047" marT="7047" marB="0" anchor="b">
+                    <a:lnL w="12700" cmpd="sng">
+                      <a:noFill/>
+                    </a:lnL>
+                    <a:lnR w="12700" cmpd="sng">
+                      <a:noFill/>
+                    </a:lnR>
+                    <a:lnT w="12700" cmpd="sng">
+                      <a:noFill/>
+                    </a:lnT>
+                    <a:lnB w="12700" cmpd="sng">
+                      <a:noFill/>
+                    </a:lnB>
+                    <a:lnTlToBr w="12700" cmpd="sng">
+                      <a:noFill/>
+                      <a:prstDash val="solid"/>
+                    </a:lnTlToBr>
+                    <a:lnBlToTr w="12700" cmpd="sng">
+                      <a:noFill/>
+                      <a:prstDash val="solid"/>
+                    </a:lnBlToTr>
+                    <a:noFill/>
+                  </a:tcPr>
+                </a:tc>
+                <a:tc>
+                  <a:txBody>
+                    <a:bodyPr/>
+                    <a:lstStyle/>
+                    <a:p>
+                      <a:pPr algn="l" fontAlgn="b"/>
+                      <a:endParaRPr lang="en-AU" sz="1800" b="0" i="0" u="none" strike="noStrike" dirty="0">
+                        <a:solidFill>
+                          <a:srgbClr val="000000"/>
+                        </a:solidFill>
+                        <a:effectLst/>
+                        <a:latin typeface="Courier New" panose="02070309020205020404" pitchFamily="49" charset="0"/>
+                        <a:cs typeface="Courier New" panose="02070309020205020404" pitchFamily="49" charset="0"/>
+                      </a:endParaRPr>
+                    </a:p>
+                  </a:txBody>
+                  <a:tcPr marL="7047" marR="7047" marT="7047" marB="0" anchor="b">
+                    <a:lnL w="12700" cmpd="sng">
+                      <a:noFill/>
+                    </a:lnL>
+                    <a:lnR w="12700" cmpd="sng">
+                      <a:noFill/>
+                    </a:lnR>
+                    <a:lnT w="12700" cmpd="sng">
+                      <a:noFill/>
+                    </a:lnT>
+                    <a:lnB w="12700" cmpd="sng">
+                      <a:noFill/>
+                    </a:lnB>
+                    <a:lnTlToBr w="12700" cmpd="sng">
+                      <a:noFill/>
+                      <a:prstDash val="solid"/>
+                    </a:lnTlToBr>
+                    <a:lnBlToTr w="12700" cmpd="sng">
+                      <a:noFill/>
+                      <a:prstDash val="solid"/>
+                    </a:lnBlToTr>
+                    <a:noFill/>
+                  </a:tcPr>
+                </a:tc>
+                <a:tc>
+                  <a:txBody>
+                    <a:bodyPr/>
+                    <a:lstStyle/>
+                    <a:p>
+                      <a:pPr algn="l" fontAlgn="b"/>
+                      <a:endParaRPr lang="en-AU" sz="1800" b="0" i="0" u="none" strike="noStrike" dirty="0">
+                        <a:solidFill>
+                          <a:srgbClr val="000000"/>
+                        </a:solidFill>
+                        <a:effectLst/>
+                        <a:latin typeface="Courier New" panose="02070309020205020404" pitchFamily="49" charset="0"/>
+                        <a:cs typeface="Courier New" panose="02070309020205020404" pitchFamily="49" charset="0"/>
+                      </a:endParaRPr>
+                    </a:p>
+                  </a:txBody>
+                  <a:tcPr marL="7047" marR="7047" marT="7047" marB="0" anchor="b">
+                    <a:lnL w="12700" cmpd="sng">
+                      <a:noFill/>
+                    </a:lnL>
+                    <a:lnR w="12700" cmpd="sng">
+                      <a:noFill/>
+                    </a:lnR>
+                    <a:lnT w="12700" cmpd="sng">
+                      <a:noFill/>
+                    </a:lnT>
+                    <a:lnB w="12700" cmpd="sng">
+                      <a:noFill/>
+                    </a:lnB>
+                    <a:lnTlToBr w="12700" cmpd="sng">
+                      <a:noFill/>
+                      <a:prstDash val="solid"/>
+                    </a:lnTlToBr>
+                    <a:lnBlToTr w="12700" cmpd="sng">
+                      <a:noFill/>
+                      <a:prstDash val="solid"/>
+                    </a:lnBlToTr>
+                    <a:noFill/>
+                  </a:tcPr>
+                </a:tc>
+                <a:extLst>
+                  <a:ext uri="{0D108BD9-81ED-4DB2-BD59-A6C34878D82A}">
+                    <a16:rowId xmlns:a16="http://schemas.microsoft.com/office/drawing/2014/main" val="49817815"/>
+                  </a:ext>
+                </a:extLst>
+              </a:tr>
+            </a:tbl>
+          </a:graphicData>
+        </a:graphic>
+      </p:graphicFrame>
+    </p:spTree>
+    <p:extLst>
+      <p:ext uri="{BB962C8B-B14F-4D97-AF65-F5344CB8AC3E}">
+        <p14:creationId xmlns:p14="http://schemas.microsoft.com/office/powerpoint/2010/main" val="1068893845"/>
+      </p:ext>
+    </p:extLst>
+  </p:cSld>
+  <p:clrMapOvr>
+    <a:masterClrMapping/>
+  </p:clrMapOvr>
+</p:sld>
+</file>
+
+<file path=ppt/slides/slide3.xml><?xml version="1.0" encoding="utf-8"?>
+<p:sld xmlns:a="http://schemas.openxmlformats.org/drawingml/2006/main" xmlns:r="http://schemas.openxmlformats.org/officeDocument/2006/relationships" xmlns:p="http://schemas.openxmlformats.org/presentationml/2006/main">
+  <p:cSld>
+    <p:bg>
+      <p:bgPr>
+        <a:blipFill dpi="0" rotWithShape="1">
+          <a:blip r:embed="rId2">
+            <a:lum/>
+          </a:blip>
+          <a:srcRect/>
+          <a:stretch>
+            <a:fillRect l="-39000" r="-39000"/>
+          </a:stretch>
+        </a:blipFill>
+        <a:effectLst/>
+      </p:bgPr>
+    </p:bg>
+    <p:spTree>
+      <p:nvGrpSpPr>
+        <p:cNvPr id="1" name=""/>
+        <p:cNvGrpSpPr/>
+        <p:nvPr/>
+      </p:nvGrpSpPr>
+      <p:grpSpPr>
+        <a:xfrm>
+          <a:off x="0" y="0"/>
+          <a:ext cx="0" cy="0"/>
+          <a:chOff x="0" y="0"/>
+          <a:chExt cx="0" cy="0"/>
+        </a:xfrm>
+      </p:grpSpPr>
+      <p:pic>
+        <p:nvPicPr>
           <p:cNvPr id="8" name="Picture 7">
             <a:extLst>
               <a:ext uri="{FF2B5EF4-FFF2-40B4-BE49-F238E27FC236}">
@@ -4094,7 +11036,7 @@
 </p:sld>
 </file>
 
-<file path=ppt/slides/slide3.xml><?xml version="1.0" encoding="utf-8"?>
+<file path=ppt/slides/slide4.xml><?xml version="1.0" encoding="utf-8"?>
 <p:sld xmlns:a="http://schemas.openxmlformats.org/drawingml/2006/main" xmlns:r="http://schemas.openxmlformats.org/officeDocument/2006/relationships" xmlns:p="http://schemas.openxmlformats.org/presentationml/2006/main">
   <p:cSld>
     <p:bg>

--- a/Clues.pptx
+++ b/Clues.pptx
@@ -246,7 +246,7 @@
           <a:p>
             <a:fld id="{2A2C2C6E-F6BD-497D-87CF-72A02E526C5B}" type="datetimeFigureOut">
               <a:rPr lang="en-AU" smtClean="0"/>
-              <a:t>2/09/2021</a:t>
+              <a:t>5/09/2021</a:t>
             </a:fld>
             <a:endParaRPr lang="en-AU"/>
           </a:p>
@@ -416,7 +416,7 @@
           <a:p>
             <a:fld id="{2A2C2C6E-F6BD-497D-87CF-72A02E526C5B}" type="datetimeFigureOut">
               <a:rPr lang="en-AU" smtClean="0"/>
-              <a:t>2/09/2021</a:t>
+              <a:t>5/09/2021</a:t>
             </a:fld>
             <a:endParaRPr lang="en-AU"/>
           </a:p>
@@ -596,7 +596,7 @@
           <a:p>
             <a:fld id="{2A2C2C6E-F6BD-497D-87CF-72A02E526C5B}" type="datetimeFigureOut">
               <a:rPr lang="en-AU" smtClean="0"/>
-              <a:t>2/09/2021</a:t>
+              <a:t>5/09/2021</a:t>
             </a:fld>
             <a:endParaRPr lang="en-AU"/>
           </a:p>
@@ -766,7 +766,7 @@
           <a:p>
             <a:fld id="{2A2C2C6E-F6BD-497D-87CF-72A02E526C5B}" type="datetimeFigureOut">
               <a:rPr lang="en-AU" smtClean="0"/>
-              <a:t>2/09/2021</a:t>
+              <a:t>5/09/2021</a:t>
             </a:fld>
             <a:endParaRPr lang="en-AU"/>
           </a:p>
@@ -1010,7 +1010,7 @@
           <a:p>
             <a:fld id="{2A2C2C6E-F6BD-497D-87CF-72A02E526C5B}" type="datetimeFigureOut">
               <a:rPr lang="en-AU" smtClean="0"/>
-              <a:t>2/09/2021</a:t>
+              <a:t>5/09/2021</a:t>
             </a:fld>
             <a:endParaRPr lang="en-AU"/>
           </a:p>
@@ -1242,7 +1242,7 @@
           <a:p>
             <a:fld id="{2A2C2C6E-F6BD-497D-87CF-72A02E526C5B}" type="datetimeFigureOut">
               <a:rPr lang="en-AU" smtClean="0"/>
-              <a:t>2/09/2021</a:t>
+              <a:t>5/09/2021</a:t>
             </a:fld>
             <a:endParaRPr lang="en-AU"/>
           </a:p>
@@ -1609,7 +1609,7 @@
           <a:p>
             <a:fld id="{2A2C2C6E-F6BD-497D-87CF-72A02E526C5B}" type="datetimeFigureOut">
               <a:rPr lang="en-AU" smtClean="0"/>
-              <a:t>2/09/2021</a:t>
+              <a:t>5/09/2021</a:t>
             </a:fld>
             <a:endParaRPr lang="en-AU"/>
           </a:p>
@@ -1727,7 +1727,7 @@
           <a:p>
             <a:fld id="{2A2C2C6E-F6BD-497D-87CF-72A02E526C5B}" type="datetimeFigureOut">
               <a:rPr lang="en-AU" smtClean="0"/>
-              <a:t>2/09/2021</a:t>
+              <a:t>5/09/2021</a:t>
             </a:fld>
             <a:endParaRPr lang="en-AU"/>
           </a:p>
@@ -1822,7 +1822,7 @@
           <a:p>
             <a:fld id="{2A2C2C6E-F6BD-497D-87CF-72A02E526C5B}" type="datetimeFigureOut">
               <a:rPr lang="en-AU" smtClean="0"/>
-              <a:t>2/09/2021</a:t>
+              <a:t>5/09/2021</a:t>
             </a:fld>
             <a:endParaRPr lang="en-AU"/>
           </a:p>
@@ -2099,7 +2099,7 @@
           <a:p>
             <a:fld id="{2A2C2C6E-F6BD-497D-87CF-72A02E526C5B}" type="datetimeFigureOut">
               <a:rPr lang="en-AU" smtClean="0"/>
-              <a:t>2/09/2021</a:t>
+              <a:t>5/09/2021</a:t>
             </a:fld>
             <a:endParaRPr lang="en-AU"/>
           </a:p>
@@ -2356,7 +2356,7 @@
           <a:p>
             <a:fld id="{2A2C2C6E-F6BD-497D-87CF-72A02E526C5B}" type="datetimeFigureOut">
               <a:rPr lang="en-AU" smtClean="0"/>
-              <a:t>2/09/2021</a:t>
+              <a:t>5/09/2021</a:t>
             </a:fld>
             <a:endParaRPr lang="en-AU"/>
           </a:p>
@@ -2569,7 +2569,7 @@
           <a:p>
             <a:fld id="{2A2C2C6E-F6BD-497D-87CF-72A02E526C5B}" type="datetimeFigureOut">
               <a:rPr lang="en-AU" smtClean="0"/>
-              <a:t>2/09/2021</a:t>
+              <a:t>5/09/2021</a:t>
             </a:fld>
             <a:endParaRPr lang="en-AU"/>
           </a:p>
@@ -3924,38 +3924,8 @@
         </p:blipFill>
         <p:spPr>
           <a:xfrm>
-            <a:off x="8375695" y="8998252"/>
+            <a:off x="8375695" y="8830612"/>
             <a:ext cx="1319514" cy="456347"/>
-          </a:xfrm>
-          <a:prstGeom prst="rect">
-            <a:avLst/>
-          </a:prstGeom>
-        </p:spPr>
-      </p:pic>
-      <p:pic>
-        <p:nvPicPr>
-          <p:cNvPr id="8" name="Picture 7">
-            <a:extLst>
-              <a:ext uri="{FF2B5EF4-FFF2-40B4-BE49-F238E27FC236}">
-                <a16:creationId xmlns:a16="http://schemas.microsoft.com/office/drawing/2014/main" id="{E253CEDB-67C0-4A2D-B3B3-4F74FA6F2237}"/>
-              </a:ext>
-            </a:extLst>
-          </p:cNvPr>
-          <p:cNvPicPr>
-            <a:picLocks noChangeAspect="1"/>
-          </p:cNvPicPr>
-          <p:nvPr/>
-        </p:nvPicPr>
-        <p:blipFill>
-          <a:blip r:embed="rId4"/>
-          <a:stretch>
-            <a:fillRect/>
-          </a:stretch>
-        </p:blipFill>
-        <p:spPr>
-          <a:xfrm>
-            <a:off x="3799840" y="7341123"/>
-            <a:ext cx="2827840" cy="345851"/>
           </a:xfrm>
           <a:prstGeom prst="rect">
             <a:avLst/>
@@ -3977,14 +3947,14 @@
           <p:nvPr/>
         </p:nvPicPr>
         <p:blipFill>
-          <a:blip r:embed="rId5"/>
+          <a:blip r:embed="rId4"/>
           <a:stretch>
             <a:fillRect/>
           </a:stretch>
         </p:blipFill>
         <p:spPr>
           <a:xfrm rot="159469">
-            <a:off x="6634690" y="6417984"/>
+            <a:off x="6634690" y="7103784"/>
             <a:ext cx="2982128" cy="371527"/>
           </a:xfrm>
           <a:prstGeom prst="rect">
@@ -4007,14 +3977,14 @@
           <p:nvPr/>
         </p:nvPicPr>
         <p:blipFill>
-          <a:blip r:embed="rId6"/>
+          <a:blip r:embed="rId5"/>
           <a:stretch>
             <a:fillRect/>
           </a:stretch>
         </p:blipFill>
         <p:spPr>
           <a:xfrm>
-            <a:off x="7062519" y="6146162"/>
+            <a:off x="7062519" y="6831962"/>
             <a:ext cx="1792114" cy="258262"/>
           </a:xfrm>
           <a:prstGeom prst="rect">
@@ -4037,14 +4007,14 @@
           <p:nvPr/>
         </p:nvPicPr>
         <p:blipFill>
-          <a:blip r:embed="rId6"/>
+          <a:blip r:embed="rId5"/>
           <a:stretch>
             <a:fillRect/>
           </a:stretch>
         </p:blipFill>
         <p:spPr>
           <a:xfrm rot="10800000">
-            <a:off x="2152890" y="8627647"/>
+            <a:off x="2152890" y="8460007"/>
             <a:ext cx="1448765" cy="456346"/>
           </a:xfrm>
           <a:prstGeom prst="rect">
@@ -4067,14 +4037,14 @@
           <p:nvPr/>
         </p:nvPicPr>
         <p:blipFill>
-          <a:blip r:embed="rId7"/>
+          <a:blip r:embed="rId6"/>
           <a:stretch>
             <a:fillRect/>
           </a:stretch>
         </p:blipFill>
         <p:spPr>
           <a:xfrm>
-            <a:off x="2438273" y="5201630"/>
+            <a:off x="4858879" y="5879468"/>
             <a:ext cx="1647592" cy="351830"/>
           </a:xfrm>
           <a:prstGeom prst="rect">
@@ -4097,14 +4067,14 @@
           <p:nvPr/>
         </p:nvPicPr>
         <p:blipFill>
-          <a:blip r:embed="rId8"/>
+          <a:blip r:embed="rId7"/>
           <a:stretch>
             <a:fillRect/>
           </a:stretch>
         </p:blipFill>
         <p:spPr>
           <a:xfrm>
-            <a:off x="932908" y="3741683"/>
+            <a:off x="932908" y="4427483"/>
             <a:ext cx="4188254" cy="500090"/>
           </a:xfrm>
           <a:prstGeom prst="rect">
@@ -4127,14 +4097,14 @@
           <p:nvPr/>
         </p:nvPicPr>
         <p:blipFill>
-          <a:blip r:embed="rId9"/>
+          <a:blip r:embed="rId8"/>
           <a:stretch>
             <a:fillRect/>
           </a:stretch>
         </p:blipFill>
         <p:spPr>
           <a:xfrm rot="360887">
-            <a:off x="1145124" y="5434942"/>
+            <a:off x="7142474" y="6104733"/>
             <a:ext cx="2151458" cy="600152"/>
           </a:xfrm>
           <a:prstGeom prst="rect">
@@ -4157,45 +4127,15 @@
           <p:nvPr/>
         </p:nvPicPr>
         <p:blipFill>
-          <a:blip r:embed="rId8"/>
+          <a:blip r:embed="rId7"/>
           <a:stretch>
             <a:fillRect/>
           </a:stretch>
         </p:blipFill>
         <p:spPr>
           <a:xfrm rot="10800000">
-            <a:off x="3262069" y="8070640"/>
+            <a:off x="3262069" y="7903000"/>
             <a:ext cx="4188254" cy="500090"/>
-          </a:xfrm>
-          <a:prstGeom prst="rect">
-            <a:avLst/>
-          </a:prstGeom>
-        </p:spPr>
-      </p:pic>
-      <p:pic>
-        <p:nvPicPr>
-          <p:cNvPr id="30" name="Picture 29">
-            <a:extLst>
-              <a:ext uri="{FF2B5EF4-FFF2-40B4-BE49-F238E27FC236}">
-                <a16:creationId xmlns:a16="http://schemas.microsoft.com/office/drawing/2014/main" id="{980B68FF-B555-4E56-86B1-B6527DD9DED7}"/>
-              </a:ext>
-            </a:extLst>
-          </p:cNvPr>
-          <p:cNvPicPr>
-            <a:picLocks noChangeAspect="1"/>
-          </p:cNvPicPr>
-          <p:nvPr/>
-        </p:nvPicPr>
-        <p:blipFill>
-          <a:blip r:embed="rId10"/>
-          <a:stretch>
-            <a:fillRect/>
-          </a:stretch>
-        </p:blipFill>
-        <p:spPr>
-          <a:xfrm>
-            <a:off x="8854633" y="6919501"/>
-            <a:ext cx="1319514" cy="456347"/>
           </a:xfrm>
           <a:prstGeom prst="rect">
             <a:avLst/>
@@ -4217,14 +4157,14 @@
           <p:nvPr/>
         </p:nvPicPr>
         <p:blipFill>
-          <a:blip r:embed="rId10"/>
+          <a:blip r:embed="rId9"/>
           <a:stretch>
             <a:fillRect/>
           </a:stretch>
         </p:blipFill>
         <p:spPr>
           <a:xfrm rot="10800000">
-            <a:off x="4554003" y="4268095"/>
+            <a:off x="4554003" y="4953895"/>
             <a:ext cx="1319514" cy="456347"/>
           </a:xfrm>
           <a:prstGeom prst="rect">
@@ -4247,14 +4187,14 @@
           <p:nvPr/>
         </p:nvPicPr>
         <p:blipFill>
-          <a:blip r:embed="rId11"/>
+          <a:blip r:embed="rId10"/>
           <a:stretch>
             <a:fillRect/>
           </a:stretch>
         </p:blipFill>
         <p:spPr>
           <a:xfrm>
-            <a:off x="1108213" y="4645357"/>
+            <a:off x="1108213" y="5331157"/>
             <a:ext cx="3255444" cy="333892"/>
           </a:xfrm>
           <a:prstGeom prst="rect">
@@ -4277,14 +4217,14 @@
           <p:nvPr/>
         </p:nvPicPr>
         <p:blipFill>
-          <a:blip r:embed="rId12"/>
+          <a:blip r:embed="rId11"/>
           <a:stretch>
             <a:fillRect/>
           </a:stretch>
         </p:blipFill>
         <p:spPr>
           <a:xfrm>
-            <a:off x="2438273" y="7810106"/>
+            <a:off x="2438273" y="7642466"/>
             <a:ext cx="1076475" cy="359997"/>
           </a:xfrm>
           <a:prstGeom prst="rect">
@@ -4307,14 +4247,14 @@
           <p:nvPr/>
         </p:nvPicPr>
         <p:blipFill>
-          <a:blip r:embed="rId13"/>
+          <a:blip r:embed="rId12"/>
           <a:stretch>
             <a:fillRect/>
           </a:stretch>
         </p:blipFill>
         <p:spPr>
           <a:xfrm>
-            <a:off x="3939676" y="1349452"/>
+            <a:off x="3939676" y="1593292"/>
             <a:ext cx="4963218" cy="295316"/>
           </a:xfrm>
           <a:prstGeom prst="rect">
@@ -4337,14 +4277,14 @@
           <p:nvPr/>
         </p:nvPicPr>
         <p:blipFill>
-          <a:blip r:embed="rId14"/>
+          <a:blip r:embed="rId13"/>
           <a:stretch>
             <a:fillRect/>
           </a:stretch>
         </p:blipFill>
         <p:spPr>
           <a:xfrm>
-            <a:off x="7039370" y="916697"/>
+            <a:off x="7039370" y="1160537"/>
             <a:ext cx="2561310" cy="402066"/>
           </a:xfrm>
           <a:prstGeom prst="rect">
@@ -4352,301 +4292,6 @@
           </a:prstGeom>
         </p:spPr>
       </p:pic>
-      <p:sp>
-        <p:nvSpPr>
-          <p:cNvPr id="9" name="TextBox 8">
-            <a:extLst>
-              <a:ext uri="{FF2B5EF4-FFF2-40B4-BE49-F238E27FC236}">
-                <a16:creationId xmlns:a16="http://schemas.microsoft.com/office/drawing/2014/main" id="{FA218FFE-6EAB-445B-AF3F-AB0BECCC074A}"/>
-              </a:ext>
-            </a:extLst>
-          </p:cNvPr>
-          <p:cNvSpPr txBox="1"/>
-          <p:nvPr/>
-        </p:nvSpPr>
-        <p:spPr>
-          <a:xfrm>
-            <a:off x="772160" y="934721"/>
-            <a:ext cx="10647680" cy="8596969"/>
-          </a:xfrm>
-          <a:prstGeom prst="rect">
-            <a:avLst/>
-          </a:prstGeom>
-          <a:noFill/>
-        </p:spPr>
-        <p:txBody>
-          <a:bodyPr wrap="square" rtlCol="0">
-            <a:spAutoFit/>
-          </a:bodyPr>
-          <a:lstStyle/>
-          <a:p>
-            <a:pPr>
-              <a:lnSpc>
-                <a:spcPct val="107000"/>
-              </a:lnSpc>
-              <a:spcAft>
-                <a:spcPts val="800"/>
-              </a:spcAft>
-            </a:pPr>
-            <a:r>
-              <a:rPr lang="en-AU" sz="2000" dirty="0">
-                <a:latin typeface="Courier New" panose="02070309020205020404" pitchFamily="49" charset="0"/>
-                <a:cs typeface="Courier New" panose="02070309020205020404" pitchFamily="49" charset="0"/>
-              </a:rPr>
-              <a:t>When the print terminal locks up, only a support employee can unlock it by entering a valid username and access code.</a:t>
-            </a:r>
-          </a:p>
-          <a:p>
-            <a:pPr>
-              <a:lnSpc>
-                <a:spcPct val="107000"/>
-              </a:lnSpc>
-              <a:spcAft>
-                <a:spcPts val="800"/>
-              </a:spcAft>
-            </a:pPr>
-            <a:r>
-              <a:rPr lang="en-AU" sz="2000" dirty="0">
-                <a:latin typeface="Courier New" panose="02070309020205020404" pitchFamily="49" charset="0"/>
-                <a:cs typeface="Courier New" panose="02070309020205020404" pitchFamily="49" charset="0"/>
-              </a:rPr>
-              <a:t>I’ve narrowed it down to four possibilities and pulled their records from the database. Now I just need to match the usernames to access codes and figure out who works where. </a:t>
-            </a:r>
-          </a:p>
-          <a:p>
-            <a:pPr>
-              <a:lnSpc>
-                <a:spcPct val="107000"/>
-              </a:lnSpc>
-              <a:spcAft>
-                <a:spcPts val="800"/>
-              </a:spcAft>
-            </a:pPr>
-            <a:r>
-              <a:rPr lang="en-AU" sz="2000" dirty="0">
-                <a:latin typeface="Courier New" panose="02070309020205020404" pitchFamily="49" charset="0"/>
-                <a:cs typeface="Courier New" panose="02070309020205020404" pitchFamily="49" charset="0"/>
-              </a:rPr>
-              <a:t>Luckily, I’ve got a few clues to go on:</a:t>
-            </a:r>
-          </a:p>
-          <a:p>
-            <a:pPr marL="342900" lvl="0" indent="-342900">
-              <a:lnSpc>
-                <a:spcPct val="107000"/>
-              </a:lnSpc>
-              <a:spcBef>
-                <a:spcPts val="1800"/>
-              </a:spcBef>
-              <a:buFont typeface="+mj-lt"/>
-              <a:buAutoNum type="arabicPeriod"/>
-            </a:pPr>
-            <a:r>
-              <a:rPr lang="en-AU" sz="2000" dirty="0">
-                <a:latin typeface="Courier New" panose="02070309020205020404" pitchFamily="49" charset="0"/>
-                <a:cs typeface="Courier New" panose="02070309020205020404" pitchFamily="49" charset="0"/>
-              </a:rPr>
-              <a:t>I recognise one of these usernames as belonging to </a:t>
-            </a:r>
-            <a:br>
-              <a:rPr lang="en-AU" sz="2000" dirty="0">
-                <a:latin typeface="Courier New" panose="02070309020205020404" pitchFamily="49" charset="0"/>
-                <a:cs typeface="Courier New" panose="02070309020205020404" pitchFamily="49" charset="0"/>
-              </a:rPr>
-            </a:br>
-            <a:r>
-              <a:rPr lang="en-AU" sz="2000" dirty="0">
-                <a:latin typeface="Courier New" panose="02070309020205020404" pitchFamily="49" charset="0"/>
-                <a:cs typeface="Courier New" panose="02070309020205020404" pitchFamily="49" charset="0"/>
-              </a:rPr>
-              <a:t>Bill M. from maintenance.</a:t>
-            </a:r>
-          </a:p>
-          <a:p>
-            <a:pPr marL="342900" lvl="0" indent="-342900">
-              <a:lnSpc>
-                <a:spcPct val="107000"/>
-              </a:lnSpc>
-              <a:spcBef>
-                <a:spcPts val="1800"/>
-              </a:spcBef>
-              <a:buFont typeface="+mj-lt"/>
-              <a:buAutoNum type="arabicPeriod"/>
-            </a:pPr>
-            <a:r>
-              <a:rPr lang="en-AU" sz="2000" dirty="0">
-                <a:latin typeface="Courier New" panose="02070309020205020404" pitchFamily="49" charset="0"/>
-                <a:cs typeface="Courier New" panose="02070309020205020404" pitchFamily="49" charset="0"/>
-              </a:rPr>
-              <a:t>Whoever has access code 5523, they don’t work in </a:t>
-            </a:r>
-            <a:br>
-              <a:rPr lang="en-AU" sz="2000" dirty="0">
-                <a:latin typeface="Courier New" panose="02070309020205020404" pitchFamily="49" charset="0"/>
-                <a:cs typeface="Courier New" panose="02070309020205020404" pitchFamily="49" charset="0"/>
-              </a:rPr>
-            </a:br>
-            <a:r>
-              <a:rPr lang="en-AU" sz="2000" dirty="0">
-                <a:latin typeface="Courier New" panose="02070309020205020404" pitchFamily="49" charset="0"/>
-                <a:cs typeface="Courier New" panose="02070309020205020404" pitchFamily="49" charset="0"/>
-              </a:rPr>
-              <a:t>support or technical.</a:t>
-            </a:r>
-          </a:p>
-          <a:p>
-            <a:pPr marL="342900" lvl="0" indent="-342900">
-              <a:lnSpc>
-                <a:spcPct val="107000"/>
-              </a:lnSpc>
-              <a:spcBef>
-                <a:spcPts val="1800"/>
-              </a:spcBef>
-              <a:buFont typeface="+mj-lt"/>
-              <a:buAutoNum type="arabicPeriod"/>
-            </a:pPr>
-            <a:r>
-              <a:rPr lang="en-AU" sz="2000" dirty="0">
-                <a:latin typeface="Courier New" panose="02070309020205020404" pitchFamily="49" charset="0"/>
-                <a:cs typeface="Courier New" panose="02070309020205020404" pitchFamily="49" charset="0"/>
-              </a:rPr>
-              <a:t>I’ve seen k.ahmad type in her access code – it definitely </a:t>
-            </a:r>
-            <a:br>
-              <a:rPr lang="en-AU" sz="2000" dirty="0">
-                <a:latin typeface="Courier New" panose="02070309020205020404" pitchFamily="49" charset="0"/>
-                <a:cs typeface="Courier New" panose="02070309020205020404" pitchFamily="49" charset="0"/>
-              </a:rPr>
-            </a:br>
-            <a:r>
-              <a:rPr lang="en-AU" sz="2000" dirty="0">
-                <a:latin typeface="Courier New" panose="02070309020205020404" pitchFamily="49" charset="0"/>
-                <a:cs typeface="Courier New" panose="02070309020205020404" pitchFamily="49" charset="0"/>
-              </a:rPr>
-              <a:t>contains a 6.</a:t>
-            </a:r>
-          </a:p>
-          <a:p>
-            <a:pPr marL="342900" lvl="0" indent="-342900">
-              <a:lnSpc>
-                <a:spcPct val="107000"/>
-              </a:lnSpc>
-              <a:spcBef>
-                <a:spcPts val="1800"/>
-              </a:spcBef>
-              <a:buFont typeface="+mj-lt"/>
-              <a:buAutoNum type="arabicPeriod"/>
-            </a:pPr>
-            <a:r>
-              <a:rPr lang="en-AU" sz="2000" dirty="0">
-                <a:latin typeface="Courier New" panose="02070309020205020404" pitchFamily="49" charset="0"/>
-                <a:cs typeface="Courier New" panose="02070309020205020404" pitchFamily="49" charset="0"/>
-              </a:rPr>
-              <a:t>I recently shoulder-surfed someone from operations. I don’t </a:t>
-            </a:r>
-            <a:br>
-              <a:rPr lang="en-AU" sz="2000" dirty="0">
-                <a:latin typeface="Courier New" panose="02070309020205020404" pitchFamily="49" charset="0"/>
-                <a:cs typeface="Courier New" panose="02070309020205020404" pitchFamily="49" charset="0"/>
-              </a:rPr>
-            </a:br>
-            <a:r>
-              <a:rPr lang="en-AU" sz="2000" dirty="0">
-                <a:latin typeface="Courier New" panose="02070309020205020404" pitchFamily="49" charset="0"/>
-                <a:cs typeface="Courier New" panose="02070309020205020404" pitchFamily="49" charset="0"/>
-              </a:rPr>
-              <a:t>know what their name is, but their access code is 2297.</a:t>
-            </a:r>
-          </a:p>
-          <a:p>
-            <a:pPr marL="342900" lvl="0" indent="-342900">
-              <a:lnSpc>
-                <a:spcPct val="107000"/>
-              </a:lnSpc>
-              <a:spcBef>
-                <a:spcPts val="1800"/>
-              </a:spcBef>
-              <a:buFont typeface="+mj-lt"/>
-              <a:buAutoNum type="arabicPeriod"/>
-            </a:pPr>
-            <a:r>
-              <a:rPr lang="en-AU" sz="2000" dirty="0">
-                <a:latin typeface="Courier New" panose="02070309020205020404" pitchFamily="49" charset="0"/>
-                <a:cs typeface="Courier New" panose="02070309020205020404" pitchFamily="49" charset="0"/>
-              </a:rPr>
-              <a:t>This is a big one – I’ve heard that employees from support always have access codes beginning with 2.</a:t>
-            </a:r>
-          </a:p>
-          <a:p>
-            <a:pPr marL="342900" lvl="0" indent="-342900">
-              <a:lnSpc>
-                <a:spcPct val="107000"/>
-              </a:lnSpc>
-              <a:spcBef>
-                <a:spcPts val="1800"/>
-              </a:spcBef>
-              <a:buFont typeface="+mj-lt"/>
-              <a:buAutoNum type="arabicPeriod"/>
-            </a:pPr>
-            <a:r>
-              <a:rPr lang="en-AU" sz="2000" dirty="0">
-                <a:latin typeface="Courier New" panose="02070309020205020404" pitchFamily="49" charset="0"/>
-                <a:cs typeface="Courier New" panose="02070309020205020404" pitchFamily="49" charset="0"/>
-              </a:rPr>
-              <a:t>Three is Bill’s lucky number – he always picks an </a:t>
-            </a:r>
-            <a:br>
-              <a:rPr lang="en-AU" sz="2000" dirty="0">
-                <a:latin typeface="Courier New" panose="02070309020205020404" pitchFamily="49" charset="0"/>
-                <a:cs typeface="Courier New" panose="02070309020205020404" pitchFamily="49" charset="0"/>
-              </a:rPr>
-            </a:br>
-            <a:r>
-              <a:rPr lang="en-AU" sz="2000" dirty="0">
-                <a:latin typeface="Courier New" panose="02070309020205020404" pitchFamily="49" charset="0"/>
-                <a:cs typeface="Courier New" panose="02070309020205020404" pitchFamily="49" charset="0"/>
-              </a:rPr>
-              <a:t>access code that starts or ends in 3.</a:t>
-            </a:r>
-          </a:p>
-          <a:p>
-            <a:pPr marL="342900" lvl="0" indent="-342900">
-              <a:lnSpc>
-                <a:spcPct val="107000"/>
-              </a:lnSpc>
-              <a:spcBef>
-                <a:spcPts val="1800"/>
-              </a:spcBef>
-              <a:spcAft>
-                <a:spcPts val="800"/>
-              </a:spcAft>
-              <a:buFont typeface="+mj-lt"/>
-              <a:buAutoNum type="arabicPeriod"/>
-            </a:pPr>
-            <a:r>
-              <a:rPr lang="en-AU" sz="2000" dirty="0">
-                <a:latin typeface="Courier New" panose="02070309020205020404" pitchFamily="49" charset="0"/>
-                <a:cs typeface="Courier New" panose="02070309020205020404" pitchFamily="49" charset="0"/>
-              </a:rPr>
-              <a:t>Whoever </a:t>
-            </a:r>
-            <a:r>
-              <a:rPr lang="en-AU" sz="2000" dirty="0" err="1">
-                <a:latin typeface="Courier New" panose="02070309020205020404" pitchFamily="49" charset="0"/>
-                <a:cs typeface="Courier New" panose="02070309020205020404" pitchFamily="49" charset="0"/>
-              </a:rPr>
-              <a:t>h.liu</a:t>
-            </a:r>
-            <a:r>
-              <a:rPr lang="en-AU" sz="2000" dirty="0">
-                <a:latin typeface="Courier New" panose="02070309020205020404" pitchFamily="49" charset="0"/>
-                <a:cs typeface="Courier New" panose="02070309020205020404" pitchFamily="49" charset="0"/>
-              </a:rPr>
-              <a:t> is, they need to stop writing down their passwords on sticky notes. Now I know their access code is 2297.</a:t>
-            </a:r>
-          </a:p>
-        </p:txBody>
-      </p:sp>
       <p:graphicFrame>
         <p:nvGraphicFramePr>
           <p:cNvPr id="3" name="Table 2">
@@ -7804,14 +7449,14 @@
                     <a:p>
                       <a:pPr algn="ctr" fontAlgn="ctr"/>
                       <a:r>
-                        <a:rPr lang="en-AU" sz="1800" u="none" strike="noStrike">
+                        <a:rPr lang="en-AU" sz="1800" u="none" strike="noStrike" dirty="0" err="1">
                           <a:effectLst/>
                           <a:latin typeface="Courier New" panose="02070309020205020404" pitchFamily="49" charset="0"/>
                           <a:cs typeface="Courier New" panose="02070309020205020404" pitchFamily="49" charset="0"/>
                         </a:rPr>
                         <a:t>s.alford</a:t>
                       </a:r>
-                      <a:endParaRPr lang="en-AU" sz="1800" b="0" i="0" u="none" strike="noStrike">
+                      <a:endParaRPr lang="en-AU" sz="1800" b="0" i="0" u="none" strike="noStrike" dirty="0">
                         <a:solidFill>
                           <a:srgbClr val="000000"/>
                         </a:solidFill>
@@ -10799,6 +10444,341 @@
           </a:graphicData>
         </a:graphic>
       </p:graphicFrame>
+      <p:pic>
+        <p:nvPicPr>
+          <p:cNvPr id="19" name="Picture 18">
+            <a:extLst>
+              <a:ext uri="{FF2B5EF4-FFF2-40B4-BE49-F238E27FC236}">
+                <a16:creationId xmlns:a16="http://schemas.microsoft.com/office/drawing/2014/main" id="{F4035D8F-D4D0-4891-A590-ECF90F438CC1}"/>
+              </a:ext>
+            </a:extLst>
+          </p:cNvPr>
+          <p:cNvPicPr>
+            <a:picLocks noChangeAspect="1"/>
+          </p:cNvPicPr>
+          <p:nvPr/>
+        </p:nvPicPr>
+        <p:blipFill>
+          <a:blip r:embed="rId11"/>
+          <a:stretch>
+            <a:fillRect/>
+          </a:stretch>
+        </p:blipFill>
+        <p:spPr>
+          <a:xfrm rot="10592591">
+            <a:off x="7813466" y="5922151"/>
+            <a:ext cx="1426723" cy="362271"/>
+          </a:xfrm>
+          <a:prstGeom prst="rect">
+            <a:avLst/>
+          </a:prstGeom>
+        </p:spPr>
+      </p:pic>
+      <p:sp>
+        <p:nvSpPr>
+          <p:cNvPr id="9" name="TextBox 8">
+            <a:extLst>
+              <a:ext uri="{FF2B5EF4-FFF2-40B4-BE49-F238E27FC236}">
+                <a16:creationId xmlns:a16="http://schemas.microsoft.com/office/drawing/2014/main" id="{FA218FFE-6EAB-445B-AF3F-AB0BECCC074A}"/>
+              </a:ext>
+            </a:extLst>
+          </p:cNvPr>
+          <p:cNvSpPr txBox="1"/>
+          <p:nvPr/>
+        </p:nvSpPr>
+        <p:spPr>
+          <a:xfrm>
+            <a:off x="772160" y="1178561"/>
+            <a:ext cx="10647680" cy="8139408"/>
+          </a:xfrm>
+          <a:prstGeom prst="rect">
+            <a:avLst/>
+          </a:prstGeom>
+          <a:noFill/>
+        </p:spPr>
+        <p:txBody>
+          <a:bodyPr wrap="square" rtlCol="0">
+            <a:spAutoFit/>
+          </a:bodyPr>
+          <a:lstStyle/>
+          <a:p>
+            <a:pPr>
+              <a:lnSpc>
+                <a:spcPct val="107000"/>
+              </a:lnSpc>
+              <a:spcAft>
+                <a:spcPts val="800"/>
+              </a:spcAft>
+            </a:pPr>
+            <a:r>
+              <a:rPr lang="en-AU" sz="2000" dirty="0">
+                <a:latin typeface="Courier New" panose="02070309020205020404" pitchFamily="49" charset="0"/>
+                <a:cs typeface="Courier New" panose="02070309020205020404" pitchFamily="49" charset="0"/>
+              </a:rPr>
+              <a:t>When the print terminal locks up, only a support employee can unlock it by entering a valid username and access code.</a:t>
+            </a:r>
+          </a:p>
+          <a:p>
+            <a:pPr>
+              <a:lnSpc>
+                <a:spcPct val="107000"/>
+              </a:lnSpc>
+              <a:spcAft>
+                <a:spcPts val="800"/>
+              </a:spcAft>
+            </a:pPr>
+            <a:r>
+              <a:rPr lang="en-AU" sz="2000" dirty="0">
+                <a:latin typeface="Courier New" panose="02070309020205020404" pitchFamily="49" charset="0"/>
+                <a:cs typeface="Courier New" panose="02070309020205020404" pitchFamily="49" charset="0"/>
+              </a:rPr>
+              <a:t>I’ve narrowed it down to four possibilities and pulled their records from the database. Now I just need to match the usernames to access codes and figure out who works where. </a:t>
+            </a:r>
+          </a:p>
+          <a:p>
+            <a:pPr>
+              <a:lnSpc>
+                <a:spcPct val="107000"/>
+              </a:lnSpc>
+              <a:spcAft>
+                <a:spcPts val="800"/>
+              </a:spcAft>
+            </a:pPr>
+            <a:endParaRPr lang="en-AU" sz="2000" dirty="0">
+              <a:latin typeface="Courier New" panose="02070309020205020404" pitchFamily="49" charset="0"/>
+              <a:cs typeface="Courier New" panose="02070309020205020404" pitchFamily="49" charset="0"/>
+            </a:endParaRPr>
+          </a:p>
+          <a:p>
+            <a:pPr>
+              <a:lnSpc>
+                <a:spcPct val="107000"/>
+              </a:lnSpc>
+              <a:spcAft>
+                <a:spcPts val="800"/>
+              </a:spcAft>
+            </a:pPr>
+            <a:r>
+              <a:rPr lang="en-AU" sz="2000" dirty="0">
+                <a:latin typeface="Courier New" panose="02070309020205020404" pitchFamily="49" charset="0"/>
+                <a:cs typeface="Courier New" panose="02070309020205020404" pitchFamily="49" charset="0"/>
+              </a:rPr>
+              <a:t>Luckily, I’ve got a few clues to go on:</a:t>
+            </a:r>
+          </a:p>
+          <a:p>
+            <a:pPr marL="342900" lvl="0" indent="-342900">
+              <a:lnSpc>
+                <a:spcPct val="107000"/>
+              </a:lnSpc>
+              <a:spcBef>
+                <a:spcPts val="1800"/>
+              </a:spcBef>
+              <a:buFont typeface="+mj-lt"/>
+              <a:buAutoNum type="arabicPeriod"/>
+            </a:pPr>
+            <a:r>
+              <a:rPr lang="en-AU" sz="2000" dirty="0">
+                <a:latin typeface="Courier New" panose="02070309020205020404" pitchFamily="49" charset="0"/>
+                <a:cs typeface="Courier New" panose="02070309020205020404" pitchFamily="49" charset="0"/>
+              </a:rPr>
+              <a:t>I recognise one of these usernames as belonging to </a:t>
+            </a:r>
+            <a:br>
+              <a:rPr lang="en-AU" sz="2000" dirty="0">
+                <a:latin typeface="Courier New" panose="02070309020205020404" pitchFamily="49" charset="0"/>
+                <a:cs typeface="Courier New" panose="02070309020205020404" pitchFamily="49" charset="0"/>
+              </a:rPr>
+            </a:br>
+            <a:r>
+              <a:rPr lang="en-AU" sz="2000" dirty="0">
+                <a:latin typeface="Courier New" panose="02070309020205020404" pitchFamily="49" charset="0"/>
+                <a:cs typeface="Courier New" panose="02070309020205020404" pitchFamily="49" charset="0"/>
+              </a:rPr>
+              <a:t>Bill M. from maintenance.</a:t>
+            </a:r>
+          </a:p>
+          <a:p>
+            <a:pPr marL="342900" lvl="0" indent="-342900">
+              <a:lnSpc>
+                <a:spcPct val="107000"/>
+              </a:lnSpc>
+              <a:spcBef>
+                <a:spcPts val="1800"/>
+              </a:spcBef>
+              <a:buFont typeface="+mj-lt"/>
+              <a:buAutoNum type="arabicPeriod"/>
+            </a:pPr>
+            <a:r>
+              <a:rPr lang="en-AU" sz="2000" dirty="0">
+                <a:latin typeface="Courier New" panose="02070309020205020404" pitchFamily="49" charset="0"/>
+                <a:cs typeface="Courier New" panose="02070309020205020404" pitchFamily="49" charset="0"/>
+              </a:rPr>
+              <a:t>Whoever has access code 5523, they don’t work in </a:t>
+            </a:r>
+            <a:br>
+              <a:rPr lang="en-AU" sz="2000" dirty="0">
+                <a:latin typeface="Courier New" panose="02070309020205020404" pitchFamily="49" charset="0"/>
+                <a:cs typeface="Courier New" panose="02070309020205020404" pitchFamily="49" charset="0"/>
+              </a:rPr>
+            </a:br>
+            <a:r>
+              <a:rPr lang="en-AU" sz="2000" dirty="0">
+                <a:latin typeface="Courier New" panose="02070309020205020404" pitchFamily="49" charset="0"/>
+                <a:cs typeface="Courier New" panose="02070309020205020404" pitchFamily="49" charset="0"/>
+              </a:rPr>
+              <a:t>support or technical.</a:t>
+            </a:r>
+          </a:p>
+          <a:p>
+            <a:pPr marL="342900" lvl="0" indent="-342900">
+              <a:lnSpc>
+                <a:spcPct val="107000"/>
+              </a:lnSpc>
+              <a:spcBef>
+                <a:spcPts val="1800"/>
+              </a:spcBef>
+              <a:buFont typeface="+mj-lt"/>
+              <a:buAutoNum type="arabicPeriod"/>
+            </a:pPr>
+            <a:r>
+              <a:rPr lang="en-AU" sz="2000" dirty="0">
+                <a:latin typeface="Courier New" panose="02070309020205020404" pitchFamily="49" charset="0"/>
+                <a:cs typeface="Courier New" panose="02070309020205020404" pitchFamily="49" charset="0"/>
+              </a:rPr>
+              <a:t>While she doesn’t work in support, I’ve seen </a:t>
+            </a:r>
+            <a:r>
+              <a:rPr lang="en-AU" sz="2000" dirty="0" err="1">
+                <a:latin typeface="Courier New" panose="02070309020205020404" pitchFamily="49" charset="0"/>
+                <a:cs typeface="Courier New" panose="02070309020205020404" pitchFamily="49" charset="0"/>
+              </a:rPr>
+              <a:t>k.ahmad</a:t>
+            </a:r>
+            <a:r>
+              <a:rPr lang="en-AU" sz="2000" dirty="0">
+                <a:latin typeface="Courier New" panose="02070309020205020404" pitchFamily="49" charset="0"/>
+                <a:cs typeface="Courier New" panose="02070309020205020404" pitchFamily="49" charset="0"/>
+              </a:rPr>
+              <a:t> type </a:t>
+            </a:r>
+            <a:br>
+              <a:rPr lang="en-AU" sz="2000" dirty="0">
+                <a:latin typeface="Courier New" panose="02070309020205020404" pitchFamily="49" charset="0"/>
+                <a:cs typeface="Courier New" panose="02070309020205020404" pitchFamily="49" charset="0"/>
+              </a:rPr>
+            </a:br>
+            <a:r>
+              <a:rPr lang="en-AU" sz="2000" dirty="0">
+                <a:latin typeface="Courier New" panose="02070309020205020404" pitchFamily="49" charset="0"/>
+                <a:cs typeface="Courier New" panose="02070309020205020404" pitchFamily="49" charset="0"/>
+              </a:rPr>
+              <a:t>in her access code – and it definitely contains a 6.</a:t>
+            </a:r>
+          </a:p>
+          <a:p>
+            <a:pPr marL="342900" lvl="0" indent="-342900">
+              <a:lnSpc>
+                <a:spcPct val="107000"/>
+              </a:lnSpc>
+              <a:spcBef>
+                <a:spcPts val="1800"/>
+              </a:spcBef>
+              <a:buFont typeface="+mj-lt"/>
+              <a:buAutoNum type="arabicPeriod"/>
+            </a:pPr>
+            <a:r>
+              <a:rPr lang="en-AU" sz="2000" dirty="0">
+                <a:latin typeface="Courier New" panose="02070309020205020404" pitchFamily="49" charset="0"/>
+                <a:cs typeface="Courier New" panose="02070309020205020404" pitchFamily="49" charset="0"/>
+              </a:rPr>
+              <a:t>I recently shoulder-surfed someone from operations. I don’t </a:t>
+            </a:r>
+            <a:br>
+              <a:rPr lang="en-AU" sz="2000" dirty="0">
+                <a:latin typeface="Courier New" panose="02070309020205020404" pitchFamily="49" charset="0"/>
+                <a:cs typeface="Courier New" panose="02070309020205020404" pitchFamily="49" charset="0"/>
+              </a:rPr>
+            </a:br>
+            <a:r>
+              <a:rPr lang="en-AU" sz="2000" dirty="0">
+                <a:latin typeface="Courier New" panose="02070309020205020404" pitchFamily="49" charset="0"/>
+                <a:cs typeface="Courier New" panose="02070309020205020404" pitchFamily="49" charset="0"/>
+              </a:rPr>
+              <a:t>know what their name is, but their access code is 2297. </a:t>
+            </a:r>
+          </a:p>
+          <a:p>
+            <a:pPr marL="342900" lvl="0" indent="-342900">
+              <a:lnSpc>
+                <a:spcPct val="107000"/>
+              </a:lnSpc>
+              <a:spcBef>
+                <a:spcPts val="1800"/>
+              </a:spcBef>
+              <a:buFont typeface="+mj-lt"/>
+              <a:buAutoNum type="arabicPeriod"/>
+            </a:pPr>
+            <a:r>
+              <a:rPr lang="en-AU" sz="2000" dirty="0">
+                <a:latin typeface="Courier New" panose="02070309020205020404" pitchFamily="49" charset="0"/>
+                <a:cs typeface="Courier New" panose="02070309020205020404" pitchFamily="49" charset="0"/>
+              </a:rPr>
+              <a:t>Three is Bill’s lucky number – he always picks an </a:t>
+            </a:r>
+            <a:br>
+              <a:rPr lang="en-AU" sz="2000" dirty="0">
+                <a:latin typeface="Courier New" panose="02070309020205020404" pitchFamily="49" charset="0"/>
+                <a:cs typeface="Courier New" panose="02070309020205020404" pitchFamily="49" charset="0"/>
+              </a:rPr>
+            </a:br>
+            <a:r>
+              <a:rPr lang="en-AU" sz="2000" dirty="0">
+                <a:latin typeface="Courier New" panose="02070309020205020404" pitchFamily="49" charset="0"/>
+                <a:cs typeface="Courier New" panose="02070309020205020404" pitchFamily="49" charset="0"/>
+              </a:rPr>
+              <a:t>access code that starts or ends in 3.</a:t>
+            </a:r>
+          </a:p>
+          <a:p>
+            <a:pPr marL="342900" lvl="0" indent="-342900">
+              <a:lnSpc>
+                <a:spcPct val="107000"/>
+              </a:lnSpc>
+              <a:spcBef>
+                <a:spcPts val="1800"/>
+              </a:spcBef>
+              <a:spcAft>
+                <a:spcPts val="800"/>
+              </a:spcAft>
+              <a:buFont typeface="+mj-lt"/>
+              <a:buAutoNum type="arabicPeriod"/>
+            </a:pPr>
+            <a:r>
+              <a:rPr lang="en-AU" sz="2000" dirty="0">
+                <a:latin typeface="Courier New" panose="02070309020205020404" pitchFamily="49" charset="0"/>
+                <a:cs typeface="Courier New" panose="02070309020205020404" pitchFamily="49" charset="0"/>
+              </a:rPr>
+              <a:t>Whoever </a:t>
+            </a:r>
+            <a:r>
+              <a:rPr lang="en-AU" sz="2000" u="none" strike="noStrike" dirty="0">
+                <a:effectLst/>
+                <a:latin typeface="Courier New" panose="02070309020205020404" pitchFamily="49" charset="0"/>
+                <a:cs typeface="Courier New" panose="02070309020205020404" pitchFamily="49" charset="0"/>
+              </a:rPr>
+              <a:t>“S.A.”</a:t>
+            </a:r>
+            <a:r>
+              <a:rPr lang="en-AU" sz="2000" dirty="0">
+                <a:latin typeface="Courier New" panose="02070309020205020404" pitchFamily="49" charset="0"/>
+                <a:cs typeface="Courier New" panose="02070309020205020404" pitchFamily="49" charset="0"/>
+              </a:rPr>
+              <a:t> is, they need to stop writing down their passwords on sticky notes. Now I know their access code is 2618.</a:t>
+            </a:r>
+          </a:p>
+        </p:txBody>
+      </p:sp>
     </p:spTree>
     <p:extLst>
       <p:ext uri="{BB962C8B-B14F-4D97-AF65-F5344CB8AC3E}">

--- a/Clues.pptx
+++ b/Clues.pptx
@@ -9,6 +9,7 @@
     <p:sldId id="259" r:id="rId3"/>
     <p:sldId id="257" r:id="rId4"/>
     <p:sldId id="258" r:id="rId5"/>
+    <p:sldId id="260" r:id="rId6"/>
   </p:sldIdLst>
   <p:sldSz cx="12192000" cy="16256000"/>
   <p:notesSz cx="6858000" cy="9144000"/>
@@ -246,7 +247,7 @@
           <a:p>
             <a:fld id="{2A2C2C6E-F6BD-497D-87CF-72A02E526C5B}" type="datetimeFigureOut">
               <a:rPr lang="en-AU" smtClean="0"/>
-              <a:t>5/09/2021</a:t>
+              <a:t>6/09/2021</a:t>
             </a:fld>
             <a:endParaRPr lang="en-AU"/>
           </a:p>
@@ -416,7 +417,7 @@
           <a:p>
             <a:fld id="{2A2C2C6E-F6BD-497D-87CF-72A02E526C5B}" type="datetimeFigureOut">
               <a:rPr lang="en-AU" smtClean="0"/>
-              <a:t>5/09/2021</a:t>
+              <a:t>6/09/2021</a:t>
             </a:fld>
             <a:endParaRPr lang="en-AU"/>
           </a:p>
@@ -596,7 +597,7 @@
           <a:p>
             <a:fld id="{2A2C2C6E-F6BD-497D-87CF-72A02E526C5B}" type="datetimeFigureOut">
               <a:rPr lang="en-AU" smtClean="0"/>
-              <a:t>5/09/2021</a:t>
+              <a:t>6/09/2021</a:t>
             </a:fld>
             <a:endParaRPr lang="en-AU"/>
           </a:p>
@@ -766,7 +767,7 @@
           <a:p>
             <a:fld id="{2A2C2C6E-F6BD-497D-87CF-72A02E526C5B}" type="datetimeFigureOut">
               <a:rPr lang="en-AU" smtClean="0"/>
-              <a:t>5/09/2021</a:t>
+              <a:t>6/09/2021</a:t>
             </a:fld>
             <a:endParaRPr lang="en-AU"/>
           </a:p>
@@ -1010,7 +1011,7 @@
           <a:p>
             <a:fld id="{2A2C2C6E-F6BD-497D-87CF-72A02E526C5B}" type="datetimeFigureOut">
               <a:rPr lang="en-AU" smtClean="0"/>
-              <a:t>5/09/2021</a:t>
+              <a:t>6/09/2021</a:t>
             </a:fld>
             <a:endParaRPr lang="en-AU"/>
           </a:p>
@@ -1242,7 +1243,7 @@
           <a:p>
             <a:fld id="{2A2C2C6E-F6BD-497D-87CF-72A02E526C5B}" type="datetimeFigureOut">
               <a:rPr lang="en-AU" smtClean="0"/>
-              <a:t>5/09/2021</a:t>
+              <a:t>6/09/2021</a:t>
             </a:fld>
             <a:endParaRPr lang="en-AU"/>
           </a:p>
@@ -1609,7 +1610,7 @@
           <a:p>
             <a:fld id="{2A2C2C6E-F6BD-497D-87CF-72A02E526C5B}" type="datetimeFigureOut">
               <a:rPr lang="en-AU" smtClean="0"/>
-              <a:t>5/09/2021</a:t>
+              <a:t>6/09/2021</a:t>
             </a:fld>
             <a:endParaRPr lang="en-AU"/>
           </a:p>
@@ -1727,7 +1728,7 @@
           <a:p>
             <a:fld id="{2A2C2C6E-F6BD-497D-87CF-72A02E526C5B}" type="datetimeFigureOut">
               <a:rPr lang="en-AU" smtClean="0"/>
-              <a:t>5/09/2021</a:t>
+              <a:t>6/09/2021</a:t>
             </a:fld>
             <a:endParaRPr lang="en-AU"/>
           </a:p>
@@ -1822,7 +1823,7 @@
           <a:p>
             <a:fld id="{2A2C2C6E-F6BD-497D-87CF-72A02E526C5B}" type="datetimeFigureOut">
               <a:rPr lang="en-AU" smtClean="0"/>
-              <a:t>5/09/2021</a:t>
+              <a:t>6/09/2021</a:t>
             </a:fld>
             <a:endParaRPr lang="en-AU"/>
           </a:p>
@@ -2099,7 +2100,7 @@
           <a:p>
             <a:fld id="{2A2C2C6E-F6BD-497D-87CF-72A02E526C5B}" type="datetimeFigureOut">
               <a:rPr lang="en-AU" smtClean="0"/>
-              <a:t>5/09/2021</a:t>
+              <a:t>6/09/2021</a:t>
             </a:fld>
             <a:endParaRPr lang="en-AU"/>
           </a:p>
@@ -2356,7 +2357,7 @@
           <a:p>
             <a:fld id="{2A2C2C6E-F6BD-497D-87CF-72A02E526C5B}" type="datetimeFigureOut">
               <a:rPr lang="en-AU" smtClean="0"/>
-              <a:t>5/09/2021</a:t>
+              <a:t>6/09/2021</a:t>
             </a:fld>
             <a:endParaRPr lang="en-AU"/>
           </a:p>
@@ -2569,7 +2570,7 @@
           <a:p>
             <a:fld id="{2A2C2C6E-F6BD-497D-87CF-72A02E526C5B}" type="datetimeFigureOut">
               <a:rPr lang="en-AU" smtClean="0"/>
-              <a:t>5/09/2021</a:t>
+              <a:t>6/09/2021</a:t>
             </a:fld>
             <a:endParaRPr lang="en-AU"/>
           </a:p>
@@ -10489,7 +10490,7 @@
         <p:spPr>
           <a:xfrm>
             <a:off x="772160" y="1178561"/>
-            <a:ext cx="10647680" cy="8139408"/>
+            <a:ext cx="10901680" cy="8139408"/>
           </a:xfrm>
           <a:prstGeom prst="rect">
             <a:avLst/>
@@ -10532,7 +10533,7 @@
                 <a:latin typeface="Courier New" panose="02070309020205020404" pitchFamily="49" charset="0"/>
                 <a:cs typeface="Courier New" panose="02070309020205020404" pitchFamily="49" charset="0"/>
               </a:rPr>
-              <a:t>I’ve narrowed it down to four possibilities and pulled their records from the database. Now I just need to match the usernames to access codes and figure out who works where. </a:t>
+              <a:t>I’ve narrowed it down to four possibilities (one from each department) and pulled their records from the database. Now I just need to match the usernames to access codes and figure out who works where. </a:t>
             </a:r>
           </a:p>
           <a:p>
@@ -10774,7 +10775,20 @@
                 <a:latin typeface="Courier New" panose="02070309020205020404" pitchFamily="49" charset="0"/>
                 <a:cs typeface="Courier New" panose="02070309020205020404" pitchFamily="49" charset="0"/>
               </a:rPr>
-              <a:t> is, they need to stop writing down their passwords on sticky notes. Now I know their access code is 2618.</a:t>
+              <a:t> is, they need to stop writing down their passwords </a:t>
+            </a:r>
+            <a:br>
+              <a:rPr lang="en-AU" sz="2000" dirty="0">
+                <a:latin typeface="Courier New" panose="02070309020205020404" pitchFamily="49" charset="0"/>
+                <a:cs typeface="Courier New" panose="02070309020205020404" pitchFamily="49" charset="0"/>
+              </a:rPr>
+            </a:br>
+            <a:r>
+              <a:rPr lang="en-AU" sz="2000" dirty="0">
+                <a:latin typeface="Courier New" panose="02070309020205020404" pitchFamily="49" charset="0"/>
+                <a:cs typeface="Courier New" panose="02070309020205020404" pitchFamily="49" charset="0"/>
+              </a:rPr>
+              <a:t>on sticky notes. Now I know their access code is 2618.</a:t>
             </a:r>
           </a:p>
         </p:txBody>
@@ -11852,6 +11866,536 @@
 </p:sld>
 </file>
 
+<file path=ppt/slides/slide5.xml><?xml version="1.0" encoding="utf-8"?>
+<p:sld xmlns:a="http://schemas.openxmlformats.org/drawingml/2006/main" xmlns:r="http://schemas.openxmlformats.org/officeDocument/2006/relationships" xmlns:p="http://schemas.openxmlformats.org/presentationml/2006/main">
+  <p:cSld>
+    <p:bg>
+      <p:bgPr>
+        <a:solidFill>
+          <a:schemeClr val="tx1"/>
+        </a:solidFill>
+        <a:effectLst/>
+      </p:bgPr>
+    </p:bg>
+    <p:spTree>
+      <p:nvGrpSpPr>
+        <p:cNvPr id="1" name=""/>
+        <p:cNvGrpSpPr/>
+        <p:nvPr/>
+      </p:nvGrpSpPr>
+      <p:grpSpPr>
+        <a:xfrm>
+          <a:off x="0" y="0"/>
+          <a:ext cx="0" cy="0"/>
+          <a:chOff x="0" y="0"/>
+          <a:chExt cx="0" cy="0"/>
+        </a:xfrm>
+      </p:grpSpPr>
+      <p:pic>
+        <p:nvPicPr>
+          <p:cNvPr id="4" name="Picture 3">
+            <a:extLst>
+              <a:ext uri="{FF2B5EF4-FFF2-40B4-BE49-F238E27FC236}">
+                <a16:creationId xmlns:a16="http://schemas.microsoft.com/office/drawing/2014/main" id="{709250BF-402E-4464-A61E-DBDB9D3B96E0}"/>
+              </a:ext>
+            </a:extLst>
+          </p:cNvPr>
+          <p:cNvPicPr>
+            <a:picLocks noChangeAspect="1"/>
+          </p:cNvPicPr>
+          <p:nvPr/>
+        </p:nvPicPr>
+        <p:blipFill>
+          <a:blip r:embed="rId2">
+            <a:extLst>
+              <a:ext uri="{BEBA8EAE-BF5A-486C-A8C5-ECC9F3942E4B}">
+                <a14:imgProps xmlns:a14="http://schemas.microsoft.com/office/drawing/2010/main">
+                  <a14:imgLayer r:embed="rId3">
+                    <a14:imgEffect>
+                      <a14:saturation sat="0"/>
+                    </a14:imgEffect>
+                  </a14:imgLayer>
+                </a14:imgProps>
+              </a:ext>
+            </a:extLst>
+          </a:blip>
+          <a:stretch>
+            <a:fillRect/>
+          </a:stretch>
+        </p:blipFill>
+        <p:spPr>
+          <a:xfrm>
+            <a:off x="6046816" y="6757115"/>
+            <a:ext cx="1028844" cy="1495634"/>
+          </a:xfrm>
+          <a:prstGeom prst="rect">
+            <a:avLst/>
+          </a:prstGeom>
+        </p:spPr>
+      </p:pic>
+      <p:sp>
+        <p:nvSpPr>
+          <p:cNvPr id="24" name="TextBox 23">
+            <a:extLst>
+              <a:ext uri="{FF2B5EF4-FFF2-40B4-BE49-F238E27FC236}">
+                <a16:creationId xmlns:a16="http://schemas.microsoft.com/office/drawing/2014/main" id="{EFA591A5-517B-43E7-929B-7964CC895C83}"/>
+              </a:ext>
+            </a:extLst>
+          </p:cNvPr>
+          <p:cNvSpPr txBox="1"/>
+          <p:nvPr/>
+        </p:nvSpPr>
+        <p:spPr>
+          <a:xfrm>
+            <a:off x="2982563" y="6729086"/>
+            <a:ext cx="3048000" cy="923330"/>
+          </a:xfrm>
+          <a:prstGeom prst="rect">
+            <a:avLst/>
+          </a:prstGeom>
+          <a:noFill/>
+        </p:spPr>
+        <p:txBody>
+          <a:bodyPr wrap="square">
+            <a:spAutoFit/>
+          </a:bodyPr>
+          <a:lstStyle/>
+          <a:p>
+            <a:pPr algn="r"/>
+            <a:r>
+              <a:rPr lang="en-AU" dirty="0">
+                <a:solidFill>
+                  <a:schemeClr val="bg1"/>
+                </a:solidFill>
+                <a:latin typeface="Cambria" panose="02040503050406030204" pitchFamily="18" charset="0"/>
+                <a:ea typeface="Cambria" panose="02040503050406030204" pitchFamily="18" charset="0"/>
+              </a:rPr>
+              <a:t>Left mouse button to examine and interact with highlighted objects</a:t>
+            </a:r>
+          </a:p>
+        </p:txBody>
+      </p:sp>
+      <p:grpSp>
+        <p:nvGrpSpPr>
+          <p:cNvPr id="23" name="Group 22">
+            <a:extLst>
+              <a:ext uri="{FF2B5EF4-FFF2-40B4-BE49-F238E27FC236}">
+                <a16:creationId xmlns:a16="http://schemas.microsoft.com/office/drawing/2014/main" id="{DBBF28B5-FDDB-44B1-B569-ACDBB7A1E066}"/>
+              </a:ext>
+            </a:extLst>
+          </p:cNvPr>
+          <p:cNvGrpSpPr/>
+          <p:nvPr/>
+        </p:nvGrpSpPr>
+        <p:grpSpPr>
+          <a:xfrm>
+            <a:off x="1014479" y="6712450"/>
+            <a:ext cx="2341221" cy="1550459"/>
+            <a:chOff x="3561659" y="7084255"/>
+            <a:chExt cx="2341221" cy="1550459"/>
+          </a:xfrm>
+        </p:grpSpPr>
+        <p:sp>
+          <p:nvSpPr>
+            <p:cNvPr id="5" name="Rectangle: Rounded Corners 4">
+              <a:extLst>
+                <a:ext uri="{FF2B5EF4-FFF2-40B4-BE49-F238E27FC236}">
+                  <a16:creationId xmlns:a16="http://schemas.microsoft.com/office/drawing/2014/main" id="{E031249B-7874-4D2C-9163-FD24A84D7BFE}"/>
+                </a:ext>
+              </a:extLst>
+            </p:cNvPr>
+            <p:cNvSpPr/>
+            <p:nvPr/>
+          </p:nvSpPr>
+          <p:spPr>
+            <a:xfrm>
+              <a:off x="3970116" y="8252749"/>
+              <a:ext cx="451413" cy="381965"/>
+            </a:xfrm>
+            <a:prstGeom prst="roundRect">
+              <a:avLst/>
+            </a:prstGeom>
+            <a:solidFill>
+              <a:schemeClr val="bg1"/>
+            </a:solidFill>
+            <a:ln>
+              <a:solidFill>
+                <a:schemeClr val="tx1"/>
+              </a:solidFill>
+            </a:ln>
+          </p:spPr>
+          <p:style>
+            <a:lnRef idx="2">
+              <a:schemeClr val="accent1">
+                <a:shade val="50000"/>
+              </a:schemeClr>
+            </a:lnRef>
+            <a:fillRef idx="1">
+              <a:schemeClr val="accent1"/>
+            </a:fillRef>
+            <a:effectRef idx="0">
+              <a:schemeClr val="accent1"/>
+            </a:effectRef>
+            <a:fontRef idx="minor">
+              <a:schemeClr val="lt1"/>
+            </a:fontRef>
+          </p:style>
+          <p:txBody>
+            <a:bodyPr rtlCol="0" anchor="ctr"/>
+            <a:lstStyle/>
+            <a:p>
+              <a:pPr algn="ctr"/>
+              <a:r>
+                <a:rPr lang="en-AU" dirty="0">
+                  <a:solidFill>
+                    <a:schemeClr val="tx1"/>
+                  </a:solidFill>
+                  <a:latin typeface="Arial" panose="020B0604020202020204" pitchFamily="34" charset="0"/>
+                  <a:cs typeface="Arial" panose="020B0604020202020204" pitchFamily="34" charset="0"/>
+                </a:rPr>
+                <a:t>A</a:t>
+              </a:r>
+            </a:p>
+          </p:txBody>
+        </p:sp>
+        <p:sp>
+          <p:nvSpPr>
+            <p:cNvPr id="18" name="Rectangle: Rounded Corners 17">
+              <a:extLst>
+                <a:ext uri="{FF2B5EF4-FFF2-40B4-BE49-F238E27FC236}">
+                  <a16:creationId xmlns:a16="http://schemas.microsoft.com/office/drawing/2014/main" id="{2E4BBE57-2C9C-41F7-826F-8EF90F1CF53B}"/>
+                </a:ext>
+              </a:extLst>
+            </p:cNvPr>
+            <p:cNvSpPr/>
+            <p:nvPr/>
+          </p:nvSpPr>
+          <p:spPr>
+            <a:xfrm>
+              <a:off x="4506564" y="8252749"/>
+              <a:ext cx="451413" cy="381965"/>
+            </a:xfrm>
+            <a:prstGeom prst="roundRect">
+              <a:avLst/>
+            </a:prstGeom>
+            <a:solidFill>
+              <a:schemeClr val="bg1"/>
+            </a:solidFill>
+            <a:ln>
+              <a:solidFill>
+                <a:schemeClr val="tx1"/>
+              </a:solidFill>
+            </a:ln>
+          </p:spPr>
+          <p:style>
+            <a:lnRef idx="2">
+              <a:schemeClr val="accent1">
+                <a:shade val="50000"/>
+              </a:schemeClr>
+            </a:lnRef>
+            <a:fillRef idx="1">
+              <a:schemeClr val="accent1"/>
+            </a:fillRef>
+            <a:effectRef idx="0">
+              <a:schemeClr val="accent1"/>
+            </a:effectRef>
+            <a:fontRef idx="minor">
+              <a:schemeClr val="lt1"/>
+            </a:fontRef>
+          </p:style>
+          <p:txBody>
+            <a:bodyPr rtlCol="0" anchor="ctr"/>
+            <a:lstStyle/>
+            <a:p>
+              <a:pPr algn="ctr"/>
+              <a:r>
+                <a:rPr lang="en-AU" dirty="0">
+                  <a:solidFill>
+                    <a:schemeClr val="tx1"/>
+                  </a:solidFill>
+                  <a:latin typeface="Arial" panose="020B0604020202020204" pitchFamily="34" charset="0"/>
+                  <a:cs typeface="Arial" panose="020B0604020202020204" pitchFamily="34" charset="0"/>
+                </a:rPr>
+                <a:t>S</a:t>
+              </a:r>
+            </a:p>
+          </p:txBody>
+        </p:sp>
+        <p:sp>
+          <p:nvSpPr>
+            <p:cNvPr id="19" name="Rectangle: Rounded Corners 18">
+              <a:extLst>
+                <a:ext uri="{FF2B5EF4-FFF2-40B4-BE49-F238E27FC236}">
+                  <a16:creationId xmlns:a16="http://schemas.microsoft.com/office/drawing/2014/main" id="{88EC1963-8471-4540-AA6F-230BD4F33946}"/>
+                </a:ext>
+              </a:extLst>
+            </p:cNvPr>
+            <p:cNvSpPr/>
+            <p:nvPr/>
+          </p:nvSpPr>
+          <p:spPr>
+            <a:xfrm>
+              <a:off x="5043012" y="8252749"/>
+              <a:ext cx="451413" cy="381965"/>
+            </a:xfrm>
+            <a:prstGeom prst="roundRect">
+              <a:avLst/>
+            </a:prstGeom>
+            <a:solidFill>
+              <a:schemeClr val="bg1"/>
+            </a:solidFill>
+            <a:ln>
+              <a:solidFill>
+                <a:schemeClr val="tx1"/>
+              </a:solidFill>
+            </a:ln>
+          </p:spPr>
+          <p:style>
+            <a:lnRef idx="2">
+              <a:schemeClr val="accent1">
+                <a:shade val="50000"/>
+              </a:schemeClr>
+            </a:lnRef>
+            <a:fillRef idx="1">
+              <a:schemeClr val="accent1"/>
+            </a:fillRef>
+            <a:effectRef idx="0">
+              <a:schemeClr val="accent1"/>
+            </a:effectRef>
+            <a:fontRef idx="minor">
+              <a:schemeClr val="lt1"/>
+            </a:fontRef>
+          </p:style>
+          <p:txBody>
+            <a:bodyPr rtlCol="0" anchor="ctr"/>
+            <a:lstStyle/>
+            <a:p>
+              <a:pPr algn="ctr"/>
+              <a:r>
+                <a:rPr lang="en-AU" dirty="0">
+                  <a:solidFill>
+                    <a:schemeClr val="tx1"/>
+                  </a:solidFill>
+                  <a:latin typeface="Arial" panose="020B0604020202020204" pitchFamily="34" charset="0"/>
+                  <a:cs typeface="Arial" panose="020B0604020202020204" pitchFamily="34" charset="0"/>
+                </a:rPr>
+                <a:t>D</a:t>
+              </a:r>
+            </a:p>
+          </p:txBody>
+        </p:sp>
+        <p:sp>
+          <p:nvSpPr>
+            <p:cNvPr id="20" name="Rectangle: Rounded Corners 19">
+              <a:extLst>
+                <a:ext uri="{FF2B5EF4-FFF2-40B4-BE49-F238E27FC236}">
+                  <a16:creationId xmlns:a16="http://schemas.microsoft.com/office/drawing/2014/main" id="{B7973F89-6721-404E-A61F-E41D70D9C140}"/>
+                </a:ext>
+              </a:extLst>
+            </p:cNvPr>
+            <p:cNvSpPr/>
+            <p:nvPr/>
+          </p:nvSpPr>
+          <p:spPr>
+            <a:xfrm>
+              <a:off x="4280857" y="7812268"/>
+              <a:ext cx="451413" cy="381965"/>
+            </a:xfrm>
+            <a:prstGeom prst="roundRect">
+              <a:avLst/>
+            </a:prstGeom>
+            <a:solidFill>
+              <a:schemeClr val="bg1"/>
+            </a:solidFill>
+            <a:ln>
+              <a:solidFill>
+                <a:schemeClr val="tx1"/>
+              </a:solidFill>
+            </a:ln>
+          </p:spPr>
+          <p:style>
+            <a:lnRef idx="2">
+              <a:schemeClr val="accent1">
+                <a:shade val="50000"/>
+              </a:schemeClr>
+            </a:lnRef>
+            <a:fillRef idx="1">
+              <a:schemeClr val="accent1"/>
+            </a:fillRef>
+            <a:effectRef idx="0">
+              <a:schemeClr val="accent1"/>
+            </a:effectRef>
+            <a:fontRef idx="minor">
+              <a:schemeClr val="lt1"/>
+            </a:fontRef>
+          </p:style>
+          <p:txBody>
+            <a:bodyPr rtlCol="0" anchor="ctr"/>
+            <a:lstStyle/>
+            <a:p>
+              <a:pPr algn="ctr"/>
+              <a:r>
+                <a:rPr lang="en-AU" dirty="0">
+                  <a:solidFill>
+                    <a:schemeClr val="tx1"/>
+                  </a:solidFill>
+                  <a:latin typeface="Arial" panose="020B0604020202020204" pitchFamily="34" charset="0"/>
+                  <a:cs typeface="Arial" panose="020B0604020202020204" pitchFamily="34" charset="0"/>
+                </a:rPr>
+                <a:t>W</a:t>
+              </a:r>
+            </a:p>
+          </p:txBody>
+        </p:sp>
+        <p:sp>
+          <p:nvSpPr>
+            <p:cNvPr id="22" name="TextBox 21">
+              <a:extLst>
+                <a:ext uri="{FF2B5EF4-FFF2-40B4-BE49-F238E27FC236}">
+                  <a16:creationId xmlns:a16="http://schemas.microsoft.com/office/drawing/2014/main" id="{B3AC106F-5DD9-4F1C-ADBC-5F54F4164A74}"/>
+                </a:ext>
+              </a:extLst>
+            </p:cNvPr>
+            <p:cNvSpPr txBox="1"/>
+            <p:nvPr/>
+          </p:nvSpPr>
+          <p:spPr>
+            <a:xfrm>
+              <a:off x="3561659" y="7084255"/>
+              <a:ext cx="2341221" cy="369332"/>
+            </a:xfrm>
+            <a:prstGeom prst="rect">
+              <a:avLst/>
+            </a:prstGeom>
+            <a:noFill/>
+          </p:spPr>
+          <p:txBody>
+            <a:bodyPr wrap="square">
+              <a:spAutoFit/>
+            </a:bodyPr>
+            <a:lstStyle/>
+            <a:p>
+              <a:pPr algn="ctr"/>
+              <a:r>
+                <a:rPr lang="en-AU" dirty="0">
+                  <a:solidFill>
+                    <a:schemeClr val="bg1"/>
+                  </a:solidFill>
+                  <a:latin typeface="Cambria" panose="02040503050406030204" pitchFamily="18" charset="0"/>
+                  <a:ea typeface="Cambria" panose="02040503050406030204" pitchFamily="18" charset="0"/>
+                </a:rPr>
+                <a:t>WASD for movement</a:t>
+              </a:r>
+            </a:p>
+          </p:txBody>
+        </p:sp>
+        <p:sp>
+          <p:nvSpPr>
+            <p:cNvPr id="10" name="Right Brace 9">
+              <a:extLst>
+                <a:ext uri="{FF2B5EF4-FFF2-40B4-BE49-F238E27FC236}">
+                  <a16:creationId xmlns:a16="http://schemas.microsoft.com/office/drawing/2014/main" id="{03B8A0C2-4190-422E-AD39-DACE97B4486C}"/>
+                </a:ext>
+              </a:extLst>
+            </p:cNvPr>
+            <p:cNvSpPr/>
+            <p:nvPr/>
+          </p:nvSpPr>
+          <p:spPr>
+            <a:xfrm rot="5400000" flipH="1">
+              <a:off x="4547602" y="6746200"/>
+              <a:ext cx="369333" cy="1762802"/>
+            </a:xfrm>
+            <a:prstGeom prst="rightBrace">
+              <a:avLst>
+                <a:gd name="adj1" fmla="val 69946"/>
+                <a:gd name="adj2" fmla="val 50000"/>
+              </a:avLst>
+            </a:prstGeom>
+            <a:ln w="25400">
+              <a:solidFill>
+                <a:schemeClr val="bg1"/>
+              </a:solidFill>
+            </a:ln>
+          </p:spPr>
+          <p:style>
+            <a:lnRef idx="1">
+              <a:schemeClr val="accent1"/>
+            </a:lnRef>
+            <a:fillRef idx="0">
+              <a:schemeClr val="accent1"/>
+            </a:fillRef>
+            <a:effectRef idx="0">
+              <a:schemeClr val="accent1"/>
+            </a:effectRef>
+            <a:fontRef idx="minor">
+              <a:schemeClr val="tx1"/>
+            </a:fontRef>
+          </p:style>
+          <p:txBody>
+            <a:bodyPr rtlCol="0" anchor="ctr"/>
+            <a:lstStyle/>
+            <a:p>
+              <a:pPr algn="ctr"/>
+              <a:endParaRPr lang="en-AU"/>
+            </a:p>
+          </p:txBody>
+        </p:sp>
+      </p:grpSp>
+      <p:sp>
+        <p:nvSpPr>
+          <p:cNvPr id="35" name="TextBox 34">
+            <a:extLst>
+              <a:ext uri="{FF2B5EF4-FFF2-40B4-BE49-F238E27FC236}">
+                <a16:creationId xmlns:a16="http://schemas.microsoft.com/office/drawing/2014/main" id="{FBFB3E20-720F-45B3-B316-C19F088294EA}"/>
+              </a:ext>
+            </a:extLst>
+          </p:cNvPr>
+          <p:cNvSpPr txBox="1"/>
+          <p:nvPr/>
+        </p:nvSpPr>
+        <p:spPr>
+          <a:xfrm>
+            <a:off x="7091913" y="6858601"/>
+            <a:ext cx="1763364" cy="646331"/>
+          </a:xfrm>
+          <a:prstGeom prst="rect">
+            <a:avLst/>
+          </a:prstGeom>
+          <a:noFill/>
+        </p:spPr>
+        <p:txBody>
+          <a:bodyPr wrap="square">
+            <a:spAutoFit/>
+          </a:bodyPr>
+          <a:lstStyle/>
+          <a:p>
+            <a:r>
+              <a:rPr lang="en-AU" dirty="0">
+                <a:solidFill>
+                  <a:schemeClr val="bg1"/>
+                </a:solidFill>
+                <a:latin typeface="Cambria" panose="02040503050406030204" pitchFamily="18" charset="0"/>
+                <a:ea typeface="Cambria" panose="02040503050406030204" pitchFamily="18" charset="0"/>
+              </a:rPr>
+              <a:t>Right mouse button to cancel</a:t>
+            </a:r>
+          </a:p>
+        </p:txBody>
+      </p:sp>
+    </p:spTree>
+    <p:extLst>
+      <p:ext uri="{BB962C8B-B14F-4D97-AF65-F5344CB8AC3E}">
+        <p14:creationId xmlns:p14="http://schemas.microsoft.com/office/powerpoint/2010/main" val="1374146322"/>
+      </p:ext>
+    </p:extLst>
+  </p:cSld>
+  <p:clrMapOvr>
+    <a:masterClrMapping/>
+  </p:clrMapOvr>
+</p:sld>
+</file>
+
 <file path=ppt/theme/theme1.xml><?xml version="1.0" encoding="utf-8"?>
 <a:theme xmlns:a="http://schemas.openxmlformats.org/drawingml/2006/main" name="Office Theme">
   <a:themeElements>

--- a/Clues.pptx
+++ b/Clues.pptx
@@ -247,7 +247,7 @@
           <a:p>
             <a:fld id="{2A2C2C6E-F6BD-497D-87CF-72A02E526C5B}" type="datetimeFigureOut">
               <a:rPr lang="en-AU" smtClean="0"/>
-              <a:t>6/09/2021</a:t>
+              <a:t>26/09/2021</a:t>
             </a:fld>
             <a:endParaRPr lang="en-AU"/>
           </a:p>
@@ -417,7 +417,7 @@
           <a:p>
             <a:fld id="{2A2C2C6E-F6BD-497D-87CF-72A02E526C5B}" type="datetimeFigureOut">
               <a:rPr lang="en-AU" smtClean="0"/>
-              <a:t>6/09/2021</a:t>
+              <a:t>26/09/2021</a:t>
             </a:fld>
             <a:endParaRPr lang="en-AU"/>
           </a:p>
@@ -597,7 +597,7 @@
           <a:p>
             <a:fld id="{2A2C2C6E-F6BD-497D-87CF-72A02E526C5B}" type="datetimeFigureOut">
               <a:rPr lang="en-AU" smtClean="0"/>
-              <a:t>6/09/2021</a:t>
+              <a:t>26/09/2021</a:t>
             </a:fld>
             <a:endParaRPr lang="en-AU"/>
           </a:p>
@@ -767,7 +767,7 @@
           <a:p>
             <a:fld id="{2A2C2C6E-F6BD-497D-87CF-72A02E526C5B}" type="datetimeFigureOut">
               <a:rPr lang="en-AU" smtClean="0"/>
-              <a:t>6/09/2021</a:t>
+              <a:t>26/09/2021</a:t>
             </a:fld>
             <a:endParaRPr lang="en-AU"/>
           </a:p>
@@ -1011,7 +1011,7 @@
           <a:p>
             <a:fld id="{2A2C2C6E-F6BD-497D-87CF-72A02E526C5B}" type="datetimeFigureOut">
               <a:rPr lang="en-AU" smtClean="0"/>
-              <a:t>6/09/2021</a:t>
+              <a:t>26/09/2021</a:t>
             </a:fld>
             <a:endParaRPr lang="en-AU"/>
           </a:p>
@@ -1243,7 +1243,7 @@
           <a:p>
             <a:fld id="{2A2C2C6E-F6BD-497D-87CF-72A02E526C5B}" type="datetimeFigureOut">
               <a:rPr lang="en-AU" smtClean="0"/>
-              <a:t>6/09/2021</a:t>
+              <a:t>26/09/2021</a:t>
             </a:fld>
             <a:endParaRPr lang="en-AU"/>
           </a:p>
@@ -1610,7 +1610,7 @@
           <a:p>
             <a:fld id="{2A2C2C6E-F6BD-497D-87CF-72A02E526C5B}" type="datetimeFigureOut">
               <a:rPr lang="en-AU" smtClean="0"/>
-              <a:t>6/09/2021</a:t>
+              <a:t>26/09/2021</a:t>
             </a:fld>
             <a:endParaRPr lang="en-AU"/>
           </a:p>
@@ -1728,7 +1728,7 @@
           <a:p>
             <a:fld id="{2A2C2C6E-F6BD-497D-87CF-72A02E526C5B}" type="datetimeFigureOut">
               <a:rPr lang="en-AU" smtClean="0"/>
-              <a:t>6/09/2021</a:t>
+              <a:t>26/09/2021</a:t>
             </a:fld>
             <a:endParaRPr lang="en-AU"/>
           </a:p>
@@ -1823,7 +1823,7 @@
           <a:p>
             <a:fld id="{2A2C2C6E-F6BD-497D-87CF-72A02E526C5B}" type="datetimeFigureOut">
               <a:rPr lang="en-AU" smtClean="0"/>
-              <a:t>6/09/2021</a:t>
+              <a:t>26/09/2021</a:t>
             </a:fld>
             <a:endParaRPr lang="en-AU"/>
           </a:p>
@@ -2100,7 +2100,7 @@
           <a:p>
             <a:fld id="{2A2C2C6E-F6BD-497D-87CF-72A02E526C5B}" type="datetimeFigureOut">
               <a:rPr lang="en-AU" smtClean="0"/>
-              <a:t>6/09/2021</a:t>
+              <a:t>26/09/2021</a:t>
             </a:fld>
             <a:endParaRPr lang="en-AU"/>
           </a:p>
@@ -2357,7 +2357,7 @@
           <a:p>
             <a:fld id="{2A2C2C6E-F6BD-497D-87CF-72A02E526C5B}" type="datetimeFigureOut">
               <a:rPr lang="en-AU" smtClean="0"/>
-              <a:t>6/09/2021</a:t>
+              <a:t>26/09/2021</a:t>
             </a:fld>
             <a:endParaRPr lang="en-AU"/>
           </a:p>
@@ -2570,7 +2570,7 @@
           <a:p>
             <a:fld id="{2A2C2C6E-F6BD-497D-87CF-72A02E526C5B}" type="datetimeFigureOut">
               <a:rPr lang="en-AU" smtClean="0"/>
-              <a:t>6/09/2021</a:t>
+              <a:t>26/09/2021</a:t>
             </a:fld>
             <a:endParaRPr lang="en-AU"/>
           </a:p>
@@ -3124,7 +3124,7 @@
                 <a:latin typeface="Courier New" panose="02070309020205020404" pitchFamily="49" charset="0"/>
                 <a:cs typeface="Courier New" panose="02070309020205020404" pitchFamily="49" charset="0"/>
               </a:rPr>
-              <a:t>I trust you are all capable of memorising a simple 10-digit alphanumeric code. If you must write yourself a hint to jog your memory, please store it in safe place, out of sight.</a:t>
+              <a:t>I trust you are all capable of memorising a simple 6-digit alphanumeric code. If you must write yourself a hint to jog your memory, please store it in safe place, out of sight.</a:t>
             </a:r>
           </a:p>
           <a:p>
@@ -3633,7 +3633,7 @@
         </p:blipFill>
         <p:spPr>
           <a:xfrm rot="10405335">
-            <a:off x="2884820" y="5693055"/>
+            <a:off x="2680786" y="5731155"/>
             <a:ext cx="381891" cy="609685"/>
           </a:xfrm>
           <a:prstGeom prst="rect">
